--- a/presentations/2025-04-DaVinci/Event/Burden Reduction - Approach for Achieving Conformance.pptx
+++ b/presentations/2025-04-DaVinci/Event/Burden Reduction - Approach for Achieving Conformance.pptx
@@ -5,7 +5,7 @@
     <p:sldMasterId id="2147483670" r:id="rId4"/>
   </p:sldMasterIdLst>
   <p:notesMasterIdLst>
-    <p:notesMasterId r:id="rId22"/>
+    <p:notesMasterId r:id="rId27"/>
   </p:notesMasterIdLst>
   <p:sldIdLst>
     <p:sldId id="256" r:id="rId5"/>
@@ -22,9 +22,14 @@
     <p:sldId id="263" r:id="rId16"/>
     <p:sldId id="265" r:id="rId17"/>
     <p:sldId id="264" r:id="rId18"/>
-    <p:sldId id="267" r:id="rId19"/>
-    <p:sldId id="266" r:id="rId20"/>
-    <p:sldId id="269" r:id="rId21"/>
+    <p:sldId id="277" r:id="rId19"/>
+    <p:sldId id="273" r:id="rId20"/>
+    <p:sldId id="274" r:id="rId21"/>
+    <p:sldId id="275" r:id="rId22"/>
+    <p:sldId id="276" r:id="rId23"/>
+    <p:sldId id="267" r:id="rId24"/>
+    <p:sldId id="266" r:id="rId25"/>
+    <p:sldId id="269" r:id="rId26"/>
   </p:sldIdLst>
   <p:sldSz cx="12192000" cy="6858000"/>
   <p:notesSz cx="7010400" cy="9296400"/>
@@ -5695,7 +5700,38 @@
           <a:bodyPr/>
           <a:lstStyle/>
           <a:p>
-            <a:endParaRPr lang="en-CA"/>
+            <a:r>
+              <a:rPr lang="en-CA" dirty="0"/>
+              <a:t>Primary objective:</a:t>
+            </a:r>
+          </a:p>
+          <a:p>
+            <a:pPr lvl="1"/>
+            <a:r>
+              <a:rPr lang="en-CA" dirty="0"/>
+              <a:t>Receive an answer to “do I have authorization to do this?”</a:t>
+            </a:r>
+          </a:p>
+          <a:p>
+            <a:r>
+              <a:rPr lang="en-CA" dirty="0"/>
+              <a:t>When combined with CRD and DTR, efficiency will be increased because providers will know if authorization is needed and what information is required to be included to make the authorization decision</a:t>
+            </a:r>
+          </a:p>
+          <a:p>
+            <a:endParaRPr lang="en-CA" dirty="0"/>
+          </a:p>
+          <a:p>
+            <a:r>
+              <a:rPr lang="en-CA" dirty="0"/>
+              <a:t>PAS IG provides a means for EHRs to send authorization requests using FHIR that will be converted to X12 278.</a:t>
+            </a:r>
+          </a:p>
+          <a:p>
+            <a:r>
+              <a:rPr lang="en-CA" dirty="0"/>
+              <a:t>CMS has granted an exception that allows providers and payers to use PAS FHIR Bundles without conversion to X12</a:t>
+            </a:r>
           </a:p>
         </p:txBody>
       </p:sp>
@@ -5720,7 +5756,10 @@
           <a:bodyPr/>
           <a:lstStyle/>
           <a:p>
-            <a:endParaRPr lang="en-CA"/>
+            <a:r>
+              <a:rPr lang="en-CA" dirty="0"/>
+              <a:t>PAS Regulatory Objectives</a:t>
+            </a:r>
           </a:p>
         </p:txBody>
       </p:sp>
@@ -5742,13 +5781,7 @@
   <p:cSld>
     <p:spTree>
       <p:nvGrpSpPr>
-        <p:cNvPr id="1" name="">
-          <a:extLst>
-            <a:ext uri="{FF2B5EF4-FFF2-40B4-BE49-F238E27FC236}">
-              <a16:creationId xmlns:a16="http://schemas.microsoft.com/office/drawing/2014/main" id="{36A5A747-EB81-EC2C-A840-2CFFFE97F5BF}"/>
-            </a:ext>
-          </a:extLst>
-        </p:cNvPr>
+        <p:cNvPr id="1" name=""/>
         <p:cNvGrpSpPr/>
         <p:nvPr/>
       </p:nvGrpSpPr>
@@ -5762,10 +5795,63 @@
       </p:grpSpPr>
       <p:sp>
         <p:nvSpPr>
-          <p:cNvPr id="5" name="Title 4">
-            <a:extLst>
-              <a:ext uri="{FF2B5EF4-FFF2-40B4-BE49-F238E27FC236}">
-                <a16:creationId xmlns:a16="http://schemas.microsoft.com/office/drawing/2014/main" id="{C83304B5-F4A3-E9E0-7BA4-B1800C085FAB}"/>
+          <p:cNvPr id="2" name="Text Placeholder 1">
+            <a:extLst>
+              <a:ext uri="{FF2B5EF4-FFF2-40B4-BE49-F238E27FC236}">
+                <a16:creationId xmlns:a16="http://schemas.microsoft.com/office/drawing/2014/main" id="{5379705A-88B6-581D-1475-D9D2D2E7B8DF}"/>
+              </a:ext>
+            </a:extLst>
+          </p:cNvPr>
+          <p:cNvSpPr>
+            <a:spLocks noGrp="1"/>
+          </p:cNvSpPr>
+          <p:nvPr>
+            <p:ph type="body" sz="quarter" idx="14"/>
+          </p:nvPr>
+        </p:nvSpPr>
+        <p:spPr/>
+        <p:txBody>
+          <a:bodyPr/>
+          <a:lstStyle/>
+          <a:p>
+            <a:r>
+              <a:rPr lang="en-US" dirty="0"/>
+              <a:t>Support the $submit for the initial request</a:t>
+            </a:r>
+          </a:p>
+          <a:p>
+            <a:r>
+              <a:rPr lang="en-US" dirty="0"/>
+              <a:t>Support the $submit for updated requests</a:t>
+            </a:r>
+          </a:p>
+          <a:p>
+            <a:r>
+              <a:rPr lang="en-US" dirty="0"/>
+              <a:t>Support Subscriptions to return update notifications to existing requests</a:t>
+            </a:r>
+          </a:p>
+          <a:p>
+            <a:r>
+              <a:rPr lang="en-US" dirty="0"/>
+              <a:t>Support $inquire to search </a:t>
+            </a:r>
+            <a:r>
+              <a:rPr lang="en-US"/>
+              <a:t>for requests</a:t>
+            </a:r>
+          </a:p>
+          <a:p>
+            <a:endParaRPr lang="en-US"/>
+          </a:p>
+        </p:txBody>
+      </p:sp>
+      <p:sp>
+        <p:nvSpPr>
+          <p:cNvPr id="3" name="Title 2">
+            <a:extLst>
+              <a:ext uri="{FF2B5EF4-FFF2-40B4-BE49-F238E27FC236}">
+                <a16:creationId xmlns:a16="http://schemas.microsoft.com/office/drawing/2014/main" id="{56B285F3-3ECC-6033-A510-F53D22991FCA}"/>
               </a:ext>
             </a:extLst>
           </p:cNvPr>
@@ -5782,8 +5868,8 @@
           <a:lstStyle/>
           <a:p>
             <a:r>
-              <a:rPr lang="en-CA" dirty="0"/>
-              <a:t>Summing Up</a:t>
+              <a:rPr lang="en-US" dirty="0"/>
+              <a:t>PAS Requirements</a:t>
             </a:r>
           </a:p>
         </p:txBody>
@@ -5793,7 +5879,7 @@
           <p:cNvPr id="4" name="Slide Number Placeholder 3">
             <a:extLst>
               <a:ext uri="{FF2B5EF4-FFF2-40B4-BE49-F238E27FC236}">
-                <a16:creationId xmlns:a16="http://schemas.microsoft.com/office/drawing/2014/main" id="{6EEDD107-E9C1-5720-EAC2-7341DC55CCD7}"/>
+                <a16:creationId xmlns:a16="http://schemas.microsoft.com/office/drawing/2014/main" id="{40577094-CF81-A734-5772-693B7750ABC3}"/>
               </a:ext>
             </a:extLst>
           </p:cNvPr>
@@ -5801,15 +5887,10 @@
             <a:spLocks noGrp="1"/>
           </p:cNvSpPr>
           <p:nvPr>
-            <p:ph type="sldNum" sz="quarter" idx="4294967295"/>
+            <p:ph type="sldNum" sz="quarter" idx="7"/>
           </p:nvPr>
         </p:nvSpPr>
-        <p:spPr>
-          <a:xfrm>
-            <a:off x="11610975" y="6489700"/>
-            <a:ext cx="581025" cy="365125"/>
-          </a:xfrm>
-        </p:spPr>
+        <p:spPr/>
         <p:txBody>
           <a:bodyPr/>
           <a:lstStyle/>
@@ -5825,7 +5906,7 @@
     </p:spTree>
     <p:extLst>
       <p:ext uri="{BB962C8B-B14F-4D97-AF65-F5344CB8AC3E}">
-        <p14:creationId xmlns:p14="http://schemas.microsoft.com/office/powerpoint/2010/main" val="3905462553"/>
+        <p14:creationId xmlns:p14="http://schemas.microsoft.com/office/powerpoint/2010/main" val="1821740333"/>
       </p:ext>
     </p:extLst>
   </p:cSld>
@@ -5840,13 +5921,7 @@
   <p:cSld>
     <p:spTree>
       <p:nvGrpSpPr>
-        <p:cNvPr id="1" name="">
-          <a:extLst>
-            <a:ext uri="{FF2B5EF4-FFF2-40B4-BE49-F238E27FC236}">
-              <a16:creationId xmlns:a16="http://schemas.microsoft.com/office/drawing/2014/main" id="{9E43AE42-58F9-6F91-0D54-42D86B5F70C6}"/>
-            </a:ext>
-          </a:extLst>
-        </p:cNvPr>
+        <p:cNvPr id="1" name=""/>
         <p:cNvGrpSpPr/>
         <p:nvPr/>
       </p:nvGrpSpPr>
@@ -5860,10 +5935,10 @@
       </p:grpSpPr>
       <p:sp>
         <p:nvSpPr>
-          <p:cNvPr id="5" name="Text Placeholder 4">
-            <a:extLst>
-              <a:ext uri="{FF2B5EF4-FFF2-40B4-BE49-F238E27FC236}">
-                <a16:creationId xmlns:a16="http://schemas.microsoft.com/office/drawing/2014/main" id="{C87826AC-6C80-5ABE-9094-D0F17113C51D}"/>
+          <p:cNvPr id="2" name="Text Placeholder 1">
+            <a:extLst>
+              <a:ext uri="{FF2B5EF4-FFF2-40B4-BE49-F238E27FC236}">
+                <a16:creationId xmlns:a16="http://schemas.microsoft.com/office/drawing/2014/main" id="{A737E6A7-152A-B93C-085A-75F9581F8144}"/>
               </a:ext>
             </a:extLst>
           </p:cNvPr>
@@ -5880,36 +5955,65 @@
           <a:lstStyle/>
           <a:p>
             <a:r>
-              <a:rPr lang="en-CA" dirty="0"/>
-              <a:t>You don’t have to build everything in all the guides to comply</a:t>
-            </a:r>
-          </a:p>
-          <a:p>
-            <a:r>
-              <a:rPr lang="en-CA" dirty="0"/>
-              <a:t>You can (and should) build in parallel</a:t>
-            </a:r>
-          </a:p>
-          <a:p>
-            <a:r>
-              <a:rPr lang="en-CA" dirty="0"/>
-              <a:t>This is complex – so start early</a:t>
-            </a:r>
-          </a:p>
-          <a:p>
-            <a:r>
-              <a:rPr lang="en-CA" dirty="0"/>
-              <a:t>Build capability over time</a:t>
+              <a:rPr lang="en-US" dirty="0"/>
+              <a:t>The $submit operation is used to send a Prior Authorization request bundle that includes the Claim Request and any referenced resources for processing.</a:t>
+            </a:r>
+          </a:p>
+          <a:p>
+            <a:r>
+              <a:rPr lang="en-US" dirty="0"/>
+              <a:t>The input is a PAS Claim Request Bundle and the output is a PAS Claim Response Bundle or an </a:t>
+            </a:r>
+            <a:r>
+              <a:rPr lang="en-US" dirty="0" err="1"/>
+              <a:t>OperationOutcome</a:t>
+            </a:r>
+            <a:r>
+              <a:rPr lang="en-US" dirty="0"/>
+              <a:t> resource.</a:t>
+            </a:r>
+          </a:p>
+          <a:p>
+            <a:r>
+              <a:rPr lang="en-US" dirty="0"/>
+              <a:t>The response will indicate the status of the authorization of each item:</a:t>
+            </a:r>
+          </a:p>
+          <a:p>
+            <a:pPr lvl="1"/>
+            <a:r>
+              <a:rPr lang="en-US" dirty="0"/>
+              <a:t>Successful – the requested item has been approved</a:t>
+            </a:r>
+          </a:p>
+          <a:p>
+            <a:pPr lvl="1"/>
+            <a:r>
+              <a:rPr lang="en-US" dirty="0"/>
+              <a:t>Denied – the requested item has been denied</a:t>
+            </a:r>
+          </a:p>
+          <a:p>
+            <a:pPr lvl="1"/>
+            <a:r>
+              <a:rPr lang="en-US" dirty="0"/>
+              <a:t>Pended – the requested item is undergoing review</a:t>
+            </a:r>
+          </a:p>
+          <a:p>
+            <a:r>
+              <a:rPr lang="en-US" dirty="0"/>
+              <a:t>It is also possible for the response to return different items than what was requested.</a:t>
             </a:r>
           </a:p>
         </p:txBody>
       </p:sp>
       <p:sp>
         <p:nvSpPr>
-          <p:cNvPr id="4" name="Title 3">
-            <a:extLst>
-              <a:ext uri="{FF2B5EF4-FFF2-40B4-BE49-F238E27FC236}">
-                <a16:creationId xmlns:a16="http://schemas.microsoft.com/office/drawing/2014/main" id="{FA2E87CD-338A-BA53-BBF4-9C52BF39DBAB}"/>
+          <p:cNvPr id="3" name="Title 2">
+            <a:extLst>
+              <a:ext uri="{FF2B5EF4-FFF2-40B4-BE49-F238E27FC236}">
+                <a16:creationId xmlns:a16="http://schemas.microsoft.com/office/drawing/2014/main" id="{50998693-D4BE-18D9-8F1D-54EBD204758E}"/>
               </a:ext>
             </a:extLst>
           </p:cNvPr>
@@ -5926,16 +6030,45 @@
           <a:lstStyle/>
           <a:p>
             <a:r>
-              <a:rPr lang="en-CA" dirty="0"/>
-              <a:t>Key take-aways</a:t>
-            </a:r>
+              <a:rPr lang="en-US" dirty="0"/>
+              <a:t>PAS Claim $submit</a:t>
+            </a:r>
+          </a:p>
+        </p:txBody>
+      </p:sp>
+      <p:sp>
+        <p:nvSpPr>
+          <p:cNvPr id="4" name="Slide Number Placeholder 3">
+            <a:extLst>
+              <a:ext uri="{FF2B5EF4-FFF2-40B4-BE49-F238E27FC236}">
+                <a16:creationId xmlns:a16="http://schemas.microsoft.com/office/drawing/2014/main" id="{D9D1FA6A-5FB0-B083-7968-E4C4200C2F48}"/>
+              </a:ext>
+            </a:extLst>
+          </p:cNvPr>
+          <p:cNvSpPr>
+            <a:spLocks noGrp="1"/>
+          </p:cNvSpPr>
+          <p:nvPr>
+            <p:ph type="sldNum" sz="quarter" idx="7"/>
+          </p:nvPr>
+        </p:nvSpPr>
+        <p:spPr/>
+        <p:txBody>
+          <a:bodyPr/>
+          <a:lstStyle/>
+          <a:p>
+            <a:fld id="{B6F15528-21DE-4FAA-801E-634DDDAF4B2B}" type="slidenum">
+              <a:rPr lang="en-CA" smtClean="0"/>
+              <a:t>16</a:t>
+            </a:fld>
+            <a:endParaRPr lang="en-CA"/>
           </a:p>
         </p:txBody>
       </p:sp>
     </p:spTree>
     <p:extLst>
       <p:ext uri="{BB962C8B-B14F-4D97-AF65-F5344CB8AC3E}">
-        <p14:creationId xmlns:p14="http://schemas.microsoft.com/office/powerpoint/2010/main" val="461002858"/>
+        <p14:creationId xmlns:p14="http://schemas.microsoft.com/office/powerpoint/2010/main" val="2017393717"/>
       </p:ext>
     </p:extLst>
   </p:cSld>
@@ -5950,13 +6083,7 @@
   <p:cSld>
     <p:spTree>
       <p:nvGrpSpPr>
-        <p:cNvPr id="1" name="">
-          <a:extLst>
-            <a:ext uri="{FF2B5EF4-FFF2-40B4-BE49-F238E27FC236}">
-              <a16:creationId xmlns:a16="http://schemas.microsoft.com/office/drawing/2014/main" id="{4A267E3C-FE76-ADDB-FB9F-84D05EB68039}"/>
-            </a:ext>
-          </a:extLst>
-        </p:cNvPr>
+        <p:cNvPr id="1" name=""/>
         <p:cNvGrpSpPr/>
         <p:nvPr/>
       </p:nvGrpSpPr>
@@ -5970,10 +6097,53 @@
       </p:grpSpPr>
       <p:sp>
         <p:nvSpPr>
-          <p:cNvPr id="5" name="Title 4">
-            <a:extLst>
-              <a:ext uri="{FF2B5EF4-FFF2-40B4-BE49-F238E27FC236}">
-                <a16:creationId xmlns:a16="http://schemas.microsoft.com/office/drawing/2014/main" id="{7465A86E-DF90-DB76-AB33-CA55E772835B}"/>
+          <p:cNvPr id="2" name="Text Placeholder 1">
+            <a:extLst>
+              <a:ext uri="{FF2B5EF4-FFF2-40B4-BE49-F238E27FC236}">
+                <a16:creationId xmlns:a16="http://schemas.microsoft.com/office/drawing/2014/main" id="{FDE9F2B3-633C-9640-EE41-BEC2DE4FAB60}"/>
+              </a:ext>
+            </a:extLst>
+          </p:cNvPr>
+          <p:cNvSpPr>
+            <a:spLocks noGrp="1"/>
+          </p:cNvSpPr>
+          <p:nvPr>
+            <p:ph type="body" sz="quarter" idx="14"/>
+          </p:nvPr>
+        </p:nvSpPr>
+        <p:spPr/>
+        <p:txBody>
+          <a:bodyPr/>
+          <a:lstStyle/>
+          <a:p>
+            <a:r>
+              <a:rPr lang="en-US" dirty="0"/>
+              <a:t>If the response returns a pended item, then the provider system is expected to use FHIR Subscriptions to find out when the decision has been made.</a:t>
+            </a:r>
+          </a:p>
+          <a:p>
+            <a:r>
+              <a:rPr lang="en-US" dirty="0"/>
+              <a:t>The subscription is created at the level of the requesting provider organization and thus handles all requests made by that organization.</a:t>
+            </a:r>
+          </a:p>
+          <a:p>
+            <a:r>
+              <a:rPr lang="en-US" dirty="0"/>
+              <a:t>When the Prior Authorization response has changed, either to be approved, to be denied, or to require more information, the notification will be sent to the provider organization.</a:t>
+            </a:r>
+          </a:p>
+          <a:p>
+            <a:endParaRPr lang="en-US" dirty="0"/>
+          </a:p>
+        </p:txBody>
+      </p:sp>
+      <p:sp>
+        <p:nvSpPr>
+          <p:cNvPr id="3" name="Title 2">
+            <a:extLst>
+              <a:ext uri="{FF2B5EF4-FFF2-40B4-BE49-F238E27FC236}">
+                <a16:creationId xmlns:a16="http://schemas.microsoft.com/office/drawing/2014/main" id="{307E0247-6B50-B5ED-FD6B-E611CD6011A7}"/>
               </a:ext>
             </a:extLst>
           </p:cNvPr>
@@ -5990,8 +6160,8 @@
           <a:lstStyle/>
           <a:p>
             <a:r>
-              <a:rPr lang="en-CA" dirty="0"/>
-              <a:t>Questions?</a:t>
+              <a:rPr lang="en-US" dirty="0"/>
+              <a:t>Subscriptions</a:t>
             </a:r>
           </a:p>
         </p:txBody>
@@ -6001,7 +6171,7 @@
           <p:cNvPr id="4" name="Slide Number Placeholder 3">
             <a:extLst>
               <a:ext uri="{FF2B5EF4-FFF2-40B4-BE49-F238E27FC236}">
-                <a16:creationId xmlns:a16="http://schemas.microsoft.com/office/drawing/2014/main" id="{FD9E6229-00C6-9485-93D6-6EE66CE654D1}"/>
+                <a16:creationId xmlns:a16="http://schemas.microsoft.com/office/drawing/2014/main" id="{8DFCABE2-88D7-1D2B-0CB8-AEEC89C895FB}"/>
               </a:ext>
             </a:extLst>
           </p:cNvPr>
@@ -6009,15 +6179,10 @@
             <a:spLocks noGrp="1"/>
           </p:cNvSpPr>
           <p:nvPr>
-            <p:ph type="sldNum" sz="quarter" idx="4294967295"/>
+            <p:ph type="sldNum" sz="quarter" idx="7"/>
           </p:nvPr>
         </p:nvSpPr>
-        <p:spPr>
-          <a:xfrm>
-            <a:off x="11610975" y="6489700"/>
-            <a:ext cx="581025" cy="365125"/>
-          </a:xfrm>
-        </p:spPr>
+        <p:spPr/>
         <p:txBody>
           <a:bodyPr/>
           <a:lstStyle/>
@@ -6033,7 +6198,317 @@
     </p:spTree>
     <p:extLst>
       <p:ext uri="{BB962C8B-B14F-4D97-AF65-F5344CB8AC3E}">
-        <p14:creationId xmlns:p14="http://schemas.microsoft.com/office/powerpoint/2010/main" val="805596329"/>
+        <p14:creationId xmlns:p14="http://schemas.microsoft.com/office/powerpoint/2010/main" val="3487917906"/>
+      </p:ext>
+    </p:extLst>
+  </p:cSld>
+  <p:clrMapOvr>
+    <a:masterClrMapping/>
+  </p:clrMapOvr>
+</p:sld>
+</file>
+
+<file path=ppt/slides/slide18.xml><?xml version="1.0" encoding="utf-8"?>
+<p:sld xmlns:a="http://schemas.openxmlformats.org/drawingml/2006/main" xmlns:r="http://schemas.openxmlformats.org/officeDocument/2006/relationships" xmlns:p="http://schemas.openxmlformats.org/presentationml/2006/main">
+  <p:cSld>
+    <p:spTree>
+      <p:nvGrpSpPr>
+        <p:cNvPr id="1" name=""/>
+        <p:cNvGrpSpPr/>
+        <p:nvPr/>
+      </p:nvGrpSpPr>
+      <p:grpSpPr>
+        <a:xfrm>
+          <a:off x="0" y="0"/>
+          <a:ext cx="0" cy="0"/>
+          <a:chOff x="0" y="0"/>
+          <a:chExt cx="0" cy="0"/>
+        </a:xfrm>
+      </p:grpSpPr>
+      <p:sp>
+        <p:nvSpPr>
+          <p:cNvPr id="2" name="Text Placeholder 1">
+            <a:extLst>
+              <a:ext uri="{FF2B5EF4-FFF2-40B4-BE49-F238E27FC236}">
+                <a16:creationId xmlns:a16="http://schemas.microsoft.com/office/drawing/2014/main" id="{1C813303-BD95-B0C9-85FE-98B75F95E295}"/>
+              </a:ext>
+            </a:extLst>
+          </p:cNvPr>
+          <p:cNvSpPr>
+            <a:spLocks noGrp="1"/>
+          </p:cNvSpPr>
+          <p:nvPr>
+            <p:ph type="body" sz="quarter" idx="14"/>
+          </p:nvPr>
+        </p:nvSpPr>
+        <p:spPr/>
+        <p:txBody>
+          <a:bodyPr/>
+          <a:lstStyle/>
+          <a:p>
+            <a:r>
+              <a:rPr lang="en-US" dirty="0"/>
+              <a:t>Non-Submitting systems are not able to subscribe to Prior Authorizations.</a:t>
+            </a:r>
+          </a:p>
+          <a:p>
+            <a:r>
+              <a:rPr lang="en-US" dirty="0"/>
+              <a:t>There is a use case for non-submitting systems to find out about prior authorizations.</a:t>
+            </a:r>
+          </a:p>
+          <a:p>
+            <a:r>
+              <a:rPr lang="en-US" dirty="0"/>
+              <a:t>The $inquire operation supports searching for authorizations by example.</a:t>
+            </a:r>
+          </a:p>
+          <a:p>
+            <a:r>
+              <a:rPr lang="en-US" dirty="0"/>
+              <a:t>The incoming parameter is a FHIR Claim Inquiry Bundle which provides the items intended to match existing authorization requests:</a:t>
+            </a:r>
+          </a:p>
+          <a:p>
+            <a:pPr lvl="1"/>
+            <a:r>
+              <a:rPr lang="en-US" dirty="0"/>
+              <a:t>Requesting provider organization</a:t>
+            </a:r>
+          </a:p>
+          <a:p>
+            <a:pPr lvl="1"/>
+            <a:r>
+              <a:rPr lang="en-US" dirty="0"/>
+              <a:t>Payer organization</a:t>
+            </a:r>
+          </a:p>
+          <a:p>
+            <a:pPr lvl="1"/>
+            <a:r>
+              <a:rPr lang="en-US" dirty="0"/>
+              <a:t>Patient</a:t>
+            </a:r>
+          </a:p>
+          <a:p>
+            <a:pPr lvl="1"/>
+            <a:r>
+              <a:rPr lang="en-US" dirty="0"/>
+              <a:t>Other fields as needed</a:t>
+            </a:r>
+          </a:p>
+        </p:txBody>
+      </p:sp>
+      <p:sp>
+        <p:nvSpPr>
+          <p:cNvPr id="3" name="Title 2">
+            <a:extLst>
+              <a:ext uri="{FF2B5EF4-FFF2-40B4-BE49-F238E27FC236}">
+                <a16:creationId xmlns:a16="http://schemas.microsoft.com/office/drawing/2014/main" id="{9EADEA4A-A7AB-45F9-B483-35B4F8224732}"/>
+              </a:ext>
+            </a:extLst>
+          </p:cNvPr>
+          <p:cNvSpPr>
+            <a:spLocks noGrp="1"/>
+          </p:cNvSpPr>
+          <p:nvPr>
+            <p:ph type="title"/>
+          </p:nvPr>
+        </p:nvSpPr>
+        <p:spPr/>
+        <p:txBody>
+          <a:bodyPr/>
+          <a:lstStyle/>
+          <a:p>
+            <a:r>
+              <a:rPr lang="en-US" dirty="0"/>
+              <a:t>Prior Authorization Inquiries</a:t>
+            </a:r>
+          </a:p>
+        </p:txBody>
+      </p:sp>
+      <p:sp>
+        <p:nvSpPr>
+          <p:cNvPr id="4" name="Slide Number Placeholder 3">
+            <a:extLst>
+              <a:ext uri="{FF2B5EF4-FFF2-40B4-BE49-F238E27FC236}">
+                <a16:creationId xmlns:a16="http://schemas.microsoft.com/office/drawing/2014/main" id="{3AEB1BB1-3A67-4C42-BBBB-019C7DD5CE37}"/>
+              </a:ext>
+            </a:extLst>
+          </p:cNvPr>
+          <p:cNvSpPr>
+            <a:spLocks noGrp="1"/>
+          </p:cNvSpPr>
+          <p:nvPr>
+            <p:ph type="sldNum" sz="quarter" idx="7"/>
+          </p:nvPr>
+        </p:nvSpPr>
+        <p:spPr/>
+        <p:txBody>
+          <a:bodyPr/>
+          <a:lstStyle/>
+          <a:p>
+            <a:fld id="{B6F15528-21DE-4FAA-801E-634DDDAF4B2B}" type="slidenum">
+              <a:rPr lang="en-CA" smtClean="0"/>
+              <a:t>18</a:t>
+            </a:fld>
+            <a:endParaRPr lang="en-CA"/>
+          </a:p>
+        </p:txBody>
+      </p:sp>
+    </p:spTree>
+    <p:extLst>
+      <p:ext uri="{BB962C8B-B14F-4D97-AF65-F5344CB8AC3E}">
+        <p14:creationId xmlns:p14="http://schemas.microsoft.com/office/powerpoint/2010/main" val="3564063120"/>
+      </p:ext>
+    </p:extLst>
+  </p:cSld>
+  <p:clrMapOvr>
+    <a:masterClrMapping/>
+  </p:clrMapOvr>
+</p:sld>
+</file>
+
+<file path=ppt/slides/slide19.xml><?xml version="1.0" encoding="utf-8"?>
+<p:sld xmlns:a="http://schemas.openxmlformats.org/drawingml/2006/main" xmlns:r="http://schemas.openxmlformats.org/officeDocument/2006/relationships" xmlns:p="http://schemas.openxmlformats.org/presentationml/2006/main">
+  <p:cSld>
+    <p:spTree>
+      <p:nvGrpSpPr>
+        <p:cNvPr id="1" name=""/>
+        <p:cNvGrpSpPr/>
+        <p:nvPr/>
+      </p:nvGrpSpPr>
+      <p:grpSpPr>
+        <a:xfrm>
+          <a:off x="0" y="0"/>
+          <a:ext cx="0" cy="0"/>
+          <a:chOff x="0" y="0"/>
+          <a:chExt cx="0" cy="0"/>
+        </a:xfrm>
+      </p:grpSpPr>
+      <p:sp>
+        <p:nvSpPr>
+          <p:cNvPr id="2" name="Text Placeholder 1">
+            <a:extLst>
+              <a:ext uri="{FF2B5EF4-FFF2-40B4-BE49-F238E27FC236}">
+                <a16:creationId xmlns:a16="http://schemas.microsoft.com/office/drawing/2014/main" id="{8ED0F328-2538-C84D-D533-D3566C5F7960}"/>
+              </a:ext>
+            </a:extLst>
+          </p:cNvPr>
+          <p:cNvSpPr>
+            <a:spLocks noGrp="1"/>
+          </p:cNvSpPr>
+          <p:nvPr>
+            <p:ph type="body" sz="quarter" idx="14"/>
+          </p:nvPr>
+        </p:nvSpPr>
+        <p:spPr/>
+        <p:txBody>
+          <a:bodyPr/>
+          <a:lstStyle/>
+          <a:p>
+            <a:r>
+              <a:rPr lang="en-US" dirty="0"/>
+              <a:t>In some cases, the prior authorization needs to be updated after the request was submitted:</a:t>
+            </a:r>
+          </a:p>
+          <a:p>
+            <a:pPr lvl="1"/>
+            <a:r>
+              <a:rPr lang="en-US" dirty="0"/>
+              <a:t>Change to the services needed</a:t>
+            </a:r>
+          </a:p>
+          <a:p>
+            <a:pPr lvl="1"/>
+            <a:r>
+              <a:rPr lang="en-US" dirty="0"/>
+              <a:t>Timeframe over which the service is provided</a:t>
+            </a:r>
+          </a:p>
+          <a:p>
+            <a:pPr lvl="1"/>
+            <a:r>
+              <a:rPr lang="en-US" dirty="0"/>
+              <a:t>Quantity of service or product</a:t>
+            </a:r>
+          </a:p>
+          <a:p>
+            <a:pPr lvl="1"/>
+            <a:r>
+              <a:rPr lang="en-US" dirty="0"/>
+              <a:t>Elimination of the need for a given service</a:t>
+            </a:r>
+          </a:p>
+          <a:p>
+            <a:r>
+              <a:rPr lang="en-US" dirty="0"/>
+              <a:t>A FHIR Claim Update request bundle is submitted with the $submit operation.  This bundle is converted into an X12 278 update.</a:t>
+            </a:r>
+          </a:p>
+        </p:txBody>
+      </p:sp>
+      <p:sp>
+        <p:nvSpPr>
+          <p:cNvPr id="3" name="Title 2">
+            <a:extLst>
+              <a:ext uri="{FF2B5EF4-FFF2-40B4-BE49-F238E27FC236}">
+                <a16:creationId xmlns:a16="http://schemas.microsoft.com/office/drawing/2014/main" id="{32742139-24DE-683D-2CF0-EC279DBFC8A2}"/>
+              </a:ext>
+            </a:extLst>
+          </p:cNvPr>
+          <p:cNvSpPr>
+            <a:spLocks noGrp="1"/>
+          </p:cNvSpPr>
+          <p:nvPr>
+            <p:ph type="title"/>
+          </p:nvPr>
+        </p:nvSpPr>
+        <p:spPr/>
+        <p:txBody>
+          <a:bodyPr/>
+          <a:lstStyle/>
+          <a:p>
+            <a:r>
+              <a:rPr lang="en-US" dirty="0"/>
+              <a:t>Prior Authorization Updates</a:t>
+            </a:r>
+          </a:p>
+        </p:txBody>
+      </p:sp>
+      <p:sp>
+        <p:nvSpPr>
+          <p:cNvPr id="4" name="Slide Number Placeholder 3">
+            <a:extLst>
+              <a:ext uri="{FF2B5EF4-FFF2-40B4-BE49-F238E27FC236}">
+                <a16:creationId xmlns:a16="http://schemas.microsoft.com/office/drawing/2014/main" id="{9028E8F4-65EE-1C76-5345-B864EADA4AA2}"/>
+              </a:ext>
+            </a:extLst>
+          </p:cNvPr>
+          <p:cNvSpPr>
+            <a:spLocks noGrp="1"/>
+          </p:cNvSpPr>
+          <p:nvPr>
+            <p:ph type="sldNum" sz="quarter" idx="7"/>
+          </p:nvPr>
+        </p:nvSpPr>
+        <p:spPr/>
+        <p:txBody>
+          <a:bodyPr/>
+          <a:lstStyle/>
+          <a:p>
+            <a:fld id="{B6F15528-21DE-4FAA-801E-634DDDAF4B2B}" type="slidenum">
+              <a:rPr lang="en-CA" smtClean="0"/>
+              <a:t>19</a:t>
+            </a:fld>
+            <a:endParaRPr lang="en-CA"/>
+          </a:p>
+        </p:txBody>
+      </p:sp>
+    </p:spTree>
+    <p:extLst>
+      <p:ext uri="{BB962C8B-B14F-4D97-AF65-F5344CB8AC3E}">
+        <p14:creationId xmlns:p14="http://schemas.microsoft.com/office/powerpoint/2010/main" val="1155457930"/>
       </p:ext>
     </p:extLst>
   </p:cSld>
@@ -6117,6 +6592,312 @@
     <p:extLst>
       <p:ext uri="{BB962C8B-B14F-4D97-AF65-F5344CB8AC3E}">
         <p14:creationId xmlns:p14="http://schemas.microsoft.com/office/powerpoint/2010/main" val="2160487977"/>
+      </p:ext>
+    </p:extLst>
+  </p:cSld>
+  <p:clrMapOvr>
+    <a:masterClrMapping/>
+  </p:clrMapOvr>
+</p:sld>
+</file>
+
+<file path=ppt/slides/slide20.xml><?xml version="1.0" encoding="utf-8"?>
+<p:sld xmlns:a="http://schemas.openxmlformats.org/drawingml/2006/main" xmlns:r="http://schemas.openxmlformats.org/officeDocument/2006/relationships" xmlns:p="http://schemas.openxmlformats.org/presentationml/2006/main">
+  <p:cSld>
+    <p:spTree>
+      <p:nvGrpSpPr>
+        <p:cNvPr id="1" name="">
+          <a:extLst>
+            <a:ext uri="{FF2B5EF4-FFF2-40B4-BE49-F238E27FC236}">
+              <a16:creationId xmlns:a16="http://schemas.microsoft.com/office/drawing/2014/main" id="{36A5A747-EB81-EC2C-A840-2CFFFE97F5BF}"/>
+            </a:ext>
+          </a:extLst>
+        </p:cNvPr>
+        <p:cNvGrpSpPr/>
+        <p:nvPr/>
+      </p:nvGrpSpPr>
+      <p:grpSpPr>
+        <a:xfrm>
+          <a:off x="0" y="0"/>
+          <a:ext cx="0" cy="0"/>
+          <a:chOff x="0" y="0"/>
+          <a:chExt cx="0" cy="0"/>
+        </a:xfrm>
+      </p:grpSpPr>
+      <p:sp>
+        <p:nvSpPr>
+          <p:cNvPr id="5" name="Title 4">
+            <a:extLst>
+              <a:ext uri="{FF2B5EF4-FFF2-40B4-BE49-F238E27FC236}">
+                <a16:creationId xmlns:a16="http://schemas.microsoft.com/office/drawing/2014/main" id="{C83304B5-F4A3-E9E0-7BA4-B1800C085FAB}"/>
+              </a:ext>
+            </a:extLst>
+          </p:cNvPr>
+          <p:cNvSpPr>
+            <a:spLocks noGrp="1"/>
+          </p:cNvSpPr>
+          <p:nvPr>
+            <p:ph type="title"/>
+          </p:nvPr>
+        </p:nvSpPr>
+        <p:spPr/>
+        <p:txBody>
+          <a:bodyPr/>
+          <a:lstStyle/>
+          <a:p>
+            <a:r>
+              <a:rPr lang="en-CA" dirty="0"/>
+              <a:t>Summing Up</a:t>
+            </a:r>
+          </a:p>
+        </p:txBody>
+      </p:sp>
+      <p:sp>
+        <p:nvSpPr>
+          <p:cNvPr id="4" name="Slide Number Placeholder 3">
+            <a:extLst>
+              <a:ext uri="{FF2B5EF4-FFF2-40B4-BE49-F238E27FC236}">
+                <a16:creationId xmlns:a16="http://schemas.microsoft.com/office/drawing/2014/main" id="{6EEDD107-E9C1-5720-EAC2-7341DC55CCD7}"/>
+              </a:ext>
+            </a:extLst>
+          </p:cNvPr>
+          <p:cNvSpPr>
+            <a:spLocks noGrp="1"/>
+          </p:cNvSpPr>
+          <p:nvPr>
+            <p:ph type="sldNum" sz="quarter" idx="4294967295"/>
+          </p:nvPr>
+        </p:nvSpPr>
+        <p:spPr>
+          <a:xfrm>
+            <a:off x="11610975" y="6489700"/>
+            <a:ext cx="581025" cy="365125"/>
+          </a:xfrm>
+        </p:spPr>
+        <p:txBody>
+          <a:bodyPr/>
+          <a:lstStyle/>
+          <a:p>
+            <a:fld id="{B6F15528-21DE-4FAA-801E-634DDDAF4B2B}" type="slidenum">
+              <a:rPr lang="en-CA" smtClean="0"/>
+              <a:t>20</a:t>
+            </a:fld>
+            <a:endParaRPr lang="en-CA"/>
+          </a:p>
+        </p:txBody>
+      </p:sp>
+    </p:spTree>
+    <p:extLst>
+      <p:ext uri="{BB962C8B-B14F-4D97-AF65-F5344CB8AC3E}">
+        <p14:creationId xmlns:p14="http://schemas.microsoft.com/office/powerpoint/2010/main" val="3905462553"/>
+      </p:ext>
+    </p:extLst>
+  </p:cSld>
+  <p:clrMapOvr>
+    <a:masterClrMapping/>
+  </p:clrMapOvr>
+</p:sld>
+</file>
+
+<file path=ppt/slides/slide21.xml><?xml version="1.0" encoding="utf-8"?>
+<p:sld xmlns:a="http://schemas.openxmlformats.org/drawingml/2006/main" xmlns:r="http://schemas.openxmlformats.org/officeDocument/2006/relationships" xmlns:p="http://schemas.openxmlformats.org/presentationml/2006/main">
+  <p:cSld>
+    <p:spTree>
+      <p:nvGrpSpPr>
+        <p:cNvPr id="1" name="">
+          <a:extLst>
+            <a:ext uri="{FF2B5EF4-FFF2-40B4-BE49-F238E27FC236}">
+              <a16:creationId xmlns:a16="http://schemas.microsoft.com/office/drawing/2014/main" id="{9E43AE42-58F9-6F91-0D54-42D86B5F70C6}"/>
+            </a:ext>
+          </a:extLst>
+        </p:cNvPr>
+        <p:cNvGrpSpPr/>
+        <p:nvPr/>
+      </p:nvGrpSpPr>
+      <p:grpSpPr>
+        <a:xfrm>
+          <a:off x="0" y="0"/>
+          <a:ext cx="0" cy="0"/>
+          <a:chOff x="0" y="0"/>
+          <a:chExt cx="0" cy="0"/>
+        </a:xfrm>
+      </p:grpSpPr>
+      <p:sp>
+        <p:nvSpPr>
+          <p:cNvPr id="5" name="Text Placeholder 4">
+            <a:extLst>
+              <a:ext uri="{FF2B5EF4-FFF2-40B4-BE49-F238E27FC236}">
+                <a16:creationId xmlns:a16="http://schemas.microsoft.com/office/drawing/2014/main" id="{C87826AC-6C80-5ABE-9094-D0F17113C51D}"/>
+              </a:ext>
+            </a:extLst>
+          </p:cNvPr>
+          <p:cNvSpPr>
+            <a:spLocks noGrp="1"/>
+          </p:cNvSpPr>
+          <p:nvPr>
+            <p:ph type="body" sz="quarter" idx="14"/>
+          </p:nvPr>
+        </p:nvSpPr>
+        <p:spPr/>
+        <p:txBody>
+          <a:bodyPr/>
+          <a:lstStyle/>
+          <a:p>
+            <a:r>
+              <a:rPr lang="en-CA" dirty="0"/>
+              <a:t>You don’t have to build everything in all the guides to comply</a:t>
+            </a:r>
+          </a:p>
+          <a:p>
+            <a:r>
+              <a:rPr lang="en-CA" dirty="0"/>
+              <a:t>You can (and should) build in parallel</a:t>
+            </a:r>
+          </a:p>
+          <a:p>
+            <a:r>
+              <a:rPr lang="en-CA" dirty="0"/>
+              <a:t>This is complex – so start early</a:t>
+            </a:r>
+          </a:p>
+          <a:p>
+            <a:r>
+              <a:rPr lang="en-CA" dirty="0"/>
+              <a:t>Build capability over time</a:t>
+            </a:r>
+          </a:p>
+        </p:txBody>
+      </p:sp>
+      <p:sp>
+        <p:nvSpPr>
+          <p:cNvPr id="4" name="Title 3">
+            <a:extLst>
+              <a:ext uri="{FF2B5EF4-FFF2-40B4-BE49-F238E27FC236}">
+                <a16:creationId xmlns:a16="http://schemas.microsoft.com/office/drawing/2014/main" id="{FA2E87CD-338A-BA53-BBF4-9C52BF39DBAB}"/>
+              </a:ext>
+            </a:extLst>
+          </p:cNvPr>
+          <p:cNvSpPr>
+            <a:spLocks noGrp="1"/>
+          </p:cNvSpPr>
+          <p:nvPr>
+            <p:ph type="title"/>
+          </p:nvPr>
+        </p:nvSpPr>
+        <p:spPr/>
+        <p:txBody>
+          <a:bodyPr/>
+          <a:lstStyle/>
+          <a:p>
+            <a:r>
+              <a:rPr lang="en-CA" dirty="0"/>
+              <a:t>Key take-aways</a:t>
+            </a:r>
+          </a:p>
+        </p:txBody>
+      </p:sp>
+    </p:spTree>
+    <p:extLst>
+      <p:ext uri="{BB962C8B-B14F-4D97-AF65-F5344CB8AC3E}">
+        <p14:creationId xmlns:p14="http://schemas.microsoft.com/office/powerpoint/2010/main" val="461002858"/>
+      </p:ext>
+    </p:extLst>
+  </p:cSld>
+  <p:clrMapOvr>
+    <a:masterClrMapping/>
+  </p:clrMapOvr>
+</p:sld>
+</file>
+
+<file path=ppt/slides/slide22.xml><?xml version="1.0" encoding="utf-8"?>
+<p:sld xmlns:a="http://schemas.openxmlformats.org/drawingml/2006/main" xmlns:r="http://schemas.openxmlformats.org/officeDocument/2006/relationships" xmlns:p="http://schemas.openxmlformats.org/presentationml/2006/main">
+  <p:cSld>
+    <p:spTree>
+      <p:nvGrpSpPr>
+        <p:cNvPr id="1" name="">
+          <a:extLst>
+            <a:ext uri="{FF2B5EF4-FFF2-40B4-BE49-F238E27FC236}">
+              <a16:creationId xmlns:a16="http://schemas.microsoft.com/office/drawing/2014/main" id="{4A267E3C-FE76-ADDB-FB9F-84D05EB68039}"/>
+            </a:ext>
+          </a:extLst>
+        </p:cNvPr>
+        <p:cNvGrpSpPr/>
+        <p:nvPr/>
+      </p:nvGrpSpPr>
+      <p:grpSpPr>
+        <a:xfrm>
+          <a:off x="0" y="0"/>
+          <a:ext cx="0" cy="0"/>
+          <a:chOff x="0" y="0"/>
+          <a:chExt cx="0" cy="0"/>
+        </a:xfrm>
+      </p:grpSpPr>
+      <p:sp>
+        <p:nvSpPr>
+          <p:cNvPr id="5" name="Title 4">
+            <a:extLst>
+              <a:ext uri="{FF2B5EF4-FFF2-40B4-BE49-F238E27FC236}">
+                <a16:creationId xmlns:a16="http://schemas.microsoft.com/office/drawing/2014/main" id="{7465A86E-DF90-DB76-AB33-CA55E772835B}"/>
+              </a:ext>
+            </a:extLst>
+          </p:cNvPr>
+          <p:cNvSpPr>
+            <a:spLocks noGrp="1"/>
+          </p:cNvSpPr>
+          <p:nvPr>
+            <p:ph type="title"/>
+          </p:nvPr>
+        </p:nvSpPr>
+        <p:spPr/>
+        <p:txBody>
+          <a:bodyPr/>
+          <a:lstStyle/>
+          <a:p>
+            <a:r>
+              <a:rPr lang="en-CA" dirty="0"/>
+              <a:t>Questions?</a:t>
+            </a:r>
+          </a:p>
+        </p:txBody>
+      </p:sp>
+      <p:sp>
+        <p:nvSpPr>
+          <p:cNvPr id="4" name="Slide Number Placeholder 3">
+            <a:extLst>
+              <a:ext uri="{FF2B5EF4-FFF2-40B4-BE49-F238E27FC236}">
+                <a16:creationId xmlns:a16="http://schemas.microsoft.com/office/drawing/2014/main" id="{FD9E6229-00C6-9485-93D6-6EE66CE654D1}"/>
+              </a:ext>
+            </a:extLst>
+          </p:cNvPr>
+          <p:cNvSpPr>
+            <a:spLocks noGrp="1"/>
+          </p:cNvSpPr>
+          <p:nvPr>
+            <p:ph type="sldNum" sz="quarter" idx="4294967295"/>
+          </p:nvPr>
+        </p:nvSpPr>
+        <p:spPr>
+          <a:xfrm>
+            <a:off x="11610975" y="6489700"/>
+            <a:ext cx="581025" cy="365125"/>
+          </a:xfrm>
+        </p:spPr>
+        <p:txBody>
+          <a:bodyPr/>
+          <a:lstStyle/>
+          <a:p>
+            <a:fld id="{B6F15528-21DE-4FAA-801E-634DDDAF4B2B}" type="slidenum">
+              <a:rPr lang="en-CA" smtClean="0"/>
+              <a:t>22</a:t>
+            </a:fld>
+            <a:endParaRPr lang="en-CA"/>
+          </a:p>
+        </p:txBody>
+      </p:sp>
+    </p:spTree>
+    <p:extLst>
+      <p:ext uri="{BB962C8B-B14F-4D97-AF65-F5344CB8AC3E}">
+        <p14:creationId xmlns:p14="http://schemas.microsoft.com/office/powerpoint/2010/main" val="805596329"/>
       </p:ext>
     </p:extLst>
   </p:cSld>
@@ -7807,15 +8588,6 @@
 </file>
 
 <file path=customXml/item1.xml><?xml version="1.0" encoding="utf-8"?>
-<?mso-contentType ?>
-<FormTemplates xmlns="http://schemas.microsoft.com/sharepoint/v3/contenttype/forms">
-  <Display>DocumentLibraryForm</Display>
-  <Edit>DocumentLibraryForm</Edit>
-  <New>DocumentLibraryForm</New>
-</FormTemplates>
-</file>
-
-<file path=customXml/item2.xml><?xml version="1.0" encoding="utf-8"?>
 <p:properties xmlns:p="http://schemas.microsoft.com/office/2006/metadata/properties" xmlns:xsi="http://www.w3.org/2001/XMLSchema-instance" xmlns:pc="http://schemas.microsoft.com/office/infopath/2007/PartnerControls">
   <documentManagement>
     <SharedWithUsers xmlns="cf5a87e6-8225-499d-8aa7-664ff23f0528">
@@ -7871,6 +8643,15 @@
     </lcf76f155ced4ddcb4097134ff3c332f>
   </documentManagement>
 </p:properties>
+</file>
+
+<file path=customXml/item2.xml><?xml version="1.0" encoding="utf-8"?>
+<?mso-contentType ?>
+<FormTemplates xmlns="http://schemas.microsoft.com/sharepoint/v3/contenttype/forms">
+  <Display>DocumentLibraryForm</Display>
+  <Edit>DocumentLibraryForm</Edit>
+  <New>DocumentLibraryForm</New>
+</FormTemplates>
 </file>
 
 <file path=customXml/item3.xml><?xml version="1.0" encoding="utf-8"?>
@@ -8129,14 +8910,6 @@
 </file>
 
 <file path=customXml/itemProps1.xml><?xml version="1.0" encoding="utf-8"?>
-<ds:datastoreItem xmlns:ds="http://schemas.openxmlformats.org/officeDocument/2006/customXml" ds:itemID="{0BA6B2E7-CD55-478D-BEC8-4794A5943CF4}">
-  <ds:schemaRefs>
-    <ds:schemaRef ds:uri="http://schemas.microsoft.com/sharepoint/v3/contenttype/forms"/>
-  </ds:schemaRefs>
-</ds:datastoreItem>
-</file>
-
-<file path=customXml/itemProps2.xml><?xml version="1.0" encoding="utf-8"?>
 <ds:datastoreItem xmlns:ds="http://schemas.openxmlformats.org/officeDocument/2006/customXml" ds:itemID="{ABC3541C-51DD-43E3-8C9A-56AC6823A20C}">
   <ds:schemaRefs>
     <ds:schemaRef ds:uri="9f94fe76-4e69-4a06-93ce-361b54a8e543"/>
@@ -8149,6 +8922,14 @@
     <ds:schemaRef ds:uri="http://schemas.microsoft.com/office/infopath/2007/PartnerControls"/>
     <ds:schemaRef ds:uri="http://schemas.openxmlformats.org/package/2006/metadata/core-properties"/>
     <ds:schemaRef ds:uri="http://www.w3.org/XML/1998/namespace"/>
+  </ds:schemaRefs>
+</ds:datastoreItem>
+</file>
+
+<file path=customXml/itemProps2.xml><?xml version="1.0" encoding="utf-8"?>
+<ds:datastoreItem xmlns:ds="http://schemas.openxmlformats.org/officeDocument/2006/customXml" ds:itemID="{0BA6B2E7-CD55-478D-BEC8-4794A5943CF4}">
+  <ds:schemaRefs>
+    <ds:schemaRef ds:uri="http://schemas.microsoft.com/sharepoint/v3/contenttype/forms"/>
   </ds:schemaRefs>
 </ds:datastoreItem>
 </file>

--- a/presentations/2025-04-DaVinci/Event/Burden Reduction - Approach for Achieving Conformance.pptx
+++ b/presentations/2025-04-DaVinci/Event/Burden Reduction - Approach for Achieving Conformance.pptx
@@ -5,7 +5,7 @@
     <p:sldMasterId id="2147483670" r:id="rId4"/>
   </p:sldMasterIdLst>
   <p:notesMasterIdLst>
-    <p:notesMasterId r:id="rId27"/>
+    <p:notesMasterId r:id="rId33"/>
   </p:notesMasterIdLst>
   <p:sldIdLst>
     <p:sldId id="256" r:id="rId5"/>
@@ -20,19 +20,34 @@
     <p:sldId id="271" r:id="rId14"/>
     <p:sldId id="262" r:id="rId15"/>
     <p:sldId id="263" r:id="rId16"/>
-    <p:sldId id="265" r:id="rId17"/>
-    <p:sldId id="264" r:id="rId18"/>
-    <p:sldId id="277" r:id="rId19"/>
-    <p:sldId id="273" r:id="rId20"/>
-    <p:sldId id="274" r:id="rId21"/>
-    <p:sldId id="275" r:id="rId22"/>
-    <p:sldId id="276" r:id="rId23"/>
-    <p:sldId id="267" r:id="rId24"/>
-    <p:sldId id="266" r:id="rId25"/>
-    <p:sldId id="269" r:id="rId26"/>
+    <p:sldId id="278" r:id="rId17"/>
+    <p:sldId id="279" r:id="rId18"/>
+    <p:sldId id="2147483266" r:id="rId19"/>
+    <p:sldId id="2147483267" r:id="rId20"/>
+    <p:sldId id="2147483268" r:id="rId21"/>
+    <p:sldId id="2147483269" r:id="rId22"/>
+    <p:sldId id="265" r:id="rId23"/>
+    <p:sldId id="264" r:id="rId24"/>
+    <p:sldId id="277" r:id="rId25"/>
+    <p:sldId id="273" r:id="rId26"/>
+    <p:sldId id="274" r:id="rId27"/>
+    <p:sldId id="275" r:id="rId28"/>
+    <p:sldId id="276" r:id="rId29"/>
+    <p:sldId id="267" r:id="rId30"/>
+    <p:sldId id="266" r:id="rId31"/>
+    <p:sldId id="269" r:id="rId32"/>
   </p:sldIdLst>
   <p:sldSz cx="12192000" cy="6858000"/>
   <p:notesSz cx="7010400" cy="9296400"/>
+  <p:embeddedFontLst>
+    <p:embeddedFont>
+      <p:font typeface="Consolas" panose="020B0609020204030204" pitchFamily="49" charset="0"/>
+      <p:regular r:id="rId34"/>
+      <p:bold r:id="rId35"/>
+      <p:italic r:id="rId36"/>
+      <p:boldItalic r:id="rId37"/>
+    </p:embeddedFont>
+  </p:embeddedFontLst>
   <p:defaultTextStyle>
     <a:defPPr marR="0" lvl="0" algn="l" rtl="0">
       <a:lnSpc>
@@ -5464,10 +5479,10 @@
       </p:grpSpPr>
       <p:sp>
         <p:nvSpPr>
-          <p:cNvPr id="5" name="Text Placeholder 4">
+          <p:cNvPr id="2" name="Text Placeholder 4">
             <a:extLst>
               <a:ext uri="{FF2B5EF4-FFF2-40B4-BE49-F238E27FC236}">
-                <a16:creationId xmlns:a16="http://schemas.microsoft.com/office/drawing/2014/main" id="{94472333-7442-B79B-4999-C4636DF1E737}"/>
+                <a16:creationId xmlns:a16="http://schemas.microsoft.com/office/drawing/2014/main" id="{3676B4B6-0580-54C1-CB6A-75A38CC785DC}"/>
               </a:ext>
             </a:extLst>
           </p:cNvPr>
@@ -5478,21 +5493,126 @@
             <p:ph type="body" sz="quarter" idx="14"/>
           </p:nvPr>
         </p:nvSpPr>
-        <p:spPr/>
+        <p:spPr>
+          <a:xfrm>
+            <a:off x="3974740" y="1452134"/>
+            <a:ext cx="7849086" cy="3581779"/>
+          </a:xfrm>
+        </p:spPr>
         <p:txBody>
           <a:bodyPr/>
           <a:lstStyle/>
           <a:p>
-            <a:endParaRPr lang="en-CA"/>
+            <a:pPr>
+              <a:lnSpc>
+                <a:spcPct val="100000"/>
+              </a:lnSpc>
+              <a:spcAft>
+                <a:spcPts val="600"/>
+              </a:spcAft>
+            </a:pPr>
+            <a:r>
+              <a:rPr lang="en-CA" b="1" dirty="0"/>
+              <a:t>Primary objective:</a:t>
+            </a:r>
+          </a:p>
+          <a:p>
+            <a:pPr marL="548640" lvl="1" indent="-274320">
+              <a:lnSpc>
+                <a:spcPct val="100000"/>
+              </a:lnSpc>
+              <a:buFont typeface="Wingdings" panose="05000000000000000000" pitchFamily="2" charset="2"/>
+              <a:buChar char="§"/>
+            </a:pPr>
+            <a:r>
+              <a:rPr lang="en-CA" dirty="0"/>
+              <a:t>Complete appropriate questionnaires (“forms”) according to Payer rules</a:t>
+            </a:r>
+          </a:p>
+          <a:p>
+            <a:pPr>
+              <a:lnSpc>
+                <a:spcPct val="100000"/>
+              </a:lnSpc>
+              <a:spcBef>
+                <a:spcPts val="1800"/>
+              </a:spcBef>
+              <a:spcAft>
+                <a:spcPts val="600"/>
+              </a:spcAft>
+            </a:pPr>
+            <a:r>
+              <a:rPr lang="en-CA" b="1" dirty="0"/>
+              <a:t>Secondary objective:</a:t>
+            </a:r>
+          </a:p>
+          <a:p>
+            <a:pPr marL="548640" lvl="1" indent="-274320">
+              <a:lnSpc>
+                <a:spcPct val="100000"/>
+              </a:lnSpc>
+              <a:buFont typeface="Wingdings" panose="05000000000000000000" pitchFamily="2" charset="2"/>
+              <a:buChar char="§"/>
+            </a:pPr>
+            <a:r>
+              <a:rPr lang="en-CA" dirty="0"/>
+              <a:t>Pre-populate forms as much as possible</a:t>
+            </a:r>
+          </a:p>
+          <a:p>
+            <a:pPr marL="548640" lvl="1" indent="-274320">
+              <a:lnSpc>
+                <a:spcPct val="100000"/>
+              </a:lnSpc>
+              <a:buFont typeface="Wingdings" panose="05000000000000000000" pitchFamily="2" charset="2"/>
+              <a:buChar char="§"/>
+            </a:pPr>
+            <a:r>
+              <a:rPr lang="en-CA" dirty="0"/>
+              <a:t>Bundle documentation for downstream use (cue PAS)</a:t>
+            </a:r>
+          </a:p>
+          <a:p>
+            <a:pPr>
+              <a:lnSpc>
+                <a:spcPct val="100000"/>
+              </a:lnSpc>
+              <a:spcBef>
+                <a:spcPts val="1800"/>
+              </a:spcBef>
+              <a:spcAft>
+                <a:spcPts val="600"/>
+              </a:spcAft>
+            </a:pPr>
+            <a:r>
+              <a:rPr lang="en-CA" b="1" dirty="0"/>
+              <a:t>Tertiary objective</a:t>
+            </a:r>
+          </a:p>
+          <a:p>
+            <a:pPr marL="548640" lvl="1" indent="-274320">
+              <a:lnSpc>
+                <a:spcPct val="100000"/>
+              </a:lnSpc>
+              <a:buFont typeface="Wingdings" panose="05000000000000000000" pitchFamily="2" charset="2"/>
+              <a:buChar char="§"/>
+            </a:pPr>
+            <a:r>
+              <a:rPr lang="en-CA" dirty="0"/>
+              <a:t>Grant prior authorization if possible</a:t>
+            </a:r>
+          </a:p>
+          <a:p>
+            <a:endParaRPr lang="en-CA" dirty="0"/>
           </a:p>
         </p:txBody>
       </p:sp>
       <p:sp>
         <p:nvSpPr>
-          <p:cNvPr id="4" name="Title 3">
+          <p:cNvPr id="3" name="Title 3">
             <a:extLst>
               <a:ext uri="{FF2B5EF4-FFF2-40B4-BE49-F238E27FC236}">
-                <a16:creationId xmlns:a16="http://schemas.microsoft.com/office/drawing/2014/main" id="{2AADF367-A6F6-6040-F869-53563B61B97E}"/>
+                <a16:creationId xmlns:a16="http://schemas.microsoft.com/office/drawing/2014/main" id="{13836ECB-CA8F-C1ED-0024-6A1EBD46EC3A}"/>
               </a:ext>
             </a:extLst>
           </p:cNvPr>
@@ -5503,12 +5623,20 @@
             <p:ph type="title"/>
           </p:nvPr>
         </p:nvSpPr>
-        <p:spPr/>
+        <p:spPr>
+          <a:xfrm>
+            <a:off x="3951214" y="197346"/>
+            <a:ext cx="7654644" cy="775778"/>
+          </a:xfrm>
+        </p:spPr>
         <p:txBody>
           <a:bodyPr/>
           <a:lstStyle/>
           <a:p>
-            <a:endParaRPr lang="en-CA"/>
+            <a:r>
+              <a:rPr lang="en-CA" dirty="0"/>
+              <a:t>DTR Regulatory Objectives</a:t>
+            </a:r>
           </a:p>
         </p:txBody>
       </p:sp>
@@ -5526,6 +5654,5275 @@
 </file>
 
 <file path=ppt/slides/slide13.xml><?xml version="1.0" encoding="utf-8"?>
+<p:sld xmlns:a="http://schemas.openxmlformats.org/drawingml/2006/main" xmlns:r="http://schemas.openxmlformats.org/officeDocument/2006/relationships" xmlns:p="http://schemas.openxmlformats.org/presentationml/2006/main">
+  <p:cSld>
+    <p:spTree>
+      <p:nvGrpSpPr>
+        <p:cNvPr id="1" name="">
+          <a:extLst>
+            <a:ext uri="{FF2B5EF4-FFF2-40B4-BE49-F238E27FC236}">
+              <a16:creationId xmlns:a16="http://schemas.microsoft.com/office/drawing/2014/main" id="{FF6451C1-7089-833D-EDDD-955B9771F431}"/>
+            </a:ext>
+          </a:extLst>
+        </p:cNvPr>
+        <p:cNvGrpSpPr/>
+        <p:nvPr/>
+      </p:nvGrpSpPr>
+      <p:grpSpPr>
+        <a:xfrm>
+          <a:off x="0" y="0"/>
+          <a:ext cx="0" cy="0"/>
+          <a:chOff x="0" y="0"/>
+          <a:chExt cx="0" cy="0"/>
+        </a:xfrm>
+      </p:grpSpPr>
+      <p:sp>
+        <p:nvSpPr>
+          <p:cNvPr id="4" name="Title 3">
+            <a:extLst>
+              <a:ext uri="{FF2B5EF4-FFF2-40B4-BE49-F238E27FC236}">
+                <a16:creationId xmlns:a16="http://schemas.microsoft.com/office/drawing/2014/main" id="{01A91FB1-1657-E75E-DE25-9F739CC7B63D}"/>
+              </a:ext>
+            </a:extLst>
+          </p:cNvPr>
+          <p:cNvSpPr>
+            <a:spLocks noGrp="1"/>
+          </p:cNvSpPr>
+          <p:nvPr>
+            <p:ph type="title"/>
+          </p:nvPr>
+        </p:nvSpPr>
+        <p:spPr/>
+        <p:txBody>
+          <a:bodyPr/>
+          <a:lstStyle/>
+          <a:p>
+            <a:r>
+              <a:rPr lang="en-CA" dirty="0"/>
+              <a:t>What’s needed</a:t>
+            </a:r>
+          </a:p>
+        </p:txBody>
+      </p:sp>
+      <p:sp>
+        <p:nvSpPr>
+          <p:cNvPr id="6" name="Text Placeholder 4">
+            <a:extLst>
+              <a:ext uri="{FF2B5EF4-FFF2-40B4-BE49-F238E27FC236}">
+                <a16:creationId xmlns:a16="http://schemas.microsoft.com/office/drawing/2014/main" id="{83B0459E-1F05-0991-0073-025C9BB796D3}"/>
+              </a:ext>
+            </a:extLst>
+          </p:cNvPr>
+          <p:cNvSpPr>
+            <a:spLocks noGrp="1"/>
+          </p:cNvSpPr>
+          <p:nvPr>
+            <p:ph type="body" sz="quarter" idx="14"/>
+          </p:nvPr>
+        </p:nvSpPr>
+        <p:spPr>
+          <a:xfrm>
+            <a:off x="3974740" y="1452134"/>
+            <a:ext cx="7849086" cy="4854398"/>
+          </a:xfrm>
+        </p:spPr>
+        <p:txBody>
+          <a:bodyPr/>
+          <a:lstStyle/>
+          <a:p>
+            <a:pPr>
+              <a:lnSpc>
+                <a:spcPct val="100000"/>
+              </a:lnSpc>
+              <a:spcAft>
+                <a:spcPts val="600"/>
+              </a:spcAft>
+            </a:pPr>
+            <a:r>
+              <a:rPr lang="en-CA" b="1" dirty="0"/>
+              <a:t>DTR Client Application (“app”):</a:t>
+            </a:r>
+          </a:p>
+          <a:p>
+            <a:pPr marL="548640" lvl="1" indent="-274320">
+              <a:lnSpc>
+                <a:spcPct val="100000"/>
+              </a:lnSpc>
+              <a:buFont typeface="Wingdings" panose="05000000000000000000" pitchFamily="2" charset="2"/>
+              <a:buChar char="§"/>
+            </a:pPr>
+            <a:r>
+              <a:rPr lang="en-CA" dirty="0"/>
+              <a:t>SMART on FHIR</a:t>
+            </a:r>
+          </a:p>
+          <a:p>
+            <a:pPr marL="548640" lvl="1" indent="-274320">
+              <a:lnSpc>
+                <a:spcPct val="100000"/>
+              </a:lnSpc>
+              <a:buFont typeface="Wingdings" panose="05000000000000000000" pitchFamily="2" charset="2"/>
+              <a:buChar char="§"/>
+            </a:pPr>
+            <a:r>
+              <a:rPr lang="en-CA" dirty="0"/>
+              <a:t>EHR provided “native” app</a:t>
+            </a:r>
+          </a:p>
+          <a:p>
+            <a:pPr>
+              <a:lnSpc>
+                <a:spcPct val="100000"/>
+              </a:lnSpc>
+              <a:spcBef>
+                <a:spcPts val="1800"/>
+              </a:spcBef>
+              <a:spcAft>
+                <a:spcPts val="600"/>
+              </a:spcAft>
+            </a:pPr>
+            <a:r>
+              <a:rPr lang="en-CA" b="1" dirty="0"/>
+              <a:t>Questionnaire processing support:</a:t>
+            </a:r>
+          </a:p>
+          <a:p>
+            <a:pPr marL="548640" lvl="1" indent="-274320">
+              <a:lnSpc>
+                <a:spcPct val="100000"/>
+              </a:lnSpc>
+              <a:buFont typeface="Wingdings" panose="05000000000000000000" pitchFamily="2" charset="2"/>
+              <a:buChar char="§"/>
+            </a:pPr>
+            <a:r>
+              <a:rPr lang="en-CA" dirty="0"/>
+              <a:t>Standard single questionnaire paradigm</a:t>
+            </a:r>
+          </a:p>
+          <a:p>
+            <a:pPr marL="548640" lvl="1" indent="-274320">
+              <a:lnSpc>
+                <a:spcPct val="100000"/>
+              </a:lnSpc>
+              <a:buFont typeface="Wingdings" panose="05000000000000000000" pitchFamily="2" charset="2"/>
+              <a:buChar char="§"/>
+            </a:pPr>
+            <a:r>
+              <a:rPr lang="en-CA" dirty="0"/>
+              <a:t>Adaptive questionnaire iterative paradigm</a:t>
+            </a:r>
+          </a:p>
+          <a:p>
+            <a:pPr>
+              <a:lnSpc>
+                <a:spcPct val="100000"/>
+              </a:lnSpc>
+              <a:spcBef>
+                <a:spcPts val="1800"/>
+              </a:spcBef>
+              <a:spcAft>
+                <a:spcPts val="600"/>
+              </a:spcAft>
+            </a:pPr>
+            <a:r>
+              <a:rPr lang="en-CA" b="1" dirty="0"/>
+              <a:t>Clinical Quality Language (CQL)</a:t>
+            </a:r>
+          </a:p>
+          <a:p>
+            <a:pPr marL="548640" lvl="1" indent="-274320">
+              <a:lnSpc>
+                <a:spcPct val="100000"/>
+              </a:lnSpc>
+              <a:buFont typeface="Wingdings" panose="05000000000000000000" pitchFamily="2" charset="2"/>
+              <a:buChar char="§"/>
+            </a:pPr>
+            <a:r>
+              <a:rPr lang="en-CA" dirty="0"/>
+              <a:t>Method to extract EHR data for pre-population of form</a:t>
+            </a:r>
+          </a:p>
+          <a:p>
+            <a:pPr marL="548640" lvl="1" indent="-274320">
+              <a:lnSpc>
+                <a:spcPct val="100000"/>
+              </a:lnSpc>
+              <a:buFont typeface="Wingdings" panose="05000000000000000000" pitchFamily="2" charset="2"/>
+              <a:buChar char="§"/>
+            </a:pPr>
+            <a:r>
+              <a:rPr lang="en-CA" dirty="0"/>
+              <a:t>Libraries are central: </a:t>
+            </a:r>
+          </a:p>
+          <a:p>
+            <a:pPr marL="1005840" lvl="2" indent="-274320">
+              <a:lnSpc>
+                <a:spcPct val="100000"/>
+              </a:lnSpc>
+              <a:buFont typeface="Wingdings" panose="05000000000000000000" pitchFamily="2" charset="2"/>
+              <a:buChar char="§"/>
+            </a:pPr>
+            <a:r>
+              <a:rPr lang="en-CA" dirty="0"/>
+              <a:t>Developed and provided by Payer</a:t>
+            </a:r>
+          </a:p>
+          <a:p>
+            <a:pPr marL="1005840" lvl="2" indent="-274320">
+              <a:lnSpc>
+                <a:spcPct val="100000"/>
+              </a:lnSpc>
+              <a:buFont typeface="Wingdings" panose="05000000000000000000" pitchFamily="2" charset="2"/>
+              <a:buChar char="§"/>
+            </a:pPr>
+            <a:r>
+              <a:rPr lang="en-CA" dirty="0"/>
+              <a:t>Executed by client</a:t>
+            </a:r>
+          </a:p>
+          <a:p>
+            <a:endParaRPr lang="en-CA" dirty="0"/>
+          </a:p>
+        </p:txBody>
+      </p:sp>
+    </p:spTree>
+    <p:extLst>
+      <p:ext uri="{BB962C8B-B14F-4D97-AF65-F5344CB8AC3E}">
+        <p14:creationId xmlns:p14="http://schemas.microsoft.com/office/powerpoint/2010/main" val="41361646"/>
+      </p:ext>
+    </p:extLst>
+  </p:cSld>
+  <p:clrMapOvr>
+    <a:masterClrMapping/>
+  </p:clrMapOvr>
+</p:sld>
+</file>
+
+<file path=ppt/slides/slide14.xml><?xml version="1.0" encoding="utf-8"?>
+<p:sld xmlns:a="http://schemas.openxmlformats.org/drawingml/2006/main" xmlns:r="http://schemas.openxmlformats.org/officeDocument/2006/relationships" xmlns:p="http://schemas.openxmlformats.org/presentationml/2006/main">
+  <p:cSld>
+    <p:spTree>
+      <p:nvGrpSpPr>
+        <p:cNvPr id="1" name="">
+          <a:extLst>
+            <a:ext uri="{FF2B5EF4-FFF2-40B4-BE49-F238E27FC236}">
+              <a16:creationId xmlns:a16="http://schemas.microsoft.com/office/drawing/2014/main" id="{1EFB895D-8698-8210-54E4-749E8961197A}"/>
+            </a:ext>
+          </a:extLst>
+        </p:cNvPr>
+        <p:cNvGrpSpPr/>
+        <p:nvPr/>
+      </p:nvGrpSpPr>
+      <p:grpSpPr>
+        <a:xfrm>
+          <a:off x="0" y="0"/>
+          <a:ext cx="0" cy="0"/>
+          <a:chOff x="0" y="0"/>
+          <a:chExt cx="0" cy="0"/>
+        </a:xfrm>
+      </p:grpSpPr>
+      <p:sp>
+        <p:nvSpPr>
+          <p:cNvPr id="3" name="Title 3">
+            <a:extLst>
+              <a:ext uri="{FF2B5EF4-FFF2-40B4-BE49-F238E27FC236}">
+                <a16:creationId xmlns:a16="http://schemas.microsoft.com/office/drawing/2014/main" id="{6E2C469E-4A2D-851F-CB6B-F6B32E351B88}"/>
+              </a:ext>
+            </a:extLst>
+          </p:cNvPr>
+          <p:cNvSpPr>
+            <a:spLocks noGrp="1"/>
+          </p:cNvSpPr>
+          <p:nvPr>
+            <p:ph type="title"/>
+          </p:nvPr>
+        </p:nvSpPr>
+        <p:spPr>
+          <a:xfrm>
+            <a:off x="3951214" y="197346"/>
+            <a:ext cx="7654644" cy="775778"/>
+          </a:xfrm>
+        </p:spPr>
+        <p:txBody>
+          <a:bodyPr/>
+          <a:lstStyle/>
+          <a:p>
+            <a:r>
+              <a:rPr lang="en-CA" dirty="0"/>
+              <a:t>DTR $questionnaire-package</a:t>
+            </a:r>
+          </a:p>
+        </p:txBody>
+      </p:sp>
+      <p:sp>
+        <p:nvSpPr>
+          <p:cNvPr id="7" name="TextBox 6">
+            <a:extLst>
+              <a:ext uri="{FF2B5EF4-FFF2-40B4-BE49-F238E27FC236}">
+                <a16:creationId xmlns:a16="http://schemas.microsoft.com/office/drawing/2014/main" id="{8235C6B9-A8D4-088E-4B72-38A1D727F07C}"/>
+              </a:ext>
+            </a:extLst>
+          </p:cNvPr>
+          <p:cNvSpPr txBox="1"/>
+          <p:nvPr/>
+        </p:nvSpPr>
+        <p:spPr>
+          <a:xfrm>
+            <a:off x="3858014" y="1427678"/>
+            <a:ext cx="7925491" cy="2985433"/>
+          </a:xfrm>
+          <a:prstGeom prst="rect">
+            <a:avLst/>
+          </a:prstGeom>
+          <a:noFill/>
+        </p:spPr>
+        <p:txBody>
+          <a:bodyPr wrap="square">
+            <a:spAutoFit/>
+          </a:bodyPr>
+          <a:lstStyle/>
+          <a:p>
+            <a:pPr marL="388620" lvl="1" indent="-342900">
+              <a:spcBef>
+                <a:spcPts val="1200"/>
+              </a:spcBef>
+              <a:spcAft>
+                <a:spcPts val="600"/>
+              </a:spcAft>
+              <a:buClr>
+                <a:schemeClr val="accent1">
+                  <a:lumMod val="50000"/>
+                </a:schemeClr>
+              </a:buClr>
+              <a:buFont typeface="Wingdings" panose="05000000000000000000" pitchFamily="2" charset="2"/>
+              <a:buChar char="§"/>
+              <a:defRPr/>
+            </a:pPr>
+            <a:r>
+              <a:rPr lang="en-US" sz="2000" kern="1200" dirty="0">
+                <a:solidFill>
+                  <a:srgbClr val="472005"/>
+                </a:solidFill>
+                <a:latin typeface="+mn-lt"/>
+                <a:ea typeface="+mn-ea"/>
+                <a:cs typeface="+mn-cs"/>
+              </a:rPr>
+              <a:t>Retrieves “package” of necessary Questionnaires, </a:t>
+            </a:r>
+            <a:r>
+              <a:rPr lang="en-US" sz="2000" kern="1200" dirty="0" err="1">
+                <a:solidFill>
+                  <a:srgbClr val="472005"/>
+                </a:solidFill>
+                <a:latin typeface="+mn-lt"/>
+                <a:ea typeface="+mn-ea"/>
+                <a:cs typeface="+mn-cs"/>
+              </a:rPr>
+              <a:t>QuestionnaireResponses</a:t>
+            </a:r>
+            <a:r>
+              <a:rPr lang="en-US" sz="2000" kern="1200" dirty="0">
+                <a:solidFill>
+                  <a:srgbClr val="472005"/>
+                </a:solidFill>
+                <a:latin typeface="+mn-lt"/>
+                <a:ea typeface="+mn-ea"/>
+                <a:cs typeface="+mn-cs"/>
+              </a:rPr>
+              <a:t>, CQL libraries, and Value sets</a:t>
+            </a:r>
+          </a:p>
+          <a:p>
+            <a:pPr marL="388620" lvl="1" indent="-342900">
+              <a:spcBef>
+                <a:spcPts val="1200"/>
+              </a:spcBef>
+              <a:spcAft>
+                <a:spcPts val="600"/>
+              </a:spcAft>
+              <a:buClr>
+                <a:schemeClr val="accent1">
+                  <a:lumMod val="50000"/>
+                </a:schemeClr>
+              </a:buClr>
+              <a:buFont typeface="Wingdings" panose="05000000000000000000" pitchFamily="2" charset="2"/>
+              <a:buChar char="§"/>
+              <a:defRPr/>
+            </a:pPr>
+            <a:r>
+              <a:rPr lang="en-US" sz="2000" kern="1200" dirty="0">
+                <a:solidFill>
+                  <a:srgbClr val="472005"/>
+                </a:solidFill>
+                <a:latin typeface="+mn-lt"/>
+                <a:ea typeface="+mn-ea"/>
+                <a:cs typeface="+mn-cs"/>
+              </a:rPr>
+              <a:t>Invoked with a 'POST' using the base endpoint associated with the coverages provided.</a:t>
+            </a:r>
+          </a:p>
+          <a:p>
+            <a:pPr marL="640080" lvl="2" indent="-228600">
+              <a:spcAft>
+                <a:spcPts val="600"/>
+              </a:spcAft>
+              <a:buClr>
+                <a:schemeClr val="accent1">
+                  <a:lumMod val="50000"/>
+                </a:schemeClr>
+              </a:buClr>
+              <a:buFont typeface="Arial" panose="020B0604020202020204" pitchFamily="34" charset="0"/>
+              <a:buChar char="−"/>
+              <a:defRPr/>
+            </a:pPr>
+            <a:r>
+              <a:rPr lang="en-US" sz="1800" kern="1200" dirty="0">
+                <a:solidFill>
+                  <a:schemeClr val="tx2"/>
+                </a:solidFill>
+                <a:latin typeface="Consolas" panose="020B0609020204030204" pitchFamily="49" charset="0"/>
+                <a:ea typeface="+mn-ea"/>
+                <a:cs typeface="+mn-cs"/>
+              </a:rPr>
+              <a:t>POST [base]/$questionnaire-package</a:t>
+            </a:r>
+          </a:p>
+          <a:p>
+            <a:pPr marL="388620" lvl="1" indent="-342900">
+              <a:spcBef>
+                <a:spcPts val="1200"/>
+              </a:spcBef>
+              <a:spcAft>
+                <a:spcPts val="600"/>
+              </a:spcAft>
+              <a:buClr>
+                <a:schemeClr val="accent1">
+                  <a:lumMod val="50000"/>
+                </a:schemeClr>
+              </a:buClr>
+              <a:buFont typeface="Wingdings" panose="05000000000000000000" pitchFamily="2" charset="2"/>
+              <a:buChar char="§"/>
+              <a:defRPr/>
+            </a:pPr>
+            <a:r>
+              <a:rPr lang="en-US" sz="2000" kern="1200" dirty="0">
+                <a:solidFill>
+                  <a:srgbClr val="472005"/>
+                </a:solidFill>
+                <a:latin typeface="+mn-lt"/>
+                <a:ea typeface="+mn-ea"/>
+                <a:cs typeface="+mn-cs"/>
+              </a:rPr>
+              <a:t>Input parameters:</a:t>
+            </a:r>
+          </a:p>
+          <a:p>
+            <a:pPr marL="388620" lvl="1" indent="-342900">
+              <a:spcBef>
+                <a:spcPts val="1200"/>
+              </a:spcBef>
+              <a:spcAft>
+                <a:spcPts val="600"/>
+              </a:spcAft>
+              <a:buClr>
+                <a:srgbClr val="A91F24"/>
+              </a:buClr>
+              <a:buFont typeface="Wingdings" panose="05000000000000000000" pitchFamily="2" charset="2"/>
+              <a:buChar char="§"/>
+              <a:defRPr/>
+            </a:pPr>
+            <a:endParaRPr lang="en-US" sz="2000" kern="1200" dirty="0">
+              <a:solidFill>
+                <a:srgbClr val="472005"/>
+              </a:solidFill>
+              <a:latin typeface="+mn-lt"/>
+              <a:ea typeface="+mn-ea"/>
+              <a:cs typeface="+mn-cs"/>
+            </a:endParaRPr>
+          </a:p>
+        </p:txBody>
+      </p:sp>
+      <p:sp>
+        <p:nvSpPr>
+          <p:cNvPr id="9" name="TextBox 8">
+            <a:extLst>
+              <a:ext uri="{FF2B5EF4-FFF2-40B4-BE49-F238E27FC236}">
+                <a16:creationId xmlns:a16="http://schemas.microsoft.com/office/drawing/2014/main" id="{DF9B708F-607B-2835-227D-7708F823A7BB}"/>
+              </a:ext>
+            </a:extLst>
+          </p:cNvPr>
+          <p:cNvSpPr txBox="1"/>
+          <p:nvPr/>
+        </p:nvSpPr>
+        <p:spPr>
+          <a:xfrm>
+            <a:off x="4263272" y="3939347"/>
+            <a:ext cx="6094428" cy="1769715"/>
+          </a:xfrm>
+          <a:prstGeom prst="rect">
+            <a:avLst/>
+          </a:prstGeom>
+          <a:noFill/>
+        </p:spPr>
+        <p:txBody>
+          <a:bodyPr wrap="square">
+            <a:spAutoFit/>
+          </a:bodyPr>
+          <a:lstStyle/>
+          <a:p>
+            <a:pPr marL="274320" marR="0" lvl="1" indent="-228600" algn="l" defTabSz="914400" rtl="0" eaLnBrk="1" fontAlgn="auto" latinLnBrk="0" hangingPunct="1">
+              <a:lnSpc>
+                <a:spcPct val="100000"/>
+              </a:lnSpc>
+              <a:spcBef>
+                <a:spcPts val="600"/>
+              </a:spcBef>
+              <a:spcAft>
+                <a:spcPts val="600"/>
+              </a:spcAft>
+              <a:buClr>
+                <a:schemeClr val="accent1">
+                  <a:lumMod val="50000"/>
+                </a:schemeClr>
+              </a:buClr>
+              <a:buSzTx/>
+              <a:buFont typeface="Arial" panose="020B0604020202020204" pitchFamily="34" charset="0"/>
+              <a:buChar char="‒"/>
+              <a:tabLst/>
+              <a:defRPr/>
+            </a:pPr>
+            <a:r>
+              <a:rPr lang="en-US" sz="1800" kern="1200" dirty="0">
+                <a:solidFill>
+                  <a:srgbClr val="472005"/>
+                </a:solidFill>
+                <a:latin typeface="+mn-lt"/>
+                <a:ea typeface="+mn-ea"/>
+                <a:cs typeface="+mn-cs"/>
+              </a:rPr>
+              <a:t>Coverage is required (CRD profiled) </a:t>
+            </a:r>
+          </a:p>
+          <a:p>
+            <a:pPr marL="274320" marR="0" lvl="1" indent="-228600" algn="l" defTabSz="914400" rtl="0" eaLnBrk="1" fontAlgn="auto" latinLnBrk="0" hangingPunct="1">
+              <a:lnSpc>
+                <a:spcPct val="100000"/>
+              </a:lnSpc>
+              <a:spcBef>
+                <a:spcPts val="600"/>
+              </a:spcBef>
+              <a:spcAft>
+                <a:spcPts val="600"/>
+              </a:spcAft>
+              <a:buClr>
+                <a:schemeClr val="accent1">
+                  <a:lumMod val="50000"/>
+                </a:schemeClr>
+              </a:buClr>
+              <a:buSzTx/>
+              <a:buFont typeface="Arial" panose="020B0604020202020204" pitchFamily="34" charset="0"/>
+              <a:buChar char="‒"/>
+              <a:tabLst/>
+              <a:defRPr/>
+            </a:pPr>
+            <a:r>
+              <a:rPr lang="en-US" sz="1800" kern="1200" dirty="0">
+                <a:solidFill>
+                  <a:srgbClr val="472005"/>
+                </a:solidFill>
+                <a:latin typeface="+mn-lt"/>
+                <a:ea typeface="+mn-ea"/>
+                <a:cs typeface="+mn-cs"/>
+              </a:rPr>
+              <a:t>Will have at least…</a:t>
+            </a:r>
+          </a:p>
+          <a:p>
+            <a:pPr marL="411480" marR="0" lvl="2" indent="-137160" algn="l" defTabSz="914400" rtl="0" eaLnBrk="1" fontAlgn="auto" latinLnBrk="0" hangingPunct="1">
+              <a:lnSpc>
+                <a:spcPct val="100000"/>
+              </a:lnSpc>
+              <a:spcBef>
+                <a:spcPts val="0"/>
+              </a:spcBef>
+              <a:spcAft>
+                <a:spcPts val="600"/>
+              </a:spcAft>
+              <a:buClr>
+                <a:schemeClr val="accent1">
+                  <a:lumMod val="50000"/>
+                </a:schemeClr>
+              </a:buClr>
+              <a:buSzTx/>
+              <a:buFont typeface="Arial" panose="020B0604020202020204" pitchFamily="34" charset="0"/>
+              <a:buChar char="•"/>
+              <a:tabLst/>
+              <a:defRPr/>
+            </a:pPr>
+            <a:r>
+              <a:rPr lang="en-US" sz="1600" kern="1200" dirty="0">
+                <a:solidFill>
+                  <a:srgbClr val="472005"/>
+                </a:solidFill>
+                <a:latin typeface="+mn-lt"/>
+                <a:ea typeface="+mn-ea"/>
+                <a:cs typeface="+mn-cs"/>
+              </a:rPr>
+              <a:t>The canonical (url) for a specific Questionnaire</a:t>
+            </a:r>
+          </a:p>
+          <a:p>
+            <a:pPr marL="411480" marR="0" lvl="2" indent="-137160" algn="l" defTabSz="914400" rtl="0" eaLnBrk="1" fontAlgn="auto" latinLnBrk="0" hangingPunct="1">
+              <a:lnSpc>
+                <a:spcPct val="100000"/>
+              </a:lnSpc>
+              <a:spcBef>
+                <a:spcPts val="0"/>
+              </a:spcBef>
+              <a:spcAft>
+                <a:spcPts val="600"/>
+              </a:spcAft>
+              <a:buClr>
+                <a:schemeClr val="accent1">
+                  <a:lumMod val="50000"/>
+                </a:schemeClr>
+              </a:buClr>
+              <a:buSzTx/>
+              <a:buFont typeface="Arial" panose="020B0604020202020204" pitchFamily="34" charset="0"/>
+              <a:buChar char="•"/>
+              <a:tabLst/>
+              <a:defRPr/>
+            </a:pPr>
+            <a:r>
+              <a:rPr lang="en-US" sz="1600" kern="1200" dirty="0">
+                <a:solidFill>
+                  <a:srgbClr val="472005"/>
+                </a:solidFill>
+                <a:latin typeface="+mn-lt"/>
+                <a:ea typeface="+mn-ea"/>
+                <a:cs typeface="+mn-cs"/>
+              </a:rPr>
+              <a:t>One or more Request/Encounter resources</a:t>
+            </a:r>
+          </a:p>
+          <a:p>
+            <a:pPr marL="411480" marR="0" lvl="2" indent="-137160" algn="l" defTabSz="914400" rtl="0" eaLnBrk="1" fontAlgn="auto" latinLnBrk="0" hangingPunct="1">
+              <a:lnSpc>
+                <a:spcPct val="100000"/>
+              </a:lnSpc>
+              <a:spcBef>
+                <a:spcPts val="0"/>
+              </a:spcBef>
+              <a:spcAft>
+                <a:spcPts val="600"/>
+              </a:spcAft>
+              <a:buClr>
+                <a:schemeClr val="accent1">
+                  <a:lumMod val="50000"/>
+                </a:schemeClr>
+              </a:buClr>
+              <a:buSzTx/>
+              <a:buFont typeface="Arial" panose="020B0604020202020204" pitchFamily="34" charset="0"/>
+              <a:buChar char="•"/>
+              <a:tabLst/>
+              <a:defRPr/>
+            </a:pPr>
+            <a:r>
+              <a:rPr lang="en-US" sz="1600" kern="1200" dirty="0">
+                <a:solidFill>
+                  <a:srgbClr val="472005"/>
+                </a:solidFill>
+                <a:latin typeface="+mn-lt"/>
+                <a:ea typeface="+mn-ea"/>
+                <a:cs typeface="+mn-cs"/>
+              </a:rPr>
+              <a:t>A context ID from CRD or PAS</a:t>
+            </a:r>
+            <a:endParaRPr lang="en-US" sz="2000" kern="1200" dirty="0">
+              <a:solidFill>
+                <a:srgbClr val="472005"/>
+              </a:solidFill>
+              <a:latin typeface="+mn-lt"/>
+              <a:ea typeface="+mn-ea"/>
+              <a:cs typeface="+mn-cs"/>
+            </a:endParaRPr>
+          </a:p>
+        </p:txBody>
+      </p:sp>
+    </p:spTree>
+    <p:extLst>
+      <p:ext uri="{BB962C8B-B14F-4D97-AF65-F5344CB8AC3E}">
+        <p14:creationId xmlns:p14="http://schemas.microsoft.com/office/powerpoint/2010/main" val="11612994"/>
+      </p:ext>
+    </p:extLst>
+  </p:cSld>
+  <p:clrMapOvr>
+    <a:masterClrMapping/>
+  </p:clrMapOvr>
+</p:sld>
+</file>
+
+<file path=ppt/slides/slide15.xml><?xml version="1.0" encoding="utf-8"?>
+<p:sld xmlns:a="http://schemas.openxmlformats.org/drawingml/2006/main" xmlns:r="http://schemas.openxmlformats.org/officeDocument/2006/relationships" xmlns:p="http://schemas.openxmlformats.org/presentationml/2006/main">
+  <p:cSld>
+    <p:spTree>
+      <p:nvGrpSpPr>
+        <p:cNvPr id="1" name="">
+          <a:extLst>
+            <a:ext uri="{FF2B5EF4-FFF2-40B4-BE49-F238E27FC236}">
+              <a16:creationId xmlns:a16="http://schemas.microsoft.com/office/drawing/2014/main" id="{A71DDF0D-BED7-D3BA-751B-AB65FCEE72E6}"/>
+            </a:ext>
+          </a:extLst>
+        </p:cNvPr>
+        <p:cNvGrpSpPr/>
+        <p:nvPr/>
+      </p:nvGrpSpPr>
+      <p:grpSpPr>
+        <a:xfrm>
+          <a:off x="0" y="0"/>
+          <a:ext cx="0" cy="0"/>
+          <a:chOff x="0" y="0"/>
+          <a:chExt cx="0" cy="0"/>
+        </a:xfrm>
+      </p:grpSpPr>
+      <p:sp>
+        <p:nvSpPr>
+          <p:cNvPr id="33" name="Title 3">
+            <a:extLst>
+              <a:ext uri="{FF2B5EF4-FFF2-40B4-BE49-F238E27FC236}">
+                <a16:creationId xmlns:a16="http://schemas.microsoft.com/office/drawing/2014/main" id="{6FC2EAD8-0037-3890-477D-5FB93424411A}"/>
+              </a:ext>
+            </a:extLst>
+          </p:cNvPr>
+          <p:cNvSpPr>
+            <a:spLocks noGrp="1"/>
+          </p:cNvSpPr>
+          <p:nvPr>
+            <p:ph type="title"/>
+          </p:nvPr>
+        </p:nvSpPr>
+        <p:spPr>
+          <a:xfrm>
+            <a:off x="3374796" y="197346"/>
+            <a:ext cx="8231062" cy="775778"/>
+          </a:xfrm>
+        </p:spPr>
+        <p:txBody>
+          <a:bodyPr/>
+          <a:lstStyle/>
+          <a:p>
+            <a:r>
+              <a:rPr lang="en-CA" dirty="0"/>
+              <a:t>DTR Questionnaire Support</a:t>
+            </a:r>
+          </a:p>
+        </p:txBody>
+      </p:sp>
+      <p:grpSp>
+        <p:nvGrpSpPr>
+          <p:cNvPr id="2" name="Group 1">
+            <a:extLst>
+              <a:ext uri="{FF2B5EF4-FFF2-40B4-BE49-F238E27FC236}">
+                <a16:creationId xmlns:a16="http://schemas.microsoft.com/office/drawing/2014/main" id="{F8F3EB89-56EE-E6FD-F6E5-4E57BBF1082D}"/>
+              </a:ext>
+            </a:extLst>
+          </p:cNvPr>
+          <p:cNvGrpSpPr/>
+          <p:nvPr/>
+        </p:nvGrpSpPr>
+        <p:grpSpPr>
+          <a:xfrm>
+            <a:off x="6018001" y="2933528"/>
+            <a:ext cx="1642629" cy="2528475"/>
+            <a:chOff x="4521995" y="2200146"/>
+            <a:chExt cx="1231971" cy="1896357"/>
+          </a:xfrm>
+        </p:grpSpPr>
+        <p:cxnSp>
+          <p:nvCxnSpPr>
+            <p:cNvPr id="3" name="Straight Arrow Connector 2">
+              <a:extLst>
+                <a:ext uri="{FF2B5EF4-FFF2-40B4-BE49-F238E27FC236}">
+                  <a16:creationId xmlns:a16="http://schemas.microsoft.com/office/drawing/2014/main" id="{E6FDCC30-07D6-07A1-2AD9-52F06F4201BF}"/>
+                </a:ext>
+              </a:extLst>
+            </p:cNvPr>
+            <p:cNvCxnSpPr>
+              <a:cxnSpLocks/>
+              <a:stCxn id="9" idx="1"/>
+            </p:cNvCxnSpPr>
+            <p:nvPr/>
+          </p:nvCxnSpPr>
+          <p:spPr>
+            <a:xfrm flipH="1" flipV="1">
+              <a:off x="4521995" y="2200146"/>
+              <a:ext cx="1231971" cy="321847"/>
+            </a:xfrm>
+            <a:prstGeom prst="straightConnector1">
+              <a:avLst/>
+            </a:prstGeom>
+            <a:noFill/>
+            <a:ln w="6350" cap="flat" cmpd="sng" algn="ctr">
+              <a:solidFill>
+                <a:schemeClr val="bg1">
+                  <a:lumMod val="85000"/>
+                </a:schemeClr>
+              </a:solidFill>
+              <a:prstDash val="dash"/>
+              <a:miter lim="800000"/>
+              <a:tailEnd type="none" w="lg" len="lg"/>
+            </a:ln>
+            <a:effectLst/>
+          </p:spPr>
+        </p:cxnSp>
+        <p:cxnSp>
+          <p:nvCxnSpPr>
+            <p:cNvPr id="4" name="Straight Arrow Connector 3">
+              <a:extLst>
+                <a:ext uri="{FF2B5EF4-FFF2-40B4-BE49-F238E27FC236}">
+                  <a16:creationId xmlns:a16="http://schemas.microsoft.com/office/drawing/2014/main" id="{4F6C4B19-11E7-7CC2-D519-C04D094D796C}"/>
+                </a:ext>
+              </a:extLst>
+            </p:cNvPr>
+            <p:cNvCxnSpPr>
+              <a:cxnSpLocks/>
+              <a:stCxn id="9" idx="1"/>
+            </p:cNvCxnSpPr>
+            <p:nvPr/>
+          </p:nvCxnSpPr>
+          <p:spPr>
+            <a:xfrm flipH="1">
+              <a:off x="4533893" y="2521994"/>
+              <a:ext cx="1220073" cy="1574509"/>
+            </a:xfrm>
+            <a:prstGeom prst="straightConnector1">
+              <a:avLst/>
+            </a:prstGeom>
+            <a:noFill/>
+            <a:ln w="6350" cap="flat" cmpd="sng" algn="ctr">
+              <a:solidFill>
+                <a:schemeClr val="bg1">
+                  <a:lumMod val="85000"/>
+                </a:schemeClr>
+              </a:solidFill>
+              <a:prstDash val="dash"/>
+              <a:miter lim="800000"/>
+              <a:tailEnd type="none" w="lg" len="lg"/>
+            </a:ln>
+            <a:effectLst/>
+          </p:spPr>
+        </p:cxnSp>
+      </p:grpSp>
+      <p:grpSp>
+        <p:nvGrpSpPr>
+          <p:cNvPr id="5" name="Group 4">
+            <a:extLst>
+              <a:ext uri="{FF2B5EF4-FFF2-40B4-BE49-F238E27FC236}">
+                <a16:creationId xmlns:a16="http://schemas.microsoft.com/office/drawing/2014/main" id="{C1664EB3-DC31-43A3-A7E8-30BF1CE8571F}"/>
+              </a:ext>
+            </a:extLst>
+          </p:cNvPr>
+          <p:cNvGrpSpPr/>
+          <p:nvPr/>
+        </p:nvGrpSpPr>
+        <p:grpSpPr>
+          <a:xfrm>
+            <a:off x="2070623" y="2634811"/>
+            <a:ext cx="3954028" cy="2827192"/>
+            <a:chOff x="1009452" y="1894533"/>
+            <a:chExt cx="2965521" cy="2120394"/>
+          </a:xfrm>
+        </p:grpSpPr>
+        <p:pic>
+          <p:nvPicPr>
+            <p:cNvPr id="6" name="Picture 5">
+              <a:extLst>
+                <a:ext uri="{FF2B5EF4-FFF2-40B4-BE49-F238E27FC236}">
+                  <a16:creationId xmlns:a16="http://schemas.microsoft.com/office/drawing/2014/main" id="{E9B2D7B2-F829-13B4-8287-E9F6BEFE2563}"/>
+                </a:ext>
+              </a:extLst>
+            </p:cNvPr>
+            <p:cNvPicPr>
+              <a:picLocks noChangeAspect="1"/>
+            </p:cNvPicPr>
+            <p:nvPr/>
+          </p:nvPicPr>
+          <p:blipFill>
+            <a:blip r:embed="rId2"/>
+            <a:stretch>
+              <a:fillRect/>
+            </a:stretch>
+          </p:blipFill>
+          <p:spPr>
+            <a:xfrm>
+              <a:off x="1009452" y="2119544"/>
+              <a:ext cx="2964780" cy="1895383"/>
+            </a:xfrm>
+            <a:prstGeom prst="rect">
+              <a:avLst/>
+            </a:prstGeom>
+            <a:ln w="6350">
+              <a:solidFill>
+                <a:schemeClr val="bg1">
+                  <a:lumMod val="85000"/>
+                </a:schemeClr>
+              </a:solidFill>
+            </a:ln>
+          </p:spPr>
+        </p:pic>
+        <p:sp>
+          <p:nvSpPr>
+            <p:cNvPr id="7" name="TextBox 6">
+              <a:extLst>
+                <a:ext uri="{FF2B5EF4-FFF2-40B4-BE49-F238E27FC236}">
+                  <a16:creationId xmlns:a16="http://schemas.microsoft.com/office/drawing/2014/main" id="{380AEC37-155A-4D36-1F48-AE6A02A837F2}"/>
+                </a:ext>
+              </a:extLst>
+            </p:cNvPr>
+            <p:cNvSpPr txBox="1"/>
+            <p:nvPr/>
+          </p:nvSpPr>
+          <p:spPr>
+            <a:xfrm>
+              <a:off x="1009452" y="1894533"/>
+              <a:ext cx="2965521" cy="223091"/>
+            </a:xfrm>
+            <a:prstGeom prst="rect">
+              <a:avLst/>
+            </a:prstGeom>
+            <a:noFill/>
+          </p:spPr>
+          <p:txBody>
+            <a:bodyPr wrap="square" lIns="60960" rIns="60960">
+              <a:spAutoFit/>
+            </a:bodyPr>
+            <a:lstStyle/>
+            <a:p>
+              <a:pPr algn="ctr" defTabSz="609585" fontAlgn="base">
+                <a:spcBef>
+                  <a:spcPct val="0"/>
+                </a:spcBef>
+                <a:spcAft>
+                  <a:spcPct val="0"/>
+                </a:spcAft>
+                <a:buClrTx/>
+                <a:defRPr/>
+              </a:pPr>
+              <a:r>
+                <a:rPr lang="fr-FR" sz="1333" b="1" kern="1200" dirty="0">
+                  <a:solidFill>
+                    <a:prstClr val="black"/>
+                  </a:solidFill>
+                  <a:latin typeface="Calibri" panose="020F0502020204030204" pitchFamily="34" charset="0"/>
+                  <a:ea typeface="Calibri" panose="020F0502020204030204" pitchFamily="34" charset="0"/>
+                  <a:cs typeface="Calibri" panose="020F0502020204030204" pitchFamily="34" charset="0"/>
+                </a:rPr>
+                <a:t> </a:t>
+              </a:r>
+              <a:r>
+                <a:rPr lang="fr-FR" sz="1067" b="1" kern="1200" dirty="0">
+                  <a:solidFill>
+                    <a:prstClr val="black"/>
+                  </a:solidFill>
+                  <a:latin typeface="Calibri" panose="020F0502020204030204" pitchFamily="34" charset="0"/>
+                  <a:ea typeface="Calibri" panose="020F0502020204030204" pitchFamily="34" charset="0"/>
+                  <a:cs typeface="Calibri" panose="020F0502020204030204" pitchFamily="34" charset="0"/>
+                </a:rPr>
+                <a:t>DTR Questionnaire Package Bundle</a:t>
+              </a:r>
+              <a:endParaRPr lang="fr-FR" sz="1333" b="1" kern="1200" dirty="0">
+                <a:solidFill>
+                  <a:prstClr val="black"/>
+                </a:solidFill>
+                <a:latin typeface="Calibri" panose="020F0502020204030204" pitchFamily="34" charset="0"/>
+                <a:ea typeface="Calibri" panose="020F0502020204030204" pitchFamily="34" charset="0"/>
+                <a:cs typeface="Calibri" panose="020F0502020204030204" pitchFamily="34" charset="0"/>
+              </a:endParaRPr>
+            </a:p>
+          </p:txBody>
+        </p:sp>
+      </p:grpSp>
+      <p:sp>
+        <p:nvSpPr>
+          <p:cNvPr id="8" name="Flowchart: Process 7">
+            <a:extLst>
+              <a:ext uri="{FF2B5EF4-FFF2-40B4-BE49-F238E27FC236}">
+                <a16:creationId xmlns:a16="http://schemas.microsoft.com/office/drawing/2014/main" id="{07745F4C-2D65-80F2-65B7-8914A0466AD2}"/>
+              </a:ext>
+            </a:extLst>
+          </p:cNvPr>
+          <p:cNvSpPr/>
+          <p:nvPr/>
+        </p:nvSpPr>
+        <p:spPr>
+          <a:xfrm>
+            <a:off x="7487411" y="2044789"/>
+            <a:ext cx="1560945" cy="454276"/>
+          </a:xfrm>
+          <a:prstGeom prst="flowChartProcess">
+            <a:avLst/>
+          </a:prstGeom>
+          <a:solidFill>
+            <a:schemeClr val="bg1"/>
+          </a:solidFill>
+          <a:ln>
+            <a:solidFill>
+              <a:schemeClr val="tx1">
+                <a:lumMod val="50000"/>
+                <a:lumOff val="50000"/>
+              </a:schemeClr>
+            </a:solidFill>
+          </a:ln>
+        </p:spPr>
+        <p:style>
+          <a:lnRef idx="1">
+            <a:schemeClr val="accent1"/>
+          </a:lnRef>
+          <a:fillRef idx="3">
+            <a:schemeClr val="accent1"/>
+          </a:fillRef>
+          <a:effectRef idx="2">
+            <a:schemeClr val="accent1"/>
+          </a:effectRef>
+          <a:fontRef idx="minor">
+            <a:schemeClr val="lt1"/>
+          </a:fontRef>
+        </p:style>
+        <p:txBody>
+          <a:bodyPr lIns="36576" tIns="36576" rIns="36576" bIns="36576" rtlCol="0" anchor="ctr"/>
+          <a:lstStyle/>
+          <a:p>
+            <a:pPr algn="ctr" defTabSz="609585" fontAlgn="base">
+              <a:spcBef>
+                <a:spcPct val="0"/>
+              </a:spcBef>
+              <a:spcAft>
+                <a:spcPct val="0"/>
+              </a:spcAft>
+              <a:buClrTx/>
+            </a:pPr>
+            <a:r>
+              <a:rPr lang="en-US" sz="867" kern="1200" dirty="0">
+                <a:solidFill>
+                  <a:srgbClr val="4F81BD">
+                    <a:lumMod val="75000"/>
+                  </a:srgbClr>
+                </a:solidFill>
+                <a:latin typeface="Consolas" panose="020B0609020204030204" pitchFamily="49" charset="0"/>
+              </a:rPr>
+              <a:t>$questionnaire-package</a:t>
+            </a:r>
+            <a:r>
+              <a:rPr lang="en-US" sz="867" kern="1200" dirty="0">
+                <a:solidFill>
+                  <a:prstClr val="black"/>
+                </a:solidFill>
+                <a:latin typeface="Arial"/>
+              </a:rPr>
+              <a:t> </a:t>
+            </a:r>
+            <a:r>
+              <a:rPr lang="en-US" sz="933" kern="1200" dirty="0">
+                <a:solidFill>
+                  <a:prstClr val="black"/>
+                </a:solidFill>
+                <a:latin typeface="Arial"/>
+              </a:rPr>
+              <a:t>operation</a:t>
+            </a:r>
+            <a:endParaRPr lang="en-US" kern="1200" dirty="0">
+              <a:solidFill>
+                <a:prstClr val="black"/>
+              </a:solidFill>
+              <a:latin typeface="Arial"/>
+            </a:endParaRPr>
+          </a:p>
+        </p:txBody>
+      </p:sp>
+      <p:sp>
+        <p:nvSpPr>
+          <p:cNvPr id="9" name="Flowchart: Multidocument 8">
+            <a:extLst>
+              <a:ext uri="{FF2B5EF4-FFF2-40B4-BE49-F238E27FC236}">
+                <a16:creationId xmlns:a16="http://schemas.microsoft.com/office/drawing/2014/main" id="{D86AE51B-0753-9552-0061-7A81DB5415C9}"/>
+              </a:ext>
+            </a:extLst>
+          </p:cNvPr>
+          <p:cNvSpPr/>
+          <p:nvPr/>
+        </p:nvSpPr>
+        <p:spPr>
+          <a:xfrm>
+            <a:off x="7660628" y="2941202"/>
+            <a:ext cx="1214513" cy="842911"/>
+          </a:xfrm>
+          <a:prstGeom prst="flowChartMultidocument">
+            <a:avLst/>
+          </a:prstGeom>
+          <a:solidFill>
+            <a:schemeClr val="bg1"/>
+          </a:solidFill>
+          <a:ln>
+            <a:solidFill>
+              <a:schemeClr val="tx1">
+                <a:lumMod val="50000"/>
+                <a:lumOff val="50000"/>
+              </a:schemeClr>
+            </a:solidFill>
+          </a:ln>
+        </p:spPr>
+        <p:style>
+          <a:lnRef idx="1">
+            <a:schemeClr val="accent1"/>
+          </a:lnRef>
+          <a:fillRef idx="3">
+            <a:schemeClr val="accent1"/>
+          </a:fillRef>
+          <a:effectRef idx="2">
+            <a:schemeClr val="accent1"/>
+          </a:effectRef>
+          <a:fontRef idx="minor">
+            <a:schemeClr val="lt1"/>
+          </a:fontRef>
+        </p:style>
+        <p:txBody>
+          <a:bodyPr rtlCol="0" anchor="ctr"/>
+          <a:lstStyle/>
+          <a:p>
+            <a:pPr algn="ctr" defTabSz="609585" fontAlgn="base">
+              <a:spcBef>
+                <a:spcPct val="0"/>
+              </a:spcBef>
+              <a:spcAft>
+                <a:spcPct val="0"/>
+              </a:spcAft>
+              <a:buClrTx/>
+            </a:pPr>
+            <a:r>
+              <a:rPr lang="en-US" sz="933" kern="1200" dirty="0">
+                <a:solidFill>
+                  <a:prstClr val="black"/>
+                </a:solidFill>
+                <a:latin typeface="Arial"/>
+              </a:rPr>
+              <a:t>Questionnaire Package Bundle</a:t>
+            </a:r>
+            <a:endParaRPr lang="en-US" sz="2133" kern="1200" dirty="0">
+              <a:solidFill>
+                <a:prstClr val="white"/>
+              </a:solidFill>
+              <a:latin typeface="Arial"/>
+            </a:endParaRPr>
+          </a:p>
+        </p:txBody>
+      </p:sp>
+      <p:cxnSp>
+        <p:nvCxnSpPr>
+          <p:cNvPr id="10" name="Straight Arrow Connector 9">
+            <a:extLst>
+              <a:ext uri="{FF2B5EF4-FFF2-40B4-BE49-F238E27FC236}">
+                <a16:creationId xmlns:a16="http://schemas.microsoft.com/office/drawing/2014/main" id="{00D47E13-9D07-FDF3-4242-E47B5802F36D}"/>
+              </a:ext>
+            </a:extLst>
+          </p:cNvPr>
+          <p:cNvCxnSpPr>
+            <a:cxnSpLocks/>
+          </p:cNvCxnSpPr>
+          <p:nvPr/>
+        </p:nvCxnSpPr>
+        <p:spPr>
+          <a:xfrm>
+            <a:off x="8236893" y="3732961"/>
+            <a:ext cx="0" cy="330005"/>
+          </a:xfrm>
+          <a:prstGeom prst="straightConnector1">
+            <a:avLst/>
+          </a:prstGeom>
+          <a:noFill/>
+          <a:ln w="22225" cap="flat" cmpd="sng" algn="ctr">
+            <a:solidFill>
+              <a:schemeClr val="tx1">
+                <a:lumMod val="85000"/>
+                <a:lumOff val="15000"/>
+              </a:schemeClr>
+            </a:solidFill>
+            <a:prstDash val="solid"/>
+            <a:miter lim="800000"/>
+            <a:tailEnd type="stealth" w="lg" len="lg"/>
+          </a:ln>
+          <a:effectLst/>
+        </p:spPr>
+      </p:cxnSp>
+      <p:cxnSp>
+        <p:nvCxnSpPr>
+          <p:cNvPr id="11" name="Straight Arrow Connector 10">
+            <a:extLst>
+              <a:ext uri="{FF2B5EF4-FFF2-40B4-BE49-F238E27FC236}">
+                <a16:creationId xmlns:a16="http://schemas.microsoft.com/office/drawing/2014/main" id="{31D698E0-4A4F-D2F4-DCEC-3ED99135ECC4}"/>
+              </a:ext>
+            </a:extLst>
+          </p:cNvPr>
+          <p:cNvCxnSpPr>
+            <a:cxnSpLocks/>
+            <a:stCxn id="14" idx="1"/>
+            <a:endCxn id="25" idx="3"/>
+          </p:cNvCxnSpPr>
+          <p:nvPr/>
+        </p:nvCxnSpPr>
+        <p:spPr>
+          <a:xfrm flipH="1" flipV="1">
+            <a:off x="5596840" y="4177913"/>
+            <a:ext cx="1807593" cy="434777"/>
+          </a:xfrm>
+          <a:prstGeom prst="straightConnector1">
+            <a:avLst/>
+          </a:prstGeom>
+          <a:ln w="38100" cmpd="dbl">
+            <a:solidFill>
+              <a:schemeClr val="accent5">
+                <a:lumMod val="60000"/>
+                <a:lumOff val="40000"/>
+              </a:schemeClr>
+            </a:solidFill>
+            <a:prstDash val="sysDot"/>
+            <a:tailEnd type="none"/>
+          </a:ln>
+          <a:effectLst/>
+        </p:spPr>
+        <p:style>
+          <a:lnRef idx="2">
+            <a:schemeClr val="accent1"/>
+          </a:lnRef>
+          <a:fillRef idx="0">
+            <a:schemeClr val="accent1"/>
+          </a:fillRef>
+          <a:effectRef idx="1">
+            <a:schemeClr val="accent1"/>
+          </a:effectRef>
+          <a:fontRef idx="minor">
+            <a:schemeClr val="tx1"/>
+          </a:fontRef>
+        </p:style>
+      </p:cxnSp>
+      <p:grpSp>
+        <p:nvGrpSpPr>
+          <p:cNvPr id="12" name="Group 11">
+            <a:extLst>
+              <a:ext uri="{FF2B5EF4-FFF2-40B4-BE49-F238E27FC236}">
+                <a16:creationId xmlns:a16="http://schemas.microsoft.com/office/drawing/2014/main" id="{D9C711D9-8554-0ED4-40C2-5104785D7C28}"/>
+              </a:ext>
+            </a:extLst>
+          </p:cNvPr>
+          <p:cNvGrpSpPr/>
+          <p:nvPr/>
+        </p:nvGrpSpPr>
+        <p:grpSpPr>
+          <a:xfrm>
+            <a:off x="7404433" y="4068275"/>
+            <a:ext cx="1669083" cy="1096920"/>
+            <a:chOff x="5223052" y="3129458"/>
+            <a:chExt cx="1251812" cy="822690"/>
+          </a:xfrm>
+        </p:grpSpPr>
+        <p:sp>
+          <p:nvSpPr>
+            <p:cNvPr id="13" name="Flowchart: Decision 12">
+              <a:extLst>
+                <a:ext uri="{FF2B5EF4-FFF2-40B4-BE49-F238E27FC236}">
+                  <a16:creationId xmlns:a16="http://schemas.microsoft.com/office/drawing/2014/main" id="{E05AC738-F4E8-F523-FE05-9E23FAD8725F}"/>
+                </a:ext>
+              </a:extLst>
+            </p:cNvPr>
+            <p:cNvSpPr/>
+            <p:nvPr/>
+          </p:nvSpPr>
+          <p:spPr>
+            <a:xfrm>
+              <a:off x="5246116" y="3129458"/>
+              <a:ext cx="1201074" cy="822690"/>
+            </a:xfrm>
+            <a:prstGeom prst="flowChartDecision">
+              <a:avLst/>
+            </a:prstGeom>
+            <a:solidFill>
+              <a:schemeClr val="bg1"/>
+            </a:solidFill>
+            <a:ln>
+              <a:solidFill>
+                <a:schemeClr val="tx1">
+                  <a:lumMod val="50000"/>
+                  <a:lumOff val="50000"/>
+                </a:schemeClr>
+              </a:solidFill>
+            </a:ln>
+          </p:spPr>
+          <p:style>
+            <a:lnRef idx="1">
+              <a:schemeClr val="accent1"/>
+            </a:lnRef>
+            <a:fillRef idx="3">
+              <a:schemeClr val="accent1"/>
+            </a:fillRef>
+            <a:effectRef idx="2">
+              <a:schemeClr val="accent1"/>
+            </a:effectRef>
+            <a:fontRef idx="minor">
+              <a:schemeClr val="lt1"/>
+            </a:fontRef>
+          </p:style>
+          <p:txBody>
+            <a:bodyPr lIns="0" tIns="0" rIns="0" bIns="0" rtlCol="0" anchor="ctr"/>
+            <a:lstStyle/>
+            <a:p>
+              <a:pPr algn="ctr" defTabSz="609585" fontAlgn="base">
+                <a:spcBef>
+                  <a:spcPct val="0"/>
+                </a:spcBef>
+                <a:spcAft>
+                  <a:spcPct val="0"/>
+                </a:spcAft>
+                <a:buClrTx/>
+                <a:defRPr/>
+              </a:pPr>
+              <a:endParaRPr lang="en-US" sz="2400" kern="1200" dirty="0">
+                <a:solidFill>
+                  <a:prstClr val="white"/>
+                </a:solidFill>
+                <a:latin typeface="Arial"/>
+              </a:endParaRPr>
+            </a:p>
+          </p:txBody>
+        </p:sp>
+        <p:sp>
+          <p:nvSpPr>
+            <p:cNvPr id="14" name="TextBox 13">
+              <a:extLst>
+                <a:ext uri="{FF2B5EF4-FFF2-40B4-BE49-F238E27FC236}">
+                  <a16:creationId xmlns:a16="http://schemas.microsoft.com/office/drawing/2014/main" id="{BFA4AC84-A49B-D3D6-511D-CDE08457507E}"/>
+                </a:ext>
+              </a:extLst>
+            </p:cNvPr>
+            <p:cNvSpPr txBox="1"/>
+            <p:nvPr/>
+          </p:nvSpPr>
+          <p:spPr>
+            <a:xfrm>
+              <a:off x="5223052" y="3277120"/>
+              <a:ext cx="1251812" cy="521297"/>
+            </a:xfrm>
+            <a:prstGeom prst="rect">
+              <a:avLst/>
+            </a:prstGeom>
+            <a:noFill/>
+          </p:spPr>
+          <p:txBody>
+            <a:bodyPr wrap="square">
+              <a:spAutoFit/>
+            </a:bodyPr>
+            <a:lstStyle/>
+            <a:p>
+              <a:pPr algn="ctr" defTabSz="609585" fontAlgn="base">
+                <a:lnSpc>
+                  <a:spcPts val="1067"/>
+                </a:lnSpc>
+                <a:spcBef>
+                  <a:spcPct val="0"/>
+                </a:spcBef>
+                <a:spcAft>
+                  <a:spcPct val="0"/>
+                </a:spcAft>
+                <a:buClrTx/>
+                <a:defRPr/>
+              </a:pPr>
+              <a:r>
+                <a:rPr lang="en-US" sz="933" kern="1200" dirty="0">
+                  <a:solidFill>
+                    <a:prstClr val="black"/>
+                  </a:solidFill>
+                  <a:ea typeface="ヒラギノ角ゴ Pro W3" pitchFamily="-126" charset="-128"/>
+                  <a:cs typeface="+mn-cs"/>
+                </a:rPr>
+                <a:t>Questionnaire </a:t>
+              </a:r>
+            </a:p>
+            <a:p>
+              <a:pPr algn="ctr" defTabSz="609585" fontAlgn="base">
+                <a:lnSpc>
+                  <a:spcPts val="1067"/>
+                </a:lnSpc>
+                <a:spcBef>
+                  <a:spcPct val="0"/>
+                </a:spcBef>
+                <a:spcAft>
+                  <a:spcPct val="0"/>
+                </a:spcAft>
+                <a:buClrTx/>
+                <a:defRPr/>
+              </a:pPr>
+              <a:r>
+                <a:rPr lang="en-US" sz="933" kern="1200" dirty="0">
+                  <a:solidFill>
+                    <a:prstClr val="black"/>
+                  </a:solidFill>
+                  <a:ea typeface="ヒラギノ角ゴ Pro W3" pitchFamily="-126" charset="-128"/>
+                  <a:cs typeface="+mn-cs"/>
+                </a:rPr>
+                <a:t>Contains</a:t>
+              </a:r>
+            </a:p>
+            <a:p>
+              <a:pPr algn="ctr" defTabSz="609585" fontAlgn="base">
+                <a:lnSpc>
+                  <a:spcPts val="1067"/>
+                </a:lnSpc>
+                <a:spcBef>
+                  <a:spcPct val="0"/>
+                </a:spcBef>
+                <a:spcAft>
+                  <a:spcPct val="0"/>
+                </a:spcAft>
+                <a:buClrTx/>
+                <a:defRPr/>
+              </a:pPr>
+              <a:r>
+                <a:rPr lang="en-US" sz="800" kern="1200" dirty="0" err="1">
+                  <a:solidFill>
+                    <a:srgbClr val="4F81BD">
+                      <a:lumMod val="75000"/>
+                    </a:srgbClr>
+                  </a:solidFill>
+                  <a:latin typeface="Consolas" panose="020B0609020204030204" pitchFamily="49" charset="0"/>
+                  <a:ea typeface="ヒラギノ角ゴ Pro W3" pitchFamily="-126" charset="-128"/>
+                  <a:cs typeface="+mn-cs"/>
+                </a:rPr>
+                <a:t>questionnaireAdaptive</a:t>
+              </a:r>
+              <a:endParaRPr lang="en-US" sz="867" kern="1200" dirty="0">
+                <a:solidFill>
+                  <a:srgbClr val="4F81BD">
+                    <a:lumMod val="75000"/>
+                  </a:srgbClr>
+                </a:solidFill>
+                <a:latin typeface="Consolas" panose="020B0609020204030204" pitchFamily="49" charset="0"/>
+                <a:ea typeface="ヒラギノ角ゴ Pro W3" pitchFamily="-126" charset="-128"/>
+                <a:cs typeface="+mn-cs"/>
+              </a:endParaRPr>
+            </a:p>
+            <a:p>
+              <a:pPr algn="ctr" defTabSz="609585" fontAlgn="base">
+                <a:lnSpc>
+                  <a:spcPts val="1067"/>
+                </a:lnSpc>
+                <a:spcBef>
+                  <a:spcPts val="267"/>
+                </a:spcBef>
+                <a:spcAft>
+                  <a:spcPct val="0"/>
+                </a:spcAft>
+                <a:buClrTx/>
+                <a:defRPr/>
+              </a:pPr>
+              <a:r>
+                <a:rPr lang="en-US" sz="933" kern="1200" dirty="0">
+                  <a:solidFill>
+                    <a:prstClr val="black"/>
+                  </a:solidFill>
+                  <a:ea typeface="ヒラギノ角ゴ Pro W3" pitchFamily="-126" charset="-128"/>
+                  <a:cs typeface="+mn-cs"/>
+                </a:rPr>
+                <a:t>Extension?</a:t>
+              </a:r>
+            </a:p>
+          </p:txBody>
+        </p:sp>
+      </p:grpSp>
+      <p:cxnSp>
+        <p:nvCxnSpPr>
+          <p:cNvPr id="15" name="Straight Arrow Connector 14">
+            <a:extLst>
+              <a:ext uri="{FF2B5EF4-FFF2-40B4-BE49-F238E27FC236}">
+                <a16:creationId xmlns:a16="http://schemas.microsoft.com/office/drawing/2014/main" id="{767EF9D7-5F31-D59D-6E7D-04515A685FC1}"/>
+              </a:ext>
+            </a:extLst>
+          </p:cNvPr>
+          <p:cNvCxnSpPr>
+            <a:cxnSpLocks/>
+            <a:stCxn id="13" idx="2"/>
+          </p:cNvCxnSpPr>
+          <p:nvPr/>
+        </p:nvCxnSpPr>
+        <p:spPr>
+          <a:xfrm>
+            <a:off x="8235901" y="5165194"/>
+            <a:ext cx="992" cy="365760"/>
+          </a:xfrm>
+          <a:prstGeom prst="straightConnector1">
+            <a:avLst/>
+          </a:prstGeom>
+          <a:noFill/>
+          <a:ln w="22225" cap="flat" cmpd="sng" algn="ctr">
+            <a:solidFill>
+              <a:schemeClr val="tx1">
+                <a:lumMod val="85000"/>
+                <a:lumOff val="15000"/>
+              </a:schemeClr>
+            </a:solidFill>
+            <a:prstDash val="solid"/>
+            <a:miter lim="800000"/>
+            <a:tailEnd type="stealth" w="lg" len="lg"/>
+          </a:ln>
+          <a:effectLst/>
+        </p:spPr>
+      </p:cxnSp>
+      <p:cxnSp>
+        <p:nvCxnSpPr>
+          <p:cNvPr id="16" name="Straight Arrow Connector 15">
+            <a:extLst>
+              <a:ext uri="{FF2B5EF4-FFF2-40B4-BE49-F238E27FC236}">
+                <a16:creationId xmlns:a16="http://schemas.microsoft.com/office/drawing/2014/main" id="{4CDE56BA-3CA7-108C-CB80-7AC480E40C32}"/>
+              </a:ext>
+            </a:extLst>
+          </p:cNvPr>
+          <p:cNvCxnSpPr>
+            <a:cxnSpLocks/>
+          </p:cNvCxnSpPr>
+          <p:nvPr/>
+        </p:nvCxnSpPr>
+        <p:spPr>
+          <a:xfrm>
+            <a:off x="10699153" y="4605388"/>
+            <a:ext cx="0" cy="925745"/>
+          </a:xfrm>
+          <a:prstGeom prst="straightConnector1">
+            <a:avLst/>
+          </a:prstGeom>
+          <a:noFill/>
+          <a:ln w="22225" cap="flat" cmpd="sng" algn="ctr">
+            <a:solidFill>
+              <a:schemeClr val="tx1">
+                <a:lumMod val="85000"/>
+                <a:lumOff val="15000"/>
+              </a:schemeClr>
+            </a:solidFill>
+            <a:prstDash val="solid"/>
+            <a:miter lim="800000"/>
+            <a:tailEnd type="stealth" w="lg" len="lg"/>
+          </a:ln>
+          <a:effectLst/>
+        </p:spPr>
+      </p:cxnSp>
+      <p:cxnSp>
+        <p:nvCxnSpPr>
+          <p:cNvPr id="17" name="Straight Arrow Connector 16">
+            <a:extLst>
+              <a:ext uri="{FF2B5EF4-FFF2-40B4-BE49-F238E27FC236}">
+                <a16:creationId xmlns:a16="http://schemas.microsoft.com/office/drawing/2014/main" id="{9DB035BE-047A-C84E-B759-28B9307AD2FD}"/>
+              </a:ext>
+            </a:extLst>
+          </p:cNvPr>
+          <p:cNvCxnSpPr>
+            <a:cxnSpLocks/>
+          </p:cNvCxnSpPr>
+          <p:nvPr/>
+        </p:nvCxnSpPr>
+        <p:spPr>
+          <a:xfrm>
+            <a:off x="9024010" y="4605387"/>
+            <a:ext cx="1682496" cy="0"/>
+          </a:xfrm>
+          <a:prstGeom prst="straightConnector1">
+            <a:avLst/>
+          </a:prstGeom>
+          <a:noFill/>
+          <a:ln w="22225" cap="flat" cmpd="sng" algn="ctr">
+            <a:solidFill>
+              <a:schemeClr val="tx1">
+                <a:lumMod val="85000"/>
+                <a:lumOff val="15000"/>
+              </a:schemeClr>
+            </a:solidFill>
+            <a:prstDash val="solid"/>
+            <a:miter lim="800000"/>
+            <a:tailEnd type="none" w="lg" len="lg"/>
+          </a:ln>
+          <a:effectLst/>
+        </p:spPr>
+      </p:cxnSp>
+      <p:sp>
+        <p:nvSpPr>
+          <p:cNvPr id="18" name="TextBox 17">
+            <a:extLst>
+              <a:ext uri="{FF2B5EF4-FFF2-40B4-BE49-F238E27FC236}">
+                <a16:creationId xmlns:a16="http://schemas.microsoft.com/office/drawing/2014/main" id="{4BA823C3-1E41-A9D1-AB29-8ACBAF1F990C}"/>
+              </a:ext>
+            </a:extLst>
+          </p:cNvPr>
+          <p:cNvSpPr txBox="1"/>
+          <p:nvPr/>
+        </p:nvSpPr>
+        <p:spPr>
+          <a:xfrm>
+            <a:off x="8985282" y="4402126"/>
+            <a:ext cx="459544" cy="235898"/>
+          </a:xfrm>
+          <a:prstGeom prst="rect">
+            <a:avLst/>
+          </a:prstGeom>
+          <a:noFill/>
+        </p:spPr>
+        <p:txBody>
+          <a:bodyPr wrap="square">
+            <a:spAutoFit/>
+          </a:bodyPr>
+          <a:lstStyle/>
+          <a:p>
+            <a:pPr defTabSz="609585" fontAlgn="base">
+              <a:spcBef>
+                <a:spcPct val="0"/>
+              </a:spcBef>
+              <a:spcAft>
+                <a:spcPct val="0"/>
+              </a:spcAft>
+              <a:buClrTx/>
+            </a:pPr>
+            <a:r>
+              <a:rPr lang="en-US" sz="933" kern="1200" dirty="0">
+                <a:solidFill>
+                  <a:prstClr val="black"/>
+                </a:solidFill>
+                <a:ea typeface="ヒラギノ角ゴ Pro W3" pitchFamily="-126" charset="-128"/>
+                <a:cs typeface="+mn-cs"/>
+              </a:rPr>
+              <a:t>Yes</a:t>
+            </a:r>
+            <a:endParaRPr lang="en-US" sz="2400" kern="1200" dirty="0">
+              <a:solidFill>
+                <a:prstClr val="black"/>
+              </a:solidFill>
+              <a:latin typeface="Arial" panose="020B0604020202020204" pitchFamily="34" charset="0"/>
+              <a:ea typeface="ヒラギノ角ゴ Pro W3" pitchFamily="-126" charset="-128"/>
+              <a:cs typeface="+mn-cs"/>
+            </a:endParaRPr>
+          </a:p>
+        </p:txBody>
+      </p:sp>
+      <p:sp>
+        <p:nvSpPr>
+          <p:cNvPr id="19" name="TextBox 18">
+            <a:extLst>
+              <a:ext uri="{FF2B5EF4-FFF2-40B4-BE49-F238E27FC236}">
+                <a16:creationId xmlns:a16="http://schemas.microsoft.com/office/drawing/2014/main" id="{015732F1-764B-28D5-ED18-318328743919}"/>
+              </a:ext>
+            </a:extLst>
+          </p:cNvPr>
+          <p:cNvSpPr txBox="1"/>
+          <p:nvPr/>
+        </p:nvSpPr>
+        <p:spPr>
+          <a:xfrm>
+            <a:off x="8170250" y="5146264"/>
+            <a:ext cx="459544" cy="235898"/>
+          </a:xfrm>
+          <a:prstGeom prst="rect">
+            <a:avLst/>
+          </a:prstGeom>
+          <a:noFill/>
+        </p:spPr>
+        <p:txBody>
+          <a:bodyPr wrap="square">
+            <a:spAutoFit/>
+          </a:bodyPr>
+          <a:lstStyle/>
+          <a:p>
+            <a:pPr defTabSz="609585" fontAlgn="base">
+              <a:spcBef>
+                <a:spcPct val="0"/>
+              </a:spcBef>
+              <a:spcAft>
+                <a:spcPct val="0"/>
+              </a:spcAft>
+              <a:buClrTx/>
+            </a:pPr>
+            <a:r>
+              <a:rPr lang="en-US" sz="933" kern="1200" dirty="0">
+                <a:solidFill>
+                  <a:prstClr val="black"/>
+                </a:solidFill>
+                <a:ea typeface="ヒラギノ角ゴ Pro W3" pitchFamily="-126" charset="-128"/>
+                <a:cs typeface="+mn-cs"/>
+              </a:rPr>
+              <a:t>No</a:t>
+            </a:r>
+            <a:endParaRPr lang="en-US" sz="2400" kern="1200" dirty="0">
+              <a:solidFill>
+                <a:prstClr val="black"/>
+              </a:solidFill>
+              <a:latin typeface="Arial" panose="020B0604020202020204" pitchFamily="34" charset="0"/>
+              <a:ea typeface="ヒラギノ角ゴ Pro W3" pitchFamily="-126" charset="-128"/>
+              <a:cs typeface="+mn-cs"/>
+            </a:endParaRPr>
+          </a:p>
+        </p:txBody>
+      </p:sp>
+      <p:grpSp>
+        <p:nvGrpSpPr>
+          <p:cNvPr id="20" name="Group 19">
+            <a:extLst>
+              <a:ext uri="{FF2B5EF4-FFF2-40B4-BE49-F238E27FC236}">
+                <a16:creationId xmlns:a16="http://schemas.microsoft.com/office/drawing/2014/main" id="{F47E64BF-8773-D25C-347B-BCAAEF56052A}"/>
+              </a:ext>
+            </a:extLst>
+          </p:cNvPr>
+          <p:cNvGrpSpPr/>
+          <p:nvPr/>
+        </p:nvGrpSpPr>
+        <p:grpSpPr>
+          <a:xfrm>
+            <a:off x="8045213" y="2500303"/>
+            <a:ext cx="399848" cy="426720"/>
+            <a:chOff x="5540286" y="1485354"/>
+            <a:chExt cx="299886" cy="320040"/>
+          </a:xfrm>
+        </p:grpSpPr>
+        <p:cxnSp>
+          <p:nvCxnSpPr>
+            <p:cNvPr id="21" name="Straight Arrow Connector 20">
+              <a:extLst>
+                <a:ext uri="{FF2B5EF4-FFF2-40B4-BE49-F238E27FC236}">
+                  <a16:creationId xmlns:a16="http://schemas.microsoft.com/office/drawing/2014/main" id="{4BF116F0-31FE-8913-5E98-F2E19C2F2E65}"/>
+                </a:ext>
+              </a:extLst>
+            </p:cNvPr>
+            <p:cNvCxnSpPr>
+              <a:cxnSpLocks/>
+            </p:cNvCxnSpPr>
+            <p:nvPr/>
+          </p:nvCxnSpPr>
+          <p:spPr>
+            <a:xfrm flipH="1">
+              <a:off x="5686618" y="1485354"/>
+              <a:ext cx="2724" cy="320040"/>
+            </a:xfrm>
+            <a:prstGeom prst="straightConnector1">
+              <a:avLst/>
+            </a:prstGeom>
+            <a:noFill/>
+            <a:ln w="22225" cap="flat" cmpd="sng" algn="ctr">
+              <a:solidFill>
+                <a:schemeClr val="tx1">
+                  <a:lumMod val="85000"/>
+                  <a:lumOff val="15000"/>
+                </a:schemeClr>
+              </a:solidFill>
+              <a:prstDash val="solid"/>
+              <a:miter lim="800000"/>
+              <a:tailEnd type="stealth" w="lg" len="lg"/>
+            </a:ln>
+            <a:effectLst/>
+          </p:spPr>
+        </p:cxnSp>
+        <p:sp>
+          <p:nvSpPr>
+            <p:cNvPr id="22" name="TextBox 21">
+              <a:extLst>
+                <a:ext uri="{FF2B5EF4-FFF2-40B4-BE49-F238E27FC236}">
+                  <a16:creationId xmlns:a16="http://schemas.microsoft.com/office/drawing/2014/main" id="{53068FF5-4430-4DDC-696C-FB80E4B24806}"/>
+                </a:ext>
+              </a:extLst>
+            </p:cNvPr>
+            <p:cNvSpPr txBox="1"/>
+            <p:nvPr/>
+          </p:nvSpPr>
+          <p:spPr>
+            <a:xfrm>
+              <a:off x="5540286" y="1533513"/>
+              <a:ext cx="299886" cy="92333"/>
+            </a:xfrm>
+            <a:prstGeom prst="rect">
+              <a:avLst/>
+            </a:prstGeom>
+            <a:solidFill>
+              <a:schemeClr val="bg1"/>
+            </a:solidFill>
+          </p:spPr>
+          <p:txBody>
+            <a:bodyPr wrap="square" lIns="0" tIns="0" rIns="0" bIns="0">
+              <a:spAutoFit/>
+            </a:bodyPr>
+            <a:lstStyle/>
+            <a:p>
+              <a:pPr algn="ctr" defTabSz="609585" fontAlgn="base">
+                <a:spcBef>
+                  <a:spcPct val="0"/>
+                </a:spcBef>
+                <a:spcAft>
+                  <a:spcPct val="0"/>
+                </a:spcAft>
+                <a:buClrTx/>
+              </a:pPr>
+              <a:r>
+                <a:rPr lang="en-US" sz="800" i="1" kern="1200" dirty="0">
+                  <a:solidFill>
+                    <a:prstClr val="white">
+                      <a:lumMod val="50000"/>
+                    </a:prstClr>
+                  </a:solidFill>
+                  <a:ea typeface="ヒラギノ角ゴ Pro W3" pitchFamily="-126" charset="-128"/>
+                  <a:cs typeface="+mn-cs"/>
+                </a:rPr>
+                <a:t>Returns</a:t>
+              </a:r>
+              <a:endParaRPr lang="en-US" sz="2400" i="1" kern="1200" dirty="0">
+                <a:solidFill>
+                  <a:prstClr val="white">
+                    <a:lumMod val="50000"/>
+                  </a:prstClr>
+                </a:solidFill>
+                <a:latin typeface="Arial" panose="020B0604020202020204" pitchFamily="34" charset="0"/>
+                <a:ea typeface="ヒラギノ角ゴ Pro W3" pitchFamily="-126" charset="-128"/>
+                <a:cs typeface="+mn-cs"/>
+              </a:endParaRPr>
+            </a:p>
+          </p:txBody>
+        </p:sp>
+      </p:grpSp>
+      <p:sp>
+        <p:nvSpPr>
+          <p:cNvPr id="23" name="Flowchart: Document 22">
+            <a:extLst>
+              <a:ext uri="{FF2B5EF4-FFF2-40B4-BE49-F238E27FC236}">
+                <a16:creationId xmlns:a16="http://schemas.microsoft.com/office/drawing/2014/main" id="{D48BAD26-2932-EDDB-5005-9B8C16B28C70}"/>
+              </a:ext>
+            </a:extLst>
+          </p:cNvPr>
+          <p:cNvSpPr/>
+          <p:nvPr/>
+        </p:nvSpPr>
+        <p:spPr>
+          <a:xfrm>
+            <a:off x="7207178" y="5549690"/>
+            <a:ext cx="2121409" cy="780288"/>
+          </a:xfrm>
+          <a:prstGeom prst="flowChartDocument">
+            <a:avLst/>
+          </a:prstGeom>
+          <a:solidFill>
+            <a:schemeClr val="bg1"/>
+          </a:solidFill>
+          <a:ln>
+            <a:solidFill>
+              <a:schemeClr val="tx1">
+                <a:lumMod val="50000"/>
+                <a:lumOff val="50000"/>
+              </a:schemeClr>
+            </a:solidFill>
+          </a:ln>
+        </p:spPr>
+        <p:style>
+          <a:lnRef idx="1">
+            <a:schemeClr val="accent1"/>
+          </a:lnRef>
+          <a:fillRef idx="3">
+            <a:schemeClr val="accent1"/>
+          </a:fillRef>
+          <a:effectRef idx="2">
+            <a:schemeClr val="accent1"/>
+          </a:effectRef>
+          <a:fontRef idx="minor">
+            <a:schemeClr val="lt1"/>
+          </a:fontRef>
+        </p:style>
+        <p:txBody>
+          <a:bodyPr lIns="36576" tIns="36576" rIns="36576" bIns="36576" rtlCol="0" anchor="ctr"/>
+          <a:lstStyle/>
+          <a:p>
+            <a:pPr algn="ctr" defTabSz="609585" fontAlgn="base">
+              <a:spcBef>
+                <a:spcPct val="0"/>
+              </a:spcBef>
+              <a:spcAft>
+                <a:spcPts val="267"/>
+              </a:spcAft>
+              <a:buClrTx/>
+              <a:defRPr/>
+            </a:pPr>
+            <a:r>
+              <a:rPr lang="fr-FR" sz="1200" kern="1200" dirty="0">
+                <a:solidFill>
+                  <a:prstClr val="black"/>
+                </a:solidFill>
+                <a:latin typeface="Calibri" panose="020F0502020204030204" pitchFamily="34" charset="0"/>
+                <a:ea typeface="Calibri" panose="020F0502020204030204" pitchFamily="34" charset="0"/>
+                <a:cs typeface="Calibri" panose="020F0502020204030204" pitchFamily="34" charset="0"/>
+              </a:rPr>
+              <a:t>DTR Standard Questionnaire  </a:t>
+            </a:r>
+          </a:p>
+          <a:p>
+            <a:pPr algn="ctr" defTabSz="609585" fontAlgn="base">
+              <a:spcBef>
+                <a:spcPct val="0"/>
+              </a:spcBef>
+              <a:spcAft>
+                <a:spcPct val="0"/>
+              </a:spcAft>
+              <a:buClrTx/>
+              <a:defRPr/>
+            </a:pPr>
+            <a:r>
+              <a:rPr lang="en-US" sz="1067" kern="1200" dirty="0">
+                <a:solidFill>
+                  <a:prstClr val="black"/>
+                </a:solidFill>
+                <a:latin typeface="Calibri" panose="020F0502020204030204" pitchFamily="34" charset="0"/>
+                <a:ea typeface="Calibri" panose="020F0502020204030204" pitchFamily="34" charset="0"/>
+                <a:cs typeface="Calibri" panose="020F0502020204030204" pitchFamily="34" charset="0"/>
+              </a:rPr>
+              <a:t>(</a:t>
+            </a:r>
+            <a:r>
+              <a:rPr lang="en-US" sz="867" kern="1200" dirty="0" err="1">
+                <a:solidFill>
+                  <a:srgbClr val="4BACC6">
+                    <a:lumMod val="50000"/>
+                  </a:srgbClr>
+                </a:solidFill>
+                <a:latin typeface="Consolas" panose="020B0609020204030204" pitchFamily="49" charset="0"/>
+                <a:ea typeface="Calibri" panose="020F0502020204030204" pitchFamily="34" charset="0"/>
+                <a:cs typeface="Calibri" panose="020F0502020204030204" pitchFamily="34" charset="0"/>
+              </a:rPr>
+              <a:t>dtr</a:t>
+            </a:r>
+            <a:r>
+              <a:rPr lang="en-US" sz="867" kern="1200" dirty="0">
+                <a:solidFill>
+                  <a:srgbClr val="4BACC6">
+                    <a:lumMod val="50000"/>
+                  </a:srgbClr>
+                </a:solidFill>
+                <a:latin typeface="Consolas" panose="020B0609020204030204" pitchFamily="49" charset="0"/>
+                <a:ea typeface="Calibri" panose="020F0502020204030204" pitchFamily="34" charset="0"/>
+                <a:cs typeface="Calibri" panose="020F0502020204030204" pitchFamily="34" charset="0"/>
+              </a:rPr>
+              <a:t>-std-questionnaire</a:t>
+            </a:r>
+            <a:r>
+              <a:rPr lang="en-US" sz="1067" kern="1200" dirty="0">
+                <a:solidFill>
+                  <a:prstClr val="black"/>
+                </a:solidFill>
+                <a:latin typeface="Arial" panose="020B0604020202020204" pitchFamily="34" charset="0"/>
+                <a:ea typeface="ヒラギノ角ゴ Pro W3" pitchFamily="-126" charset="-128"/>
+              </a:rPr>
+              <a:t>)</a:t>
+            </a:r>
+          </a:p>
+        </p:txBody>
+      </p:sp>
+      <p:sp>
+        <p:nvSpPr>
+          <p:cNvPr id="24" name="Flowchart: Document 23">
+            <a:extLst>
+              <a:ext uri="{FF2B5EF4-FFF2-40B4-BE49-F238E27FC236}">
+                <a16:creationId xmlns:a16="http://schemas.microsoft.com/office/drawing/2014/main" id="{8CB51089-4776-4F09-4925-6F9459BCBE68}"/>
+              </a:ext>
+            </a:extLst>
+          </p:cNvPr>
+          <p:cNvSpPr/>
+          <p:nvPr/>
+        </p:nvSpPr>
+        <p:spPr>
+          <a:xfrm>
+            <a:off x="9645802" y="5549690"/>
+            <a:ext cx="2121409" cy="777597"/>
+          </a:xfrm>
+          <a:prstGeom prst="flowChartDocument">
+            <a:avLst/>
+          </a:prstGeom>
+          <a:solidFill>
+            <a:schemeClr val="bg1"/>
+          </a:solidFill>
+          <a:ln>
+            <a:solidFill>
+              <a:schemeClr val="tx1">
+                <a:lumMod val="50000"/>
+                <a:lumOff val="50000"/>
+              </a:schemeClr>
+            </a:solidFill>
+          </a:ln>
+        </p:spPr>
+        <p:style>
+          <a:lnRef idx="1">
+            <a:schemeClr val="accent1"/>
+          </a:lnRef>
+          <a:fillRef idx="3">
+            <a:schemeClr val="accent1"/>
+          </a:fillRef>
+          <a:effectRef idx="2">
+            <a:schemeClr val="accent1"/>
+          </a:effectRef>
+          <a:fontRef idx="minor">
+            <a:schemeClr val="lt1"/>
+          </a:fontRef>
+        </p:style>
+        <p:txBody>
+          <a:bodyPr lIns="36576" tIns="36576" rIns="36576" bIns="36576" rtlCol="0" anchor="ctr"/>
+          <a:lstStyle/>
+          <a:p>
+            <a:pPr algn="ctr" defTabSz="609585" fontAlgn="base">
+              <a:spcBef>
+                <a:spcPct val="0"/>
+              </a:spcBef>
+              <a:spcAft>
+                <a:spcPct val="0"/>
+              </a:spcAft>
+              <a:buClrTx/>
+              <a:defRPr/>
+            </a:pPr>
+            <a:r>
+              <a:rPr lang="fr-FR" sz="1200" kern="1200" dirty="0">
+                <a:solidFill>
+                  <a:prstClr val="black"/>
+                </a:solidFill>
+                <a:latin typeface="Calibri" panose="020F0502020204030204" pitchFamily="34" charset="0"/>
+                <a:ea typeface="Calibri" panose="020F0502020204030204" pitchFamily="34" charset="0"/>
+                <a:cs typeface="Calibri" panose="020F0502020204030204" pitchFamily="34" charset="0"/>
+              </a:rPr>
+              <a:t>DTR Questionnaire for </a:t>
+            </a:r>
+          </a:p>
+          <a:p>
+            <a:pPr algn="ctr" defTabSz="609585" fontAlgn="base">
+              <a:spcBef>
+                <a:spcPct val="0"/>
+              </a:spcBef>
+              <a:spcAft>
+                <a:spcPct val="0"/>
+              </a:spcAft>
+              <a:buClrTx/>
+              <a:defRPr/>
+            </a:pPr>
+            <a:r>
+              <a:rPr lang="fr-FR" sz="1200" kern="1200" dirty="0">
+                <a:solidFill>
+                  <a:prstClr val="black"/>
+                </a:solidFill>
+                <a:latin typeface="Calibri" panose="020F0502020204030204" pitchFamily="34" charset="0"/>
+                <a:ea typeface="Calibri" panose="020F0502020204030204" pitchFamily="34" charset="0"/>
+                <a:cs typeface="Calibri" panose="020F0502020204030204" pitchFamily="34" charset="0"/>
+              </a:rPr>
+              <a:t>adaptive </a:t>
+            </a:r>
+            <a:r>
+              <a:rPr lang="fr-FR" sz="1200" kern="1200" dirty="0" err="1">
+                <a:solidFill>
+                  <a:prstClr val="black"/>
+                </a:solidFill>
+                <a:latin typeface="Calibri" panose="020F0502020204030204" pitchFamily="34" charset="0"/>
+                <a:ea typeface="Calibri" panose="020F0502020204030204" pitchFamily="34" charset="0"/>
+                <a:cs typeface="Calibri" panose="020F0502020204030204" pitchFamily="34" charset="0"/>
+              </a:rPr>
+              <a:t>form</a:t>
+            </a:r>
+            <a:r>
+              <a:rPr lang="fr-FR" sz="1200" kern="1200" dirty="0">
+                <a:solidFill>
+                  <a:prstClr val="black"/>
+                </a:solidFill>
+                <a:latin typeface="Calibri" panose="020F0502020204030204" pitchFamily="34" charset="0"/>
+                <a:ea typeface="Calibri" panose="020F0502020204030204" pitchFamily="34" charset="0"/>
+                <a:cs typeface="Calibri" panose="020F0502020204030204" pitchFamily="34" charset="0"/>
+              </a:rPr>
+              <a:t> </a:t>
+            </a:r>
+            <a:r>
+              <a:rPr lang="fr-FR" sz="1200" kern="1200" dirty="0" err="1">
+                <a:solidFill>
+                  <a:prstClr val="black"/>
+                </a:solidFill>
+                <a:latin typeface="Calibri" panose="020F0502020204030204" pitchFamily="34" charset="0"/>
+                <a:ea typeface="Calibri" panose="020F0502020204030204" pitchFamily="34" charset="0"/>
+                <a:cs typeface="Calibri" panose="020F0502020204030204" pitchFamily="34" charset="0"/>
+              </a:rPr>
+              <a:t>Search</a:t>
+            </a:r>
+            <a:endParaRPr lang="fr-FR" sz="1200" kern="1200" dirty="0">
+              <a:solidFill>
+                <a:prstClr val="black"/>
+              </a:solidFill>
+              <a:latin typeface="Calibri" panose="020F0502020204030204" pitchFamily="34" charset="0"/>
+              <a:ea typeface="Calibri" panose="020F0502020204030204" pitchFamily="34" charset="0"/>
+              <a:cs typeface="Calibri" panose="020F0502020204030204" pitchFamily="34" charset="0"/>
+            </a:endParaRPr>
+          </a:p>
+          <a:p>
+            <a:pPr algn="ctr" defTabSz="609585" fontAlgn="base">
+              <a:spcBef>
+                <a:spcPct val="0"/>
+              </a:spcBef>
+              <a:spcAft>
+                <a:spcPct val="0"/>
+              </a:spcAft>
+              <a:buClrTx/>
+              <a:defRPr/>
+            </a:pPr>
+            <a:r>
+              <a:rPr lang="en-US" sz="1067" kern="1200" dirty="0">
+                <a:solidFill>
+                  <a:prstClr val="black"/>
+                </a:solidFill>
+                <a:latin typeface="Calibri" panose="020F0502020204030204" pitchFamily="34" charset="0"/>
+                <a:ea typeface="Calibri" panose="020F0502020204030204" pitchFamily="34" charset="0"/>
+                <a:cs typeface="Calibri" panose="020F0502020204030204" pitchFamily="34" charset="0"/>
+              </a:rPr>
+              <a:t>(</a:t>
+            </a:r>
+            <a:r>
+              <a:rPr lang="en-US" sz="867" kern="1200" dirty="0" err="1">
+                <a:solidFill>
+                  <a:srgbClr val="4BACC6">
+                    <a:lumMod val="50000"/>
+                  </a:srgbClr>
+                </a:solidFill>
+                <a:latin typeface="Consolas" panose="020B0609020204030204" pitchFamily="49" charset="0"/>
+                <a:ea typeface="Calibri" panose="020F0502020204030204" pitchFamily="34" charset="0"/>
+                <a:cs typeface="Calibri" panose="020F0502020204030204" pitchFamily="34" charset="0"/>
+              </a:rPr>
+              <a:t>dtr</a:t>
+            </a:r>
+            <a:r>
+              <a:rPr lang="en-US" sz="867" kern="1200" dirty="0">
+                <a:solidFill>
+                  <a:srgbClr val="4BACC6">
+                    <a:lumMod val="50000"/>
+                  </a:srgbClr>
+                </a:solidFill>
+                <a:latin typeface="Consolas" panose="020B0609020204030204" pitchFamily="49" charset="0"/>
+                <a:ea typeface="Calibri" panose="020F0502020204030204" pitchFamily="34" charset="0"/>
+                <a:cs typeface="Calibri" panose="020F0502020204030204" pitchFamily="34" charset="0"/>
+              </a:rPr>
+              <a:t>-questionnaire-adapt-search</a:t>
+            </a:r>
+            <a:r>
+              <a:rPr lang="en-US" sz="1067" kern="1200" dirty="0">
+                <a:solidFill>
+                  <a:prstClr val="black"/>
+                </a:solidFill>
+                <a:latin typeface="Arial" panose="020B0604020202020204" pitchFamily="34" charset="0"/>
+                <a:ea typeface="ヒラギノ角ゴ Pro W3" pitchFamily="-126" charset="-128"/>
+              </a:rPr>
+              <a:t>)</a:t>
+            </a:r>
+            <a:endParaRPr lang="en-US" sz="1067" kern="1200" dirty="0">
+              <a:solidFill>
+                <a:prstClr val="black"/>
+              </a:solidFill>
+              <a:latin typeface="Calibri" panose="020F0502020204030204" pitchFamily="34" charset="0"/>
+              <a:ea typeface="Calibri" panose="020F0502020204030204" pitchFamily="34" charset="0"/>
+              <a:cs typeface="Calibri" panose="020F0502020204030204" pitchFamily="34" charset="0"/>
+            </a:endParaRPr>
+          </a:p>
+        </p:txBody>
+      </p:sp>
+      <p:sp>
+        <p:nvSpPr>
+          <p:cNvPr id="25" name="Rectangle: Rounded Corners 24">
+            <a:extLst>
+              <a:ext uri="{FF2B5EF4-FFF2-40B4-BE49-F238E27FC236}">
+                <a16:creationId xmlns:a16="http://schemas.microsoft.com/office/drawing/2014/main" id="{F2DF93E2-5842-34C6-8DB2-4206F1A32676}"/>
+              </a:ext>
+            </a:extLst>
+          </p:cNvPr>
+          <p:cNvSpPr/>
+          <p:nvPr/>
+        </p:nvSpPr>
+        <p:spPr>
+          <a:xfrm>
+            <a:off x="4802076" y="4093903"/>
+            <a:ext cx="794764" cy="168019"/>
+          </a:xfrm>
+          <a:prstGeom prst="roundRect">
+            <a:avLst>
+              <a:gd name="adj" fmla="val 6294"/>
+            </a:avLst>
+          </a:prstGeom>
+          <a:noFill/>
+          <a:ln w="15875" cap="flat" cmpd="sng" algn="ctr">
+            <a:solidFill>
+              <a:srgbClr val="C00000"/>
+            </a:solidFill>
+            <a:prstDash val="solid"/>
+          </a:ln>
+          <a:effectLst/>
+        </p:spPr>
+        <p:txBody>
+          <a:bodyPr rtlCol="0" anchor="ctr"/>
+          <a:lstStyle/>
+          <a:p>
+            <a:pPr algn="ctr" defTabSz="914377">
+              <a:buClrTx/>
+              <a:defRPr/>
+            </a:pPr>
+            <a:endParaRPr lang="en-US" sz="1800">
+              <a:solidFill>
+                <a:prstClr val="white"/>
+              </a:solidFill>
+              <a:ea typeface="ヒラギノ角ゴ Pro W3" pitchFamily="-126" charset="-128"/>
+              <a:cs typeface="+mn-cs"/>
+            </a:endParaRPr>
+          </a:p>
+        </p:txBody>
+      </p:sp>
+      <p:sp>
+        <p:nvSpPr>
+          <p:cNvPr id="28" name="Text Placeholder 4">
+            <a:extLst>
+              <a:ext uri="{FF2B5EF4-FFF2-40B4-BE49-F238E27FC236}">
+                <a16:creationId xmlns:a16="http://schemas.microsoft.com/office/drawing/2014/main" id="{46E3D7FE-795A-7204-2743-01A674BD9387}"/>
+              </a:ext>
+            </a:extLst>
+          </p:cNvPr>
+          <p:cNvSpPr txBox="1">
+            <a:spLocks/>
+          </p:cNvSpPr>
+          <p:nvPr/>
+        </p:nvSpPr>
+        <p:spPr>
+          <a:xfrm>
+            <a:off x="3779194" y="1278428"/>
+            <a:ext cx="7422266" cy="477169"/>
+          </a:xfrm>
+          <a:prstGeom prst="rect">
+            <a:avLst/>
+          </a:prstGeom>
+        </p:spPr>
+        <p:txBody>
+          <a:bodyPr/>
+          <a:lstStyle>
+            <a:lvl1pPr marL="228600" indent="-228600" algn="l" defTabSz="914400" rtl="0" eaLnBrk="1" latinLnBrk="0" hangingPunct="1">
+              <a:lnSpc>
+                <a:spcPct val="90000"/>
+              </a:lnSpc>
+              <a:spcBef>
+                <a:spcPts val="1000"/>
+              </a:spcBef>
+              <a:buFont typeface="Arial" panose="020B0604020202020204" pitchFamily="34" charset="0"/>
+              <a:buChar char="•"/>
+              <a:defRPr sz="2400" kern="1200">
+                <a:solidFill>
+                  <a:srgbClr val="472005"/>
+                </a:solidFill>
+                <a:latin typeface="+mn-lt"/>
+                <a:ea typeface="+mn-ea"/>
+                <a:cs typeface="+mn-cs"/>
+              </a:defRPr>
+            </a:lvl1pPr>
+            <a:lvl2pPr marL="685800" indent="-228600" algn="l" defTabSz="914400" rtl="0" eaLnBrk="1" latinLnBrk="0" hangingPunct="1">
+              <a:lnSpc>
+                <a:spcPct val="90000"/>
+              </a:lnSpc>
+              <a:spcBef>
+                <a:spcPts val="500"/>
+              </a:spcBef>
+              <a:buFont typeface="Arial" panose="020B0604020202020204" pitchFamily="34" charset="0"/>
+              <a:buChar char="•"/>
+              <a:defRPr sz="2000" kern="1200">
+                <a:solidFill>
+                  <a:srgbClr val="472005"/>
+                </a:solidFill>
+                <a:latin typeface="+mn-lt"/>
+                <a:ea typeface="+mn-ea"/>
+                <a:cs typeface="+mn-cs"/>
+              </a:defRPr>
+            </a:lvl2pPr>
+            <a:lvl3pPr marL="1143000" indent="-228600" algn="l" defTabSz="914400" rtl="0" eaLnBrk="1" latinLnBrk="0" hangingPunct="1">
+              <a:lnSpc>
+                <a:spcPct val="90000"/>
+              </a:lnSpc>
+              <a:spcBef>
+                <a:spcPts val="500"/>
+              </a:spcBef>
+              <a:buFont typeface="Arial" panose="020B0604020202020204" pitchFamily="34" charset="0"/>
+              <a:buChar char="•"/>
+              <a:defRPr sz="1800" kern="1200">
+                <a:solidFill>
+                  <a:srgbClr val="472005"/>
+                </a:solidFill>
+                <a:latin typeface="+mn-lt"/>
+                <a:ea typeface="+mn-ea"/>
+                <a:cs typeface="+mn-cs"/>
+              </a:defRPr>
+            </a:lvl3pPr>
+            <a:lvl4pPr marL="1600200" indent="-228600" algn="l" defTabSz="914400" rtl="0" eaLnBrk="1" latinLnBrk="0" hangingPunct="1">
+              <a:lnSpc>
+                <a:spcPct val="90000"/>
+              </a:lnSpc>
+              <a:spcBef>
+                <a:spcPts val="500"/>
+              </a:spcBef>
+              <a:buFont typeface="Arial" panose="020B0604020202020204" pitchFamily="34" charset="0"/>
+              <a:buChar char="•"/>
+              <a:defRPr sz="1600" kern="1200">
+                <a:solidFill>
+                  <a:srgbClr val="472005"/>
+                </a:solidFill>
+                <a:latin typeface="+mn-lt"/>
+                <a:ea typeface="+mn-ea"/>
+                <a:cs typeface="+mn-cs"/>
+              </a:defRPr>
+            </a:lvl4pPr>
+            <a:lvl5pPr marL="2057400" indent="-228600" algn="l" defTabSz="914400" rtl="0" eaLnBrk="1" latinLnBrk="0" hangingPunct="1">
+              <a:lnSpc>
+                <a:spcPct val="90000"/>
+              </a:lnSpc>
+              <a:spcBef>
+                <a:spcPts val="500"/>
+              </a:spcBef>
+              <a:buFont typeface="Arial" panose="020B0604020202020204" pitchFamily="34" charset="0"/>
+              <a:buChar char="•"/>
+              <a:defRPr sz="1600" kern="1200">
+                <a:solidFill>
+                  <a:srgbClr val="472005"/>
+                </a:solidFill>
+                <a:latin typeface="+mn-lt"/>
+                <a:ea typeface="+mn-ea"/>
+                <a:cs typeface="+mn-cs"/>
+              </a:defRPr>
+            </a:lvl5pPr>
+            <a:lvl6pPr marL="2514600" indent="-228600" algn="l" defTabSz="914400" rtl="0" eaLnBrk="1" latinLnBrk="0" hangingPunct="1">
+              <a:lnSpc>
+                <a:spcPct val="90000"/>
+              </a:lnSpc>
+              <a:spcBef>
+                <a:spcPts val="500"/>
+              </a:spcBef>
+              <a:buFont typeface="Arial" panose="020B0604020202020204" pitchFamily="34" charset="0"/>
+              <a:buChar char="•"/>
+              <a:defRPr sz="1800" kern="1200">
+                <a:solidFill>
+                  <a:schemeClr val="tx1"/>
+                </a:solidFill>
+                <a:latin typeface="+mn-lt"/>
+                <a:ea typeface="+mn-ea"/>
+                <a:cs typeface="+mn-cs"/>
+              </a:defRPr>
+            </a:lvl6pPr>
+            <a:lvl7pPr marL="2971800" indent="-228600" algn="l" defTabSz="914400" rtl="0" eaLnBrk="1" latinLnBrk="0" hangingPunct="1">
+              <a:lnSpc>
+                <a:spcPct val="90000"/>
+              </a:lnSpc>
+              <a:spcBef>
+                <a:spcPts val="500"/>
+              </a:spcBef>
+              <a:buFont typeface="Arial" panose="020B0604020202020204" pitchFamily="34" charset="0"/>
+              <a:buChar char="•"/>
+              <a:defRPr sz="1800" kern="1200">
+                <a:solidFill>
+                  <a:schemeClr val="tx1"/>
+                </a:solidFill>
+                <a:latin typeface="+mn-lt"/>
+                <a:ea typeface="+mn-ea"/>
+                <a:cs typeface="+mn-cs"/>
+              </a:defRPr>
+            </a:lvl7pPr>
+            <a:lvl8pPr marL="3429000" indent="-228600" algn="l" defTabSz="914400" rtl="0" eaLnBrk="1" latinLnBrk="0" hangingPunct="1">
+              <a:lnSpc>
+                <a:spcPct val="90000"/>
+              </a:lnSpc>
+              <a:spcBef>
+                <a:spcPts val="500"/>
+              </a:spcBef>
+              <a:buFont typeface="Arial" panose="020B0604020202020204" pitchFamily="34" charset="0"/>
+              <a:buChar char="•"/>
+              <a:defRPr sz="1800" kern="1200">
+                <a:solidFill>
+                  <a:schemeClr val="tx1"/>
+                </a:solidFill>
+                <a:latin typeface="+mn-lt"/>
+                <a:ea typeface="+mn-ea"/>
+                <a:cs typeface="+mn-cs"/>
+              </a:defRPr>
+            </a:lvl8pPr>
+            <a:lvl9pPr marL="3886200" indent="-228600" algn="l" defTabSz="914400" rtl="0" eaLnBrk="1" latinLnBrk="0" hangingPunct="1">
+              <a:lnSpc>
+                <a:spcPct val="90000"/>
+              </a:lnSpc>
+              <a:spcBef>
+                <a:spcPts val="500"/>
+              </a:spcBef>
+              <a:buFont typeface="Arial" panose="020B0604020202020204" pitchFamily="34" charset="0"/>
+              <a:buChar char="•"/>
+              <a:defRPr sz="1800" kern="1200">
+                <a:solidFill>
+                  <a:schemeClr val="tx1"/>
+                </a:solidFill>
+                <a:latin typeface="+mn-lt"/>
+                <a:ea typeface="+mn-ea"/>
+                <a:cs typeface="+mn-cs"/>
+              </a:defRPr>
+            </a:lvl9pPr>
+          </a:lstStyle>
+          <a:p>
+            <a:pPr>
+              <a:lnSpc>
+                <a:spcPct val="100000"/>
+              </a:lnSpc>
+              <a:spcAft>
+                <a:spcPts val="600"/>
+              </a:spcAft>
+              <a:buClrTx/>
+            </a:pPr>
+            <a:r>
+              <a:rPr lang="en-CA" b="1" dirty="0"/>
+              <a:t>Determining ‘Standard’ or ‘Adaptive’ Paradigm</a:t>
+            </a:r>
+          </a:p>
+        </p:txBody>
+      </p:sp>
+    </p:spTree>
+    <p:extLst>
+      <p:ext uri="{BB962C8B-B14F-4D97-AF65-F5344CB8AC3E}">
+        <p14:creationId xmlns:p14="http://schemas.microsoft.com/office/powerpoint/2010/main" val="2366808443"/>
+      </p:ext>
+    </p:extLst>
+  </p:cSld>
+  <p:clrMapOvr>
+    <a:masterClrMapping/>
+  </p:clrMapOvr>
+</p:sld>
+</file>
+
+<file path=ppt/slides/slide16.xml><?xml version="1.0" encoding="utf-8"?>
+<p:sld xmlns:a="http://schemas.openxmlformats.org/drawingml/2006/main" xmlns:r="http://schemas.openxmlformats.org/officeDocument/2006/relationships" xmlns:p="http://schemas.openxmlformats.org/presentationml/2006/main">
+  <p:cSld>
+    <p:spTree>
+      <p:nvGrpSpPr>
+        <p:cNvPr id="1" name="">
+          <a:extLst>
+            <a:ext uri="{FF2B5EF4-FFF2-40B4-BE49-F238E27FC236}">
+              <a16:creationId xmlns:a16="http://schemas.microsoft.com/office/drawing/2014/main" id="{5B8882B4-6535-2163-687E-BF28A27EFE85}"/>
+            </a:ext>
+          </a:extLst>
+        </p:cNvPr>
+        <p:cNvGrpSpPr/>
+        <p:nvPr/>
+      </p:nvGrpSpPr>
+      <p:grpSpPr>
+        <a:xfrm>
+          <a:off x="0" y="0"/>
+          <a:ext cx="0" cy="0"/>
+          <a:chOff x="0" y="0"/>
+          <a:chExt cx="0" cy="0"/>
+        </a:xfrm>
+      </p:grpSpPr>
+      <p:sp>
+        <p:nvSpPr>
+          <p:cNvPr id="33" name="Title 3">
+            <a:extLst>
+              <a:ext uri="{FF2B5EF4-FFF2-40B4-BE49-F238E27FC236}">
+                <a16:creationId xmlns:a16="http://schemas.microsoft.com/office/drawing/2014/main" id="{8235B59A-A200-CADF-FF56-0375E2FFE5B0}"/>
+              </a:ext>
+            </a:extLst>
+          </p:cNvPr>
+          <p:cNvSpPr>
+            <a:spLocks noGrp="1"/>
+          </p:cNvSpPr>
+          <p:nvPr>
+            <p:ph type="title"/>
+          </p:nvPr>
+        </p:nvSpPr>
+        <p:spPr>
+          <a:xfrm>
+            <a:off x="3374796" y="197346"/>
+            <a:ext cx="8231062" cy="775778"/>
+          </a:xfrm>
+        </p:spPr>
+        <p:txBody>
+          <a:bodyPr/>
+          <a:lstStyle/>
+          <a:p>
+            <a:r>
+              <a:rPr lang="en-CA" dirty="0"/>
+              <a:t>DTR Adaptive Processing</a:t>
+            </a:r>
+          </a:p>
+        </p:txBody>
+      </p:sp>
+      <p:sp>
+        <p:nvSpPr>
+          <p:cNvPr id="34" name="Text Placeholder 4">
+            <a:extLst>
+              <a:ext uri="{FF2B5EF4-FFF2-40B4-BE49-F238E27FC236}">
+                <a16:creationId xmlns:a16="http://schemas.microsoft.com/office/drawing/2014/main" id="{02E935FF-6FB6-90CD-42F6-64FA40974500}"/>
+              </a:ext>
+            </a:extLst>
+          </p:cNvPr>
+          <p:cNvSpPr>
+            <a:spLocks noGrp="1"/>
+          </p:cNvSpPr>
+          <p:nvPr>
+            <p:ph type="body" sz="quarter" idx="14"/>
+          </p:nvPr>
+        </p:nvSpPr>
+        <p:spPr>
+          <a:xfrm>
+            <a:off x="3779194" y="1278428"/>
+            <a:ext cx="7826664" cy="477169"/>
+          </a:xfrm>
+        </p:spPr>
+        <p:txBody>
+          <a:bodyPr/>
+          <a:lstStyle/>
+          <a:p>
+            <a:pPr>
+              <a:lnSpc>
+                <a:spcPct val="100000"/>
+              </a:lnSpc>
+              <a:spcAft>
+                <a:spcPts val="600"/>
+              </a:spcAft>
+            </a:pPr>
+            <a:r>
+              <a:rPr lang="en-CA" b="1" dirty="0"/>
+              <a:t>Process Flow for Adaptive Forms </a:t>
+            </a:r>
+            <a:r>
+              <a:rPr lang="en-CA" dirty="0"/>
+              <a:t>(Questionnaires) </a:t>
+            </a:r>
+          </a:p>
+        </p:txBody>
+      </p:sp>
+      <p:sp>
+        <p:nvSpPr>
+          <p:cNvPr id="26" name="Flowchart: Process 25">
+            <a:extLst>
+              <a:ext uri="{FF2B5EF4-FFF2-40B4-BE49-F238E27FC236}">
+                <a16:creationId xmlns:a16="http://schemas.microsoft.com/office/drawing/2014/main" id="{7E4B56ED-E25C-8053-7F46-07D683E12FD2}"/>
+              </a:ext>
+            </a:extLst>
+          </p:cNvPr>
+          <p:cNvSpPr/>
+          <p:nvPr/>
+        </p:nvSpPr>
+        <p:spPr>
+          <a:xfrm>
+            <a:off x="6856609" y="2869739"/>
+            <a:ext cx="1560945" cy="454276"/>
+          </a:xfrm>
+          <a:prstGeom prst="flowChartProcess">
+            <a:avLst/>
+          </a:prstGeom>
+          <a:solidFill>
+            <a:schemeClr val="bg1"/>
+          </a:solidFill>
+          <a:ln>
+            <a:solidFill>
+              <a:schemeClr val="tx1">
+                <a:lumMod val="50000"/>
+                <a:lumOff val="50000"/>
+              </a:schemeClr>
+            </a:solidFill>
+          </a:ln>
+        </p:spPr>
+        <p:style>
+          <a:lnRef idx="1">
+            <a:schemeClr val="accent1"/>
+          </a:lnRef>
+          <a:fillRef idx="3">
+            <a:schemeClr val="accent1"/>
+          </a:fillRef>
+          <a:effectRef idx="2">
+            <a:schemeClr val="accent1"/>
+          </a:effectRef>
+          <a:fontRef idx="minor">
+            <a:schemeClr val="lt1"/>
+          </a:fontRef>
+        </p:style>
+        <p:txBody>
+          <a:bodyPr lIns="36576" tIns="36576" rIns="36576" bIns="36576" rtlCol="0" anchor="ctr"/>
+          <a:lstStyle/>
+          <a:p>
+            <a:pPr algn="ctr" defTabSz="609585" fontAlgn="base">
+              <a:spcBef>
+                <a:spcPct val="0"/>
+              </a:spcBef>
+              <a:spcAft>
+                <a:spcPct val="0"/>
+              </a:spcAft>
+              <a:buClrTx/>
+            </a:pPr>
+            <a:r>
+              <a:rPr lang="en-US" sz="867" kern="1200" dirty="0">
+                <a:solidFill>
+                  <a:srgbClr val="4F81BD">
+                    <a:lumMod val="75000"/>
+                  </a:srgbClr>
+                </a:solidFill>
+                <a:latin typeface="Consolas" panose="020B0609020204030204" pitchFamily="49" charset="0"/>
+              </a:rPr>
+              <a:t>$next-question</a:t>
+            </a:r>
+            <a:r>
+              <a:rPr lang="en-US" sz="867" kern="1200" dirty="0">
+                <a:solidFill>
+                  <a:prstClr val="black"/>
+                </a:solidFill>
+                <a:latin typeface="Arial"/>
+              </a:rPr>
+              <a:t> </a:t>
+            </a:r>
+            <a:r>
+              <a:rPr lang="en-US" sz="933" kern="1200" dirty="0">
+                <a:solidFill>
+                  <a:prstClr val="black"/>
+                </a:solidFill>
+                <a:latin typeface="Arial"/>
+              </a:rPr>
+              <a:t>operation</a:t>
+            </a:r>
+            <a:endParaRPr lang="en-US" kern="1200" dirty="0">
+              <a:solidFill>
+                <a:prstClr val="black"/>
+              </a:solidFill>
+              <a:latin typeface="Arial"/>
+            </a:endParaRPr>
+          </a:p>
+        </p:txBody>
+      </p:sp>
+      <p:cxnSp>
+        <p:nvCxnSpPr>
+          <p:cNvPr id="27" name="Straight Arrow Connector 26">
+            <a:extLst>
+              <a:ext uri="{FF2B5EF4-FFF2-40B4-BE49-F238E27FC236}">
+                <a16:creationId xmlns:a16="http://schemas.microsoft.com/office/drawing/2014/main" id="{96004292-FD23-8FF0-0C9D-CAF165492E22}"/>
+              </a:ext>
+            </a:extLst>
+          </p:cNvPr>
+          <p:cNvCxnSpPr>
+            <a:cxnSpLocks/>
+          </p:cNvCxnSpPr>
+          <p:nvPr/>
+        </p:nvCxnSpPr>
+        <p:spPr>
+          <a:xfrm>
+            <a:off x="7637081" y="2533494"/>
+            <a:ext cx="1" cy="336245"/>
+          </a:xfrm>
+          <a:prstGeom prst="straightConnector1">
+            <a:avLst/>
+          </a:prstGeom>
+          <a:noFill/>
+          <a:ln w="22225" cap="flat" cmpd="sng" algn="ctr">
+            <a:solidFill>
+              <a:schemeClr val="tx1">
+                <a:lumMod val="85000"/>
+                <a:lumOff val="15000"/>
+              </a:schemeClr>
+            </a:solidFill>
+            <a:prstDash val="solid"/>
+            <a:miter lim="800000"/>
+            <a:tailEnd type="stealth" w="lg" len="lg"/>
+          </a:ln>
+          <a:effectLst/>
+        </p:spPr>
+      </p:cxnSp>
+      <p:cxnSp>
+        <p:nvCxnSpPr>
+          <p:cNvPr id="28" name="Straight Arrow Connector 27">
+            <a:extLst>
+              <a:ext uri="{FF2B5EF4-FFF2-40B4-BE49-F238E27FC236}">
+                <a16:creationId xmlns:a16="http://schemas.microsoft.com/office/drawing/2014/main" id="{2D5C67B3-B8CE-CAA8-90AC-A04BFCA2EA33}"/>
+              </a:ext>
+            </a:extLst>
+          </p:cNvPr>
+          <p:cNvCxnSpPr>
+            <a:cxnSpLocks/>
+          </p:cNvCxnSpPr>
+          <p:nvPr/>
+        </p:nvCxnSpPr>
+        <p:spPr>
+          <a:xfrm flipH="1">
+            <a:off x="8427885" y="3152608"/>
+            <a:ext cx="1073341" cy="0"/>
+          </a:xfrm>
+          <a:prstGeom prst="straightConnector1">
+            <a:avLst/>
+          </a:prstGeom>
+          <a:noFill/>
+          <a:ln w="22225" cap="flat" cmpd="sng" algn="ctr">
+            <a:solidFill>
+              <a:schemeClr val="tx1">
+                <a:lumMod val="85000"/>
+                <a:lumOff val="15000"/>
+              </a:schemeClr>
+            </a:solidFill>
+            <a:prstDash val="solid"/>
+            <a:miter lim="800000"/>
+            <a:tailEnd type="stealth" w="lg" len="lg"/>
+          </a:ln>
+          <a:effectLst/>
+        </p:spPr>
+      </p:cxnSp>
+      <p:cxnSp>
+        <p:nvCxnSpPr>
+          <p:cNvPr id="29" name="Straight Arrow Connector 28">
+            <a:extLst>
+              <a:ext uri="{FF2B5EF4-FFF2-40B4-BE49-F238E27FC236}">
+                <a16:creationId xmlns:a16="http://schemas.microsoft.com/office/drawing/2014/main" id="{A1E4DDEF-E7FC-A74A-CAF5-FB53E91E437F}"/>
+              </a:ext>
+            </a:extLst>
+          </p:cNvPr>
+          <p:cNvCxnSpPr>
+            <a:cxnSpLocks/>
+            <a:stCxn id="44" idx="0"/>
+          </p:cNvCxnSpPr>
+          <p:nvPr/>
+        </p:nvCxnSpPr>
+        <p:spPr>
+          <a:xfrm flipH="1" flipV="1">
+            <a:off x="9501226" y="3135729"/>
+            <a:ext cx="1" cy="2347892"/>
+          </a:xfrm>
+          <a:prstGeom prst="straightConnector1">
+            <a:avLst/>
+          </a:prstGeom>
+          <a:noFill/>
+          <a:ln w="22225" cap="flat" cmpd="sng" algn="ctr">
+            <a:solidFill>
+              <a:schemeClr val="tx1">
+                <a:lumMod val="85000"/>
+                <a:lumOff val="15000"/>
+              </a:schemeClr>
+            </a:solidFill>
+            <a:prstDash val="solid"/>
+            <a:miter lim="800000"/>
+            <a:tailEnd type="none" w="lg" len="lg"/>
+          </a:ln>
+          <a:effectLst/>
+        </p:spPr>
+      </p:cxnSp>
+      <p:sp>
+        <p:nvSpPr>
+          <p:cNvPr id="30" name="TextBox 29">
+            <a:extLst>
+              <a:ext uri="{FF2B5EF4-FFF2-40B4-BE49-F238E27FC236}">
+                <a16:creationId xmlns:a16="http://schemas.microsoft.com/office/drawing/2014/main" id="{5BB1C53B-5119-DB48-EB15-31A3263A39AC}"/>
+              </a:ext>
+            </a:extLst>
+          </p:cNvPr>
+          <p:cNvSpPr txBox="1"/>
+          <p:nvPr/>
+        </p:nvSpPr>
+        <p:spPr>
+          <a:xfrm>
+            <a:off x="8619191" y="1945477"/>
+            <a:ext cx="2083853" cy="235898"/>
+          </a:xfrm>
+          <a:prstGeom prst="rect">
+            <a:avLst/>
+          </a:prstGeom>
+          <a:noFill/>
+        </p:spPr>
+        <p:txBody>
+          <a:bodyPr wrap="square" lIns="0" rIns="0">
+            <a:spAutoFit/>
+          </a:bodyPr>
+          <a:lstStyle/>
+          <a:p>
+            <a:pPr defTabSz="609585" fontAlgn="base">
+              <a:spcBef>
+                <a:spcPct val="0"/>
+              </a:spcBef>
+              <a:spcAft>
+                <a:spcPct val="0"/>
+              </a:spcAft>
+              <a:buClrTx/>
+            </a:pPr>
+            <a:r>
+              <a:rPr lang="en-US" sz="933" kern="1200" dirty="0">
+                <a:solidFill>
+                  <a:prstClr val="black"/>
+                </a:solidFill>
+                <a:ea typeface="ヒラギノ角ゴ Pro W3" pitchFamily="-126" charset="-128"/>
+                <a:cs typeface="+mn-cs"/>
+              </a:rPr>
+              <a:t>(Supplies base url for </a:t>
+            </a:r>
+            <a:r>
+              <a:rPr lang="en-US" sz="867" kern="1200" dirty="0">
+                <a:solidFill>
+                  <a:srgbClr val="4F81BD">
+                    <a:lumMod val="75000"/>
+                  </a:srgbClr>
+                </a:solidFill>
+                <a:latin typeface="Consolas" panose="020B0609020204030204" pitchFamily="49" charset="0"/>
+                <a:ea typeface="ヒラギノ角ゴ Pro W3" pitchFamily="-126" charset="-128"/>
+                <a:cs typeface="+mn-cs"/>
+              </a:rPr>
+              <a:t>$next-question</a:t>
+            </a:r>
+            <a:r>
+              <a:rPr lang="en-US" sz="933" kern="1200" dirty="0">
+                <a:solidFill>
+                  <a:prstClr val="black"/>
+                </a:solidFill>
+                <a:ea typeface="ヒラギノ角ゴ Pro W3" pitchFamily="-126" charset="-128"/>
+                <a:cs typeface="+mn-cs"/>
+              </a:rPr>
+              <a:t>)</a:t>
+            </a:r>
+            <a:endParaRPr lang="en-US" sz="2400" kern="1200" dirty="0">
+              <a:solidFill>
+                <a:prstClr val="black"/>
+              </a:solidFill>
+              <a:latin typeface="Arial" panose="020B0604020202020204" pitchFamily="34" charset="0"/>
+              <a:ea typeface="ヒラギノ角ゴ Pro W3" pitchFamily="-126" charset="-128"/>
+              <a:cs typeface="+mn-cs"/>
+            </a:endParaRPr>
+          </a:p>
+        </p:txBody>
+      </p:sp>
+      <p:sp>
+        <p:nvSpPr>
+          <p:cNvPr id="31" name="TextBox 30">
+            <a:extLst>
+              <a:ext uri="{FF2B5EF4-FFF2-40B4-BE49-F238E27FC236}">
+                <a16:creationId xmlns:a16="http://schemas.microsoft.com/office/drawing/2014/main" id="{9C049379-CB21-A99A-EC27-13A8966244E2}"/>
+              </a:ext>
+            </a:extLst>
+          </p:cNvPr>
+          <p:cNvSpPr txBox="1"/>
+          <p:nvPr/>
+        </p:nvSpPr>
+        <p:spPr>
+          <a:xfrm>
+            <a:off x="8477531" y="2836550"/>
+            <a:ext cx="2367173" cy="247375"/>
+          </a:xfrm>
+          <a:prstGeom prst="rect">
+            <a:avLst/>
+          </a:prstGeom>
+          <a:noFill/>
+        </p:spPr>
+        <p:txBody>
+          <a:bodyPr wrap="square" lIns="0" rIns="0">
+            <a:spAutoFit/>
+          </a:bodyPr>
+          <a:lstStyle/>
+          <a:p>
+            <a:pPr defTabSz="609585" fontAlgn="base">
+              <a:lnSpc>
+                <a:spcPts val="1333"/>
+              </a:lnSpc>
+              <a:spcBef>
+                <a:spcPct val="0"/>
+              </a:spcBef>
+              <a:spcAft>
+                <a:spcPct val="0"/>
+              </a:spcAft>
+              <a:buClrTx/>
+            </a:pPr>
+            <a:r>
+              <a:rPr lang="en-US" sz="933" kern="1200" dirty="0">
+                <a:solidFill>
+                  <a:prstClr val="black"/>
+                </a:solidFill>
+                <a:ea typeface="ヒラギノ角ゴ Pro W3" pitchFamily="-126" charset="-128"/>
+                <a:cs typeface="+mn-cs"/>
+              </a:rPr>
+              <a:t>(</a:t>
+            </a:r>
+            <a:r>
+              <a:rPr lang="en-US" sz="933" b="1" kern="1200" dirty="0">
+                <a:solidFill>
+                  <a:prstClr val="black"/>
+                </a:solidFill>
+                <a:ea typeface="ヒラギノ角ゴ Pro W3" pitchFamily="-126" charset="-128"/>
+                <a:cs typeface="+mn-cs"/>
+              </a:rPr>
+              <a:t>Input: </a:t>
+            </a:r>
+            <a:r>
+              <a:rPr lang="en-US" sz="867" kern="1200" dirty="0">
+                <a:solidFill>
+                  <a:srgbClr val="4F81BD">
+                    <a:lumMod val="75000"/>
+                  </a:srgbClr>
+                </a:solidFill>
+                <a:latin typeface="Consolas" panose="020B0609020204030204" pitchFamily="49" charset="0"/>
+                <a:ea typeface="ヒラギノ角ゴ Pro W3" pitchFamily="-126" charset="-128"/>
+                <a:cs typeface="+mn-cs"/>
+              </a:rPr>
+              <a:t>QuestionnaireResponse</a:t>
+            </a:r>
+            <a:r>
+              <a:rPr lang="en-US" sz="933" kern="1200" dirty="0">
+                <a:solidFill>
+                  <a:prstClr val="black"/>
+                </a:solidFill>
+                <a:ea typeface="ヒラギノ角ゴ Pro W3" pitchFamily="-126" charset="-128"/>
+                <a:cs typeface="+mn-cs"/>
+              </a:rPr>
+              <a:t> resource)</a:t>
+            </a:r>
+            <a:endParaRPr lang="en-US" sz="867" kern="1200" dirty="0">
+              <a:solidFill>
+                <a:prstClr val="black"/>
+              </a:solidFill>
+              <a:latin typeface="Consolas" panose="020B0609020204030204" pitchFamily="49" charset="0"/>
+              <a:ea typeface="ヒラギノ角ゴ Pro W3" pitchFamily="-126" charset="-128"/>
+              <a:cs typeface="+mn-cs"/>
+            </a:endParaRPr>
+          </a:p>
+        </p:txBody>
+      </p:sp>
+      <p:sp>
+        <p:nvSpPr>
+          <p:cNvPr id="32" name="Flowchart: Document 31">
+            <a:extLst>
+              <a:ext uri="{FF2B5EF4-FFF2-40B4-BE49-F238E27FC236}">
+                <a16:creationId xmlns:a16="http://schemas.microsoft.com/office/drawing/2014/main" id="{4C697F50-02C9-BC30-8021-32C2D0E03AA4}"/>
+              </a:ext>
+            </a:extLst>
+          </p:cNvPr>
+          <p:cNvSpPr/>
+          <p:nvPr/>
+        </p:nvSpPr>
+        <p:spPr>
+          <a:xfrm>
+            <a:off x="6713194" y="1897998"/>
+            <a:ext cx="1847771" cy="680484"/>
+          </a:xfrm>
+          <a:prstGeom prst="flowChartDocument">
+            <a:avLst/>
+          </a:prstGeom>
+          <a:solidFill>
+            <a:schemeClr val="bg1"/>
+          </a:solidFill>
+          <a:ln>
+            <a:solidFill>
+              <a:schemeClr val="tx1">
+                <a:lumMod val="50000"/>
+                <a:lumOff val="50000"/>
+              </a:schemeClr>
+            </a:solidFill>
+          </a:ln>
+        </p:spPr>
+        <p:style>
+          <a:lnRef idx="1">
+            <a:schemeClr val="accent1"/>
+          </a:lnRef>
+          <a:fillRef idx="3">
+            <a:schemeClr val="accent1"/>
+          </a:fillRef>
+          <a:effectRef idx="2">
+            <a:schemeClr val="accent1"/>
+          </a:effectRef>
+          <a:fontRef idx="minor">
+            <a:schemeClr val="lt1"/>
+          </a:fontRef>
+        </p:style>
+        <p:txBody>
+          <a:bodyPr lIns="36576" tIns="36576" rIns="36576" bIns="36576" rtlCol="0" anchor="ctr"/>
+          <a:lstStyle/>
+          <a:p>
+            <a:pPr algn="ctr" defTabSz="609585" fontAlgn="base">
+              <a:lnSpc>
+                <a:spcPts val="1333"/>
+              </a:lnSpc>
+              <a:spcAft>
+                <a:spcPct val="0"/>
+              </a:spcAft>
+              <a:buClrTx/>
+              <a:defRPr/>
+            </a:pPr>
+            <a:r>
+              <a:rPr lang="en-US" sz="933" kern="1200" dirty="0">
+                <a:solidFill>
+                  <a:prstClr val="black"/>
+                </a:solidFill>
+                <a:latin typeface="Arial"/>
+              </a:rPr>
+              <a:t>Questionnaire conformant to </a:t>
+            </a:r>
+            <a:r>
+              <a:rPr lang="en-US" sz="867" kern="1200" dirty="0" err="1">
+                <a:solidFill>
+                  <a:srgbClr val="4F81BD">
+                    <a:lumMod val="75000"/>
+                  </a:srgbClr>
+                </a:solidFill>
+                <a:latin typeface="Consolas" panose="020B0609020204030204" pitchFamily="49" charset="0"/>
+              </a:rPr>
+              <a:t>AdaptiveQuestionnaire</a:t>
+            </a:r>
+            <a:r>
+              <a:rPr lang="en-US" sz="867" kern="1200" dirty="0">
+                <a:solidFill>
+                  <a:srgbClr val="4F81BD">
+                    <a:lumMod val="75000"/>
+                  </a:srgbClr>
+                </a:solidFill>
+                <a:latin typeface="Consolas" panose="020B0609020204030204" pitchFamily="49" charset="0"/>
+              </a:rPr>
+              <a:t>-Search</a:t>
+            </a:r>
+          </a:p>
+          <a:p>
+            <a:pPr algn="ctr" defTabSz="609585" fontAlgn="base">
+              <a:lnSpc>
+                <a:spcPts val="1333"/>
+              </a:lnSpc>
+              <a:spcBef>
+                <a:spcPct val="0"/>
+              </a:spcBef>
+              <a:spcAft>
+                <a:spcPct val="0"/>
+              </a:spcAft>
+              <a:buClrTx/>
+              <a:defRPr/>
+            </a:pPr>
+            <a:r>
+              <a:rPr lang="en-US" sz="933" kern="1200" dirty="0">
+                <a:solidFill>
+                  <a:prstClr val="black"/>
+                </a:solidFill>
+                <a:latin typeface="Arial"/>
+              </a:rPr>
+              <a:t>profile</a:t>
+            </a:r>
+            <a:endParaRPr lang="en-US" sz="867" kern="1200" dirty="0">
+              <a:solidFill>
+                <a:srgbClr val="4F81BD">
+                  <a:lumMod val="75000"/>
+                </a:srgbClr>
+              </a:solidFill>
+              <a:latin typeface="Consolas" panose="020B0609020204030204" pitchFamily="49" charset="0"/>
+            </a:endParaRPr>
+          </a:p>
+        </p:txBody>
+      </p:sp>
+      <p:grpSp>
+        <p:nvGrpSpPr>
+          <p:cNvPr id="35" name="Group 34">
+            <a:extLst>
+              <a:ext uri="{FF2B5EF4-FFF2-40B4-BE49-F238E27FC236}">
+                <a16:creationId xmlns:a16="http://schemas.microsoft.com/office/drawing/2014/main" id="{FDA4FE2B-9D75-261E-4C27-6E70DDF360C0}"/>
+              </a:ext>
+            </a:extLst>
+          </p:cNvPr>
+          <p:cNvGrpSpPr/>
+          <p:nvPr/>
+        </p:nvGrpSpPr>
+        <p:grpSpPr>
+          <a:xfrm>
+            <a:off x="5981679" y="2960237"/>
+            <a:ext cx="874933" cy="2551735"/>
+            <a:chOff x="4501271" y="2070415"/>
+            <a:chExt cx="656200" cy="1913801"/>
+          </a:xfrm>
+        </p:grpSpPr>
+        <p:cxnSp>
+          <p:nvCxnSpPr>
+            <p:cNvPr id="36" name="Straight Arrow Connector 35">
+              <a:extLst>
+                <a:ext uri="{FF2B5EF4-FFF2-40B4-BE49-F238E27FC236}">
+                  <a16:creationId xmlns:a16="http://schemas.microsoft.com/office/drawing/2014/main" id="{D960B743-01A2-F135-6F08-843E51022826}"/>
+                </a:ext>
+              </a:extLst>
+            </p:cNvPr>
+            <p:cNvCxnSpPr>
+              <a:cxnSpLocks/>
+              <a:stCxn id="60" idx="1"/>
+            </p:cNvCxnSpPr>
+            <p:nvPr/>
+          </p:nvCxnSpPr>
+          <p:spPr>
+            <a:xfrm flipH="1" flipV="1">
+              <a:off x="4524664" y="2070415"/>
+              <a:ext cx="632804" cy="775840"/>
+            </a:xfrm>
+            <a:prstGeom prst="straightConnector1">
+              <a:avLst/>
+            </a:prstGeom>
+            <a:noFill/>
+            <a:ln w="6350" cap="flat" cmpd="sng" algn="ctr">
+              <a:solidFill>
+                <a:schemeClr val="bg1">
+                  <a:lumMod val="85000"/>
+                </a:schemeClr>
+              </a:solidFill>
+              <a:prstDash val="dash"/>
+              <a:miter lim="800000"/>
+              <a:tailEnd type="none" w="lg" len="lg"/>
+            </a:ln>
+            <a:effectLst/>
+          </p:spPr>
+        </p:cxnSp>
+        <p:cxnSp>
+          <p:nvCxnSpPr>
+            <p:cNvPr id="37" name="Straight Arrow Connector 36">
+              <a:extLst>
+                <a:ext uri="{FF2B5EF4-FFF2-40B4-BE49-F238E27FC236}">
+                  <a16:creationId xmlns:a16="http://schemas.microsoft.com/office/drawing/2014/main" id="{454E3834-81A5-4781-73BA-5C69F879846F}"/>
+                </a:ext>
+              </a:extLst>
+            </p:cNvPr>
+            <p:cNvCxnSpPr>
+              <a:cxnSpLocks/>
+              <a:stCxn id="60" idx="1"/>
+            </p:cNvCxnSpPr>
+            <p:nvPr/>
+          </p:nvCxnSpPr>
+          <p:spPr>
+            <a:xfrm flipH="1">
+              <a:off x="4501271" y="2846255"/>
+              <a:ext cx="656200" cy="1137961"/>
+            </a:xfrm>
+            <a:prstGeom prst="straightConnector1">
+              <a:avLst/>
+            </a:prstGeom>
+            <a:noFill/>
+            <a:ln w="6350" cap="flat" cmpd="sng" algn="ctr">
+              <a:solidFill>
+                <a:schemeClr val="bg1">
+                  <a:lumMod val="85000"/>
+                </a:schemeClr>
+              </a:solidFill>
+              <a:prstDash val="dash"/>
+              <a:miter lim="800000"/>
+              <a:tailEnd type="none" w="lg" len="lg"/>
+            </a:ln>
+            <a:effectLst/>
+          </p:spPr>
+        </p:cxnSp>
+      </p:grpSp>
+      <p:grpSp>
+        <p:nvGrpSpPr>
+          <p:cNvPr id="38" name="Group 37">
+            <a:extLst>
+              <a:ext uri="{FF2B5EF4-FFF2-40B4-BE49-F238E27FC236}">
+                <a16:creationId xmlns:a16="http://schemas.microsoft.com/office/drawing/2014/main" id="{9FD1BB6A-A42F-6713-BB78-3F3BC1681D35}"/>
+              </a:ext>
+            </a:extLst>
+          </p:cNvPr>
+          <p:cNvGrpSpPr/>
+          <p:nvPr/>
+        </p:nvGrpSpPr>
+        <p:grpSpPr>
+          <a:xfrm>
+            <a:off x="1778191" y="2644636"/>
+            <a:ext cx="4224441" cy="2867336"/>
+            <a:chOff x="561643" y="1958504"/>
+            <a:chExt cx="3168331" cy="2150502"/>
+          </a:xfrm>
+        </p:grpSpPr>
+        <p:sp>
+          <p:nvSpPr>
+            <p:cNvPr id="39" name="TextBox 38">
+              <a:extLst>
+                <a:ext uri="{FF2B5EF4-FFF2-40B4-BE49-F238E27FC236}">
+                  <a16:creationId xmlns:a16="http://schemas.microsoft.com/office/drawing/2014/main" id="{01A2AECD-2F58-853F-50A0-0A8814A018C1}"/>
+                </a:ext>
+              </a:extLst>
+            </p:cNvPr>
+            <p:cNvSpPr txBox="1"/>
+            <p:nvPr/>
+          </p:nvSpPr>
+          <p:spPr>
+            <a:xfrm>
+              <a:off x="561643" y="1958504"/>
+              <a:ext cx="3168329" cy="223091"/>
+            </a:xfrm>
+            <a:prstGeom prst="rect">
+              <a:avLst/>
+            </a:prstGeom>
+            <a:noFill/>
+          </p:spPr>
+          <p:txBody>
+            <a:bodyPr wrap="square" lIns="60960" rIns="60960">
+              <a:spAutoFit/>
+            </a:bodyPr>
+            <a:lstStyle/>
+            <a:p>
+              <a:pPr algn="ctr" defTabSz="609585" fontAlgn="base">
+                <a:spcBef>
+                  <a:spcPct val="0"/>
+                </a:spcBef>
+                <a:spcAft>
+                  <a:spcPct val="0"/>
+                </a:spcAft>
+                <a:buClrTx/>
+                <a:defRPr/>
+              </a:pPr>
+              <a:r>
+                <a:rPr lang="fr-FR" sz="1333" b="1" kern="1200" dirty="0">
+                  <a:solidFill>
+                    <a:prstClr val="black"/>
+                  </a:solidFill>
+                  <a:latin typeface="Calibri" panose="020F0502020204030204" pitchFamily="34" charset="0"/>
+                  <a:ea typeface="Calibri" panose="020F0502020204030204" pitchFamily="34" charset="0"/>
+                  <a:cs typeface="Calibri" panose="020F0502020204030204" pitchFamily="34" charset="0"/>
+                </a:rPr>
+                <a:t> </a:t>
+              </a:r>
+              <a:r>
+                <a:rPr lang="fr-FR" sz="1067" b="1" kern="1200" dirty="0">
+                  <a:solidFill>
+                    <a:prstClr val="black"/>
+                  </a:solidFill>
+                  <a:latin typeface="Calibri" panose="020F0502020204030204" pitchFamily="34" charset="0"/>
+                  <a:ea typeface="Calibri" panose="020F0502020204030204" pitchFamily="34" charset="0"/>
+                  <a:cs typeface="Calibri" panose="020F0502020204030204" pitchFamily="34" charset="0"/>
+                </a:rPr>
+                <a:t>DTR QuestionnaireResponse</a:t>
+              </a:r>
+              <a:endParaRPr lang="fr-FR" sz="1333" b="1" kern="1200" dirty="0">
+                <a:solidFill>
+                  <a:prstClr val="black"/>
+                </a:solidFill>
+                <a:latin typeface="Calibri" panose="020F0502020204030204" pitchFamily="34" charset="0"/>
+                <a:ea typeface="Calibri" panose="020F0502020204030204" pitchFamily="34" charset="0"/>
+                <a:cs typeface="Calibri" panose="020F0502020204030204" pitchFamily="34" charset="0"/>
+              </a:endParaRPr>
+            </a:p>
+          </p:txBody>
+        </p:sp>
+        <p:pic>
+          <p:nvPicPr>
+            <p:cNvPr id="40" name="Picture 39">
+              <a:extLst>
+                <a:ext uri="{FF2B5EF4-FFF2-40B4-BE49-F238E27FC236}">
+                  <a16:creationId xmlns:a16="http://schemas.microsoft.com/office/drawing/2014/main" id="{6147907D-EDF4-2CAA-6456-15AE3875705E}"/>
+                </a:ext>
+              </a:extLst>
+            </p:cNvPr>
+            <p:cNvPicPr>
+              <a:picLocks noChangeAspect="1"/>
+            </p:cNvPicPr>
+            <p:nvPr/>
+          </p:nvPicPr>
+          <p:blipFill>
+            <a:blip r:embed="rId2"/>
+            <a:stretch>
+              <a:fillRect/>
+            </a:stretch>
+          </p:blipFill>
+          <p:spPr>
+            <a:xfrm>
+              <a:off x="561643" y="2176373"/>
+              <a:ext cx="3168331" cy="1932633"/>
+            </a:xfrm>
+            <a:prstGeom prst="rect">
+              <a:avLst/>
+            </a:prstGeom>
+            <a:ln>
+              <a:solidFill>
+                <a:schemeClr val="bg1">
+                  <a:lumMod val="85000"/>
+                </a:schemeClr>
+              </a:solidFill>
+            </a:ln>
+          </p:spPr>
+        </p:pic>
+      </p:grpSp>
+      <p:cxnSp>
+        <p:nvCxnSpPr>
+          <p:cNvPr id="41" name="Straight Arrow Connector 40">
+            <a:extLst>
+              <a:ext uri="{FF2B5EF4-FFF2-40B4-BE49-F238E27FC236}">
+                <a16:creationId xmlns:a16="http://schemas.microsoft.com/office/drawing/2014/main" id="{54AC225B-F42E-22A9-6911-6C5DF91EA757}"/>
+              </a:ext>
+            </a:extLst>
+          </p:cNvPr>
+          <p:cNvCxnSpPr>
+            <a:cxnSpLocks/>
+          </p:cNvCxnSpPr>
+          <p:nvPr/>
+        </p:nvCxnSpPr>
+        <p:spPr>
+          <a:xfrm flipH="1">
+            <a:off x="7637081" y="4225529"/>
+            <a:ext cx="1" cy="345331"/>
+          </a:xfrm>
+          <a:prstGeom prst="straightConnector1">
+            <a:avLst/>
+          </a:prstGeom>
+          <a:noFill/>
+          <a:ln w="22225" cap="flat" cmpd="sng" algn="ctr">
+            <a:solidFill>
+              <a:schemeClr val="tx1">
+                <a:lumMod val="85000"/>
+                <a:lumOff val="15000"/>
+              </a:schemeClr>
+            </a:solidFill>
+            <a:prstDash val="solid"/>
+            <a:miter lim="800000"/>
+            <a:tailEnd type="stealth" w="lg" len="lg"/>
+          </a:ln>
+          <a:effectLst/>
+        </p:spPr>
+      </p:cxnSp>
+      <p:cxnSp>
+        <p:nvCxnSpPr>
+          <p:cNvPr id="42" name="Straight Arrow Connector 41">
+            <a:extLst>
+              <a:ext uri="{FF2B5EF4-FFF2-40B4-BE49-F238E27FC236}">
+                <a16:creationId xmlns:a16="http://schemas.microsoft.com/office/drawing/2014/main" id="{1A5E404E-3BAA-8F93-38C0-5F13CCF23CD0}"/>
+              </a:ext>
+            </a:extLst>
+          </p:cNvPr>
+          <p:cNvCxnSpPr>
+            <a:cxnSpLocks/>
+          </p:cNvCxnSpPr>
+          <p:nvPr/>
+        </p:nvCxnSpPr>
+        <p:spPr>
+          <a:xfrm flipH="1" flipV="1">
+            <a:off x="4817749" y="3295879"/>
+            <a:ext cx="2038859" cy="1473984"/>
+          </a:xfrm>
+          <a:prstGeom prst="straightConnector1">
+            <a:avLst/>
+          </a:prstGeom>
+          <a:ln w="38100" cmpd="dbl">
+            <a:solidFill>
+              <a:schemeClr val="accent1">
+                <a:lumMod val="60000"/>
+                <a:lumOff val="40000"/>
+              </a:schemeClr>
+            </a:solidFill>
+            <a:prstDash val="sysDot"/>
+            <a:tailEnd type="none"/>
+          </a:ln>
+          <a:effectLst/>
+        </p:spPr>
+        <p:style>
+          <a:lnRef idx="2">
+            <a:schemeClr val="accent1"/>
+          </a:lnRef>
+          <a:fillRef idx="0">
+            <a:schemeClr val="accent1"/>
+          </a:fillRef>
+          <a:effectRef idx="1">
+            <a:schemeClr val="accent1"/>
+          </a:effectRef>
+          <a:fontRef idx="minor">
+            <a:schemeClr val="tx1"/>
+          </a:fontRef>
+        </p:style>
+      </p:cxnSp>
+      <p:sp>
+        <p:nvSpPr>
+          <p:cNvPr id="43" name="Rectangle: Rounded Corners 42">
+            <a:extLst>
+              <a:ext uri="{FF2B5EF4-FFF2-40B4-BE49-F238E27FC236}">
+                <a16:creationId xmlns:a16="http://schemas.microsoft.com/office/drawing/2014/main" id="{5BB8C46F-607A-9E95-AE08-E625856407F0}"/>
+              </a:ext>
+            </a:extLst>
+          </p:cNvPr>
+          <p:cNvSpPr/>
+          <p:nvPr/>
+        </p:nvSpPr>
+        <p:spPr>
+          <a:xfrm>
+            <a:off x="4276770" y="3135728"/>
+            <a:ext cx="540980" cy="168019"/>
+          </a:xfrm>
+          <a:prstGeom prst="roundRect">
+            <a:avLst>
+              <a:gd name="adj" fmla="val 6294"/>
+            </a:avLst>
+          </a:prstGeom>
+          <a:noFill/>
+          <a:ln w="15875" cap="flat" cmpd="sng" algn="ctr">
+            <a:solidFill>
+              <a:srgbClr val="C00000"/>
+            </a:solidFill>
+            <a:prstDash val="solid"/>
+          </a:ln>
+          <a:effectLst/>
+        </p:spPr>
+        <p:txBody>
+          <a:bodyPr rtlCol="0" anchor="ctr"/>
+          <a:lstStyle/>
+          <a:p>
+            <a:pPr algn="ctr" defTabSz="914377">
+              <a:buClrTx/>
+              <a:defRPr/>
+            </a:pPr>
+            <a:endParaRPr lang="en-US" sz="1800">
+              <a:solidFill>
+                <a:prstClr val="white"/>
+              </a:solidFill>
+              <a:ea typeface="ヒラギノ角ゴ Pro W3" pitchFamily="-126" charset="-128"/>
+              <a:cs typeface="+mn-cs"/>
+            </a:endParaRPr>
+          </a:p>
+        </p:txBody>
+      </p:sp>
+      <p:sp>
+        <p:nvSpPr>
+          <p:cNvPr id="44" name="Flowchart: Process 43">
+            <a:extLst>
+              <a:ext uri="{FF2B5EF4-FFF2-40B4-BE49-F238E27FC236}">
+                <a16:creationId xmlns:a16="http://schemas.microsoft.com/office/drawing/2014/main" id="{886CDD1F-FF2B-42AB-D5F7-4953497A8E84}"/>
+              </a:ext>
+            </a:extLst>
+          </p:cNvPr>
+          <p:cNvSpPr/>
+          <p:nvPr/>
+        </p:nvSpPr>
+        <p:spPr>
+          <a:xfrm>
+            <a:off x="8720754" y="5483621"/>
+            <a:ext cx="1560945" cy="454276"/>
+          </a:xfrm>
+          <a:prstGeom prst="flowChartProcess">
+            <a:avLst/>
+          </a:prstGeom>
+          <a:solidFill>
+            <a:schemeClr val="bg1"/>
+          </a:solidFill>
+          <a:ln>
+            <a:solidFill>
+              <a:schemeClr val="tx1">
+                <a:lumMod val="50000"/>
+                <a:lumOff val="50000"/>
+              </a:schemeClr>
+            </a:solidFill>
+          </a:ln>
+        </p:spPr>
+        <p:style>
+          <a:lnRef idx="1">
+            <a:schemeClr val="accent1"/>
+          </a:lnRef>
+          <a:fillRef idx="3">
+            <a:schemeClr val="accent1"/>
+          </a:fillRef>
+          <a:effectRef idx="2">
+            <a:schemeClr val="accent1"/>
+          </a:effectRef>
+          <a:fontRef idx="minor">
+            <a:schemeClr val="lt1"/>
+          </a:fontRef>
+        </p:style>
+        <p:txBody>
+          <a:bodyPr lIns="36576" tIns="36576" rIns="36576" bIns="36576" rtlCol="0" anchor="ctr"/>
+          <a:lstStyle/>
+          <a:p>
+            <a:pPr algn="ctr" defTabSz="609585" fontAlgn="base">
+              <a:spcBef>
+                <a:spcPct val="0"/>
+              </a:spcBef>
+              <a:spcAft>
+                <a:spcPct val="0"/>
+              </a:spcAft>
+              <a:buClrTx/>
+            </a:pPr>
+            <a:r>
+              <a:rPr lang="en-US" sz="933" kern="1200" dirty="0">
+                <a:solidFill>
+                  <a:prstClr val="black"/>
+                </a:solidFill>
+                <a:latin typeface="Arial"/>
+              </a:rPr>
+              <a:t>Render and process </a:t>
+            </a:r>
+          </a:p>
+          <a:p>
+            <a:pPr algn="ctr" defTabSz="609585" fontAlgn="base">
+              <a:spcBef>
+                <a:spcPct val="0"/>
+              </a:spcBef>
+              <a:spcAft>
+                <a:spcPct val="0"/>
+              </a:spcAft>
+              <a:buClrTx/>
+            </a:pPr>
+            <a:r>
+              <a:rPr lang="en-US" sz="933" kern="1200" dirty="0">
+                <a:solidFill>
+                  <a:prstClr val="black"/>
+                </a:solidFill>
+                <a:latin typeface="Arial"/>
+              </a:rPr>
+              <a:t>question(s)</a:t>
+            </a:r>
+            <a:endParaRPr lang="en-US" kern="1200" dirty="0">
+              <a:solidFill>
+                <a:prstClr val="black"/>
+              </a:solidFill>
+              <a:latin typeface="Arial"/>
+            </a:endParaRPr>
+          </a:p>
+        </p:txBody>
+      </p:sp>
+      <p:sp>
+        <p:nvSpPr>
+          <p:cNvPr id="45" name="Flowchart: Process 44">
+            <a:extLst>
+              <a:ext uri="{FF2B5EF4-FFF2-40B4-BE49-F238E27FC236}">
+                <a16:creationId xmlns:a16="http://schemas.microsoft.com/office/drawing/2014/main" id="{8D87A80C-2CC6-4476-AFEA-38001D3B9D0D}"/>
+              </a:ext>
+            </a:extLst>
+          </p:cNvPr>
+          <p:cNvSpPr/>
+          <p:nvPr/>
+        </p:nvSpPr>
+        <p:spPr>
+          <a:xfrm>
+            <a:off x="6856609" y="4570861"/>
+            <a:ext cx="1560945" cy="454276"/>
+          </a:xfrm>
+          <a:prstGeom prst="flowChartProcess">
+            <a:avLst/>
+          </a:prstGeom>
+          <a:solidFill>
+            <a:schemeClr val="bg1"/>
+          </a:solidFill>
+          <a:ln>
+            <a:solidFill>
+              <a:schemeClr val="tx1">
+                <a:lumMod val="50000"/>
+                <a:lumOff val="50000"/>
+              </a:schemeClr>
+            </a:solidFill>
+          </a:ln>
+        </p:spPr>
+        <p:style>
+          <a:lnRef idx="1">
+            <a:schemeClr val="accent1"/>
+          </a:lnRef>
+          <a:fillRef idx="3">
+            <a:schemeClr val="accent1"/>
+          </a:fillRef>
+          <a:effectRef idx="2">
+            <a:schemeClr val="accent1"/>
+          </a:effectRef>
+          <a:fontRef idx="minor">
+            <a:schemeClr val="lt1"/>
+          </a:fontRef>
+        </p:style>
+        <p:txBody>
+          <a:bodyPr lIns="36576" tIns="36576" rIns="36576" bIns="36576" rtlCol="0" anchor="ctr"/>
+          <a:lstStyle/>
+          <a:p>
+            <a:pPr algn="ctr" defTabSz="609585" fontAlgn="base">
+              <a:spcBef>
+                <a:spcPct val="0"/>
+              </a:spcBef>
+              <a:spcAft>
+                <a:spcPct val="0"/>
+              </a:spcAft>
+              <a:buClrTx/>
+            </a:pPr>
+            <a:r>
+              <a:rPr lang="en-US" sz="933" kern="1200" dirty="0">
+                <a:solidFill>
+                  <a:prstClr val="black"/>
+                </a:solidFill>
+                <a:latin typeface="Arial"/>
+              </a:rPr>
+              <a:t>Extract Questionnaire as contained resource</a:t>
+            </a:r>
+            <a:endParaRPr lang="en-US" kern="1200" dirty="0">
+              <a:solidFill>
+                <a:prstClr val="black"/>
+              </a:solidFill>
+              <a:latin typeface="Arial"/>
+            </a:endParaRPr>
+          </a:p>
+        </p:txBody>
+      </p:sp>
+      <p:cxnSp>
+        <p:nvCxnSpPr>
+          <p:cNvPr id="46" name="Straight Arrow Connector 45">
+            <a:extLst>
+              <a:ext uri="{FF2B5EF4-FFF2-40B4-BE49-F238E27FC236}">
+                <a16:creationId xmlns:a16="http://schemas.microsoft.com/office/drawing/2014/main" id="{2E3C4DE8-F587-383C-00BD-CAA87DF7AC29}"/>
+              </a:ext>
+            </a:extLst>
+          </p:cNvPr>
+          <p:cNvCxnSpPr>
+            <a:cxnSpLocks/>
+            <a:stCxn id="45" idx="2"/>
+            <a:endCxn id="51" idx="0"/>
+          </p:cNvCxnSpPr>
+          <p:nvPr/>
+        </p:nvCxnSpPr>
+        <p:spPr>
+          <a:xfrm>
+            <a:off x="7637082" y="5025136"/>
+            <a:ext cx="2452" cy="336987"/>
+          </a:xfrm>
+          <a:prstGeom prst="straightConnector1">
+            <a:avLst/>
+          </a:prstGeom>
+          <a:noFill/>
+          <a:ln w="22225" cap="flat" cmpd="sng" algn="ctr">
+            <a:solidFill>
+              <a:schemeClr val="tx1">
+                <a:lumMod val="85000"/>
+                <a:lumOff val="15000"/>
+              </a:schemeClr>
+            </a:solidFill>
+            <a:prstDash val="solid"/>
+            <a:miter lim="800000"/>
+            <a:tailEnd type="stealth" w="lg" len="lg"/>
+          </a:ln>
+          <a:effectLst/>
+        </p:spPr>
+      </p:cxnSp>
+      <p:grpSp>
+        <p:nvGrpSpPr>
+          <p:cNvPr id="47" name="Group 46">
+            <a:extLst>
+              <a:ext uri="{FF2B5EF4-FFF2-40B4-BE49-F238E27FC236}">
+                <a16:creationId xmlns:a16="http://schemas.microsoft.com/office/drawing/2014/main" id="{644E5640-9C8C-1D23-30F2-0460C9DBE757}"/>
+              </a:ext>
+            </a:extLst>
+          </p:cNvPr>
+          <p:cNvGrpSpPr/>
+          <p:nvPr/>
+        </p:nvGrpSpPr>
+        <p:grpSpPr>
+          <a:xfrm>
+            <a:off x="7968342" y="5478030"/>
+            <a:ext cx="752412" cy="235897"/>
+            <a:chOff x="5454762" y="3822780"/>
+            <a:chExt cx="564309" cy="176923"/>
+          </a:xfrm>
+        </p:grpSpPr>
+        <p:sp>
+          <p:nvSpPr>
+            <p:cNvPr id="48" name="TextBox 47">
+              <a:extLst>
+                <a:ext uri="{FF2B5EF4-FFF2-40B4-BE49-F238E27FC236}">
+                  <a16:creationId xmlns:a16="http://schemas.microsoft.com/office/drawing/2014/main" id="{E80A58E4-C91A-4F5C-C14F-1A93FFC9387D}"/>
+                </a:ext>
+              </a:extLst>
+            </p:cNvPr>
+            <p:cNvSpPr txBox="1"/>
+            <p:nvPr/>
+          </p:nvSpPr>
+          <p:spPr>
+            <a:xfrm>
+              <a:off x="5454762" y="3822780"/>
+              <a:ext cx="344658" cy="176923"/>
+            </a:xfrm>
+            <a:prstGeom prst="rect">
+              <a:avLst/>
+            </a:prstGeom>
+            <a:noFill/>
+          </p:spPr>
+          <p:txBody>
+            <a:bodyPr wrap="square">
+              <a:spAutoFit/>
+            </a:bodyPr>
+            <a:lstStyle/>
+            <a:p>
+              <a:pPr defTabSz="609585" fontAlgn="base">
+                <a:spcBef>
+                  <a:spcPct val="0"/>
+                </a:spcBef>
+                <a:spcAft>
+                  <a:spcPct val="0"/>
+                </a:spcAft>
+                <a:buClrTx/>
+              </a:pPr>
+              <a:r>
+                <a:rPr lang="en-US" sz="933" kern="1200" dirty="0">
+                  <a:solidFill>
+                    <a:prstClr val="black"/>
+                  </a:solidFill>
+                  <a:ea typeface="ヒラギノ角ゴ Pro W3" pitchFamily="-126" charset="-128"/>
+                  <a:cs typeface="+mn-cs"/>
+                </a:rPr>
+                <a:t>Yes</a:t>
+              </a:r>
+              <a:endParaRPr lang="en-US" sz="2400" kern="1200" dirty="0">
+                <a:solidFill>
+                  <a:prstClr val="black"/>
+                </a:solidFill>
+                <a:latin typeface="Arial" panose="020B0604020202020204" pitchFamily="34" charset="0"/>
+                <a:ea typeface="ヒラギノ角ゴ Pro W3" pitchFamily="-126" charset="-128"/>
+                <a:cs typeface="+mn-cs"/>
+              </a:endParaRPr>
+            </a:p>
+          </p:txBody>
+        </p:sp>
+        <p:cxnSp>
+          <p:nvCxnSpPr>
+            <p:cNvPr id="49" name="Straight Arrow Connector 48">
+              <a:extLst>
+                <a:ext uri="{FF2B5EF4-FFF2-40B4-BE49-F238E27FC236}">
+                  <a16:creationId xmlns:a16="http://schemas.microsoft.com/office/drawing/2014/main" id="{BCF5A260-C5CF-2DC9-4F80-DCC4BC0FE645}"/>
+                </a:ext>
+              </a:extLst>
+            </p:cNvPr>
+            <p:cNvCxnSpPr>
+              <a:cxnSpLocks/>
+            </p:cNvCxnSpPr>
+            <p:nvPr/>
+          </p:nvCxnSpPr>
+          <p:spPr>
+            <a:xfrm>
+              <a:off x="5527892" y="3988197"/>
+              <a:ext cx="491179" cy="0"/>
+            </a:xfrm>
+            <a:prstGeom prst="straightConnector1">
+              <a:avLst/>
+            </a:prstGeom>
+            <a:noFill/>
+            <a:ln w="22225" cap="flat" cmpd="sng" algn="ctr">
+              <a:solidFill>
+                <a:schemeClr val="tx1">
+                  <a:lumMod val="85000"/>
+                  <a:lumOff val="15000"/>
+                </a:schemeClr>
+              </a:solidFill>
+              <a:prstDash val="solid"/>
+              <a:miter lim="800000"/>
+              <a:tailEnd type="stealth" w="lg" len="lg"/>
+            </a:ln>
+            <a:effectLst/>
+          </p:spPr>
+        </p:cxnSp>
+      </p:grpSp>
+      <p:grpSp>
+        <p:nvGrpSpPr>
+          <p:cNvPr id="50" name="Group 49">
+            <a:extLst>
+              <a:ext uri="{FF2B5EF4-FFF2-40B4-BE49-F238E27FC236}">
+                <a16:creationId xmlns:a16="http://schemas.microsoft.com/office/drawing/2014/main" id="{405DFBFD-2092-FA4C-A842-AF2F233ED664}"/>
+              </a:ext>
+            </a:extLst>
+          </p:cNvPr>
+          <p:cNvGrpSpPr/>
+          <p:nvPr/>
+        </p:nvGrpSpPr>
+        <p:grpSpPr>
+          <a:xfrm>
+            <a:off x="7213217" y="5362121"/>
+            <a:ext cx="862083" cy="672946"/>
+            <a:chOff x="5684343" y="4266689"/>
+            <a:chExt cx="646562" cy="504710"/>
+          </a:xfrm>
+        </p:grpSpPr>
+        <p:sp>
+          <p:nvSpPr>
+            <p:cNvPr id="51" name="Flowchart: Decision 50">
+              <a:extLst>
+                <a:ext uri="{FF2B5EF4-FFF2-40B4-BE49-F238E27FC236}">
+                  <a16:creationId xmlns:a16="http://schemas.microsoft.com/office/drawing/2014/main" id="{6A8DBCE8-5253-4FDA-A052-3668EABA2416}"/>
+                </a:ext>
+              </a:extLst>
+            </p:cNvPr>
+            <p:cNvSpPr/>
+            <p:nvPr/>
+          </p:nvSpPr>
+          <p:spPr>
+            <a:xfrm>
+              <a:off x="5684343" y="4266689"/>
+              <a:ext cx="639473" cy="504710"/>
+            </a:xfrm>
+            <a:prstGeom prst="flowChartDecision">
+              <a:avLst/>
+            </a:prstGeom>
+            <a:solidFill>
+              <a:schemeClr val="bg1"/>
+            </a:solidFill>
+            <a:ln>
+              <a:solidFill>
+                <a:schemeClr val="tx1">
+                  <a:lumMod val="50000"/>
+                  <a:lumOff val="50000"/>
+                </a:schemeClr>
+              </a:solidFill>
+            </a:ln>
+          </p:spPr>
+          <p:style>
+            <a:lnRef idx="1">
+              <a:schemeClr val="accent1"/>
+            </a:lnRef>
+            <a:fillRef idx="3">
+              <a:schemeClr val="accent1"/>
+            </a:fillRef>
+            <a:effectRef idx="2">
+              <a:schemeClr val="accent1"/>
+            </a:effectRef>
+            <a:fontRef idx="minor">
+              <a:schemeClr val="lt1"/>
+            </a:fontRef>
+          </p:style>
+          <p:txBody>
+            <a:bodyPr lIns="0" tIns="0" rIns="0" bIns="0" rtlCol="0" anchor="ctr"/>
+            <a:lstStyle/>
+            <a:p>
+              <a:pPr algn="ctr" defTabSz="609585" fontAlgn="base">
+                <a:spcBef>
+                  <a:spcPct val="0"/>
+                </a:spcBef>
+                <a:spcAft>
+                  <a:spcPct val="0"/>
+                </a:spcAft>
+                <a:buClrTx/>
+                <a:defRPr/>
+              </a:pPr>
+              <a:endParaRPr lang="en-US" sz="2400" kern="1200" dirty="0">
+                <a:solidFill>
+                  <a:prstClr val="white"/>
+                </a:solidFill>
+                <a:latin typeface="Arial"/>
+              </a:endParaRPr>
+            </a:p>
+          </p:txBody>
+        </p:sp>
+        <p:sp>
+          <p:nvSpPr>
+            <p:cNvPr id="52" name="TextBox 51">
+              <a:extLst>
+                <a:ext uri="{FF2B5EF4-FFF2-40B4-BE49-F238E27FC236}">
+                  <a16:creationId xmlns:a16="http://schemas.microsoft.com/office/drawing/2014/main" id="{EE7E4B60-D037-C369-6DFC-F836DCA0695B}"/>
+                </a:ext>
+              </a:extLst>
+            </p:cNvPr>
+            <p:cNvSpPr txBox="1"/>
+            <p:nvPr/>
+          </p:nvSpPr>
+          <p:spPr>
+            <a:xfrm>
+              <a:off x="5691432" y="4392108"/>
+              <a:ext cx="639473" cy="280846"/>
+            </a:xfrm>
+            <a:prstGeom prst="rect">
+              <a:avLst/>
+            </a:prstGeom>
+            <a:noFill/>
+          </p:spPr>
+          <p:txBody>
+            <a:bodyPr wrap="square">
+              <a:spAutoFit/>
+            </a:bodyPr>
+            <a:lstStyle/>
+            <a:p>
+              <a:pPr algn="ctr" defTabSz="609585" fontAlgn="base">
+                <a:lnSpc>
+                  <a:spcPts val="1067"/>
+                </a:lnSpc>
+                <a:spcBef>
+                  <a:spcPct val="0"/>
+                </a:spcBef>
+                <a:spcAft>
+                  <a:spcPct val="0"/>
+                </a:spcAft>
+                <a:buClrTx/>
+                <a:defRPr/>
+              </a:pPr>
+              <a:r>
+                <a:rPr lang="en-US" sz="933" kern="1200" dirty="0">
+                  <a:solidFill>
+                    <a:prstClr val="black"/>
+                  </a:solidFill>
+                  <a:ea typeface="ヒラギノ角ゴ Pro W3" pitchFamily="-126" charset="-128"/>
+                  <a:cs typeface="+mn-cs"/>
+                </a:rPr>
+                <a:t>Questions</a:t>
+              </a:r>
+            </a:p>
+            <a:p>
+              <a:pPr algn="ctr" defTabSz="609585" fontAlgn="base">
+                <a:lnSpc>
+                  <a:spcPts val="1067"/>
+                </a:lnSpc>
+                <a:spcBef>
+                  <a:spcPct val="0"/>
+                </a:spcBef>
+                <a:spcAft>
+                  <a:spcPct val="0"/>
+                </a:spcAft>
+                <a:buClrTx/>
+                <a:defRPr/>
+              </a:pPr>
+              <a:r>
+                <a:rPr lang="en-US" sz="933" kern="1200" dirty="0">
+                  <a:solidFill>
+                    <a:prstClr val="black"/>
+                  </a:solidFill>
+                  <a:ea typeface="ヒラギノ角ゴ Pro W3" pitchFamily="-126" charset="-128"/>
+                  <a:cs typeface="+mn-cs"/>
+                </a:rPr>
+                <a:t>exist?</a:t>
+              </a:r>
+            </a:p>
+          </p:txBody>
+        </p:sp>
+      </p:grpSp>
+      <p:grpSp>
+        <p:nvGrpSpPr>
+          <p:cNvPr id="53" name="Group 52">
+            <a:extLst>
+              <a:ext uri="{FF2B5EF4-FFF2-40B4-BE49-F238E27FC236}">
+                <a16:creationId xmlns:a16="http://schemas.microsoft.com/office/drawing/2014/main" id="{BAD2983C-4315-6E4F-027E-FE9C29F4ACB3}"/>
+              </a:ext>
+            </a:extLst>
+          </p:cNvPr>
+          <p:cNvGrpSpPr/>
+          <p:nvPr/>
+        </p:nvGrpSpPr>
+        <p:grpSpPr>
+          <a:xfrm>
+            <a:off x="7569690" y="6010731"/>
+            <a:ext cx="459544" cy="357204"/>
+            <a:chOff x="5155776" y="4222298"/>
+            <a:chExt cx="344658" cy="267903"/>
+          </a:xfrm>
+        </p:grpSpPr>
+        <p:cxnSp>
+          <p:nvCxnSpPr>
+            <p:cNvPr id="54" name="Straight Arrow Connector 53">
+              <a:extLst>
+                <a:ext uri="{FF2B5EF4-FFF2-40B4-BE49-F238E27FC236}">
+                  <a16:creationId xmlns:a16="http://schemas.microsoft.com/office/drawing/2014/main" id="{B0EE80D9-246B-957C-8FDF-CC7A57338ACF}"/>
+                </a:ext>
+              </a:extLst>
+            </p:cNvPr>
+            <p:cNvCxnSpPr>
+              <a:cxnSpLocks/>
+            </p:cNvCxnSpPr>
+            <p:nvPr/>
+          </p:nvCxnSpPr>
+          <p:spPr>
+            <a:xfrm flipH="1">
+              <a:off x="5206315" y="4237461"/>
+              <a:ext cx="1841" cy="252740"/>
+            </a:xfrm>
+            <a:prstGeom prst="straightConnector1">
+              <a:avLst/>
+            </a:prstGeom>
+            <a:noFill/>
+            <a:ln w="22225" cap="flat" cmpd="sng" algn="ctr">
+              <a:solidFill>
+                <a:schemeClr val="tx1">
+                  <a:lumMod val="85000"/>
+                  <a:lumOff val="15000"/>
+                </a:schemeClr>
+              </a:solidFill>
+              <a:prstDash val="solid"/>
+              <a:miter lim="800000"/>
+              <a:tailEnd type="stealth" w="lg" len="lg"/>
+            </a:ln>
+            <a:effectLst/>
+          </p:spPr>
+        </p:cxnSp>
+        <p:sp>
+          <p:nvSpPr>
+            <p:cNvPr id="55" name="TextBox 54">
+              <a:extLst>
+                <a:ext uri="{FF2B5EF4-FFF2-40B4-BE49-F238E27FC236}">
+                  <a16:creationId xmlns:a16="http://schemas.microsoft.com/office/drawing/2014/main" id="{0BD5097E-5C28-6D42-4A62-A2BA466A4D91}"/>
+                </a:ext>
+              </a:extLst>
+            </p:cNvPr>
+            <p:cNvSpPr txBox="1"/>
+            <p:nvPr/>
+          </p:nvSpPr>
+          <p:spPr>
+            <a:xfrm>
+              <a:off x="5155776" y="4222298"/>
+              <a:ext cx="344658" cy="176924"/>
+            </a:xfrm>
+            <a:prstGeom prst="rect">
+              <a:avLst/>
+            </a:prstGeom>
+            <a:noFill/>
+          </p:spPr>
+          <p:txBody>
+            <a:bodyPr wrap="square">
+              <a:spAutoFit/>
+            </a:bodyPr>
+            <a:lstStyle/>
+            <a:p>
+              <a:pPr defTabSz="609585" fontAlgn="base">
+                <a:spcBef>
+                  <a:spcPct val="0"/>
+                </a:spcBef>
+                <a:spcAft>
+                  <a:spcPct val="0"/>
+                </a:spcAft>
+                <a:buClrTx/>
+              </a:pPr>
+              <a:r>
+                <a:rPr lang="en-US" sz="933" kern="1200" dirty="0">
+                  <a:solidFill>
+                    <a:prstClr val="black"/>
+                  </a:solidFill>
+                  <a:ea typeface="ヒラギノ角ゴ Pro W3" pitchFamily="-126" charset="-128"/>
+                  <a:cs typeface="+mn-cs"/>
+                </a:rPr>
+                <a:t>No</a:t>
+              </a:r>
+              <a:endParaRPr lang="en-US" sz="2400" kern="1200" dirty="0">
+                <a:solidFill>
+                  <a:prstClr val="black"/>
+                </a:solidFill>
+                <a:latin typeface="Arial" panose="020B0604020202020204" pitchFamily="34" charset="0"/>
+                <a:ea typeface="ヒラギノ角ゴ Pro W3" pitchFamily="-126" charset="-128"/>
+                <a:cs typeface="+mn-cs"/>
+              </a:endParaRPr>
+            </a:p>
+          </p:txBody>
+        </p:sp>
+      </p:grpSp>
+      <p:sp>
+        <p:nvSpPr>
+          <p:cNvPr id="56" name="TextBox 55">
+            <a:extLst>
+              <a:ext uri="{FF2B5EF4-FFF2-40B4-BE49-F238E27FC236}">
+                <a16:creationId xmlns:a16="http://schemas.microsoft.com/office/drawing/2014/main" id="{D2CE2D29-F1A6-CDFD-3BA9-32D46FA5D193}"/>
+              </a:ext>
+            </a:extLst>
+          </p:cNvPr>
+          <p:cNvSpPr txBox="1"/>
+          <p:nvPr/>
+        </p:nvSpPr>
+        <p:spPr>
+          <a:xfrm>
+            <a:off x="7132917" y="6290486"/>
+            <a:ext cx="1033889" cy="276999"/>
+          </a:xfrm>
+          <a:prstGeom prst="rect">
+            <a:avLst/>
+          </a:prstGeom>
+          <a:noFill/>
+        </p:spPr>
+        <p:txBody>
+          <a:bodyPr wrap="square">
+            <a:spAutoFit/>
+          </a:bodyPr>
+          <a:lstStyle/>
+          <a:p>
+            <a:pPr algn="ctr" defTabSz="609585" fontAlgn="base">
+              <a:spcBef>
+                <a:spcPct val="0"/>
+              </a:spcBef>
+              <a:spcAft>
+                <a:spcPct val="0"/>
+              </a:spcAft>
+              <a:buClrTx/>
+            </a:pPr>
+            <a:r>
+              <a:rPr lang="en-US" sz="1200" b="1" kern="1200" dirty="0">
+                <a:solidFill>
+                  <a:srgbClr val="4F81BD">
+                    <a:lumMod val="50000"/>
+                  </a:srgbClr>
+                </a:solidFill>
+                <a:ea typeface="ヒラギノ角ゴ Pro W3" pitchFamily="-126" charset="-128"/>
+                <a:cs typeface="+mn-cs"/>
+              </a:rPr>
+              <a:t>Complete</a:t>
+            </a:r>
+            <a:endParaRPr lang="en-US" sz="2400" b="1" kern="1200" dirty="0">
+              <a:solidFill>
+                <a:srgbClr val="4F81BD">
+                  <a:lumMod val="50000"/>
+                </a:srgbClr>
+              </a:solidFill>
+              <a:latin typeface="Arial" panose="020B0604020202020204" pitchFamily="34" charset="0"/>
+              <a:ea typeface="ヒラギノ角ゴ Pro W3" pitchFamily="-126" charset="-128"/>
+              <a:cs typeface="+mn-cs"/>
+            </a:endParaRPr>
+          </a:p>
+        </p:txBody>
+      </p:sp>
+      <p:grpSp>
+        <p:nvGrpSpPr>
+          <p:cNvPr id="57" name="Group 56">
+            <a:extLst>
+              <a:ext uri="{FF2B5EF4-FFF2-40B4-BE49-F238E27FC236}">
+                <a16:creationId xmlns:a16="http://schemas.microsoft.com/office/drawing/2014/main" id="{2D6EB8CA-6581-B716-4D3D-51DCE5EB08FF}"/>
+              </a:ext>
+            </a:extLst>
+          </p:cNvPr>
+          <p:cNvGrpSpPr/>
+          <p:nvPr/>
+        </p:nvGrpSpPr>
+        <p:grpSpPr>
+          <a:xfrm>
+            <a:off x="7437152" y="3334600"/>
+            <a:ext cx="399848" cy="404663"/>
+            <a:chOff x="5056368" y="2262254"/>
+            <a:chExt cx="299886" cy="303498"/>
+          </a:xfrm>
+        </p:grpSpPr>
+        <p:cxnSp>
+          <p:nvCxnSpPr>
+            <p:cNvPr id="58" name="Straight Arrow Connector 57">
+              <a:extLst>
+                <a:ext uri="{FF2B5EF4-FFF2-40B4-BE49-F238E27FC236}">
+                  <a16:creationId xmlns:a16="http://schemas.microsoft.com/office/drawing/2014/main" id="{AB2DAA6F-75F0-5331-6F65-CB830DDDDAC3}"/>
+                </a:ext>
+              </a:extLst>
+            </p:cNvPr>
+            <p:cNvCxnSpPr>
+              <a:cxnSpLocks/>
+            </p:cNvCxnSpPr>
+            <p:nvPr/>
+          </p:nvCxnSpPr>
+          <p:spPr>
+            <a:xfrm flipH="1">
+              <a:off x="5206313" y="2262254"/>
+              <a:ext cx="1" cy="303498"/>
+            </a:xfrm>
+            <a:prstGeom prst="straightConnector1">
+              <a:avLst/>
+            </a:prstGeom>
+            <a:noFill/>
+            <a:ln w="22225" cap="flat" cmpd="sng" algn="ctr">
+              <a:solidFill>
+                <a:schemeClr val="tx1">
+                  <a:lumMod val="85000"/>
+                  <a:lumOff val="15000"/>
+                </a:schemeClr>
+              </a:solidFill>
+              <a:prstDash val="solid"/>
+              <a:miter lim="800000"/>
+              <a:tailEnd type="stealth" w="lg" len="lg"/>
+            </a:ln>
+            <a:effectLst/>
+          </p:spPr>
+        </p:cxnSp>
+        <p:sp>
+          <p:nvSpPr>
+            <p:cNvPr id="59" name="TextBox 58">
+              <a:extLst>
+                <a:ext uri="{FF2B5EF4-FFF2-40B4-BE49-F238E27FC236}">
+                  <a16:creationId xmlns:a16="http://schemas.microsoft.com/office/drawing/2014/main" id="{3F0FF4DC-8F22-E193-2E54-92DFC69D190F}"/>
+                </a:ext>
+              </a:extLst>
+            </p:cNvPr>
+            <p:cNvSpPr txBox="1"/>
+            <p:nvPr/>
+          </p:nvSpPr>
+          <p:spPr>
+            <a:xfrm>
+              <a:off x="5056368" y="2303929"/>
+              <a:ext cx="299886" cy="92333"/>
+            </a:xfrm>
+            <a:prstGeom prst="rect">
+              <a:avLst/>
+            </a:prstGeom>
+            <a:solidFill>
+              <a:schemeClr val="bg1"/>
+            </a:solidFill>
+          </p:spPr>
+          <p:txBody>
+            <a:bodyPr wrap="square" lIns="0" tIns="0" rIns="0" bIns="0">
+              <a:spAutoFit/>
+            </a:bodyPr>
+            <a:lstStyle/>
+            <a:p>
+              <a:pPr algn="ctr" defTabSz="609585" fontAlgn="base">
+                <a:spcBef>
+                  <a:spcPct val="0"/>
+                </a:spcBef>
+                <a:spcAft>
+                  <a:spcPct val="0"/>
+                </a:spcAft>
+                <a:buClrTx/>
+              </a:pPr>
+              <a:r>
+                <a:rPr lang="en-US" sz="800" i="1" kern="1200" dirty="0">
+                  <a:solidFill>
+                    <a:prstClr val="white">
+                      <a:lumMod val="50000"/>
+                    </a:prstClr>
+                  </a:solidFill>
+                  <a:ea typeface="ヒラギノ角ゴ Pro W3" pitchFamily="-126" charset="-128"/>
+                  <a:cs typeface="+mn-cs"/>
+                </a:rPr>
+                <a:t>Returns</a:t>
+              </a:r>
+              <a:endParaRPr lang="en-US" sz="2400" i="1" kern="1200" dirty="0">
+                <a:solidFill>
+                  <a:prstClr val="white">
+                    <a:lumMod val="50000"/>
+                  </a:prstClr>
+                </a:solidFill>
+                <a:latin typeface="Arial" panose="020B0604020202020204" pitchFamily="34" charset="0"/>
+                <a:ea typeface="ヒラギノ角ゴ Pro W3" pitchFamily="-126" charset="-128"/>
+                <a:cs typeface="+mn-cs"/>
+              </a:endParaRPr>
+            </a:p>
+          </p:txBody>
+        </p:sp>
+      </p:grpSp>
+      <p:sp>
+        <p:nvSpPr>
+          <p:cNvPr id="60" name="Flowchart: Document 59">
+            <a:extLst>
+              <a:ext uri="{FF2B5EF4-FFF2-40B4-BE49-F238E27FC236}">
+                <a16:creationId xmlns:a16="http://schemas.microsoft.com/office/drawing/2014/main" id="{7EF73773-40A3-7B2A-14FA-9A4AC427D64D}"/>
+              </a:ext>
+            </a:extLst>
+          </p:cNvPr>
+          <p:cNvSpPr/>
+          <p:nvPr/>
+        </p:nvSpPr>
+        <p:spPr>
+          <a:xfrm>
+            <a:off x="6856609" y="3728679"/>
+            <a:ext cx="1560945" cy="532024"/>
+          </a:xfrm>
+          <a:prstGeom prst="flowChartDocument">
+            <a:avLst/>
+          </a:prstGeom>
+          <a:solidFill>
+            <a:schemeClr val="bg1"/>
+          </a:solidFill>
+          <a:ln>
+            <a:solidFill>
+              <a:schemeClr val="tx1">
+                <a:lumMod val="50000"/>
+                <a:lumOff val="50000"/>
+              </a:schemeClr>
+            </a:solidFill>
+          </a:ln>
+        </p:spPr>
+        <p:style>
+          <a:lnRef idx="1">
+            <a:schemeClr val="accent1"/>
+          </a:lnRef>
+          <a:fillRef idx="3">
+            <a:schemeClr val="accent1"/>
+          </a:fillRef>
+          <a:effectRef idx="2">
+            <a:schemeClr val="accent1"/>
+          </a:effectRef>
+          <a:fontRef idx="minor">
+            <a:schemeClr val="lt1"/>
+          </a:fontRef>
+        </p:style>
+        <p:txBody>
+          <a:bodyPr lIns="36576" tIns="36576" rIns="36576" bIns="36576" rtlCol="0" anchor="ctr"/>
+          <a:lstStyle/>
+          <a:p>
+            <a:pPr algn="ctr" defTabSz="609585" fontAlgn="base">
+              <a:lnSpc>
+                <a:spcPts val="1467"/>
+              </a:lnSpc>
+              <a:spcBef>
+                <a:spcPct val="0"/>
+              </a:spcBef>
+              <a:spcAft>
+                <a:spcPct val="0"/>
+              </a:spcAft>
+              <a:buClrTx/>
+              <a:defRPr/>
+            </a:pPr>
+            <a:r>
+              <a:rPr lang="en-US" sz="867" kern="1200" dirty="0">
+                <a:solidFill>
+                  <a:srgbClr val="4F81BD">
+                    <a:lumMod val="75000"/>
+                  </a:srgbClr>
+                </a:solidFill>
+                <a:latin typeface="Consolas" panose="020B0609020204030204" pitchFamily="49" charset="0"/>
+              </a:rPr>
+              <a:t>QuestionnaireResponse</a:t>
+            </a:r>
+          </a:p>
+          <a:p>
+            <a:pPr algn="ctr" defTabSz="609585" fontAlgn="base">
+              <a:lnSpc>
+                <a:spcPts val="1467"/>
+              </a:lnSpc>
+              <a:spcBef>
+                <a:spcPct val="0"/>
+              </a:spcBef>
+              <a:spcAft>
+                <a:spcPct val="0"/>
+              </a:spcAft>
+              <a:buClrTx/>
+              <a:defRPr/>
+            </a:pPr>
+            <a:r>
+              <a:rPr lang="en-US" sz="933" kern="1200" dirty="0">
+                <a:solidFill>
+                  <a:prstClr val="black"/>
+                </a:solidFill>
+                <a:latin typeface="Arial"/>
+              </a:rPr>
+              <a:t>resource</a:t>
+            </a:r>
+            <a:endParaRPr lang="en-US" sz="867" kern="1200" dirty="0">
+              <a:solidFill>
+                <a:srgbClr val="4F81BD">
+                  <a:lumMod val="75000"/>
+                </a:srgbClr>
+              </a:solidFill>
+              <a:latin typeface="Consolas" panose="020B0609020204030204" pitchFamily="49" charset="0"/>
+            </a:endParaRPr>
+          </a:p>
+        </p:txBody>
+      </p:sp>
+    </p:spTree>
+    <p:extLst>
+      <p:ext uri="{BB962C8B-B14F-4D97-AF65-F5344CB8AC3E}">
+        <p14:creationId xmlns:p14="http://schemas.microsoft.com/office/powerpoint/2010/main" val="793292588"/>
+      </p:ext>
+    </p:extLst>
+  </p:cSld>
+  <p:clrMapOvr>
+    <a:masterClrMapping/>
+  </p:clrMapOvr>
+</p:sld>
+</file>
+
+<file path=ppt/slides/slide17.xml><?xml version="1.0" encoding="utf-8"?>
+<p:sld xmlns:a="http://schemas.openxmlformats.org/drawingml/2006/main" xmlns:r="http://schemas.openxmlformats.org/officeDocument/2006/relationships" xmlns:p="http://schemas.openxmlformats.org/presentationml/2006/main">
+  <p:cSld>
+    <p:spTree>
+      <p:nvGrpSpPr>
+        <p:cNvPr id="1" name="">
+          <a:extLst>
+            <a:ext uri="{FF2B5EF4-FFF2-40B4-BE49-F238E27FC236}">
+              <a16:creationId xmlns:a16="http://schemas.microsoft.com/office/drawing/2014/main" id="{AA95ECE2-B55A-0991-E39E-565B730816AE}"/>
+            </a:ext>
+          </a:extLst>
+        </p:cNvPr>
+        <p:cNvGrpSpPr/>
+        <p:nvPr/>
+      </p:nvGrpSpPr>
+      <p:grpSpPr>
+        <a:xfrm>
+          <a:off x="0" y="0"/>
+          <a:ext cx="0" cy="0"/>
+          <a:chOff x="0" y="0"/>
+          <a:chExt cx="0" cy="0"/>
+        </a:xfrm>
+      </p:grpSpPr>
+      <p:sp>
+        <p:nvSpPr>
+          <p:cNvPr id="3" name="Title 3">
+            <a:extLst>
+              <a:ext uri="{FF2B5EF4-FFF2-40B4-BE49-F238E27FC236}">
+                <a16:creationId xmlns:a16="http://schemas.microsoft.com/office/drawing/2014/main" id="{D33124D2-7F14-5B0A-8E37-C025CF5A68FE}"/>
+              </a:ext>
+            </a:extLst>
+          </p:cNvPr>
+          <p:cNvSpPr>
+            <a:spLocks noGrp="1"/>
+          </p:cNvSpPr>
+          <p:nvPr>
+            <p:ph type="title"/>
+          </p:nvPr>
+        </p:nvSpPr>
+        <p:spPr>
+          <a:xfrm>
+            <a:off x="3951214" y="197346"/>
+            <a:ext cx="7654644" cy="775778"/>
+          </a:xfrm>
+        </p:spPr>
+        <p:txBody>
+          <a:bodyPr/>
+          <a:lstStyle/>
+          <a:p>
+            <a:r>
+              <a:rPr lang="en-CA" dirty="0"/>
+              <a:t>DTR Process Completion</a:t>
+            </a:r>
+          </a:p>
+        </p:txBody>
+      </p:sp>
+      <p:sp>
+        <p:nvSpPr>
+          <p:cNvPr id="5" name="TextBox 4">
+            <a:extLst>
+              <a:ext uri="{FF2B5EF4-FFF2-40B4-BE49-F238E27FC236}">
+                <a16:creationId xmlns:a16="http://schemas.microsoft.com/office/drawing/2014/main" id="{16DB2BE2-DE6B-984C-893D-307B5C8BF35A}"/>
+              </a:ext>
+            </a:extLst>
+          </p:cNvPr>
+          <p:cNvSpPr txBox="1"/>
+          <p:nvPr/>
+        </p:nvSpPr>
+        <p:spPr>
+          <a:xfrm>
+            <a:off x="3895722" y="1426464"/>
+            <a:ext cx="7925491" cy="3888244"/>
+          </a:xfrm>
+          <a:prstGeom prst="rect">
+            <a:avLst/>
+          </a:prstGeom>
+          <a:noFill/>
+        </p:spPr>
+        <p:txBody>
+          <a:bodyPr wrap="square">
+            <a:spAutoFit/>
+          </a:bodyPr>
+          <a:lstStyle/>
+          <a:p>
+            <a:pPr marL="342900" lvl="1" indent="-342900" defTabSz="1219170">
+              <a:spcBef>
+                <a:spcPts val="1200"/>
+              </a:spcBef>
+              <a:spcAft>
+                <a:spcPts val="400"/>
+              </a:spcAft>
+              <a:buClr>
+                <a:schemeClr val="accent1">
+                  <a:lumMod val="50000"/>
+                </a:schemeClr>
+              </a:buClr>
+              <a:buFont typeface="Wingdings" panose="05000000000000000000" pitchFamily="2" charset="2"/>
+              <a:buChar char="§"/>
+              <a:defRPr/>
+            </a:pPr>
+            <a:r>
+              <a:rPr lang="en-US" sz="2000" kern="1200" dirty="0">
+                <a:solidFill>
+                  <a:srgbClr val="472005"/>
+                </a:solidFill>
+                <a:latin typeface="+mn-lt"/>
+                <a:ea typeface="+mn-ea"/>
+                <a:cs typeface="+mn-cs"/>
+              </a:rPr>
+              <a:t>A completed QuestionnaireResponse must be saved to the EHR!</a:t>
+            </a:r>
+          </a:p>
+          <a:p>
+            <a:pPr marL="342900" lvl="1" indent="-342900" defTabSz="1219170">
+              <a:spcBef>
+                <a:spcPts val="1200"/>
+              </a:spcBef>
+              <a:spcAft>
+                <a:spcPts val="400"/>
+              </a:spcAft>
+              <a:buClr>
+                <a:schemeClr val="accent1">
+                  <a:lumMod val="50000"/>
+                </a:schemeClr>
+              </a:buClr>
+              <a:buFont typeface="Wingdings" panose="05000000000000000000" pitchFamily="2" charset="2"/>
+              <a:buChar char="§"/>
+              <a:defRPr/>
+            </a:pPr>
+            <a:r>
+              <a:rPr lang="en-US" sz="2000" kern="1200" dirty="0">
+                <a:solidFill>
+                  <a:srgbClr val="472005"/>
+                </a:solidFill>
+                <a:latin typeface="+mn-lt"/>
+                <a:ea typeface="+mn-ea"/>
+                <a:cs typeface="+mn-cs"/>
+              </a:rPr>
+              <a:t>An EHR using a DTR Native App can use its own process for this</a:t>
+            </a:r>
+          </a:p>
+          <a:p>
+            <a:pPr marL="342900" lvl="1" indent="-342900" defTabSz="1219170">
+              <a:spcBef>
+                <a:spcPts val="1200"/>
+              </a:spcBef>
+              <a:spcAft>
+                <a:spcPts val="400"/>
+              </a:spcAft>
+              <a:buClr>
+                <a:schemeClr val="accent1">
+                  <a:lumMod val="50000"/>
+                </a:schemeClr>
+              </a:buClr>
+              <a:buFont typeface="Wingdings" panose="05000000000000000000" pitchFamily="2" charset="2"/>
+              <a:buChar char="§"/>
+              <a:defRPr/>
+            </a:pPr>
+            <a:r>
+              <a:rPr lang="en-US" sz="2000" kern="1200" dirty="0">
+                <a:solidFill>
+                  <a:srgbClr val="472005"/>
+                </a:solidFill>
+                <a:latin typeface="+mn-lt"/>
+                <a:ea typeface="+mn-ea"/>
+                <a:cs typeface="+mn-cs"/>
+              </a:rPr>
+              <a:t>In the case of a DTR client SMART App, this is done RESTfully</a:t>
+            </a:r>
+            <a:endParaRPr lang="en-US" sz="1800" kern="1200" dirty="0">
+              <a:solidFill>
+                <a:srgbClr val="472005"/>
+              </a:solidFill>
+              <a:latin typeface="+mn-lt"/>
+              <a:ea typeface="+mn-ea"/>
+              <a:cs typeface="+mn-cs"/>
+            </a:endParaRPr>
+          </a:p>
+          <a:p>
+            <a:pPr marL="342900" lvl="1" indent="-342900" defTabSz="1219170">
+              <a:spcBef>
+                <a:spcPts val="1200"/>
+              </a:spcBef>
+              <a:spcAft>
+                <a:spcPts val="400"/>
+              </a:spcAft>
+              <a:buClr>
+                <a:schemeClr val="accent1">
+                  <a:lumMod val="50000"/>
+                </a:schemeClr>
+              </a:buClr>
+              <a:buFont typeface="Wingdings" panose="05000000000000000000" pitchFamily="2" charset="2"/>
+              <a:buChar char="§"/>
+              <a:defRPr/>
+            </a:pPr>
+            <a:r>
+              <a:rPr lang="en-US" sz="2000" kern="1200" dirty="0">
+                <a:solidFill>
+                  <a:srgbClr val="472005"/>
+                </a:solidFill>
+                <a:latin typeface="+mn-lt"/>
+                <a:ea typeface="+mn-ea"/>
+                <a:cs typeface="+mn-cs"/>
+              </a:rPr>
+              <a:t>Note that DTR Clients must be able, at any point, to save a QuestionnaireResponse as ‘in-progress’ for resuming later</a:t>
+            </a:r>
+          </a:p>
+          <a:p>
+            <a:pPr marL="342900" lvl="1" indent="-342900" defTabSz="1219170">
+              <a:spcBef>
+                <a:spcPts val="1200"/>
+              </a:spcBef>
+              <a:spcAft>
+                <a:spcPts val="400"/>
+              </a:spcAft>
+              <a:buClr>
+                <a:schemeClr val="accent1">
+                  <a:lumMod val="50000"/>
+                </a:schemeClr>
+              </a:buClr>
+              <a:buFont typeface="Wingdings" panose="05000000000000000000" pitchFamily="2" charset="2"/>
+              <a:buChar char="§"/>
+              <a:defRPr/>
+            </a:pPr>
+            <a:r>
+              <a:rPr lang="en-US" sz="2000" kern="1200" dirty="0">
+                <a:solidFill>
+                  <a:srgbClr val="472005"/>
+                </a:solidFill>
+                <a:latin typeface="+mn-lt"/>
+                <a:ea typeface="+mn-ea"/>
+                <a:cs typeface="+mn-cs"/>
+              </a:rPr>
+              <a:t>A completed QuestionnaireResponse that is sent ‘downstream must be bundled in a Bundle of type ‘collection’ which conforms to the </a:t>
+            </a:r>
+            <a:r>
+              <a:rPr lang="en-US" sz="1800" kern="1200" dirty="0" err="1">
+                <a:solidFill>
+                  <a:schemeClr val="tx2"/>
+                </a:solidFill>
+                <a:latin typeface="Consolas" panose="020B0609020204030204" pitchFamily="49" charset="0"/>
+                <a:ea typeface="+mn-ea"/>
+                <a:cs typeface="+mn-cs"/>
+              </a:rPr>
+              <a:t>questionnaireResponseBundle</a:t>
+            </a:r>
+            <a:r>
+              <a:rPr lang="en-US" sz="2000" kern="1200" dirty="0">
+                <a:solidFill>
+                  <a:srgbClr val="472005"/>
+                </a:solidFill>
+                <a:latin typeface="+mn-lt"/>
+                <a:ea typeface="+mn-ea"/>
+                <a:cs typeface="+mn-cs"/>
+              </a:rPr>
+              <a:t> profile</a:t>
+            </a:r>
+          </a:p>
+          <a:p>
+            <a:pPr marL="342900" lvl="1" indent="-342900" defTabSz="1219170">
+              <a:spcBef>
+                <a:spcPts val="1200"/>
+              </a:spcBef>
+              <a:spcAft>
+                <a:spcPts val="400"/>
+              </a:spcAft>
+              <a:buClr>
+                <a:schemeClr val="accent1">
+                  <a:lumMod val="50000"/>
+                </a:schemeClr>
+              </a:buClr>
+              <a:buFont typeface="Wingdings" panose="05000000000000000000" pitchFamily="2" charset="2"/>
+              <a:buChar char="§"/>
+              <a:defRPr/>
+            </a:pPr>
+            <a:endParaRPr lang="en-US" sz="2000" kern="1200" dirty="0">
+              <a:solidFill>
+                <a:srgbClr val="472005"/>
+              </a:solidFill>
+              <a:latin typeface="+mn-lt"/>
+              <a:ea typeface="+mn-ea"/>
+              <a:cs typeface="+mn-cs"/>
+            </a:endParaRPr>
+          </a:p>
+        </p:txBody>
+      </p:sp>
+      <p:grpSp>
+        <p:nvGrpSpPr>
+          <p:cNvPr id="6" name="Group 5">
+            <a:extLst>
+              <a:ext uri="{FF2B5EF4-FFF2-40B4-BE49-F238E27FC236}">
+                <a16:creationId xmlns:a16="http://schemas.microsoft.com/office/drawing/2014/main" id="{F2266E0A-3CE6-D323-73A4-4ABD54FACFF5}"/>
+              </a:ext>
+            </a:extLst>
+          </p:cNvPr>
+          <p:cNvGrpSpPr/>
+          <p:nvPr/>
+        </p:nvGrpSpPr>
+        <p:grpSpPr>
+          <a:xfrm>
+            <a:off x="4381576" y="5017045"/>
+            <a:ext cx="6793919" cy="1202390"/>
+            <a:chOff x="2185876" y="3208589"/>
+            <a:chExt cx="5095439" cy="901792"/>
+          </a:xfrm>
+        </p:grpSpPr>
+        <p:sp>
+          <p:nvSpPr>
+            <p:cNvPr id="8" name="Rectangle 7">
+              <a:extLst>
+                <a:ext uri="{FF2B5EF4-FFF2-40B4-BE49-F238E27FC236}">
+                  <a16:creationId xmlns:a16="http://schemas.microsoft.com/office/drawing/2014/main" id="{E8F623E3-8C0F-F841-134E-33B920EEC94C}"/>
+                </a:ext>
+              </a:extLst>
+            </p:cNvPr>
+            <p:cNvSpPr/>
+            <p:nvPr/>
+          </p:nvSpPr>
+          <p:spPr>
+            <a:xfrm>
+              <a:off x="2185876" y="3208589"/>
+              <a:ext cx="5095439" cy="901792"/>
+            </a:xfrm>
+            <a:prstGeom prst="rect">
+              <a:avLst/>
+            </a:prstGeom>
+            <a:solidFill>
+              <a:schemeClr val="bg1"/>
+            </a:solidFill>
+          </p:spPr>
+          <p:style>
+            <a:lnRef idx="1">
+              <a:schemeClr val="accent1"/>
+            </a:lnRef>
+            <a:fillRef idx="3">
+              <a:schemeClr val="accent1"/>
+            </a:fillRef>
+            <a:effectRef idx="2">
+              <a:schemeClr val="accent1"/>
+            </a:effectRef>
+            <a:fontRef idx="minor">
+              <a:schemeClr val="lt1"/>
+            </a:fontRef>
+          </p:style>
+          <p:txBody>
+            <a:bodyPr rtlCol="0" anchor="ctr"/>
+            <a:lstStyle/>
+            <a:p>
+              <a:pPr algn="ctr" defTabSz="609585" fontAlgn="base">
+                <a:spcBef>
+                  <a:spcPct val="0"/>
+                </a:spcBef>
+                <a:spcAft>
+                  <a:spcPct val="0"/>
+                </a:spcAft>
+                <a:buClrTx/>
+              </a:pPr>
+              <a:endParaRPr lang="en-US" sz="2400" kern="1200">
+                <a:solidFill>
+                  <a:prstClr val="white"/>
+                </a:solidFill>
+                <a:latin typeface="Arial"/>
+              </a:endParaRPr>
+            </a:p>
+          </p:txBody>
+        </p:sp>
+        <p:sp>
+          <p:nvSpPr>
+            <p:cNvPr id="10" name="TextBox 9">
+              <a:extLst>
+                <a:ext uri="{FF2B5EF4-FFF2-40B4-BE49-F238E27FC236}">
+                  <a16:creationId xmlns:a16="http://schemas.microsoft.com/office/drawing/2014/main" id="{C35F5CD8-EB2B-7D9F-FCA3-2A8463DE8444}"/>
+                </a:ext>
+              </a:extLst>
+            </p:cNvPr>
+            <p:cNvSpPr txBox="1"/>
+            <p:nvPr/>
+          </p:nvSpPr>
+          <p:spPr>
+            <a:xfrm>
+              <a:off x="2310423" y="3265658"/>
+              <a:ext cx="4647701" cy="184666"/>
+            </a:xfrm>
+            <a:prstGeom prst="rect">
+              <a:avLst/>
+            </a:prstGeom>
+            <a:solidFill>
+              <a:schemeClr val="bg1">
+                <a:alpha val="45000"/>
+              </a:schemeClr>
+            </a:solidFill>
+          </p:spPr>
+          <p:txBody>
+            <a:bodyPr wrap="square" lIns="0" tIns="0" rIns="0" bIns="0">
+              <a:spAutoFit/>
+            </a:bodyPr>
+            <a:lstStyle/>
+            <a:p>
+              <a:pPr defTabSz="609585" fontAlgn="base">
+                <a:spcBef>
+                  <a:spcPct val="0"/>
+                </a:spcBef>
+                <a:spcAft>
+                  <a:spcPct val="0"/>
+                </a:spcAft>
+                <a:buClrTx/>
+              </a:pPr>
+              <a:r>
+                <a:rPr lang="en-US" kern="1200" dirty="0">
+                  <a:solidFill>
+                    <a:srgbClr val="4BACC6">
+                      <a:lumMod val="50000"/>
+                    </a:srgbClr>
+                  </a:solidFill>
+                  <a:latin typeface="Consolas" panose="020B0609020204030204" pitchFamily="49" charset="0"/>
+                  <a:ea typeface="Calibri" panose="020F0502020204030204" pitchFamily="34" charset="0"/>
+                  <a:cs typeface="Calibri" panose="020F0502020204030204" pitchFamily="34" charset="0"/>
+                </a:rPr>
+                <a:t>QuestionnaireResponse.status</a:t>
+              </a:r>
+              <a:r>
+                <a:rPr lang="en-US" kern="1200" dirty="0">
+                  <a:solidFill>
+                    <a:prstClr val="black"/>
+                  </a:solidFill>
+                  <a:latin typeface="Calibri" panose="020F0502020204030204" pitchFamily="34" charset="0"/>
+                  <a:ea typeface="Calibri" panose="020F0502020204030204" pitchFamily="34" charset="0"/>
+                  <a:cs typeface="Calibri" panose="020F0502020204030204" pitchFamily="34" charset="0"/>
+                </a:rPr>
+                <a:t> </a:t>
+              </a:r>
+              <a:r>
+                <a:rPr lang="en-US" sz="1600" kern="1200" dirty="0">
+                  <a:solidFill>
+                    <a:prstClr val="black"/>
+                  </a:solidFill>
+                  <a:latin typeface="Calibri" panose="020F0502020204030204" pitchFamily="34" charset="0"/>
+                  <a:ea typeface="Calibri" panose="020F0502020204030204" pitchFamily="34" charset="0"/>
+                  <a:cs typeface="Calibri" panose="020F0502020204030204" pitchFamily="34" charset="0"/>
+                </a:rPr>
+                <a:t>= ‘</a:t>
+              </a:r>
+              <a:r>
+                <a:rPr lang="en-US" kern="1200" dirty="0">
+                  <a:solidFill>
+                    <a:srgbClr val="EEECE1">
+                      <a:lumMod val="25000"/>
+                    </a:srgbClr>
+                  </a:solidFill>
+                  <a:latin typeface="Consolas" panose="020B0609020204030204" pitchFamily="49" charset="0"/>
+                  <a:ea typeface="Calibri" panose="020F0502020204030204" pitchFamily="34" charset="0"/>
+                  <a:cs typeface="Calibri" panose="020F0502020204030204" pitchFamily="34" charset="0"/>
+                </a:rPr>
+                <a:t>completed</a:t>
+              </a:r>
+              <a:r>
+                <a:rPr lang="en-US" sz="1600" kern="1200" dirty="0">
+                  <a:solidFill>
+                    <a:prstClr val="black"/>
+                  </a:solidFill>
+                  <a:latin typeface="Calibri" panose="020F0502020204030204" pitchFamily="34" charset="0"/>
+                  <a:ea typeface="Calibri" panose="020F0502020204030204" pitchFamily="34" charset="0"/>
+                  <a:cs typeface="Calibri" panose="020F0502020204030204" pitchFamily="34" charset="0"/>
+                </a:rPr>
+                <a:t>’</a:t>
+              </a:r>
+              <a:endParaRPr lang="en-US" kern="1200" dirty="0">
+                <a:solidFill>
+                  <a:srgbClr val="4BACC6">
+                    <a:lumMod val="50000"/>
+                  </a:srgbClr>
+                </a:solidFill>
+                <a:latin typeface="Consolas" panose="020B0609020204030204" pitchFamily="49" charset="0"/>
+                <a:ea typeface="Calibri" panose="020F0502020204030204" pitchFamily="34" charset="0"/>
+                <a:cs typeface="Calibri" panose="020F0502020204030204" pitchFamily="34" charset="0"/>
+              </a:endParaRPr>
+            </a:p>
+          </p:txBody>
+        </p:sp>
+        <p:pic>
+          <p:nvPicPr>
+            <p:cNvPr id="11" name="Picture 10">
+              <a:extLst>
+                <a:ext uri="{FF2B5EF4-FFF2-40B4-BE49-F238E27FC236}">
+                  <a16:creationId xmlns:a16="http://schemas.microsoft.com/office/drawing/2014/main" id="{0E784CB6-B3A0-82EA-9416-44E817001100}"/>
+                </a:ext>
+              </a:extLst>
+            </p:cNvPr>
+            <p:cNvPicPr>
+              <a:picLocks noChangeAspect="1"/>
+            </p:cNvPicPr>
+            <p:nvPr/>
+          </p:nvPicPr>
+          <p:blipFill>
+            <a:blip r:embed="rId2"/>
+            <a:stretch>
+              <a:fillRect/>
+            </a:stretch>
+          </p:blipFill>
+          <p:spPr>
+            <a:xfrm>
+              <a:off x="2204983" y="3507393"/>
+              <a:ext cx="4858581" cy="508359"/>
+            </a:xfrm>
+            <a:prstGeom prst="rect">
+              <a:avLst/>
+            </a:prstGeom>
+          </p:spPr>
+        </p:pic>
+      </p:grpSp>
+    </p:spTree>
+    <p:extLst>
+      <p:ext uri="{BB962C8B-B14F-4D97-AF65-F5344CB8AC3E}">
+        <p14:creationId xmlns:p14="http://schemas.microsoft.com/office/powerpoint/2010/main" val="2300165883"/>
+      </p:ext>
+    </p:extLst>
+  </p:cSld>
+  <p:clrMapOvr>
+    <a:masterClrMapping/>
+  </p:clrMapOvr>
+</p:sld>
+</file>
+
+<file path=ppt/slides/slide18.xml><?xml version="1.0" encoding="utf-8"?>
+<p:sld xmlns:a="http://schemas.openxmlformats.org/drawingml/2006/main" xmlns:r="http://schemas.openxmlformats.org/officeDocument/2006/relationships" xmlns:p="http://schemas.openxmlformats.org/presentationml/2006/main">
+  <p:cSld>
+    <p:spTree>
+      <p:nvGrpSpPr>
+        <p:cNvPr id="1" name="">
+          <a:extLst>
+            <a:ext uri="{FF2B5EF4-FFF2-40B4-BE49-F238E27FC236}">
+              <a16:creationId xmlns:a16="http://schemas.microsoft.com/office/drawing/2014/main" id="{C1A37635-C015-F311-7848-4729688BC817}"/>
+            </a:ext>
+          </a:extLst>
+        </p:cNvPr>
+        <p:cNvGrpSpPr/>
+        <p:nvPr/>
+      </p:nvGrpSpPr>
+      <p:grpSpPr>
+        <a:xfrm>
+          <a:off x="0" y="0"/>
+          <a:ext cx="0" cy="0"/>
+          <a:chOff x="0" y="0"/>
+          <a:chExt cx="0" cy="0"/>
+        </a:xfrm>
+      </p:grpSpPr>
+      <p:sp>
+        <p:nvSpPr>
+          <p:cNvPr id="3" name="Title 2">
+            <a:extLst>
+              <a:ext uri="{FF2B5EF4-FFF2-40B4-BE49-F238E27FC236}">
+                <a16:creationId xmlns:a16="http://schemas.microsoft.com/office/drawing/2014/main" id="{8C4BEB61-315E-4C76-8C79-20A25541687C}"/>
+              </a:ext>
+            </a:extLst>
+          </p:cNvPr>
+          <p:cNvSpPr>
+            <a:spLocks noGrp="1"/>
+          </p:cNvSpPr>
+          <p:nvPr>
+            <p:ph type="title"/>
+          </p:nvPr>
+        </p:nvSpPr>
+        <p:spPr/>
+        <p:txBody>
+          <a:bodyPr/>
+          <a:lstStyle/>
+          <a:p>
+            <a:r>
+              <a:rPr lang="en-CA" dirty="0"/>
+              <a:t>Other considerations</a:t>
+            </a:r>
+          </a:p>
+        </p:txBody>
+      </p:sp>
+      <p:sp>
+        <p:nvSpPr>
+          <p:cNvPr id="4" name="Slide Number Placeholder 3">
+            <a:extLst>
+              <a:ext uri="{FF2B5EF4-FFF2-40B4-BE49-F238E27FC236}">
+                <a16:creationId xmlns:a16="http://schemas.microsoft.com/office/drawing/2014/main" id="{D3713C9C-AAE3-01E0-BC00-36B5595F21C7}"/>
+              </a:ext>
+            </a:extLst>
+          </p:cNvPr>
+          <p:cNvSpPr>
+            <a:spLocks noGrp="1"/>
+          </p:cNvSpPr>
+          <p:nvPr>
+            <p:ph type="sldNum" sz="quarter" idx="7"/>
+          </p:nvPr>
+        </p:nvSpPr>
+        <p:spPr/>
+        <p:txBody>
+          <a:bodyPr/>
+          <a:lstStyle/>
+          <a:p>
+            <a:fld id="{B6F15528-21DE-4FAA-801E-634DDDAF4B2B}" type="slidenum">
+              <a:rPr lang="en-CA" smtClean="0"/>
+              <a:t>18</a:t>
+            </a:fld>
+            <a:endParaRPr lang="en-CA"/>
+          </a:p>
+        </p:txBody>
+      </p:sp>
+      <p:sp>
+        <p:nvSpPr>
+          <p:cNvPr id="5" name="Text Placeholder 4">
+            <a:extLst>
+              <a:ext uri="{FF2B5EF4-FFF2-40B4-BE49-F238E27FC236}">
+                <a16:creationId xmlns:a16="http://schemas.microsoft.com/office/drawing/2014/main" id="{92266D39-F96F-86BB-44A6-F71AA305B69D}"/>
+              </a:ext>
+            </a:extLst>
+          </p:cNvPr>
+          <p:cNvSpPr txBox="1">
+            <a:spLocks/>
+          </p:cNvSpPr>
+          <p:nvPr/>
+        </p:nvSpPr>
+        <p:spPr>
+          <a:xfrm>
+            <a:off x="3974740" y="1452134"/>
+            <a:ext cx="7849086" cy="3883437"/>
+          </a:xfrm>
+          <a:prstGeom prst="rect">
+            <a:avLst/>
+          </a:prstGeom>
+        </p:spPr>
+        <p:txBody>
+          <a:bodyPr/>
+          <a:lstStyle>
+            <a:lvl1pPr marL="228600" indent="-228600" algn="l" defTabSz="914400" rtl="0" eaLnBrk="1" latinLnBrk="0" hangingPunct="1">
+              <a:lnSpc>
+                <a:spcPct val="90000"/>
+              </a:lnSpc>
+              <a:spcBef>
+                <a:spcPts val="1000"/>
+              </a:spcBef>
+              <a:buFont typeface="Arial" panose="020B0604020202020204" pitchFamily="34" charset="0"/>
+              <a:buChar char="•"/>
+              <a:defRPr sz="2400" kern="1200">
+                <a:solidFill>
+                  <a:srgbClr val="472005"/>
+                </a:solidFill>
+                <a:latin typeface="+mn-lt"/>
+                <a:ea typeface="+mn-ea"/>
+                <a:cs typeface="+mn-cs"/>
+              </a:defRPr>
+            </a:lvl1pPr>
+            <a:lvl2pPr marL="685800" indent="-228600" algn="l" defTabSz="914400" rtl="0" eaLnBrk="1" latinLnBrk="0" hangingPunct="1">
+              <a:lnSpc>
+                <a:spcPct val="90000"/>
+              </a:lnSpc>
+              <a:spcBef>
+                <a:spcPts val="500"/>
+              </a:spcBef>
+              <a:buFont typeface="Arial" panose="020B0604020202020204" pitchFamily="34" charset="0"/>
+              <a:buChar char="•"/>
+              <a:defRPr sz="2000" kern="1200">
+                <a:solidFill>
+                  <a:srgbClr val="472005"/>
+                </a:solidFill>
+                <a:latin typeface="+mn-lt"/>
+                <a:ea typeface="+mn-ea"/>
+                <a:cs typeface="+mn-cs"/>
+              </a:defRPr>
+            </a:lvl2pPr>
+            <a:lvl3pPr marL="1143000" indent="-228600" algn="l" defTabSz="914400" rtl="0" eaLnBrk="1" latinLnBrk="0" hangingPunct="1">
+              <a:lnSpc>
+                <a:spcPct val="90000"/>
+              </a:lnSpc>
+              <a:spcBef>
+                <a:spcPts val="500"/>
+              </a:spcBef>
+              <a:buFont typeface="Arial" panose="020B0604020202020204" pitchFamily="34" charset="0"/>
+              <a:buChar char="•"/>
+              <a:defRPr sz="1800" kern="1200">
+                <a:solidFill>
+                  <a:srgbClr val="472005"/>
+                </a:solidFill>
+                <a:latin typeface="+mn-lt"/>
+                <a:ea typeface="+mn-ea"/>
+                <a:cs typeface="+mn-cs"/>
+              </a:defRPr>
+            </a:lvl3pPr>
+            <a:lvl4pPr marL="1600200" indent="-228600" algn="l" defTabSz="914400" rtl="0" eaLnBrk="1" latinLnBrk="0" hangingPunct="1">
+              <a:lnSpc>
+                <a:spcPct val="90000"/>
+              </a:lnSpc>
+              <a:spcBef>
+                <a:spcPts val="500"/>
+              </a:spcBef>
+              <a:buFont typeface="Arial" panose="020B0604020202020204" pitchFamily="34" charset="0"/>
+              <a:buChar char="•"/>
+              <a:defRPr sz="1600" kern="1200">
+                <a:solidFill>
+                  <a:srgbClr val="472005"/>
+                </a:solidFill>
+                <a:latin typeface="+mn-lt"/>
+                <a:ea typeface="+mn-ea"/>
+                <a:cs typeface="+mn-cs"/>
+              </a:defRPr>
+            </a:lvl4pPr>
+            <a:lvl5pPr marL="2057400" indent="-228600" algn="l" defTabSz="914400" rtl="0" eaLnBrk="1" latinLnBrk="0" hangingPunct="1">
+              <a:lnSpc>
+                <a:spcPct val="90000"/>
+              </a:lnSpc>
+              <a:spcBef>
+                <a:spcPts val="500"/>
+              </a:spcBef>
+              <a:buFont typeface="Arial" panose="020B0604020202020204" pitchFamily="34" charset="0"/>
+              <a:buChar char="•"/>
+              <a:defRPr sz="1600" kern="1200">
+                <a:solidFill>
+                  <a:srgbClr val="472005"/>
+                </a:solidFill>
+                <a:latin typeface="+mn-lt"/>
+                <a:ea typeface="+mn-ea"/>
+                <a:cs typeface="+mn-cs"/>
+              </a:defRPr>
+            </a:lvl5pPr>
+            <a:lvl6pPr marL="2514600" indent="-228600" algn="l" defTabSz="914400" rtl="0" eaLnBrk="1" latinLnBrk="0" hangingPunct="1">
+              <a:lnSpc>
+                <a:spcPct val="90000"/>
+              </a:lnSpc>
+              <a:spcBef>
+                <a:spcPts val="500"/>
+              </a:spcBef>
+              <a:buFont typeface="Arial" panose="020B0604020202020204" pitchFamily="34" charset="0"/>
+              <a:buChar char="•"/>
+              <a:defRPr sz="1800" kern="1200">
+                <a:solidFill>
+                  <a:schemeClr val="tx1"/>
+                </a:solidFill>
+                <a:latin typeface="+mn-lt"/>
+                <a:ea typeface="+mn-ea"/>
+                <a:cs typeface="+mn-cs"/>
+              </a:defRPr>
+            </a:lvl6pPr>
+            <a:lvl7pPr marL="2971800" indent="-228600" algn="l" defTabSz="914400" rtl="0" eaLnBrk="1" latinLnBrk="0" hangingPunct="1">
+              <a:lnSpc>
+                <a:spcPct val="90000"/>
+              </a:lnSpc>
+              <a:spcBef>
+                <a:spcPts val="500"/>
+              </a:spcBef>
+              <a:buFont typeface="Arial" panose="020B0604020202020204" pitchFamily="34" charset="0"/>
+              <a:buChar char="•"/>
+              <a:defRPr sz="1800" kern="1200">
+                <a:solidFill>
+                  <a:schemeClr val="tx1"/>
+                </a:solidFill>
+                <a:latin typeface="+mn-lt"/>
+                <a:ea typeface="+mn-ea"/>
+                <a:cs typeface="+mn-cs"/>
+              </a:defRPr>
+            </a:lvl7pPr>
+            <a:lvl8pPr marL="3429000" indent="-228600" algn="l" defTabSz="914400" rtl="0" eaLnBrk="1" latinLnBrk="0" hangingPunct="1">
+              <a:lnSpc>
+                <a:spcPct val="90000"/>
+              </a:lnSpc>
+              <a:spcBef>
+                <a:spcPts val="500"/>
+              </a:spcBef>
+              <a:buFont typeface="Arial" panose="020B0604020202020204" pitchFamily="34" charset="0"/>
+              <a:buChar char="•"/>
+              <a:defRPr sz="1800" kern="1200">
+                <a:solidFill>
+                  <a:schemeClr val="tx1"/>
+                </a:solidFill>
+                <a:latin typeface="+mn-lt"/>
+                <a:ea typeface="+mn-ea"/>
+                <a:cs typeface="+mn-cs"/>
+              </a:defRPr>
+            </a:lvl8pPr>
+            <a:lvl9pPr marL="3886200" indent="-228600" algn="l" defTabSz="914400" rtl="0" eaLnBrk="1" latinLnBrk="0" hangingPunct="1">
+              <a:lnSpc>
+                <a:spcPct val="90000"/>
+              </a:lnSpc>
+              <a:spcBef>
+                <a:spcPts val="500"/>
+              </a:spcBef>
+              <a:buFont typeface="Arial" panose="020B0604020202020204" pitchFamily="34" charset="0"/>
+              <a:buChar char="•"/>
+              <a:defRPr sz="1800" kern="1200">
+                <a:solidFill>
+                  <a:schemeClr val="tx1"/>
+                </a:solidFill>
+                <a:latin typeface="+mn-lt"/>
+                <a:ea typeface="+mn-ea"/>
+                <a:cs typeface="+mn-cs"/>
+              </a:defRPr>
+            </a:lvl9pPr>
+          </a:lstStyle>
+          <a:p>
+            <a:pPr>
+              <a:lnSpc>
+                <a:spcPct val="100000"/>
+              </a:lnSpc>
+              <a:spcAft>
+                <a:spcPts val="600"/>
+              </a:spcAft>
+              <a:buClrTx/>
+            </a:pPr>
+            <a:r>
+              <a:rPr lang="en-CA" b="1" dirty="0"/>
+              <a:t>Integration between DTR &amp; CRD:</a:t>
+            </a:r>
+          </a:p>
+          <a:p>
+            <a:pPr marL="548640" lvl="1" indent="-274320">
+              <a:lnSpc>
+                <a:spcPct val="100000"/>
+              </a:lnSpc>
+              <a:buClrTx/>
+              <a:buFont typeface="Wingdings" panose="05000000000000000000" pitchFamily="2" charset="2"/>
+              <a:buChar char="§"/>
+            </a:pPr>
+            <a:r>
+              <a:rPr lang="en-CA" dirty="0"/>
+              <a:t>Independent yet CRD is predominant launch source</a:t>
+            </a:r>
+          </a:p>
+          <a:p>
+            <a:pPr>
+              <a:lnSpc>
+                <a:spcPct val="100000"/>
+              </a:lnSpc>
+              <a:spcBef>
+                <a:spcPts val="1800"/>
+              </a:spcBef>
+              <a:spcAft>
+                <a:spcPts val="600"/>
+              </a:spcAft>
+              <a:buClrTx/>
+            </a:pPr>
+            <a:r>
+              <a:rPr lang="en-CA" b="1" dirty="0"/>
+              <a:t>Integration between DTR &amp; PAS:</a:t>
+            </a:r>
+          </a:p>
+          <a:p>
+            <a:pPr marL="548640" lvl="1" indent="-274320">
+              <a:lnSpc>
+                <a:spcPct val="100000"/>
+              </a:lnSpc>
+              <a:buClrTx/>
+              <a:buFont typeface="Wingdings" panose="05000000000000000000" pitchFamily="2" charset="2"/>
+              <a:buChar char="§"/>
+            </a:pPr>
+            <a:r>
+              <a:rPr lang="en-CA" dirty="0"/>
+              <a:t>PAS implementation can leverage CDex to launch DTR</a:t>
+            </a:r>
+          </a:p>
+          <a:p>
+            <a:pPr>
+              <a:lnSpc>
+                <a:spcPct val="100000"/>
+              </a:lnSpc>
+              <a:spcBef>
+                <a:spcPts val="1800"/>
+              </a:spcBef>
+              <a:spcAft>
+                <a:spcPts val="600"/>
+              </a:spcAft>
+              <a:buClrTx/>
+            </a:pPr>
+            <a:r>
+              <a:rPr lang="en-CA" b="1" dirty="0"/>
+              <a:t>Capturing Metrics:</a:t>
+            </a:r>
+          </a:p>
+          <a:p>
+            <a:pPr marL="548640" lvl="1" indent="-274320">
+              <a:lnSpc>
+                <a:spcPct val="100000"/>
+              </a:lnSpc>
+              <a:buClrTx/>
+              <a:buFont typeface="Wingdings" panose="05000000000000000000" pitchFamily="2" charset="2"/>
+              <a:buChar char="§"/>
+            </a:pPr>
+            <a:r>
+              <a:rPr lang="en-CA" dirty="0"/>
+              <a:t>Required in regulations</a:t>
+            </a:r>
+          </a:p>
+          <a:p>
+            <a:pPr marL="548640" lvl="1" indent="-274320">
+              <a:lnSpc>
+                <a:spcPct val="100000"/>
+              </a:lnSpc>
+              <a:buClrTx/>
+              <a:buFont typeface="Wingdings" panose="05000000000000000000" pitchFamily="2" charset="2"/>
+              <a:buChar char="§"/>
+            </a:pPr>
+            <a:r>
+              <a:rPr lang="en-CA" dirty="0"/>
+              <a:t>Supported by the </a:t>
+            </a:r>
+            <a:r>
+              <a:rPr lang="en-CA" b="1" dirty="0"/>
+              <a:t>DTR Metric Data</a:t>
+            </a:r>
+            <a:r>
+              <a:rPr lang="en-CA" dirty="0"/>
+              <a:t> logical model</a:t>
+            </a:r>
+          </a:p>
+          <a:p>
+            <a:pPr marL="548640" lvl="1" indent="-274320">
+              <a:lnSpc>
+                <a:spcPct val="100000"/>
+              </a:lnSpc>
+              <a:buClrTx/>
+              <a:buFont typeface="Wingdings" panose="05000000000000000000" pitchFamily="2" charset="2"/>
+              <a:buChar char="§"/>
+            </a:pPr>
+            <a:endParaRPr lang="en-CA" dirty="0"/>
+          </a:p>
+          <a:p>
+            <a:pPr>
+              <a:buClrTx/>
+            </a:pPr>
+            <a:endParaRPr lang="en-CA" dirty="0"/>
+          </a:p>
+        </p:txBody>
+      </p:sp>
+    </p:spTree>
+    <p:extLst>
+      <p:ext uri="{BB962C8B-B14F-4D97-AF65-F5344CB8AC3E}">
+        <p14:creationId xmlns:p14="http://schemas.microsoft.com/office/powerpoint/2010/main" val="2809177335"/>
+      </p:ext>
+    </p:extLst>
+  </p:cSld>
+  <p:clrMapOvr>
+    <a:masterClrMapping/>
+  </p:clrMapOvr>
+</p:sld>
+</file>
+
+<file path=ppt/slides/slide19.xml><?xml version="1.0" encoding="utf-8"?>
 <p:sld xmlns:a="http://schemas.openxmlformats.org/drawingml/2006/main" xmlns:r="http://schemas.openxmlformats.org/officeDocument/2006/relationships" xmlns:p="http://schemas.openxmlformats.org/presentationml/2006/main">
   <p:cSld>
     <p:spTree>
@@ -5637,7 +11034,7 @@
           <a:p>
             <a:fld id="{B6F15528-21DE-4FAA-801E-634DDDAF4B2B}" type="slidenum">
               <a:rPr lang="en-CA" smtClean="0"/>
-              <a:t>13</a:t>
+              <a:t>19</a:t>
             </a:fld>
             <a:endParaRPr lang="en-CA"/>
           </a:p>
@@ -5647,868 +11044,6 @@
     <p:extLst>
       <p:ext uri="{BB962C8B-B14F-4D97-AF65-F5344CB8AC3E}">
         <p14:creationId xmlns:p14="http://schemas.microsoft.com/office/powerpoint/2010/main" val="896552519"/>
-      </p:ext>
-    </p:extLst>
-  </p:cSld>
-  <p:clrMapOvr>
-    <a:masterClrMapping/>
-  </p:clrMapOvr>
-</p:sld>
-</file>
-
-<file path=ppt/slides/slide14.xml><?xml version="1.0" encoding="utf-8"?>
-<p:sld xmlns:a="http://schemas.openxmlformats.org/drawingml/2006/main" xmlns:r="http://schemas.openxmlformats.org/officeDocument/2006/relationships" xmlns:p="http://schemas.openxmlformats.org/presentationml/2006/main">
-  <p:cSld>
-    <p:spTree>
-      <p:nvGrpSpPr>
-        <p:cNvPr id="1" name="">
-          <a:extLst>
-            <a:ext uri="{FF2B5EF4-FFF2-40B4-BE49-F238E27FC236}">
-              <a16:creationId xmlns:a16="http://schemas.microsoft.com/office/drawing/2014/main" id="{93EFAD09-4B3F-80FC-8AD2-183C1B660BC9}"/>
-            </a:ext>
-          </a:extLst>
-        </p:cNvPr>
-        <p:cNvGrpSpPr/>
-        <p:nvPr/>
-      </p:nvGrpSpPr>
-      <p:grpSpPr>
-        <a:xfrm>
-          <a:off x="0" y="0"/>
-          <a:ext cx="0" cy="0"/>
-          <a:chOff x="0" y="0"/>
-          <a:chExt cx="0" cy="0"/>
-        </a:xfrm>
-      </p:grpSpPr>
-      <p:sp>
-        <p:nvSpPr>
-          <p:cNvPr id="5" name="Text Placeholder 4">
-            <a:extLst>
-              <a:ext uri="{FF2B5EF4-FFF2-40B4-BE49-F238E27FC236}">
-                <a16:creationId xmlns:a16="http://schemas.microsoft.com/office/drawing/2014/main" id="{9C52F6E1-9C90-6287-1376-DAE26491C376}"/>
-              </a:ext>
-            </a:extLst>
-          </p:cNvPr>
-          <p:cNvSpPr>
-            <a:spLocks noGrp="1"/>
-          </p:cNvSpPr>
-          <p:nvPr>
-            <p:ph type="body" sz="quarter" idx="14"/>
-          </p:nvPr>
-        </p:nvSpPr>
-        <p:spPr/>
-        <p:txBody>
-          <a:bodyPr/>
-          <a:lstStyle/>
-          <a:p>
-            <a:r>
-              <a:rPr lang="en-CA" dirty="0"/>
-              <a:t>Primary objective:</a:t>
-            </a:r>
-          </a:p>
-          <a:p>
-            <a:pPr lvl="1"/>
-            <a:r>
-              <a:rPr lang="en-CA" dirty="0"/>
-              <a:t>Receive an answer to “do I have authorization to do this?”</a:t>
-            </a:r>
-          </a:p>
-          <a:p>
-            <a:r>
-              <a:rPr lang="en-CA" dirty="0"/>
-              <a:t>When combined with CRD and DTR, efficiency will be increased because providers will know if authorization is needed and what information is required to be included to make the authorization decision</a:t>
-            </a:r>
-          </a:p>
-          <a:p>
-            <a:endParaRPr lang="en-CA" dirty="0"/>
-          </a:p>
-          <a:p>
-            <a:r>
-              <a:rPr lang="en-CA" dirty="0"/>
-              <a:t>PAS IG provides a means for EHRs to send authorization requests using FHIR that will be converted to X12 278.</a:t>
-            </a:r>
-          </a:p>
-          <a:p>
-            <a:r>
-              <a:rPr lang="en-CA" dirty="0"/>
-              <a:t>CMS has granted an exception that allows providers and payers to use PAS FHIR Bundles without conversion to X12</a:t>
-            </a:r>
-          </a:p>
-        </p:txBody>
-      </p:sp>
-      <p:sp>
-        <p:nvSpPr>
-          <p:cNvPr id="4" name="Title 3">
-            <a:extLst>
-              <a:ext uri="{FF2B5EF4-FFF2-40B4-BE49-F238E27FC236}">
-                <a16:creationId xmlns:a16="http://schemas.microsoft.com/office/drawing/2014/main" id="{44AECB75-DE23-8C5A-45AC-F9C5982478BD}"/>
-              </a:ext>
-            </a:extLst>
-          </p:cNvPr>
-          <p:cNvSpPr>
-            <a:spLocks noGrp="1"/>
-          </p:cNvSpPr>
-          <p:nvPr>
-            <p:ph type="title"/>
-          </p:nvPr>
-        </p:nvSpPr>
-        <p:spPr/>
-        <p:txBody>
-          <a:bodyPr/>
-          <a:lstStyle/>
-          <a:p>
-            <a:r>
-              <a:rPr lang="en-CA" dirty="0"/>
-              <a:t>PAS Regulatory Objectives</a:t>
-            </a:r>
-          </a:p>
-        </p:txBody>
-      </p:sp>
-    </p:spTree>
-    <p:extLst>
-      <p:ext uri="{BB962C8B-B14F-4D97-AF65-F5344CB8AC3E}">
-        <p14:creationId xmlns:p14="http://schemas.microsoft.com/office/powerpoint/2010/main" val="2759280901"/>
-      </p:ext>
-    </p:extLst>
-  </p:cSld>
-  <p:clrMapOvr>
-    <a:masterClrMapping/>
-  </p:clrMapOvr>
-</p:sld>
-</file>
-
-<file path=ppt/slides/slide15.xml><?xml version="1.0" encoding="utf-8"?>
-<p:sld xmlns:a="http://schemas.openxmlformats.org/drawingml/2006/main" xmlns:r="http://schemas.openxmlformats.org/officeDocument/2006/relationships" xmlns:p="http://schemas.openxmlformats.org/presentationml/2006/main">
-  <p:cSld>
-    <p:spTree>
-      <p:nvGrpSpPr>
-        <p:cNvPr id="1" name=""/>
-        <p:cNvGrpSpPr/>
-        <p:nvPr/>
-      </p:nvGrpSpPr>
-      <p:grpSpPr>
-        <a:xfrm>
-          <a:off x="0" y="0"/>
-          <a:ext cx="0" cy="0"/>
-          <a:chOff x="0" y="0"/>
-          <a:chExt cx="0" cy="0"/>
-        </a:xfrm>
-      </p:grpSpPr>
-      <p:sp>
-        <p:nvSpPr>
-          <p:cNvPr id="2" name="Text Placeholder 1">
-            <a:extLst>
-              <a:ext uri="{FF2B5EF4-FFF2-40B4-BE49-F238E27FC236}">
-                <a16:creationId xmlns:a16="http://schemas.microsoft.com/office/drawing/2014/main" id="{5379705A-88B6-581D-1475-D9D2D2E7B8DF}"/>
-              </a:ext>
-            </a:extLst>
-          </p:cNvPr>
-          <p:cNvSpPr>
-            <a:spLocks noGrp="1"/>
-          </p:cNvSpPr>
-          <p:nvPr>
-            <p:ph type="body" sz="quarter" idx="14"/>
-          </p:nvPr>
-        </p:nvSpPr>
-        <p:spPr/>
-        <p:txBody>
-          <a:bodyPr/>
-          <a:lstStyle/>
-          <a:p>
-            <a:r>
-              <a:rPr lang="en-US" dirty="0"/>
-              <a:t>Support the $submit for the initial request</a:t>
-            </a:r>
-          </a:p>
-          <a:p>
-            <a:r>
-              <a:rPr lang="en-US" dirty="0"/>
-              <a:t>Support the $submit for updated requests</a:t>
-            </a:r>
-          </a:p>
-          <a:p>
-            <a:r>
-              <a:rPr lang="en-US" dirty="0"/>
-              <a:t>Support Subscriptions to return update notifications to existing requests</a:t>
-            </a:r>
-          </a:p>
-          <a:p>
-            <a:r>
-              <a:rPr lang="en-US" dirty="0"/>
-              <a:t>Support $inquire to search </a:t>
-            </a:r>
-            <a:r>
-              <a:rPr lang="en-US"/>
-              <a:t>for requests</a:t>
-            </a:r>
-          </a:p>
-          <a:p>
-            <a:endParaRPr lang="en-US"/>
-          </a:p>
-        </p:txBody>
-      </p:sp>
-      <p:sp>
-        <p:nvSpPr>
-          <p:cNvPr id="3" name="Title 2">
-            <a:extLst>
-              <a:ext uri="{FF2B5EF4-FFF2-40B4-BE49-F238E27FC236}">
-                <a16:creationId xmlns:a16="http://schemas.microsoft.com/office/drawing/2014/main" id="{56B285F3-3ECC-6033-A510-F53D22991FCA}"/>
-              </a:ext>
-            </a:extLst>
-          </p:cNvPr>
-          <p:cNvSpPr>
-            <a:spLocks noGrp="1"/>
-          </p:cNvSpPr>
-          <p:nvPr>
-            <p:ph type="title"/>
-          </p:nvPr>
-        </p:nvSpPr>
-        <p:spPr/>
-        <p:txBody>
-          <a:bodyPr/>
-          <a:lstStyle/>
-          <a:p>
-            <a:r>
-              <a:rPr lang="en-US" dirty="0"/>
-              <a:t>PAS Requirements</a:t>
-            </a:r>
-          </a:p>
-        </p:txBody>
-      </p:sp>
-      <p:sp>
-        <p:nvSpPr>
-          <p:cNvPr id="4" name="Slide Number Placeholder 3">
-            <a:extLst>
-              <a:ext uri="{FF2B5EF4-FFF2-40B4-BE49-F238E27FC236}">
-                <a16:creationId xmlns:a16="http://schemas.microsoft.com/office/drawing/2014/main" id="{40577094-CF81-A734-5772-693B7750ABC3}"/>
-              </a:ext>
-            </a:extLst>
-          </p:cNvPr>
-          <p:cNvSpPr>
-            <a:spLocks noGrp="1"/>
-          </p:cNvSpPr>
-          <p:nvPr>
-            <p:ph type="sldNum" sz="quarter" idx="7"/>
-          </p:nvPr>
-        </p:nvSpPr>
-        <p:spPr/>
-        <p:txBody>
-          <a:bodyPr/>
-          <a:lstStyle/>
-          <a:p>
-            <a:fld id="{B6F15528-21DE-4FAA-801E-634DDDAF4B2B}" type="slidenum">
-              <a:rPr lang="en-CA" smtClean="0"/>
-              <a:t>15</a:t>
-            </a:fld>
-            <a:endParaRPr lang="en-CA"/>
-          </a:p>
-        </p:txBody>
-      </p:sp>
-    </p:spTree>
-    <p:extLst>
-      <p:ext uri="{BB962C8B-B14F-4D97-AF65-F5344CB8AC3E}">
-        <p14:creationId xmlns:p14="http://schemas.microsoft.com/office/powerpoint/2010/main" val="1821740333"/>
-      </p:ext>
-    </p:extLst>
-  </p:cSld>
-  <p:clrMapOvr>
-    <a:masterClrMapping/>
-  </p:clrMapOvr>
-</p:sld>
-</file>
-
-<file path=ppt/slides/slide16.xml><?xml version="1.0" encoding="utf-8"?>
-<p:sld xmlns:a="http://schemas.openxmlformats.org/drawingml/2006/main" xmlns:r="http://schemas.openxmlformats.org/officeDocument/2006/relationships" xmlns:p="http://schemas.openxmlformats.org/presentationml/2006/main">
-  <p:cSld>
-    <p:spTree>
-      <p:nvGrpSpPr>
-        <p:cNvPr id="1" name=""/>
-        <p:cNvGrpSpPr/>
-        <p:nvPr/>
-      </p:nvGrpSpPr>
-      <p:grpSpPr>
-        <a:xfrm>
-          <a:off x="0" y="0"/>
-          <a:ext cx="0" cy="0"/>
-          <a:chOff x="0" y="0"/>
-          <a:chExt cx="0" cy="0"/>
-        </a:xfrm>
-      </p:grpSpPr>
-      <p:sp>
-        <p:nvSpPr>
-          <p:cNvPr id="2" name="Text Placeholder 1">
-            <a:extLst>
-              <a:ext uri="{FF2B5EF4-FFF2-40B4-BE49-F238E27FC236}">
-                <a16:creationId xmlns:a16="http://schemas.microsoft.com/office/drawing/2014/main" id="{A737E6A7-152A-B93C-085A-75F9581F8144}"/>
-              </a:ext>
-            </a:extLst>
-          </p:cNvPr>
-          <p:cNvSpPr>
-            <a:spLocks noGrp="1"/>
-          </p:cNvSpPr>
-          <p:nvPr>
-            <p:ph type="body" sz="quarter" idx="14"/>
-          </p:nvPr>
-        </p:nvSpPr>
-        <p:spPr/>
-        <p:txBody>
-          <a:bodyPr/>
-          <a:lstStyle/>
-          <a:p>
-            <a:r>
-              <a:rPr lang="en-US" dirty="0"/>
-              <a:t>The $submit operation is used to send a Prior Authorization request bundle that includes the Claim Request and any referenced resources for processing.</a:t>
-            </a:r>
-          </a:p>
-          <a:p>
-            <a:r>
-              <a:rPr lang="en-US" dirty="0"/>
-              <a:t>The input is a PAS Claim Request Bundle and the output is a PAS Claim Response Bundle or an </a:t>
-            </a:r>
-            <a:r>
-              <a:rPr lang="en-US" dirty="0" err="1"/>
-              <a:t>OperationOutcome</a:t>
-            </a:r>
-            <a:r>
-              <a:rPr lang="en-US" dirty="0"/>
-              <a:t> resource.</a:t>
-            </a:r>
-          </a:p>
-          <a:p>
-            <a:r>
-              <a:rPr lang="en-US" dirty="0"/>
-              <a:t>The response will indicate the status of the authorization of each item:</a:t>
-            </a:r>
-          </a:p>
-          <a:p>
-            <a:pPr lvl="1"/>
-            <a:r>
-              <a:rPr lang="en-US" dirty="0"/>
-              <a:t>Successful – the requested item has been approved</a:t>
-            </a:r>
-          </a:p>
-          <a:p>
-            <a:pPr lvl="1"/>
-            <a:r>
-              <a:rPr lang="en-US" dirty="0"/>
-              <a:t>Denied – the requested item has been denied</a:t>
-            </a:r>
-          </a:p>
-          <a:p>
-            <a:pPr lvl="1"/>
-            <a:r>
-              <a:rPr lang="en-US" dirty="0"/>
-              <a:t>Pended – the requested item is undergoing review</a:t>
-            </a:r>
-          </a:p>
-          <a:p>
-            <a:r>
-              <a:rPr lang="en-US" dirty="0"/>
-              <a:t>It is also possible for the response to return different items than what was requested.</a:t>
-            </a:r>
-          </a:p>
-        </p:txBody>
-      </p:sp>
-      <p:sp>
-        <p:nvSpPr>
-          <p:cNvPr id="3" name="Title 2">
-            <a:extLst>
-              <a:ext uri="{FF2B5EF4-FFF2-40B4-BE49-F238E27FC236}">
-                <a16:creationId xmlns:a16="http://schemas.microsoft.com/office/drawing/2014/main" id="{50998693-D4BE-18D9-8F1D-54EBD204758E}"/>
-              </a:ext>
-            </a:extLst>
-          </p:cNvPr>
-          <p:cNvSpPr>
-            <a:spLocks noGrp="1"/>
-          </p:cNvSpPr>
-          <p:nvPr>
-            <p:ph type="title"/>
-          </p:nvPr>
-        </p:nvSpPr>
-        <p:spPr/>
-        <p:txBody>
-          <a:bodyPr/>
-          <a:lstStyle/>
-          <a:p>
-            <a:r>
-              <a:rPr lang="en-US" dirty="0"/>
-              <a:t>PAS Claim $submit</a:t>
-            </a:r>
-          </a:p>
-        </p:txBody>
-      </p:sp>
-      <p:sp>
-        <p:nvSpPr>
-          <p:cNvPr id="4" name="Slide Number Placeholder 3">
-            <a:extLst>
-              <a:ext uri="{FF2B5EF4-FFF2-40B4-BE49-F238E27FC236}">
-                <a16:creationId xmlns:a16="http://schemas.microsoft.com/office/drawing/2014/main" id="{D9D1FA6A-5FB0-B083-7968-E4C4200C2F48}"/>
-              </a:ext>
-            </a:extLst>
-          </p:cNvPr>
-          <p:cNvSpPr>
-            <a:spLocks noGrp="1"/>
-          </p:cNvSpPr>
-          <p:nvPr>
-            <p:ph type="sldNum" sz="quarter" idx="7"/>
-          </p:nvPr>
-        </p:nvSpPr>
-        <p:spPr/>
-        <p:txBody>
-          <a:bodyPr/>
-          <a:lstStyle/>
-          <a:p>
-            <a:fld id="{B6F15528-21DE-4FAA-801E-634DDDAF4B2B}" type="slidenum">
-              <a:rPr lang="en-CA" smtClean="0"/>
-              <a:t>16</a:t>
-            </a:fld>
-            <a:endParaRPr lang="en-CA"/>
-          </a:p>
-        </p:txBody>
-      </p:sp>
-    </p:spTree>
-    <p:extLst>
-      <p:ext uri="{BB962C8B-B14F-4D97-AF65-F5344CB8AC3E}">
-        <p14:creationId xmlns:p14="http://schemas.microsoft.com/office/powerpoint/2010/main" val="2017393717"/>
-      </p:ext>
-    </p:extLst>
-  </p:cSld>
-  <p:clrMapOvr>
-    <a:masterClrMapping/>
-  </p:clrMapOvr>
-</p:sld>
-</file>
-
-<file path=ppt/slides/slide17.xml><?xml version="1.0" encoding="utf-8"?>
-<p:sld xmlns:a="http://schemas.openxmlformats.org/drawingml/2006/main" xmlns:r="http://schemas.openxmlformats.org/officeDocument/2006/relationships" xmlns:p="http://schemas.openxmlformats.org/presentationml/2006/main">
-  <p:cSld>
-    <p:spTree>
-      <p:nvGrpSpPr>
-        <p:cNvPr id="1" name=""/>
-        <p:cNvGrpSpPr/>
-        <p:nvPr/>
-      </p:nvGrpSpPr>
-      <p:grpSpPr>
-        <a:xfrm>
-          <a:off x="0" y="0"/>
-          <a:ext cx="0" cy="0"/>
-          <a:chOff x="0" y="0"/>
-          <a:chExt cx="0" cy="0"/>
-        </a:xfrm>
-      </p:grpSpPr>
-      <p:sp>
-        <p:nvSpPr>
-          <p:cNvPr id="2" name="Text Placeholder 1">
-            <a:extLst>
-              <a:ext uri="{FF2B5EF4-FFF2-40B4-BE49-F238E27FC236}">
-                <a16:creationId xmlns:a16="http://schemas.microsoft.com/office/drawing/2014/main" id="{FDE9F2B3-633C-9640-EE41-BEC2DE4FAB60}"/>
-              </a:ext>
-            </a:extLst>
-          </p:cNvPr>
-          <p:cNvSpPr>
-            <a:spLocks noGrp="1"/>
-          </p:cNvSpPr>
-          <p:nvPr>
-            <p:ph type="body" sz="quarter" idx="14"/>
-          </p:nvPr>
-        </p:nvSpPr>
-        <p:spPr/>
-        <p:txBody>
-          <a:bodyPr/>
-          <a:lstStyle/>
-          <a:p>
-            <a:r>
-              <a:rPr lang="en-US" dirty="0"/>
-              <a:t>If the response returns a pended item, then the provider system is expected to use FHIR Subscriptions to find out when the decision has been made.</a:t>
-            </a:r>
-          </a:p>
-          <a:p>
-            <a:r>
-              <a:rPr lang="en-US" dirty="0"/>
-              <a:t>The subscription is created at the level of the requesting provider organization and thus handles all requests made by that organization.</a:t>
-            </a:r>
-          </a:p>
-          <a:p>
-            <a:r>
-              <a:rPr lang="en-US" dirty="0"/>
-              <a:t>When the Prior Authorization response has changed, either to be approved, to be denied, or to require more information, the notification will be sent to the provider organization.</a:t>
-            </a:r>
-          </a:p>
-          <a:p>
-            <a:endParaRPr lang="en-US" dirty="0"/>
-          </a:p>
-        </p:txBody>
-      </p:sp>
-      <p:sp>
-        <p:nvSpPr>
-          <p:cNvPr id="3" name="Title 2">
-            <a:extLst>
-              <a:ext uri="{FF2B5EF4-FFF2-40B4-BE49-F238E27FC236}">
-                <a16:creationId xmlns:a16="http://schemas.microsoft.com/office/drawing/2014/main" id="{307E0247-6B50-B5ED-FD6B-E611CD6011A7}"/>
-              </a:ext>
-            </a:extLst>
-          </p:cNvPr>
-          <p:cNvSpPr>
-            <a:spLocks noGrp="1"/>
-          </p:cNvSpPr>
-          <p:nvPr>
-            <p:ph type="title"/>
-          </p:nvPr>
-        </p:nvSpPr>
-        <p:spPr/>
-        <p:txBody>
-          <a:bodyPr/>
-          <a:lstStyle/>
-          <a:p>
-            <a:r>
-              <a:rPr lang="en-US" dirty="0"/>
-              <a:t>Subscriptions</a:t>
-            </a:r>
-          </a:p>
-        </p:txBody>
-      </p:sp>
-      <p:sp>
-        <p:nvSpPr>
-          <p:cNvPr id="4" name="Slide Number Placeholder 3">
-            <a:extLst>
-              <a:ext uri="{FF2B5EF4-FFF2-40B4-BE49-F238E27FC236}">
-                <a16:creationId xmlns:a16="http://schemas.microsoft.com/office/drawing/2014/main" id="{8DFCABE2-88D7-1D2B-0CB8-AEEC89C895FB}"/>
-              </a:ext>
-            </a:extLst>
-          </p:cNvPr>
-          <p:cNvSpPr>
-            <a:spLocks noGrp="1"/>
-          </p:cNvSpPr>
-          <p:nvPr>
-            <p:ph type="sldNum" sz="quarter" idx="7"/>
-          </p:nvPr>
-        </p:nvSpPr>
-        <p:spPr/>
-        <p:txBody>
-          <a:bodyPr/>
-          <a:lstStyle/>
-          <a:p>
-            <a:fld id="{B6F15528-21DE-4FAA-801E-634DDDAF4B2B}" type="slidenum">
-              <a:rPr lang="en-CA" smtClean="0"/>
-              <a:t>17</a:t>
-            </a:fld>
-            <a:endParaRPr lang="en-CA"/>
-          </a:p>
-        </p:txBody>
-      </p:sp>
-    </p:spTree>
-    <p:extLst>
-      <p:ext uri="{BB962C8B-B14F-4D97-AF65-F5344CB8AC3E}">
-        <p14:creationId xmlns:p14="http://schemas.microsoft.com/office/powerpoint/2010/main" val="3487917906"/>
-      </p:ext>
-    </p:extLst>
-  </p:cSld>
-  <p:clrMapOvr>
-    <a:masterClrMapping/>
-  </p:clrMapOvr>
-</p:sld>
-</file>
-
-<file path=ppt/slides/slide18.xml><?xml version="1.0" encoding="utf-8"?>
-<p:sld xmlns:a="http://schemas.openxmlformats.org/drawingml/2006/main" xmlns:r="http://schemas.openxmlformats.org/officeDocument/2006/relationships" xmlns:p="http://schemas.openxmlformats.org/presentationml/2006/main">
-  <p:cSld>
-    <p:spTree>
-      <p:nvGrpSpPr>
-        <p:cNvPr id="1" name=""/>
-        <p:cNvGrpSpPr/>
-        <p:nvPr/>
-      </p:nvGrpSpPr>
-      <p:grpSpPr>
-        <a:xfrm>
-          <a:off x="0" y="0"/>
-          <a:ext cx="0" cy="0"/>
-          <a:chOff x="0" y="0"/>
-          <a:chExt cx="0" cy="0"/>
-        </a:xfrm>
-      </p:grpSpPr>
-      <p:sp>
-        <p:nvSpPr>
-          <p:cNvPr id="2" name="Text Placeholder 1">
-            <a:extLst>
-              <a:ext uri="{FF2B5EF4-FFF2-40B4-BE49-F238E27FC236}">
-                <a16:creationId xmlns:a16="http://schemas.microsoft.com/office/drawing/2014/main" id="{1C813303-BD95-B0C9-85FE-98B75F95E295}"/>
-              </a:ext>
-            </a:extLst>
-          </p:cNvPr>
-          <p:cNvSpPr>
-            <a:spLocks noGrp="1"/>
-          </p:cNvSpPr>
-          <p:nvPr>
-            <p:ph type="body" sz="quarter" idx="14"/>
-          </p:nvPr>
-        </p:nvSpPr>
-        <p:spPr/>
-        <p:txBody>
-          <a:bodyPr/>
-          <a:lstStyle/>
-          <a:p>
-            <a:r>
-              <a:rPr lang="en-US" dirty="0"/>
-              <a:t>Non-Submitting systems are not able to subscribe to Prior Authorizations.</a:t>
-            </a:r>
-          </a:p>
-          <a:p>
-            <a:r>
-              <a:rPr lang="en-US" dirty="0"/>
-              <a:t>There is a use case for non-submitting systems to find out about prior authorizations.</a:t>
-            </a:r>
-          </a:p>
-          <a:p>
-            <a:r>
-              <a:rPr lang="en-US" dirty="0"/>
-              <a:t>The $inquire operation supports searching for authorizations by example.</a:t>
-            </a:r>
-          </a:p>
-          <a:p>
-            <a:r>
-              <a:rPr lang="en-US" dirty="0"/>
-              <a:t>The incoming parameter is a FHIR Claim Inquiry Bundle which provides the items intended to match existing authorization requests:</a:t>
-            </a:r>
-          </a:p>
-          <a:p>
-            <a:pPr lvl="1"/>
-            <a:r>
-              <a:rPr lang="en-US" dirty="0"/>
-              <a:t>Requesting provider organization</a:t>
-            </a:r>
-          </a:p>
-          <a:p>
-            <a:pPr lvl="1"/>
-            <a:r>
-              <a:rPr lang="en-US" dirty="0"/>
-              <a:t>Payer organization</a:t>
-            </a:r>
-          </a:p>
-          <a:p>
-            <a:pPr lvl="1"/>
-            <a:r>
-              <a:rPr lang="en-US" dirty="0"/>
-              <a:t>Patient</a:t>
-            </a:r>
-          </a:p>
-          <a:p>
-            <a:pPr lvl="1"/>
-            <a:r>
-              <a:rPr lang="en-US" dirty="0"/>
-              <a:t>Other fields as needed</a:t>
-            </a:r>
-          </a:p>
-        </p:txBody>
-      </p:sp>
-      <p:sp>
-        <p:nvSpPr>
-          <p:cNvPr id="3" name="Title 2">
-            <a:extLst>
-              <a:ext uri="{FF2B5EF4-FFF2-40B4-BE49-F238E27FC236}">
-                <a16:creationId xmlns:a16="http://schemas.microsoft.com/office/drawing/2014/main" id="{9EADEA4A-A7AB-45F9-B483-35B4F8224732}"/>
-              </a:ext>
-            </a:extLst>
-          </p:cNvPr>
-          <p:cNvSpPr>
-            <a:spLocks noGrp="1"/>
-          </p:cNvSpPr>
-          <p:nvPr>
-            <p:ph type="title"/>
-          </p:nvPr>
-        </p:nvSpPr>
-        <p:spPr/>
-        <p:txBody>
-          <a:bodyPr/>
-          <a:lstStyle/>
-          <a:p>
-            <a:r>
-              <a:rPr lang="en-US" dirty="0"/>
-              <a:t>Prior Authorization Inquiries</a:t>
-            </a:r>
-          </a:p>
-        </p:txBody>
-      </p:sp>
-      <p:sp>
-        <p:nvSpPr>
-          <p:cNvPr id="4" name="Slide Number Placeholder 3">
-            <a:extLst>
-              <a:ext uri="{FF2B5EF4-FFF2-40B4-BE49-F238E27FC236}">
-                <a16:creationId xmlns:a16="http://schemas.microsoft.com/office/drawing/2014/main" id="{3AEB1BB1-3A67-4C42-BBBB-019C7DD5CE37}"/>
-              </a:ext>
-            </a:extLst>
-          </p:cNvPr>
-          <p:cNvSpPr>
-            <a:spLocks noGrp="1"/>
-          </p:cNvSpPr>
-          <p:nvPr>
-            <p:ph type="sldNum" sz="quarter" idx="7"/>
-          </p:nvPr>
-        </p:nvSpPr>
-        <p:spPr/>
-        <p:txBody>
-          <a:bodyPr/>
-          <a:lstStyle/>
-          <a:p>
-            <a:fld id="{B6F15528-21DE-4FAA-801E-634DDDAF4B2B}" type="slidenum">
-              <a:rPr lang="en-CA" smtClean="0"/>
-              <a:t>18</a:t>
-            </a:fld>
-            <a:endParaRPr lang="en-CA"/>
-          </a:p>
-        </p:txBody>
-      </p:sp>
-    </p:spTree>
-    <p:extLst>
-      <p:ext uri="{BB962C8B-B14F-4D97-AF65-F5344CB8AC3E}">
-        <p14:creationId xmlns:p14="http://schemas.microsoft.com/office/powerpoint/2010/main" val="3564063120"/>
-      </p:ext>
-    </p:extLst>
-  </p:cSld>
-  <p:clrMapOvr>
-    <a:masterClrMapping/>
-  </p:clrMapOvr>
-</p:sld>
-</file>
-
-<file path=ppt/slides/slide19.xml><?xml version="1.0" encoding="utf-8"?>
-<p:sld xmlns:a="http://schemas.openxmlformats.org/drawingml/2006/main" xmlns:r="http://schemas.openxmlformats.org/officeDocument/2006/relationships" xmlns:p="http://schemas.openxmlformats.org/presentationml/2006/main">
-  <p:cSld>
-    <p:spTree>
-      <p:nvGrpSpPr>
-        <p:cNvPr id="1" name=""/>
-        <p:cNvGrpSpPr/>
-        <p:nvPr/>
-      </p:nvGrpSpPr>
-      <p:grpSpPr>
-        <a:xfrm>
-          <a:off x="0" y="0"/>
-          <a:ext cx="0" cy="0"/>
-          <a:chOff x="0" y="0"/>
-          <a:chExt cx="0" cy="0"/>
-        </a:xfrm>
-      </p:grpSpPr>
-      <p:sp>
-        <p:nvSpPr>
-          <p:cNvPr id="2" name="Text Placeholder 1">
-            <a:extLst>
-              <a:ext uri="{FF2B5EF4-FFF2-40B4-BE49-F238E27FC236}">
-                <a16:creationId xmlns:a16="http://schemas.microsoft.com/office/drawing/2014/main" id="{8ED0F328-2538-C84D-D533-D3566C5F7960}"/>
-              </a:ext>
-            </a:extLst>
-          </p:cNvPr>
-          <p:cNvSpPr>
-            <a:spLocks noGrp="1"/>
-          </p:cNvSpPr>
-          <p:nvPr>
-            <p:ph type="body" sz="quarter" idx="14"/>
-          </p:nvPr>
-        </p:nvSpPr>
-        <p:spPr/>
-        <p:txBody>
-          <a:bodyPr/>
-          <a:lstStyle/>
-          <a:p>
-            <a:r>
-              <a:rPr lang="en-US" dirty="0"/>
-              <a:t>In some cases, the prior authorization needs to be updated after the request was submitted:</a:t>
-            </a:r>
-          </a:p>
-          <a:p>
-            <a:pPr lvl="1"/>
-            <a:r>
-              <a:rPr lang="en-US" dirty="0"/>
-              <a:t>Change to the services needed</a:t>
-            </a:r>
-          </a:p>
-          <a:p>
-            <a:pPr lvl="1"/>
-            <a:r>
-              <a:rPr lang="en-US" dirty="0"/>
-              <a:t>Timeframe over which the service is provided</a:t>
-            </a:r>
-          </a:p>
-          <a:p>
-            <a:pPr lvl="1"/>
-            <a:r>
-              <a:rPr lang="en-US" dirty="0"/>
-              <a:t>Quantity of service or product</a:t>
-            </a:r>
-          </a:p>
-          <a:p>
-            <a:pPr lvl="1"/>
-            <a:r>
-              <a:rPr lang="en-US" dirty="0"/>
-              <a:t>Elimination of the need for a given service</a:t>
-            </a:r>
-          </a:p>
-          <a:p>
-            <a:r>
-              <a:rPr lang="en-US" dirty="0"/>
-              <a:t>A FHIR Claim Update request bundle is submitted with the $submit operation.  This bundle is converted into an X12 278 update.</a:t>
-            </a:r>
-          </a:p>
-        </p:txBody>
-      </p:sp>
-      <p:sp>
-        <p:nvSpPr>
-          <p:cNvPr id="3" name="Title 2">
-            <a:extLst>
-              <a:ext uri="{FF2B5EF4-FFF2-40B4-BE49-F238E27FC236}">
-                <a16:creationId xmlns:a16="http://schemas.microsoft.com/office/drawing/2014/main" id="{32742139-24DE-683D-2CF0-EC279DBFC8A2}"/>
-              </a:ext>
-            </a:extLst>
-          </p:cNvPr>
-          <p:cNvSpPr>
-            <a:spLocks noGrp="1"/>
-          </p:cNvSpPr>
-          <p:nvPr>
-            <p:ph type="title"/>
-          </p:nvPr>
-        </p:nvSpPr>
-        <p:spPr/>
-        <p:txBody>
-          <a:bodyPr/>
-          <a:lstStyle/>
-          <a:p>
-            <a:r>
-              <a:rPr lang="en-US" dirty="0"/>
-              <a:t>Prior Authorization Updates</a:t>
-            </a:r>
-          </a:p>
-        </p:txBody>
-      </p:sp>
-      <p:sp>
-        <p:nvSpPr>
-          <p:cNvPr id="4" name="Slide Number Placeholder 3">
-            <a:extLst>
-              <a:ext uri="{FF2B5EF4-FFF2-40B4-BE49-F238E27FC236}">
-                <a16:creationId xmlns:a16="http://schemas.microsoft.com/office/drawing/2014/main" id="{9028E8F4-65EE-1C76-5345-B864EADA4AA2}"/>
-              </a:ext>
-            </a:extLst>
-          </p:cNvPr>
-          <p:cNvSpPr>
-            <a:spLocks noGrp="1"/>
-          </p:cNvSpPr>
-          <p:nvPr>
-            <p:ph type="sldNum" sz="quarter" idx="7"/>
-          </p:nvPr>
-        </p:nvSpPr>
-        <p:spPr/>
-        <p:txBody>
-          <a:bodyPr/>
-          <a:lstStyle/>
-          <a:p>
-            <a:fld id="{B6F15528-21DE-4FAA-801E-634DDDAF4B2B}" type="slidenum">
-              <a:rPr lang="en-CA" smtClean="0"/>
-              <a:t>19</a:t>
-            </a:fld>
-            <a:endParaRPr lang="en-CA"/>
-          </a:p>
-        </p:txBody>
-      </p:sp>
-    </p:spTree>
-    <p:extLst>
-      <p:ext uri="{BB962C8B-B14F-4D97-AF65-F5344CB8AC3E}">
-        <p14:creationId xmlns:p14="http://schemas.microsoft.com/office/powerpoint/2010/main" val="1155457930"/>
       </p:ext>
     </p:extLst>
   </p:cSld>
@@ -6609,6 +11144,868 @@
         <p:cNvPr id="1" name="">
           <a:extLst>
             <a:ext uri="{FF2B5EF4-FFF2-40B4-BE49-F238E27FC236}">
+              <a16:creationId xmlns:a16="http://schemas.microsoft.com/office/drawing/2014/main" id="{93EFAD09-4B3F-80FC-8AD2-183C1B660BC9}"/>
+            </a:ext>
+          </a:extLst>
+        </p:cNvPr>
+        <p:cNvGrpSpPr/>
+        <p:nvPr/>
+      </p:nvGrpSpPr>
+      <p:grpSpPr>
+        <a:xfrm>
+          <a:off x="0" y="0"/>
+          <a:ext cx="0" cy="0"/>
+          <a:chOff x="0" y="0"/>
+          <a:chExt cx="0" cy="0"/>
+        </a:xfrm>
+      </p:grpSpPr>
+      <p:sp>
+        <p:nvSpPr>
+          <p:cNvPr id="5" name="Text Placeholder 4">
+            <a:extLst>
+              <a:ext uri="{FF2B5EF4-FFF2-40B4-BE49-F238E27FC236}">
+                <a16:creationId xmlns:a16="http://schemas.microsoft.com/office/drawing/2014/main" id="{9C52F6E1-9C90-6287-1376-DAE26491C376}"/>
+              </a:ext>
+            </a:extLst>
+          </p:cNvPr>
+          <p:cNvSpPr>
+            <a:spLocks noGrp="1"/>
+          </p:cNvSpPr>
+          <p:nvPr>
+            <p:ph type="body" sz="quarter" idx="14"/>
+          </p:nvPr>
+        </p:nvSpPr>
+        <p:spPr/>
+        <p:txBody>
+          <a:bodyPr/>
+          <a:lstStyle/>
+          <a:p>
+            <a:r>
+              <a:rPr lang="en-CA" dirty="0"/>
+              <a:t>Primary objective:</a:t>
+            </a:r>
+          </a:p>
+          <a:p>
+            <a:pPr lvl="1"/>
+            <a:r>
+              <a:rPr lang="en-CA" dirty="0"/>
+              <a:t>Receive an answer to “do I have authorization to do this?”</a:t>
+            </a:r>
+          </a:p>
+          <a:p>
+            <a:r>
+              <a:rPr lang="en-CA" dirty="0"/>
+              <a:t>When combined with CRD and DTR, efficiency will be increased because providers will know if authorization is needed and what information is required to be included to make the authorization decision</a:t>
+            </a:r>
+          </a:p>
+          <a:p>
+            <a:endParaRPr lang="en-CA" dirty="0"/>
+          </a:p>
+          <a:p>
+            <a:r>
+              <a:rPr lang="en-CA" dirty="0"/>
+              <a:t>PAS IG provides a means for EHRs to send authorization requests using FHIR that will be converted to X12 278.</a:t>
+            </a:r>
+          </a:p>
+          <a:p>
+            <a:r>
+              <a:rPr lang="en-CA" dirty="0"/>
+              <a:t>CMS has granted an exception that allows providers and payers to use PAS FHIR Bundles without conversion to X12</a:t>
+            </a:r>
+          </a:p>
+        </p:txBody>
+      </p:sp>
+      <p:sp>
+        <p:nvSpPr>
+          <p:cNvPr id="4" name="Title 3">
+            <a:extLst>
+              <a:ext uri="{FF2B5EF4-FFF2-40B4-BE49-F238E27FC236}">
+                <a16:creationId xmlns:a16="http://schemas.microsoft.com/office/drawing/2014/main" id="{44AECB75-DE23-8C5A-45AC-F9C5982478BD}"/>
+              </a:ext>
+            </a:extLst>
+          </p:cNvPr>
+          <p:cNvSpPr>
+            <a:spLocks noGrp="1"/>
+          </p:cNvSpPr>
+          <p:nvPr>
+            <p:ph type="title"/>
+          </p:nvPr>
+        </p:nvSpPr>
+        <p:spPr/>
+        <p:txBody>
+          <a:bodyPr/>
+          <a:lstStyle/>
+          <a:p>
+            <a:r>
+              <a:rPr lang="en-CA" dirty="0"/>
+              <a:t>PAS Regulatory Objectives</a:t>
+            </a:r>
+          </a:p>
+        </p:txBody>
+      </p:sp>
+    </p:spTree>
+    <p:extLst>
+      <p:ext uri="{BB962C8B-B14F-4D97-AF65-F5344CB8AC3E}">
+        <p14:creationId xmlns:p14="http://schemas.microsoft.com/office/powerpoint/2010/main" val="2759280901"/>
+      </p:ext>
+    </p:extLst>
+  </p:cSld>
+  <p:clrMapOvr>
+    <a:masterClrMapping/>
+  </p:clrMapOvr>
+</p:sld>
+</file>
+
+<file path=ppt/slides/slide21.xml><?xml version="1.0" encoding="utf-8"?>
+<p:sld xmlns:a="http://schemas.openxmlformats.org/drawingml/2006/main" xmlns:r="http://schemas.openxmlformats.org/officeDocument/2006/relationships" xmlns:p="http://schemas.openxmlformats.org/presentationml/2006/main">
+  <p:cSld>
+    <p:spTree>
+      <p:nvGrpSpPr>
+        <p:cNvPr id="1" name=""/>
+        <p:cNvGrpSpPr/>
+        <p:nvPr/>
+      </p:nvGrpSpPr>
+      <p:grpSpPr>
+        <a:xfrm>
+          <a:off x="0" y="0"/>
+          <a:ext cx="0" cy="0"/>
+          <a:chOff x="0" y="0"/>
+          <a:chExt cx="0" cy="0"/>
+        </a:xfrm>
+      </p:grpSpPr>
+      <p:sp>
+        <p:nvSpPr>
+          <p:cNvPr id="2" name="Text Placeholder 1">
+            <a:extLst>
+              <a:ext uri="{FF2B5EF4-FFF2-40B4-BE49-F238E27FC236}">
+                <a16:creationId xmlns:a16="http://schemas.microsoft.com/office/drawing/2014/main" id="{5379705A-88B6-581D-1475-D9D2D2E7B8DF}"/>
+              </a:ext>
+            </a:extLst>
+          </p:cNvPr>
+          <p:cNvSpPr>
+            <a:spLocks noGrp="1"/>
+          </p:cNvSpPr>
+          <p:nvPr>
+            <p:ph type="body" sz="quarter" idx="14"/>
+          </p:nvPr>
+        </p:nvSpPr>
+        <p:spPr/>
+        <p:txBody>
+          <a:bodyPr/>
+          <a:lstStyle/>
+          <a:p>
+            <a:r>
+              <a:rPr lang="en-US" dirty="0"/>
+              <a:t>Support the $submit for the initial request</a:t>
+            </a:r>
+          </a:p>
+          <a:p>
+            <a:r>
+              <a:rPr lang="en-US" dirty="0"/>
+              <a:t>Support the $submit for updated requests</a:t>
+            </a:r>
+          </a:p>
+          <a:p>
+            <a:r>
+              <a:rPr lang="en-US" dirty="0"/>
+              <a:t>Support Subscriptions to return update notifications to existing requests</a:t>
+            </a:r>
+          </a:p>
+          <a:p>
+            <a:r>
+              <a:rPr lang="en-US" dirty="0"/>
+              <a:t>Support $inquire to search </a:t>
+            </a:r>
+            <a:r>
+              <a:rPr lang="en-US"/>
+              <a:t>for requests</a:t>
+            </a:r>
+          </a:p>
+          <a:p>
+            <a:endParaRPr lang="en-US"/>
+          </a:p>
+        </p:txBody>
+      </p:sp>
+      <p:sp>
+        <p:nvSpPr>
+          <p:cNvPr id="3" name="Title 2">
+            <a:extLst>
+              <a:ext uri="{FF2B5EF4-FFF2-40B4-BE49-F238E27FC236}">
+                <a16:creationId xmlns:a16="http://schemas.microsoft.com/office/drawing/2014/main" id="{56B285F3-3ECC-6033-A510-F53D22991FCA}"/>
+              </a:ext>
+            </a:extLst>
+          </p:cNvPr>
+          <p:cNvSpPr>
+            <a:spLocks noGrp="1"/>
+          </p:cNvSpPr>
+          <p:nvPr>
+            <p:ph type="title"/>
+          </p:nvPr>
+        </p:nvSpPr>
+        <p:spPr/>
+        <p:txBody>
+          <a:bodyPr/>
+          <a:lstStyle/>
+          <a:p>
+            <a:r>
+              <a:rPr lang="en-US" dirty="0"/>
+              <a:t>PAS Requirements</a:t>
+            </a:r>
+          </a:p>
+        </p:txBody>
+      </p:sp>
+      <p:sp>
+        <p:nvSpPr>
+          <p:cNvPr id="4" name="Slide Number Placeholder 3">
+            <a:extLst>
+              <a:ext uri="{FF2B5EF4-FFF2-40B4-BE49-F238E27FC236}">
+                <a16:creationId xmlns:a16="http://schemas.microsoft.com/office/drawing/2014/main" id="{40577094-CF81-A734-5772-693B7750ABC3}"/>
+              </a:ext>
+            </a:extLst>
+          </p:cNvPr>
+          <p:cNvSpPr>
+            <a:spLocks noGrp="1"/>
+          </p:cNvSpPr>
+          <p:nvPr>
+            <p:ph type="sldNum" sz="quarter" idx="7"/>
+          </p:nvPr>
+        </p:nvSpPr>
+        <p:spPr/>
+        <p:txBody>
+          <a:bodyPr/>
+          <a:lstStyle/>
+          <a:p>
+            <a:fld id="{B6F15528-21DE-4FAA-801E-634DDDAF4B2B}" type="slidenum">
+              <a:rPr lang="en-CA" smtClean="0"/>
+              <a:t>21</a:t>
+            </a:fld>
+            <a:endParaRPr lang="en-CA"/>
+          </a:p>
+        </p:txBody>
+      </p:sp>
+    </p:spTree>
+    <p:extLst>
+      <p:ext uri="{BB962C8B-B14F-4D97-AF65-F5344CB8AC3E}">
+        <p14:creationId xmlns:p14="http://schemas.microsoft.com/office/powerpoint/2010/main" val="1821740333"/>
+      </p:ext>
+    </p:extLst>
+  </p:cSld>
+  <p:clrMapOvr>
+    <a:masterClrMapping/>
+  </p:clrMapOvr>
+</p:sld>
+</file>
+
+<file path=ppt/slides/slide22.xml><?xml version="1.0" encoding="utf-8"?>
+<p:sld xmlns:a="http://schemas.openxmlformats.org/drawingml/2006/main" xmlns:r="http://schemas.openxmlformats.org/officeDocument/2006/relationships" xmlns:p="http://schemas.openxmlformats.org/presentationml/2006/main">
+  <p:cSld>
+    <p:spTree>
+      <p:nvGrpSpPr>
+        <p:cNvPr id="1" name=""/>
+        <p:cNvGrpSpPr/>
+        <p:nvPr/>
+      </p:nvGrpSpPr>
+      <p:grpSpPr>
+        <a:xfrm>
+          <a:off x="0" y="0"/>
+          <a:ext cx="0" cy="0"/>
+          <a:chOff x="0" y="0"/>
+          <a:chExt cx="0" cy="0"/>
+        </a:xfrm>
+      </p:grpSpPr>
+      <p:sp>
+        <p:nvSpPr>
+          <p:cNvPr id="2" name="Text Placeholder 1">
+            <a:extLst>
+              <a:ext uri="{FF2B5EF4-FFF2-40B4-BE49-F238E27FC236}">
+                <a16:creationId xmlns:a16="http://schemas.microsoft.com/office/drawing/2014/main" id="{A737E6A7-152A-B93C-085A-75F9581F8144}"/>
+              </a:ext>
+            </a:extLst>
+          </p:cNvPr>
+          <p:cNvSpPr>
+            <a:spLocks noGrp="1"/>
+          </p:cNvSpPr>
+          <p:nvPr>
+            <p:ph type="body" sz="quarter" idx="14"/>
+          </p:nvPr>
+        </p:nvSpPr>
+        <p:spPr/>
+        <p:txBody>
+          <a:bodyPr/>
+          <a:lstStyle/>
+          <a:p>
+            <a:r>
+              <a:rPr lang="en-US" dirty="0"/>
+              <a:t>The $submit operation is used to send a Prior Authorization request bundle that includes the Claim Request and any referenced resources for processing.</a:t>
+            </a:r>
+          </a:p>
+          <a:p>
+            <a:r>
+              <a:rPr lang="en-US" dirty="0"/>
+              <a:t>The input is a PAS Claim Request Bundle and the output is a PAS Claim Response Bundle or an </a:t>
+            </a:r>
+            <a:r>
+              <a:rPr lang="en-US" dirty="0" err="1"/>
+              <a:t>OperationOutcome</a:t>
+            </a:r>
+            <a:r>
+              <a:rPr lang="en-US" dirty="0"/>
+              <a:t> resource.</a:t>
+            </a:r>
+          </a:p>
+          <a:p>
+            <a:r>
+              <a:rPr lang="en-US" dirty="0"/>
+              <a:t>The response will indicate the status of the authorization of each item:</a:t>
+            </a:r>
+          </a:p>
+          <a:p>
+            <a:pPr lvl="1"/>
+            <a:r>
+              <a:rPr lang="en-US" dirty="0"/>
+              <a:t>Successful – the requested item has been approved</a:t>
+            </a:r>
+          </a:p>
+          <a:p>
+            <a:pPr lvl="1"/>
+            <a:r>
+              <a:rPr lang="en-US" dirty="0"/>
+              <a:t>Denied – the requested item has been denied</a:t>
+            </a:r>
+          </a:p>
+          <a:p>
+            <a:pPr lvl="1"/>
+            <a:r>
+              <a:rPr lang="en-US" dirty="0"/>
+              <a:t>Pended – the requested item is undergoing review</a:t>
+            </a:r>
+          </a:p>
+          <a:p>
+            <a:r>
+              <a:rPr lang="en-US" dirty="0"/>
+              <a:t>It is also possible for the response to return different items than what was requested.</a:t>
+            </a:r>
+          </a:p>
+        </p:txBody>
+      </p:sp>
+      <p:sp>
+        <p:nvSpPr>
+          <p:cNvPr id="3" name="Title 2">
+            <a:extLst>
+              <a:ext uri="{FF2B5EF4-FFF2-40B4-BE49-F238E27FC236}">
+                <a16:creationId xmlns:a16="http://schemas.microsoft.com/office/drawing/2014/main" id="{50998693-D4BE-18D9-8F1D-54EBD204758E}"/>
+              </a:ext>
+            </a:extLst>
+          </p:cNvPr>
+          <p:cNvSpPr>
+            <a:spLocks noGrp="1"/>
+          </p:cNvSpPr>
+          <p:nvPr>
+            <p:ph type="title"/>
+          </p:nvPr>
+        </p:nvSpPr>
+        <p:spPr/>
+        <p:txBody>
+          <a:bodyPr/>
+          <a:lstStyle/>
+          <a:p>
+            <a:r>
+              <a:rPr lang="en-US" dirty="0"/>
+              <a:t>PAS Claim $submit</a:t>
+            </a:r>
+          </a:p>
+        </p:txBody>
+      </p:sp>
+      <p:sp>
+        <p:nvSpPr>
+          <p:cNvPr id="4" name="Slide Number Placeholder 3">
+            <a:extLst>
+              <a:ext uri="{FF2B5EF4-FFF2-40B4-BE49-F238E27FC236}">
+                <a16:creationId xmlns:a16="http://schemas.microsoft.com/office/drawing/2014/main" id="{D9D1FA6A-5FB0-B083-7968-E4C4200C2F48}"/>
+              </a:ext>
+            </a:extLst>
+          </p:cNvPr>
+          <p:cNvSpPr>
+            <a:spLocks noGrp="1"/>
+          </p:cNvSpPr>
+          <p:nvPr>
+            <p:ph type="sldNum" sz="quarter" idx="7"/>
+          </p:nvPr>
+        </p:nvSpPr>
+        <p:spPr/>
+        <p:txBody>
+          <a:bodyPr/>
+          <a:lstStyle/>
+          <a:p>
+            <a:fld id="{B6F15528-21DE-4FAA-801E-634DDDAF4B2B}" type="slidenum">
+              <a:rPr lang="en-CA" smtClean="0"/>
+              <a:t>22</a:t>
+            </a:fld>
+            <a:endParaRPr lang="en-CA"/>
+          </a:p>
+        </p:txBody>
+      </p:sp>
+    </p:spTree>
+    <p:extLst>
+      <p:ext uri="{BB962C8B-B14F-4D97-AF65-F5344CB8AC3E}">
+        <p14:creationId xmlns:p14="http://schemas.microsoft.com/office/powerpoint/2010/main" val="2017393717"/>
+      </p:ext>
+    </p:extLst>
+  </p:cSld>
+  <p:clrMapOvr>
+    <a:masterClrMapping/>
+  </p:clrMapOvr>
+</p:sld>
+</file>
+
+<file path=ppt/slides/slide23.xml><?xml version="1.0" encoding="utf-8"?>
+<p:sld xmlns:a="http://schemas.openxmlformats.org/drawingml/2006/main" xmlns:r="http://schemas.openxmlformats.org/officeDocument/2006/relationships" xmlns:p="http://schemas.openxmlformats.org/presentationml/2006/main">
+  <p:cSld>
+    <p:spTree>
+      <p:nvGrpSpPr>
+        <p:cNvPr id="1" name=""/>
+        <p:cNvGrpSpPr/>
+        <p:nvPr/>
+      </p:nvGrpSpPr>
+      <p:grpSpPr>
+        <a:xfrm>
+          <a:off x="0" y="0"/>
+          <a:ext cx="0" cy="0"/>
+          <a:chOff x="0" y="0"/>
+          <a:chExt cx="0" cy="0"/>
+        </a:xfrm>
+      </p:grpSpPr>
+      <p:sp>
+        <p:nvSpPr>
+          <p:cNvPr id="2" name="Text Placeholder 1">
+            <a:extLst>
+              <a:ext uri="{FF2B5EF4-FFF2-40B4-BE49-F238E27FC236}">
+                <a16:creationId xmlns:a16="http://schemas.microsoft.com/office/drawing/2014/main" id="{FDE9F2B3-633C-9640-EE41-BEC2DE4FAB60}"/>
+              </a:ext>
+            </a:extLst>
+          </p:cNvPr>
+          <p:cNvSpPr>
+            <a:spLocks noGrp="1"/>
+          </p:cNvSpPr>
+          <p:nvPr>
+            <p:ph type="body" sz="quarter" idx="14"/>
+          </p:nvPr>
+        </p:nvSpPr>
+        <p:spPr/>
+        <p:txBody>
+          <a:bodyPr/>
+          <a:lstStyle/>
+          <a:p>
+            <a:r>
+              <a:rPr lang="en-US" dirty="0"/>
+              <a:t>If the response returns a pended item, then the provider system is expected to use FHIR Subscriptions to find out when the decision has been made.</a:t>
+            </a:r>
+          </a:p>
+          <a:p>
+            <a:r>
+              <a:rPr lang="en-US" dirty="0"/>
+              <a:t>The subscription is created at the level of the requesting provider organization and thus handles all requests made by that organization.</a:t>
+            </a:r>
+          </a:p>
+          <a:p>
+            <a:r>
+              <a:rPr lang="en-US" dirty="0"/>
+              <a:t>When the Prior Authorization response has changed, either to be approved, to be denied, or to require more information, the notification will be sent to the provider organization.</a:t>
+            </a:r>
+          </a:p>
+          <a:p>
+            <a:endParaRPr lang="en-US" dirty="0"/>
+          </a:p>
+        </p:txBody>
+      </p:sp>
+      <p:sp>
+        <p:nvSpPr>
+          <p:cNvPr id="3" name="Title 2">
+            <a:extLst>
+              <a:ext uri="{FF2B5EF4-FFF2-40B4-BE49-F238E27FC236}">
+                <a16:creationId xmlns:a16="http://schemas.microsoft.com/office/drawing/2014/main" id="{307E0247-6B50-B5ED-FD6B-E611CD6011A7}"/>
+              </a:ext>
+            </a:extLst>
+          </p:cNvPr>
+          <p:cNvSpPr>
+            <a:spLocks noGrp="1"/>
+          </p:cNvSpPr>
+          <p:nvPr>
+            <p:ph type="title"/>
+          </p:nvPr>
+        </p:nvSpPr>
+        <p:spPr/>
+        <p:txBody>
+          <a:bodyPr/>
+          <a:lstStyle/>
+          <a:p>
+            <a:r>
+              <a:rPr lang="en-US" dirty="0"/>
+              <a:t>Subscriptions</a:t>
+            </a:r>
+          </a:p>
+        </p:txBody>
+      </p:sp>
+      <p:sp>
+        <p:nvSpPr>
+          <p:cNvPr id="4" name="Slide Number Placeholder 3">
+            <a:extLst>
+              <a:ext uri="{FF2B5EF4-FFF2-40B4-BE49-F238E27FC236}">
+                <a16:creationId xmlns:a16="http://schemas.microsoft.com/office/drawing/2014/main" id="{8DFCABE2-88D7-1D2B-0CB8-AEEC89C895FB}"/>
+              </a:ext>
+            </a:extLst>
+          </p:cNvPr>
+          <p:cNvSpPr>
+            <a:spLocks noGrp="1"/>
+          </p:cNvSpPr>
+          <p:nvPr>
+            <p:ph type="sldNum" sz="quarter" idx="7"/>
+          </p:nvPr>
+        </p:nvSpPr>
+        <p:spPr/>
+        <p:txBody>
+          <a:bodyPr/>
+          <a:lstStyle/>
+          <a:p>
+            <a:fld id="{B6F15528-21DE-4FAA-801E-634DDDAF4B2B}" type="slidenum">
+              <a:rPr lang="en-CA" smtClean="0"/>
+              <a:t>23</a:t>
+            </a:fld>
+            <a:endParaRPr lang="en-CA"/>
+          </a:p>
+        </p:txBody>
+      </p:sp>
+    </p:spTree>
+    <p:extLst>
+      <p:ext uri="{BB962C8B-B14F-4D97-AF65-F5344CB8AC3E}">
+        <p14:creationId xmlns:p14="http://schemas.microsoft.com/office/powerpoint/2010/main" val="3487917906"/>
+      </p:ext>
+    </p:extLst>
+  </p:cSld>
+  <p:clrMapOvr>
+    <a:masterClrMapping/>
+  </p:clrMapOvr>
+</p:sld>
+</file>
+
+<file path=ppt/slides/slide24.xml><?xml version="1.0" encoding="utf-8"?>
+<p:sld xmlns:a="http://schemas.openxmlformats.org/drawingml/2006/main" xmlns:r="http://schemas.openxmlformats.org/officeDocument/2006/relationships" xmlns:p="http://schemas.openxmlformats.org/presentationml/2006/main">
+  <p:cSld>
+    <p:spTree>
+      <p:nvGrpSpPr>
+        <p:cNvPr id="1" name=""/>
+        <p:cNvGrpSpPr/>
+        <p:nvPr/>
+      </p:nvGrpSpPr>
+      <p:grpSpPr>
+        <a:xfrm>
+          <a:off x="0" y="0"/>
+          <a:ext cx="0" cy="0"/>
+          <a:chOff x="0" y="0"/>
+          <a:chExt cx="0" cy="0"/>
+        </a:xfrm>
+      </p:grpSpPr>
+      <p:sp>
+        <p:nvSpPr>
+          <p:cNvPr id="2" name="Text Placeholder 1">
+            <a:extLst>
+              <a:ext uri="{FF2B5EF4-FFF2-40B4-BE49-F238E27FC236}">
+                <a16:creationId xmlns:a16="http://schemas.microsoft.com/office/drawing/2014/main" id="{1C813303-BD95-B0C9-85FE-98B75F95E295}"/>
+              </a:ext>
+            </a:extLst>
+          </p:cNvPr>
+          <p:cNvSpPr>
+            <a:spLocks noGrp="1"/>
+          </p:cNvSpPr>
+          <p:nvPr>
+            <p:ph type="body" sz="quarter" idx="14"/>
+          </p:nvPr>
+        </p:nvSpPr>
+        <p:spPr/>
+        <p:txBody>
+          <a:bodyPr/>
+          <a:lstStyle/>
+          <a:p>
+            <a:r>
+              <a:rPr lang="en-US" dirty="0"/>
+              <a:t>Non-Submitting systems are not able to subscribe to Prior Authorizations.</a:t>
+            </a:r>
+          </a:p>
+          <a:p>
+            <a:r>
+              <a:rPr lang="en-US" dirty="0"/>
+              <a:t>There is a use case for non-submitting systems to find out about prior authorizations.</a:t>
+            </a:r>
+          </a:p>
+          <a:p>
+            <a:r>
+              <a:rPr lang="en-US" dirty="0"/>
+              <a:t>The $inquire operation supports searching for authorizations by example.</a:t>
+            </a:r>
+          </a:p>
+          <a:p>
+            <a:r>
+              <a:rPr lang="en-US" dirty="0"/>
+              <a:t>The incoming parameter is a FHIR Claim Inquiry Bundle which provides the items intended to match existing authorization requests:</a:t>
+            </a:r>
+          </a:p>
+          <a:p>
+            <a:pPr lvl="1"/>
+            <a:r>
+              <a:rPr lang="en-US" dirty="0"/>
+              <a:t>Requesting provider organization</a:t>
+            </a:r>
+          </a:p>
+          <a:p>
+            <a:pPr lvl="1"/>
+            <a:r>
+              <a:rPr lang="en-US" dirty="0"/>
+              <a:t>Payer organization</a:t>
+            </a:r>
+          </a:p>
+          <a:p>
+            <a:pPr lvl="1"/>
+            <a:r>
+              <a:rPr lang="en-US" dirty="0"/>
+              <a:t>Patient</a:t>
+            </a:r>
+          </a:p>
+          <a:p>
+            <a:pPr lvl="1"/>
+            <a:r>
+              <a:rPr lang="en-US" dirty="0"/>
+              <a:t>Other fields as needed</a:t>
+            </a:r>
+          </a:p>
+        </p:txBody>
+      </p:sp>
+      <p:sp>
+        <p:nvSpPr>
+          <p:cNvPr id="3" name="Title 2">
+            <a:extLst>
+              <a:ext uri="{FF2B5EF4-FFF2-40B4-BE49-F238E27FC236}">
+                <a16:creationId xmlns:a16="http://schemas.microsoft.com/office/drawing/2014/main" id="{9EADEA4A-A7AB-45F9-B483-35B4F8224732}"/>
+              </a:ext>
+            </a:extLst>
+          </p:cNvPr>
+          <p:cNvSpPr>
+            <a:spLocks noGrp="1"/>
+          </p:cNvSpPr>
+          <p:nvPr>
+            <p:ph type="title"/>
+          </p:nvPr>
+        </p:nvSpPr>
+        <p:spPr/>
+        <p:txBody>
+          <a:bodyPr/>
+          <a:lstStyle/>
+          <a:p>
+            <a:r>
+              <a:rPr lang="en-US" dirty="0"/>
+              <a:t>Prior Authorization Inquiries</a:t>
+            </a:r>
+          </a:p>
+        </p:txBody>
+      </p:sp>
+      <p:sp>
+        <p:nvSpPr>
+          <p:cNvPr id="4" name="Slide Number Placeholder 3">
+            <a:extLst>
+              <a:ext uri="{FF2B5EF4-FFF2-40B4-BE49-F238E27FC236}">
+                <a16:creationId xmlns:a16="http://schemas.microsoft.com/office/drawing/2014/main" id="{3AEB1BB1-3A67-4C42-BBBB-019C7DD5CE37}"/>
+              </a:ext>
+            </a:extLst>
+          </p:cNvPr>
+          <p:cNvSpPr>
+            <a:spLocks noGrp="1"/>
+          </p:cNvSpPr>
+          <p:nvPr>
+            <p:ph type="sldNum" sz="quarter" idx="7"/>
+          </p:nvPr>
+        </p:nvSpPr>
+        <p:spPr/>
+        <p:txBody>
+          <a:bodyPr/>
+          <a:lstStyle/>
+          <a:p>
+            <a:fld id="{B6F15528-21DE-4FAA-801E-634DDDAF4B2B}" type="slidenum">
+              <a:rPr lang="en-CA" smtClean="0"/>
+              <a:t>24</a:t>
+            </a:fld>
+            <a:endParaRPr lang="en-CA"/>
+          </a:p>
+        </p:txBody>
+      </p:sp>
+    </p:spTree>
+    <p:extLst>
+      <p:ext uri="{BB962C8B-B14F-4D97-AF65-F5344CB8AC3E}">
+        <p14:creationId xmlns:p14="http://schemas.microsoft.com/office/powerpoint/2010/main" val="3564063120"/>
+      </p:ext>
+    </p:extLst>
+  </p:cSld>
+  <p:clrMapOvr>
+    <a:masterClrMapping/>
+  </p:clrMapOvr>
+</p:sld>
+</file>
+
+<file path=ppt/slides/slide25.xml><?xml version="1.0" encoding="utf-8"?>
+<p:sld xmlns:a="http://schemas.openxmlformats.org/drawingml/2006/main" xmlns:r="http://schemas.openxmlformats.org/officeDocument/2006/relationships" xmlns:p="http://schemas.openxmlformats.org/presentationml/2006/main">
+  <p:cSld>
+    <p:spTree>
+      <p:nvGrpSpPr>
+        <p:cNvPr id="1" name=""/>
+        <p:cNvGrpSpPr/>
+        <p:nvPr/>
+      </p:nvGrpSpPr>
+      <p:grpSpPr>
+        <a:xfrm>
+          <a:off x="0" y="0"/>
+          <a:ext cx="0" cy="0"/>
+          <a:chOff x="0" y="0"/>
+          <a:chExt cx="0" cy="0"/>
+        </a:xfrm>
+      </p:grpSpPr>
+      <p:sp>
+        <p:nvSpPr>
+          <p:cNvPr id="2" name="Text Placeholder 1">
+            <a:extLst>
+              <a:ext uri="{FF2B5EF4-FFF2-40B4-BE49-F238E27FC236}">
+                <a16:creationId xmlns:a16="http://schemas.microsoft.com/office/drawing/2014/main" id="{8ED0F328-2538-C84D-D533-D3566C5F7960}"/>
+              </a:ext>
+            </a:extLst>
+          </p:cNvPr>
+          <p:cNvSpPr>
+            <a:spLocks noGrp="1"/>
+          </p:cNvSpPr>
+          <p:nvPr>
+            <p:ph type="body" sz="quarter" idx="14"/>
+          </p:nvPr>
+        </p:nvSpPr>
+        <p:spPr/>
+        <p:txBody>
+          <a:bodyPr/>
+          <a:lstStyle/>
+          <a:p>
+            <a:r>
+              <a:rPr lang="en-US" dirty="0"/>
+              <a:t>In some cases, the prior authorization needs to be updated after the request was submitted:</a:t>
+            </a:r>
+          </a:p>
+          <a:p>
+            <a:pPr lvl="1"/>
+            <a:r>
+              <a:rPr lang="en-US" dirty="0"/>
+              <a:t>Change to the services needed</a:t>
+            </a:r>
+          </a:p>
+          <a:p>
+            <a:pPr lvl="1"/>
+            <a:r>
+              <a:rPr lang="en-US" dirty="0"/>
+              <a:t>Timeframe over which the service is provided</a:t>
+            </a:r>
+          </a:p>
+          <a:p>
+            <a:pPr lvl="1"/>
+            <a:r>
+              <a:rPr lang="en-US" dirty="0"/>
+              <a:t>Quantity of service or product</a:t>
+            </a:r>
+          </a:p>
+          <a:p>
+            <a:pPr lvl="1"/>
+            <a:r>
+              <a:rPr lang="en-US" dirty="0"/>
+              <a:t>Elimination of the need for a given service</a:t>
+            </a:r>
+          </a:p>
+          <a:p>
+            <a:r>
+              <a:rPr lang="en-US" dirty="0"/>
+              <a:t>A FHIR Claim Update request bundle is submitted with the $submit operation.  This bundle is converted into an X12 278 update.</a:t>
+            </a:r>
+          </a:p>
+        </p:txBody>
+      </p:sp>
+      <p:sp>
+        <p:nvSpPr>
+          <p:cNvPr id="3" name="Title 2">
+            <a:extLst>
+              <a:ext uri="{FF2B5EF4-FFF2-40B4-BE49-F238E27FC236}">
+                <a16:creationId xmlns:a16="http://schemas.microsoft.com/office/drawing/2014/main" id="{32742139-24DE-683D-2CF0-EC279DBFC8A2}"/>
+              </a:ext>
+            </a:extLst>
+          </p:cNvPr>
+          <p:cNvSpPr>
+            <a:spLocks noGrp="1"/>
+          </p:cNvSpPr>
+          <p:nvPr>
+            <p:ph type="title"/>
+          </p:nvPr>
+        </p:nvSpPr>
+        <p:spPr/>
+        <p:txBody>
+          <a:bodyPr/>
+          <a:lstStyle/>
+          <a:p>
+            <a:r>
+              <a:rPr lang="en-US" dirty="0"/>
+              <a:t>Prior Authorization Updates</a:t>
+            </a:r>
+          </a:p>
+        </p:txBody>
+      </p:sp>
+      <p:sp>
+        <p:nvSpPr>
+          <p:cNvPr id="4" name="Slide Number Placeholder 3">
+            <a:extLst>
+              <a:ext uri="{FF2B5EF4-FFF2-40B4-BE49-F238E27FC236}">
+                <a16:creationId xmlns:a16="http://schemas.microsoft.com/office/drawing/2014/main" id="{9028E8F4-65EE-1C76-5345-B864EADA4AA2}"/>
+              </a:ext>
+            </a:extLst>
+          </p:cNvPr>
+          <p:cNvSpPr>
+            <a:spLocks noGrp="1"/>
+          </p:cNvSpPr>
+          <p:nvPr>
+            <p:ph type="sldNum" sz="quarter" idx="7"/>
+          </p:nvPr>
+        </p:nvSpPr>
+        <p:spPr/>
+        <p:txBody>
+          <a:bodyPr/>
+          <a:lstStyle/>
+          <a:p>
+            <a:fld id="{B6F15528-21DE-4FAA-801E-634DDDAF4B2B}" type="slidenum">
+              <a:rPr lang="en-CA" smtClean="0"/>
+              <a:t>25</a:t>
+            </a:fld>
+            <a:endParaRPr lang="en-CA"/>
+          </a:p>
+        </p:txBody>
+      </p:sp>
+    </p:spTree>
+    <p:extLst>
+      <p:ext uri="{BB962C8B-B14F-4D97-AF65-F5344CB8AC3E}">
+        <p14:creationId xmlns:p14="http://schemas.microsoft.com/office/powerpoint/2010/main" val="1155457930"/>
+      </p:ext>
+    </p:extLst>
+  </p:cSld>
+  <p:clrMapOvr>
+    <a:masterClrMapping/>
+  </p:clrMapOvr>
+</p:sld>
+</file>
+
+<file path=ppt/slides/slide26.xml><?xml version="1.0" encoding="utf-8"?>
+<p:sld xmlns:a="http://schemas.openxmlformats.org/drawingml/2006/main" xmlns:r="http://schemas.openxmlformats.org/officeDocument/2006/relationships" xmlns:p="http://schemas.openxmlformats.org/presentationml/2006/main">
+  <p:cSld>
+    <p:spTree>
+      <p:nvGrpSpPr>
+        <p:cNvPr id="1" name="">
+          <a:extLst>
+            <a:ext uri="{FF2B5EF4-FFF2-40B4-BE49-F238E27FC236}">
               <a16:creationId xmlns:a16="http://schemas.microsoft.com/office/drawing/2014/main" id="{36A5A747-EB81-EC2C-A840-2CFFFE97F5BF}"/>
             </a:ext>
           </a:extLst>
@@ -6680,7 +12077,7 @@
           <a:p>
             <a:fld id="{B6F15528-21DE-4FAA-801E-634DDDAF4B2B}" type="slidenum">
               <a:rPr lang="en-CA" smtClean="0"/>
-              <a:t>20</a:t>
+              <a:t>26</a:t>
             </a:fld>
             <a:endParaRPr lang="en-CA"/>
           </a:p>
@@ -6699,7 +12096,7 @@
 </p:sld>
 </file>
 
-<file path=ppt/slides/slide21.xml><?xml version="1.0" encoding="utf-8"?>
+<file path=ppt/slides/slide27.xml><?xml version="1.0" encoding="utf-8"?>
 <p:sld xmlns:a="http://schemas.openxmlformats.org/drawingml/2006/main" xmlns:r="http://schemas.openxmlformats.org/officeDocument/2006/relationships" xmlns:p="http://schemas.openxmlformats.org/presentationml/2006/main">
   <p:cSld>
     <p:spTree>
@@ -6809,7 +12206,7 @@
 </p:sld>
 </file>
 
-<file path=ppt/slides/slide22.xml><?xml version="1.0" encoding="utf-8"?>
+<file path=ppt/slides/slide28.xml><?xml version="1.0" encoding="utf-8"?>
 <p:sld xmlns:a="http://schemas.openxmlformats.org/drawingml/2006/main" xmlns:r="http://schemas.openxmlformats.org/officeDocument/2006/relationships" xmlns:p="http://schemas.openxmlformats.org/presentationml/2006/main">
   <p:cSld>
     <p:spTree>
@@ -6888,7 +12285,7 @@
           <a:p>
             <a:fld id="{B6F15528-21DE-4FAA-801E-634DDDAF4B2B}" type="slidenum">
               <a:rPr lang="en-CA" smtClean="0"/>
-              <a:t>22</a:t>
+              <a:t>28</a:t>
             </a:fld>
             <a:endParaRPr lang="en-CA"/>
           </a:p>
@@ -8588,73 +13985,6 @@
 </file>
 
 <file path=customXml/item1.xml><?xml version="1.0" encoding="utf-8"?>
-<p:properties xmlns:p="http://schemas.microsoft.com/office/2006/metadata/properties" xmlns:xsi="http://www.w3.org/2001/XMLSchema-instance" xmlns:pc="http://schemas.microsoft.com/office/infopath/2007/PartnerControls">
-  <documentManagement>
-    <SharedWithUsers xmlns="cf5a87e6-8225-499d-8aa7-664ff23f0528">
-      <UserInfo>
-        <DisplayName>Kathy Moncelsi</DisplayName>
-        <AccountId>117</AccountId>
-        <AccountType/>
-      </UserInfo>
-      <UserInfo>
-        <DisplayName>Vanessa Candelora</DisplayName>
-        <AccountId>7525</AccountId>
-        <AccountType/>
-      </UserInfo>
-      <UserInfo>
-        <DisplayName>Phung Matthews</DisplayName>
-        <AccountId>7256</AccountId>
-        <AccountType/>
-      </UserInfo>
-      <UserInfo>
-        <DisplayName>Jordyn King</DisplayName>
-        <AccountId>6166</AccountId>
-        <AccountType/>
-      </UserInfo>
-      <UserInfo>
-        <DisplayName>Pooja Babbrah</DisplayName>
-        <AccountId>63</AccountId>
-        <AccountType/>
-      </UserInfo>
-      <UserInfo>
-        <DisplayName>Frank McKinney</DisplayName>
-        <AccountId>6074</AccountId>
-        <AccountType/>
-      </UserInfo>
-      <UserInfo>
-        <DisplayName>Amy Johnson</DisplayName>
-        <AccountId>281</AccountId>
-        <AccountType/>
-      </UserInfo>
-      <UserInfo>
-        <DisplayName>Michael Solomon</DisplayName>
-        <AccountId>78</AccountId>
-        <AccountType/>
-      </UserInfo>
-      <UserInfo>
-        <DisplayName>Tony Schueth</DisplayName>
-        <AccountId>24</AccountId>
-        <AccountType/>
-      </UserInfo>
-    </SharedWithUsers>
-    <TaxCatchAll xmlns="cf5a87e6-8225-499d-8aa7-664ff23f0528" xsi:nil="true"/>
-    <lcf76f155ced4ddcb4097134ff3c332f xmlns="9f94fe76-4e69-4a06-93ce-361b54a8e543">
-      <Terms xmlns="http://schemas.microsoft.com/office/infopath/2007/PartnerControls"/>
-    </lcf76f155ced4ddcb4097134ff3c332f>
-  </documentManagement>
-</p:properties>
-</file>
-
-<file path=customXml/item2.xml><?xml version="1.0" encoding="utf-8"?>
-<?mso-contentType ?>
-<FormTemplates xmlns="http://schemas.microsoft.com/sharepoint/v3/contenttype/forms">
-  <Display>DocumentLibraryForm</Display>
-  <Edit>DocumentLibraryForm</Edit>
-  <New>DocumentLibraryForm</New>
-</FormTemplates>
-</file>
-
-<file path=customXml/item3.xml><?xml version="1.0" encoding="utf-8"?>
 <ct:contentTypeSchema xmlns:ct="http://schemas.microsoft.com/office/2006/metadata/contentType" xmlns:ma="http://schemas.microsoft.com/office/2006/metadata/properties/metaAttributes" ct:_="" ma:_="" ma:contentTypeName="Document" ma:contentTypeID="0x0101002C8FC9818E7A2340A2B524F46111FD15" ma:contentTypeVersion="19" ma:contentTypeDescription="Create a new document." ma:contentTypeScope="" ma:versionID="7ef9a8bc46a14bfd553da3a3e6695c4d">
   <xsd:schema xmlns:xsd="http://www.w3.org/2001/XMLSchema" xmlns:xs="http://www.w3.org/2001/XMLSchema" xmlns:p="http://schemas.microsoft.com/office/2006/metadata/properties" xmlns:ns2="9f94fe76-4e69-4a06-93ce-361b54a8e543" xmlns:ns3="cf5a87e6-8225-499d-8aa7-664ff23f0528" targetNamespace="http://schemas.microsoft.com/office/2006/metadata/properties" ma:root="true" ma:fieldsID="580938c8cdc1ed620302479102261575" ns2:_="" ns3:_="">
     <xsd:import namespace="9f94fe76-4e69-4a06-93ce-361b54a8e543"/>
@@ -8909,32 +14239,74 @@
 </ct:contentTypeSchema>
 </file>
 
-<file path=customXml/itemProps1.xml><?xml version="1.0" encoding="utf-8"?>
-<ds:datastoreItem xmlns:ds="http://schemas.openxmlformats.org/officeDocument/2006/customXml" ds:itemID="{ABC3541C-51DD-43E3-8C9A-56AC6823A20C}">
-  <ds:schemaRefs>
-    <ds:schemaRef ds:uri="9f94fe76-4e69-4a06-93ce-361b54a8e543"/>
-    <ds:schemaRef ds:uri="cf5a87e6-8225-499d-8aa7-664ff23f0528"/>
-    <ds:schemaRef ds:uri="http://purl.org/dc/dcmitype/"/>
-    <ds:schemaRef ds:uri="http://purl.org/dc/elements/1.1/"/>
-    <ds:schemaRef ds:uri="http://purl.org/dc/terms/"/>
-    <ds:schemaRef ds:uri="http://schemas.microsoft.com/office/2006/documentManagement/types"/>
-    <ds:schemaRef ds:uri="http://schemas.microsoft.com/office/2006/metadata/properties"/>
-    <ds:schemaRef ds:uri="http://schemas.microsoft.com/office/infopath/2007/PartnerControls"/>
-    <ds:schemaRef ds:uri="http://schemas.openxmlformats.org/package/2006/metadata/core-properties"/>
-    <ds:schemaRef ds:uri="http://www.w3.org/XML/1998/namespace"/>
-  </ds:schemaRefs>
-</ds:datastoreItem>
+<file path=customXml/item2.xml><?xml version="1.0" encoding="utf-8"?>
+<?mso-contentType ?>
+<FormTemplates xmlns="http://schemas.microsoft.com/sharepoint/v3/contenttype/forms">
+  <Display>DocumentLibraryForm</Display>
+  <Edit>DocumentLibraryForm</Edit>
+  <New>DocumentLibraryForm</New>
+</FormTemplates>
 </file>
 
-<file path=customXml/itemProps2.xml><?xml version="1.0" encoding="utf-8"?>
-<ds:datastoreItem xmlns:ds="http://schemas.openxmlformats.org/officeDocument/2006/customXml" ds:itemID="{0BA6B2E7-CD55-478D-BEC8-4794A5943CF4}">
-  <ds:schemaRefs>
-    <ds:schemaRef ds:uri="http://schemas.microsoft.com/sharepoint/v3/contenttype/forms"/>
-  </ds:schemaRefs>
-</ds:datastoreItem>
+<file path=customXml/item3.xml><?xml version="1.0" encoding="utf-8"?>
+<p:properties xmlns:p="http://schemas.microsoft.com/office/2006/metadata/properties" xmlns:xsi="http://www.w3.org/2001/XMLSchema-instance" xmlns:pc="http://schemas.microsoft.com/office/infopath/2007/PartnerControls">
+  <documentManagement>
+    <SharedWithUsers xmlns="cf5a87e6-8225-499d-8aa7-664ff23f0528">
+      <UserInfo>
+        <DisplayName>Kathy Moncelsi</DisplayName>
+        <AccountId>117</AccountId>
+        <AccountType/>
+      </UserInfo>
+      <UserInfo>
+        <DisplayName>Vanessa Candelora</DisplayName>
+        <AccountId>7525</AccountId>
+        <AccountType/>
+      </UserInfo>
+      <UserInfo>
+        <DisplayName>Phung Matthews</DisplayName>
+        <AccountId>7256</AccountId>
+        <AccountType/>
+      </UserInfo>
+      <UserInfo>
+        <DisplayName>Jordyn King</DisplayName>
+        <AccountId>6166</AccountId>
+        <AccountType/>
+      </UserInfo>
+      <UserInfo>
+        <DisplayName>Pooja Babbrah</DisplayName>
+        <AccountId>63</AccountId>
+        <AccountType/>
+      </UserInfo>
+      <UserInfo>
+        <DisplayName>Frank McKinney</DisplayName>
+        <AccountId>6074</AccountId>
+        <AccountType/>
+      </UserInfo>
+      <UserInfo>
+        <DisplayName>Amy Johnson</DisplayName>
+        <AccountId>281</AccountId>
+        <AccountType/>
+      </UserInfo>
+      <UserInfo>
+        <DisplayName>Michael Solomon</DisplayName>
+        <AccountId>78</AccountId>
+        <AccountType/>
+      </UserInfo>
+      <UserInfo>
+        <DisplayName>Tony Schueth</DisplayName>
+        <AccountId>24</AccountId>
+        <AccountType/>
+      </UserInfo>
+    </SharedWithUsers>
+    <TaxCatchAll xmlns="cf5a87e6-8225-499d-8aa7-664ff23f0528" xsi:nil="true"/>
+    <lcf76f155ced4ddcb4097134ff3c332f xmlns="9f94fe76-4e69-4a06-93ce-361b54a8e543">
+      <Terms xmlns="http://schemas.microsoft.com/office/infopath/2007/PartnerControls"/>
+    </lcf76f155ced4ddcb4097134ff3c332f>
+  </documentManagement>
+</p:properties>
 </file>
 
-<file path=customXml/itemProps3.xml><?xml version="1.0" encoding="utf-8"?>
+<file path=customXml/itemProps1.xml><?xml version="1.0" encoding="utf-8"?>
 <ds:datastoreItem xmlns:ds="http://schemas.openxmlformats.org/officeDocument/2006/customXml" ds:itemID="{75D6C950-6891-4B9F-8042-EAAA803A1D70}">
   <ds:schemaRefs>
     <ds:schemaRef ds:uri="9f94fe76-4e69-4a06-93ce-361b54a8e543"/>
@@ -8951,4 +14323,29 @@
     <ds:schemaRef ds:uri="http://www.w3.org/2001/XMLSchema"/>
   </ds:schemaRefs>
 </ds:datastoreItem>
+</file>
+
+<file path=customXml/itemProps2.xml><?xml version="1.0" encoding="utf-8"?>
+<ds:datastoreItem xmlns:ds="http://schemas.openxmlformats.org/officeDocument/2006/customXml" ds:itemID="{0BA6B2E7-CD55-478D-BEC8-4794A5943CF4}">
+  <ds:schemaRefs>
+    <ds:schemaRef ds:uri="http://schemas.microsoft.com/sharepoint/v3/contenttype/forms"/>
+  </ds:schemaRefs>
+</ds:datastoreItem>
+</file>
+
+<file path=customXml/itemProps3.xml><?xml version="1.0" encoding="utf-8"?>
+<ds:datastoreItem xmlns:ds="http://schemas.openxmlformats.org/officeDocument/2006/customXml" ds:itemID="{ABC3541C-51DD-43E3-8C9A-56AC6823A20C}">
+  <ds:schemaRefs>
+    <ds:schemaRef ds:uri="9f94fe76-4e69-4a06-93ce-361b54a8e543"/>
+    <ds:schemaRef ds:uri="cf5a87e6-8225-499d-8aa7-664ff23f0528"/>
+    <ds:schemaRef ds:uri="http://purl.org/dc/dcmitype/"/>
+    <ds:schemaRef ds:uri="http://purl.org/dc/elements/1.1/"/>
+    <ds:schemaRef ds:uri="http://purl.org/dc/terms/"/>
+    <ds:schemaRef ds:uri="http://schemas.microsoft.com/office/2006/documentManagement/types"/>
+    <ds:schemaRef ds:uri="http://schemas.microsoft.com/office/2006/metadata/properties"/>
+    <ds:schemaRef ds:uri="http://schemas.microsoft.com/office/infopath/2007/PartnerControls"/>
+    <ds:schemaRef ds:uri="http://schemas.openxmlformats.org/package/2006/metadata/core-properties"/>
+    <ds:schemaRef ds:uri="http://www.w3.org/XML/1998/namespace"/>
+  </ds:schemaRefs>
+</ds:datastoreItem>
 </file>
--- a/presentations/2025-04-DaVinci/Event/Burden Reduction - Approach for Achieving Conformance.pptx
+++ b/presentations/2025-04-DaVinci/Event/Burden Reduction - Approach for Achieving Conformance.pptx
@@ -31,8 +31,8 @@
     <p:sldId id="277" r:id="rId25"/>
     <p:sldId id="273" r:id="rId26"/>
     <p:sldId id="274" r:id="rId27"/>
-    <p:sldId id="275" r:id="rId28"/>
-    <p:sldId id="276" r:id="rId29"/>
+    <p:sldId id="276" r:id="rId28"/>
+    <p:sldId id="275" r:id="rId29"/>
     <p:sldId id="267" r:id="rId30"/>
     <p:sldId id="266" r:id="rId31"/>
     <p:sldId id="269" r:id="rId32"/>
@@ -11204,7 +11204,7 @@
           <a:p>
             <a:r>
               <a:rPr lang="en-CA" dirty="0"/>
-              <a:t>PAS IG provides a means for EHRs to send authorization requests using FHIR that will be converted to X12 278.</a:t>
+              <a:t>PAS IG provides a means for EHRs to send authorization requests using FHIR that will normally be converted to X12 278.</a:t>
             </a:r>
           </a:p>
           <a:p>
@@ -11294,35 +11294,53 @@
           <a:bodyPr/>
           <a:lstStyle/>
           <a:p>
+            <a:pPr marL="457200" indent="-457200">
+              <a:buFont typeface="+mj-lt"/>
+              <a:buAutoNum type="arabicPeriod"/>
+            </a:pPr>
             <a:r>
               <a:rPr lang="en-US" dirty="0"/>
               <a:t>Support the $submit for the initial request</a:t>
             </a:r>
           </a:p>
           <a:p>
+            <a:pPr marL="457200" indent="-457200">
+              <a:buFont typeface="+mj-lt"/>
+              <a:buAutoNum type="arabicPeriod"/>
+            </a:pPr>
+            <a:r>
+              <a:rPr lang="en-US" dirty="0"/>
+              <a:t>Support Subscriptions to return update notifications to existing requests</a:t>
+            </a:r>
+          </a:p>
+          <a:p>
+            <a:pPr marL="457200" indent="-457200">
+              <a:buFont typeface="+mj-lt"/>
+              <a:buAutoNum type="arabicPeriod"/>
+            </a:pPr>
             <a:r>
               <a:rPr lang="en-US" dirty="0"/>
               <a:t>Support the $submit for updated requests</a:t>
             </a:r>
           </a:p>
           <a:p>
+            <a:pPr marL="457200" indent="-457200">
+              <a:buFont typeface="+mj-lt"/>
+              <a:buAutoNum type="arabicPeriod"/>
+            </a:pPr>
             <a:r>
               <a:rPr lang="en-US" dirty="0"/>
-              <a:t>Support Subscriptions to return update notifications to existing requests</a:t>
-            </a:r>
+              <a:t>Support $inquire to search for requests</a:t>
+            </a:r>
+          </a:p>
+          <a:p>
+            <a:endParaRPr lang="en-US" dirty="0"/>
           </a:p>
           <a:p>
             <a:r>
               <a:rPr lang="en-US" dirty="0"/>
-              <a:t>Support $inquire to search </a:t>
-            </a:r>
-            <a:r>
-              <a:rPr lang="en-US"/>
-              <a:t>for requests</a:t>
-            </a:r>
-          </a:p>
-          <a:p>
-            <a:endParaRPr lang="en-US"/>
+              <a:t>All four elements are required to support PAS.  The order given is priority hints for implementers.</a:t>
+            </a:r>
           </a:p>
         </p:txBody>
       </p:sp>
@@ -11710,7 +11728,7 @@
           <p:cNvPr id="2" name="Text Placeholder 1">
             <a:extLst>
               <a:ext uri="{FF2B5EF4-FFF2-40B4-BE49-F238E27FC236}">
-                <a16:creationId xmlns:a16="http://schemas.microsoft.com/office/drawing/2014/main" id="{1C813303-BD95-B0C9-85FE-98B75F95E295}"/>
+                <a16:creationId xmlns:a16="http://schemas.microsoft.com/office/drawing/2014/main" id="{8ED0F328-2538-C84D-D533-D3566C5F7960}"/>
               </a:ext>
             </a:extLst>
           </p:cNvPr>
@@ -11728,53 +11746,41 @@
           <a:p>
             <a:r>
               <a:rPr lang="en-US" dirty="0"/>
-              <a:t>Non-Submitting systems are not able to subscribe to Prior Authorizations.</a:t>
-            </a:r>
-          </a:p>
-          <a:p>
+              <a:t>In some cases, the prior authorization needs to be updated after the request was submitted:</a:t>
+            </a:r>
+          </a:p>
+          <a:p>
+            <a:pPr lvl="1"/>
             <a:r>
               <a:rPr lang="en-US" dirty="0"/>
-              <a:t>There is a use case for non-submitting systems to find out about prior authorizations.</a:t>
-            </a:r>
-          </a:p>
-          <a:p>
+              <a:t>Change to the services needed</a:t>
+            </a:r>
+          </a:p>
+          <a:p>
+            <a:pPr lvl="1"/>
             <a:r>
               <a:rPr lang="en-US" dirty="0"/>
-              <a:t>The $inquire operation supports searching for authorizations by example.</a:t>
-            </a:r>
-          </a:p>
-          <a:p>
+              <a:t>Timeframe over which the service is provided</a:t>
+            </a:r>
+          </a:p>
+          <a:p>
+            <a:pPr lvl="1"/>
             <a:r>
               <a:rPr lang="en-US" dirty="0"/>
-              <a:t>The incoming parameter is a FHIR Claim Inquiry Bundle which provides the items intended to match existing authorization requests:</a:t>
+              <a:t>Quantity of service or product</a:t>
             </a:r>
           </a:p>
           <a:p>
             <a:pPr lvl="1"/>
             <a:r>
               <a:rPr lang="en-US" dirty="0"/>
-              <a:t>Requesting provider organization</a:t>
-            </a:r>
-          </a:p>
-          <a:p>
-            <a:pPr lvl="1"/>
+              <a:t>Elimination of the need for a given service</a:t>
+            </a:r>
+          </a:p>
+          <a:p>
             <a:r>
               <a:rPr lang="en-US" dirty="0"/>
-              <a:t>Payer organization</a:t>
-            </a:r>
-          </a:p>
-          <a:p>
-            <a:pPr lvl="1"/>
-            <a:r>
-              <a:rPr lang="en-US" dirty="0"/>
-              <a:t>Patient</a:t>
-            </a:r>
-          </a:p>
-          <a:p>
-            <a:pPr lvl="1"/>
-            <a:r>
-              <a:rPr lang="en-US" dirty="0"/>
-              <a:t>Other fields as needed</a:t>
+              <a:t>A FHIR Claim Update request bundle is submitted with the $submit operation.  This bundle is converted into an X12 278 update.</a:t>
             </a:r>
           </a:p>
         </p:txBody>
@@ -11784,7 +11790,7 @@
           <p:cNvPr id="3" name="Title 2">
             <a:extLst>
               <a:ext uri="{FF2B5EF4-FFF2-40B4-BE49-F238E27FC236}">
-                <a16:creationId xmlns:a16="http://schemas.microsoft.com/office/drawing/2014/main" id="{9EADEA4A-A7AB-45F9-B483-35B4F8224732}"/>
+                <a16:creationId xmlns:a16="http://schemas.microsoft.com/office/drawing/2014/main" id="{32742139-24DE-683D-2CF0-EC279DBFC8A2}"/>
               </a:ext>
             </a:extLst>
           </p:cNvPr>
@@ -11802,7 +11808,7 @@
           <a:p>
             <a:r>
               <a:rPr lang="en-US" dirty="0"/>
-              <a:t>Prior Authorization Inquiries</a:t>
+              <a:t>Prior Authorization Updates</a:t>
             </a:r>
           </a:p>
         </p:txBody>
@@ -11812,7 +11818,7 @@
           <p:cNvPr id="4" name="Slide Number Placeholder 3">
             <a:extLst>
               <a:ext uri="{FF2B5EF4-FFF2-40B4-BE49-F238E27FC236}">
-                <a16:creationId xmlns:a16="http://schemas.microsoft.com/office/drawing/2014/main" id="{3AEB1BB1-3A67-4C42-BBBB-019C7DD5CE37}"/>
+                <a16:creationId xmlns:a16="http://schemas.microsoft.com/office/drawing/2014/main" id="{9028E8F4-65EE-1C76-5345-B864EADA4AA2}"/>
               </a:ext>
             </a:extLst>
           </p:cNvPr>
@@ -11839,7 +11845,7 @@
     </p:spTree>
     <p:extLst>
       <p:ext uri="{BB962C8B-B14F-4D97-AF65-F5344CB8AC3E}">
-        <p14:creationId xmlns:p14="http://schemas.microsoft.com/office/powerpoint/2010/main" val="3564063120"/>
+        <p14:creationId xmlns:p14="http://schemas.microsoft.com/office/powerpoint/2010/main" val="1155457930"/>
       </p:ext>
     </p:extLst>
   </p:cSld>
@@ -11871,7 +11877,7 @@
           <p:cNvPr id="2" name="Text Placeholder 1">
             <a:extLst>
               <a:ext uri="{FF2B5EF4-FFF2-40B4-BE49-F238E27FC236}">
-                <a16:creationId xmlns:a16="http://schemas.microsoft.com/office/drawing/2014/main" id="{8ED0F328-2538-C84D-D533-D3566C5F7960}"/>
+                <a16:creationId xmlns:a16="http://schemas.microsoft.com/office/drawing/2014/main" id="{1C813303-BD95-B0C9-85FE-98B75F95E295}"/>
               </a:ext>
             </a:extLst>
           </p:cNvPr>
@@ -11889,41 +11895,53 @@
           <a:p>
             <a:r>
               <a:rPr lang="en-US" dirty="0"/>
-              <a:t>In some cases, the prior authorization needs to be updated after the request was submitted:</a:t>
+              <a:t>Non-Submitting systems are not able to subscribe to Prior Authorizations.</a:t>
+            </a:r>
+          </a:p>
+          <a:p>
+            <a:r>
+              <a:rPr lang="en-US" dirty="0"/>
+              <a:t>There is a use case for non-submitting systems to find out about prior authorizations.</a:t>
+            </a:r>
+          </a:p>
+          <a:p>
+            <a:r>
+              <a:rPr lang="en-US" dirty="0"/>
+              <a:t>The $inquire operation supports searching for authorizations by example.</a:t>
+            </a:r>
+          </a:p>
+          <a:p>
+            <a:r>
+              <a:rPr lang="en-US" dirty="0"/>
+              <a:t>The incoming parameter is a FHIR Claim Inquiry Bundle which provides the items intended to match existing authorization requests:</a:t>
             </a:r>
           </a:p>
           <a:p>
             <a:pPr lvl="1"/>
             <a:r>
               <a:rPr lang="en-US" dirty="0"/>
-              <a:t>Change to the services needed</a:t>
+              <a:t>Requesting provider organization</a:t>
             </a:r>
           </a:p>
           <a:p>
             <a:pPr lvl="1"/>
             <a:r>
               <a:rPr lang="en-US" dirty="0"/>
-              <a:t>Timeframe over which the service is provided</a:t>
+              <a:t>Payer organization</a:t>
             </a:r>
           </a:p>
           <a:p>
             <a:pPr lvl="1"/>
             <a:r>
               <a:rPr lang="en-US" dirty="0"/>
-              <a:t>Quantity of service or product</a:t>
+              <a:t>Patient</a:t>
             </a:r>
           </a:p>
           <a:p>
             <a:pPr lvl="1"/>
             <a:r>
               <a:rPr lang="en-US" dirty="0"/>
-              <a:t>Elimination of the need for a given service</a:t>
-            </a:r>
-          </a:p>
-          <a:p>
-            <a:r>
-              <a:rPr lang="en-US" dirty="0"/>
-              <a:t>A FHIR Claim Update request bundle is submitted with the $submit operation.  This bundle is converted into an X12 278 update.</a:t>
+              <a:t>Other fields as needed</a:t>
             </a:r>
           </a:p>
         </p:txBody>
@@ -11933,7 +11951,7 @@
           <p:cNvPr id="3" name="Title 2">
             <a:extLst>
               <a:ext uri="{FF2B5EF4-FFF2-40B4-BE49-F238E27FC236}">
-                <a16:creationId xmlns:a16="http://schemas.microsoft.com/office/drawing/2014/main" id="{32742139-24DE-683D-2CF0-EC279DBFC8A2}"/>
+                <a16:creationId xmlns:a16="http://schemas.microsoft.com/office/drawing/2014/main" id="{9EADEA4A-A7AB-45F9-B483-35B4F8224732}"/>
               </a:ext>
             </a:extLst>
           </p:cNvPr>
@@ -11951,7 +11969,7 @@
           <a:p>
             <a:r>
               <a:rPr lang="en-US" dirty="0"/>
-              <a:t>Prior Authorization Updates</a:t>
+              <a:t>Prior Authorization Inquiries</a:t>
             </a:r>
           </a:p>
         </p:txBody>
@@ -11961,7 +11979,7 @@
           <p:cNvPr id="4" name="Slide Number Placeholder 3">
             <a:extLst>
               <a:ext uri="{FF2B5EF4-FFF2-40B4-BE49-F238E27FC236}">
-                <a16:creationId xmlns:a16="http://schemas.microsoft.com/office/drawing/2014/main" id="{9028E8F4-65EE-1C76-5345-B864EADA4AA2}"/>
+                <a16:creationId xmlns:a16="http://schemas.microsoft.com/office/drawing/2014/main" id="{3AEB1BB1-3A67-4C42-BBBB-019C7DD5CE37}"/>
               </a:ext>
             </a:extLst>
           </p:cNvPr>
@@ -11988,7 +12006,7 @@
     </p:spTree>
     <p:extLst>
       <p:ext uri="{BB962C8B-B14F-4D97-AF65-F5344CB8AC3E}">
-        <p14:creationId xmlns:p14="http://schemas.microsoft.com/office/powerpoint/2010/main" val="1155457930"/>
+        <p14:creationId xmlns:p14="http://schemas.microsoft.com/office/powerpoint/2010/main" val="3564063120"/>
       </p:ext>
     </p:extLst>
   </p:cSld>
@@ -13985,6 +14003,15 @@
 </file>
 
 <file path=customXml/item1.xml><?xml version="1.0" encoding="utf-8"?>
+<?mso-contentType ?>
+<FormTemplates xmlns="http://schemas.microsoft.com/sharepoint/v3/contenttype/forms">
+  <Display>DocumentLibraryForm</Display>
+  <Edit>DocumentLibraryForm</Edit>
+  <New>DocumentLibraryForm</New>
+</FormTemplates>
+</file>
+
+<file path=customXml/item2.xml><?xml version="1.0" encoding="utf-8"?>
 <ct:contentTypeSchema xmlns:ct="http://schemas.microsoft.com/office/2006/metadata/contentType" xmlns:ma="http://schemas.microsoft.com/office/2006/metadata/properties/metaAttributes" ct:_="" ma:_="" ma:contentTypeName="Document" ma:contentTypeID="0x0101002C8FC9818E7A2340A2B524F46111FD15" ma:contentTypeVersion="19" ma:contentTypeDescription="Create a new document." ma:contentTypeScope="" ma:versionID="7ef9a8bc46a14bfd553da3a3e6695c4d">
   <xsd:schema xmlns:xsd="http://www.w3.org/2001/XMLSchema" xmlns:xs="http://www.w3.org/2001/XMLSchema" xmlns:p="http://schemas.microsoft.com/office/2006/metadata/properties" xmlns:ns2="9f94fe76-4e69-4a06-93ce-361b54a8e543" xmlns:ns3="cf5a87e6-8225-499d-8aa7-664ff23f0528" targetNamespace="http://schemas.microsoft.com/office/2006/metadata/properties" ma:root="true" ma:fieldsID="580938c8cdc1ed620302479102261575" ns2:_="" ns3:_="">
     <xsd:import namespace="9f94fe76-4e69-4a06-93ce-361b54a8e543"/>
@@ -14239,15 +14266,6 @@
 </ct:contentTypeSchema>
 </file>
 
-<file path=customXml/item2.xml><?xml version="1.0" encoding="utf-8"?>
-<?mso-contentType ?>
-<FormTemplates xmlns="http://schemas.microsoft.com/sharepoint/v3/contenttype/forms">
-  <Display>DocumentLibraryForm</Display>
-  <Edit>DocumentLibraryForm</Edit>
-  <New>DocumentLibraryForm</New>
-</FormTemplates>
-</file>
-
 <file path=customXml/item3.xml><?xml version="1.0" encoding="utf-8"?>
 <p:properties xmlns:p="http://schemas.microsoft.com/office/2006/metadata/properties" xmlns:xsi="http://www.w3.org/2001/XMLSchema-instance" xmlns:pc="http://schemas.microsoft.com/office/infopath/2007/PartnerControls">
   <documentManagement>
@@ -14307,6 +14325,14 @@
 </file>
 
 <file path=customXml/itemProps1.xml><?xml version="1.0" encoding="utf-8"?>
+<ds:datastoreItem xmlns:ds="http://schemas.openxmlformats.org/officeDocument/2006/customXml" ds:itemID="{0BA6B2E7-CD55-478D-BEC8-4794A5943CF4}">
+  <ds:schemaRefs>
+    <ds:schemaRef ds:uri="http://schemas.microsoft.com/sharepoint/v3/contenttype/forms"/>
+  </ds:schemaRefs>
+</ds:datastoreItem>
+</file>
+
+<file path=customXml/itemProps2.xml><?xml version="1.0" encoding="utf-8"?>
 <ds:datastoreItem xmlns:ds="http://schemas.openxmlformats.org/officeDocument/2006/customXml" ds:itemID="{75D6C950-6891-4B9F-8042-EAAA803A1D70}">
   <ds:schemaRefs>
     <ds:schemaRef ds:uri="9f94fe76-4e69-4a06-93ce-361b54a8e543"/>
@@ -14321,14 +14347,6 @@
     <ds:schemaRef ds:uri="http://schemas.microsoft.com/office/infopath/2007/PartnerControls"/>
     <ds:schemaRef ds:uri="http://schemas.openxmlformats.org/package/2006/metadata/core-properties"/>
     <ds:schemaRef ds:uri="http://www.w3.org/2001/XMLSchema"/>
-  </ds:schemaRefs>
-</ds:datastoreItem>
-</file>
-
-<file path=customXml/itemProps2.xml><?xml version="1.0" encoding="utf-8"?>
-<ds:datastoreItem xmlns:ds="http://schemas.openxmlformats.org/officeDocument/2006/customXml" ds:itemID="{0BA6B2E7-CD55-478D-BEC8-4794A5943CF4}">
-  <ds:schemaRefs>
-    <ds:schemaRef ds:uri="http://schemas.microsoft.com/sharepoint/v3/contenttype/forms"/>
   </ds:schemaRefs>
 </ds:datastoreItem>
 </file>

--- a/presentations/2025-04-DaVinci/Event/Burden Reduction - Approach for Achieving Conformance.pptx
+++ b/presentations/2025-04-DaVinci/Event/Burden Reduction - Approach for Achieving Conformance.pptx
@@ -5,7 +5,7 @@
     <p:sldMasterId id="2147483670" r:id="rId4"/>
   </p:sldMasterIdLst>
   <p:notesMasterIdLst>
-    <p:notesMasterId r:id="rId33"/>
+    <p:notesMasterId r:id="rId34"/>
   </p:notesMasterIdLst>
   <p:sldIdLst>
     <p:sldId id="256" r:id="rId5"/>
@@ -21,31 +21,32 @@
     <p:sldId id="262" r:id="rId15"/>
     <p:sldId id="263" r:id="rId16"/>
     <p:sldId id="278" r:id="rId17"/>
-    <p:sldId id="279" r:id="rId18"/>
-    <p:sldId id="2147483266" r:id="rId19"/>
-    <p:sldId id="2147483267" r:id="rId20"/>
-    <p:sldId id="2147483268" r:id="rId21"/>
-    <p:sldId id="2147483269" r:id="rId22"/>
-    <p:sldId id="265" r:id="rId23"/>
-    <p:sldId id="264" r:id="rId24"/>
-    <p:sldId id="277" r:id="rId25"/>
-    <p:sldId id="273" r:id="rId26"/>
-    <p:sldId id="274" r:id="rId27"/>
-    <p:sldId id="276" r:id="rId28"/>
-    <p:sldId id="275" r:id="rId29"/>
-    <p:sldId id="267" r:id="rId30"/>
-    <p:sldId id="266" r:id="rId31"/>
-    <p:sldId id="269" r:id="rId32"/>
+    <p:sldId id="2147483268" r:id="rId18"/>
+    <p:sldId id="2147483269" r:id="rId19"/>
+    <p:sldId id="2147483270" r:id="rId20"/>
+    <p:sldId id="2147483271" r:id="rId21"/>
+    <p:sldId id="279" r:id="rId22"/>
+    <p:sldId id="2147483272" r:id="rId23"/>
+    <p:sldId id="265" r:id="rId24"/>
+    <p:sldId id="264" r:id="rId25"/>
+    <p:sldId id="277" r:id="rId26"/>
+    <p:sldId id="273" r:id="rId27"/>
+    <p:sldId id="274" r:id="rId28"/>
+    <p:sldId id="276" r:id="rId29"/>
+    <p:sldId id="275" r:id="rId30"/>
+    <p:sldId id="267" r:id="rId31"/>
+    <p:sldId id="266" r:id="rId32"/>
+    <p:sldId id="269" r:id="rId33"/>
   </p:sldIdLst>
   <p:sldSz cx="12192000" cy="6858000"/>
   <p:notesSz cx="7010400" cy="9296400"/>
   <p:embeddedFontLst>
     <p:embeddedFont>
       <p:font typeface="Consolas" panose="020B0609020204030204" pitchFamily="49" charset="0"/>
-      <p:regular r:id="rId34"/>
-      <p:bold r:id="rId35"/>
-      <p:italic r:id="rId36"/>
-      <p:boldItalic r:id="rId37"/>
+      <p:regular r:id="rId35"/>
+      <p:bold r:id="rId36"/>
+      <p:italic r:id="rId37"/>
+      <p:boldItalic r:id="rId38"/>
     </p:embeddedFont>
   </p:embeddedFontLst>
   <p:defaultTextStyle>
@@ -5740,11 +5741,11 @@
             </a:pPr>
             <a:r>
               <a:rPr lang="en-CA" b="1" dirty="0"/>
-              <a:t>DTR Client Application (“app”):</a:t>
-            </a:r>
-          </a:p>
-          <a:p>
-            <a:pPr marL="548640" lvl="1" indent="-274320">
+              <a:t>DTR Client Application (“App”):</a:t>
+            </a:r>
+          </a:p>
+          <a:p>
+            <a:pPr marL="731520" lvl="1" indent="-274320">
               <a:lnSpc>
                 <a:spcPct val="100000"/>
               </a:lnSpc>
@@ -5757,7 +5758,7 @@
             </a:r>
           </a:p>
           <a:p>
-            <a:pPr marL="548640" lvl="1" indent="-274320">
+            <a:pPr marL="731520" lvl="1" indent="-274320">
               <a:lnSpc>
                 <a:spcPct val="100000"/>
               </a:lnSpc>
@@ -5766,7 +5767,7 @@
             </a:pPr>
             <a:r>
               <a:rPr lang="en-CA" dirty="0"/>
-              <a:t>EHR provided “native” app</a:t>
+              <a:t>EHR provided “native” client</a:t>
             </a:r>
           </a:p>
           <a:p>
@@ -5787,7 +5788,7 @@
             </a:r>
           </a:p>
           <a:p>
-            <a:pPr marL="548640" lvl="1" indent="-274320">
+            <a:pPr marL="731520" lvl="1" indent="-274320">
               <a:lnSpc>
                 <a:spcPct val="100000"/>
               </a:lnSpc>
@@ -5800,7 +5801,7 @@
             </a:r>
           </a:p>
           <a:p>
-            <a:pPr marL="548640" lvl="1" indent="-274320">
+            <a:pPr marL="731520" lvl="1" indent="-274320">
               <a:lnSpc>
                 <a:spcPct val="100000"/>
               </a:lnSpc>
@@ -5830,7 +5831,7 @@
             </a:r>
           </a:p>
           <a:p>
-            <a:pPr marL="548640" lvl="1" indent="-274320">
+            <a:pPr marL="731520" lvl="1" indent="-274320">
               <a:lnSpc>
                 <a:spcPct val="100000"/>
               </a:lnSpc>
@@ -5843,7 +5844,7 @@
             </a:r>
           </a:p>
           <a:p>
-            <a:pPr marL="548640" lvl="1" indent="-274320">
+            <a:pPr marL="731520" lvl="1" indent="-274320">
               <a:lnSpc>
                 <a:spcPct val="100000"/>
               </a:lnSpc>
@@ -5852,24 +5853,11 @@
             </a:pPr>
             <a:r>
               <a:rPr lang="en-CA" dirty="0"/>
-              <a:t>Libraries are central: </a:t>
-            </a:r>
-          </a:p>
-          <a:p>
-            <a:pPr marL="1005840" lvl="2" indent="-274320">
-              <a:lnSpc>
-                <a:spcPct val="100000"/>
-              </a:lnSpc>
-              <a:buFont typeface="Wingdings" panose="05000000000000000000" pitchFamily="2" charset="2"/>
-              <a:buChar char="§"/>
-            </a:pPr>
-            <a:r>
-              <a:rPr lang="en-CA" dirty="0"/>
               <a:t>Developed and provided by Payer</a:t>
             </a:r>
           </a:p>
           <a:p>
-            <a:pPr marL="1005840" lvl="2" indent="-274320">
+            <a:pPr marL="731520" lvl="1" indent="-274320">
               <a:lnSpc>
                 <a:spcPct val="100000"/>
               </a:lnSpc>
@@ -5900,6 +5888,578 @@
 </file>
 
 <file path=ppt/slides/slide14.xml><?xml version="1.0" encoding="utf-8"?>
+<p:sld xmlns:a="http://schemas.openxmlformats.org/drawingml/2006/main" xmlns:r="http://schemas.openxmlformats.org/officeDocument/2006/relationships" xmlns:p="http://schemas.openxmlformats.org/presentationml/2006/main">
+  <p:cSld>
+    <p:spTree>
+      <p:nvGrpSpPr>
+        <p:cNvPr id="1" name="">
+          <a:extLst>
+            <a:ext uri="{FF2B5EF4-FFF2-40B4-BE49-F238E27FC236}">
+              <a16:creationId xmlns:a16="http://schemas.microsoft.com/office/drawing/2014/main" id="{B6E28F8C-2177-7BDA-CC86-044C4D233A4C}"/>
+            </a:ext>
+          </a:extLst>
+        </p:cNvPr>
+        <p:cNvGrpSpPr/>
+        <p:nvPr/>
+      </p:nvGrpSpPr>
+      <p:grpSpPr>
+        <a:xfrm>
+          <a:off x="0" y="0"/>
+          <a:ext cx="0" cy="0"/>
+          <a:chOff x="0" y="0"/>
+          <a:chExt cx="0" cy="0"/>
+        </a:xfrm>
+      </p:grpSpPr>
+      <p:sp>
+        <p:nvSpPr>
+          <p:cNvPr id="5" name="Title 3">
+            <a:extLst>
+              <a:ext uri="{FF2B5EF4-FFF2-40B4-BE49-F238E27FC236}">
+                <a16:creationId xmlns:a16="http://schemas.microsoft.com/office/drawing/2014/main" id="{B6A31959-6BBA-2956-4EF9-C1A64D286FA7}"/>
+              </a:ext>
+            </a:extLst>
+          </p:cNvPr>
+          <p:cNvSpPr>
+            <a:spLocks noGrp="1"/>
+          </p:cNvSpPr>
+          <p:nvPr>
+            <p:ph type="title"/>
+          </p:nvPr>
+        </p:nvSpPr>
+        <p:spPr>
+          <a:xfrm>
+            <a:off x="3374796" y="197346"/>
+            <a:ext cx="8231062" cy="775778"/>
+          </a:xfrm>
+        </p:spPr>
+        <p:txBody>
+          <a:bodyPr/>
+          <a:lstStyle/>
+          <a:p>
+            <a:r>
+              <a:rPr lang="en-CA" dirty="0"/>
+              <a:t>DTR Clients</a:t>
+            </a:r>
+          </a:p>
+        </p:txBody>
+      </p:sp>
+      <p:sp>
+        <p:nvSpPr>
+          <p:cNvPr id="13" name="Text Placeholder 4">
+            <a:extLst>
+              <a:ext uri="{FF2B5EF4-FFF2-40B4-BE49-F238E27FC236}">
+                <a16:creationId xmlns:a16="http://schemas.microsoft.com/office/drawing/2014/main" id="{97DCB201-A0AE-B08C-D892-417FC969B83A}"/>
+              </a:ext>
+            </a:extLst>
+          </p:cNvPr>
+          <p:cNvSpPr>
+            <a:spLocks noGrp="1"/>
+          </p:cNvSpPr>
+          <p:nvPr>
+            <p:ph type="body" sz="quarter" idx="14"/>
+          </p:nvPr>
+        </p:nvSpPr>
+        <p:spPr>
+          <a:xfrm>
+            <a:off x="3974740" y="1452134"/>
+            <a:ext cx="7849086" cy="4854398"/>
+          </a:xfrm>
+        </p:spPr>
+        <p:txBody>
+          <a:bodyPr/>
+          <a:lstStyle/>
+          <a:p>
+            <a:pPr>
+              <a:lnSpc>
+                <a:spcPct val="100000"/>
+              </a:lnSpc>
+              <a:spcAft>
+                <a:spcPts val="600"/>
+              </a:spcAft>
+            </a:pPr>
+            <a:r>
+              <a:rPr lang="en-US" b="1" dirty="0"/>
+              <a:t>SMART on FHIR </a:t>
+            </a:r>
+            <a:r>
+              <a:rPr lang="en-US" dirty="0"/>
+              <a:t>or</a:t>
+            </a:r>
+            <a:r>
+              <a:rPr lang="en-US" b="1" dirty="0"/>
+              <a:t> Native App Clients</a:t>
+            </a:r>
+            <a:endParaRPr lang="en-CA" b="1" dirty="0"/>
+          </a:p>
+          <a:p>
+            <a:pPr marL="731520" indent="-274320" defTabSz="457200" fontAlgn="base">
+              <a:lnSpc>
+                <a:spcPts val="2300"/>
+              </a:lnSpc>
+              <a:spcBef>
+                <a:spcPts val="1200"/>
+              </a:spcBef>
+              <a:spcAft>
+                <a:spcPts val="1200"/>
+              </a:spcAft>
+              <a:buClrTx/>
+              <a:buFont typeface="Wingdings" panose="05000000000000000000" pitchFamily="2" charset="2"/>
+              <a:buChar char="§"/>
+            </a:pPr>
+            <a:r>
+              <a:rPr lang="en-US" sz="2000" kern="1200" dirty="0">
+                <a:solidFill>
+                  <a:srgbClr val="472005"/>
+                </a:solidFill>
+                <a:latin typeface="+mn-lt"/>
+                <a:ea typeface="+mn-ea"/>
+                <a:cs typeface="+mn-cs"/>
+              </a:rPr>
+              <a:t>SMART apps allow modular distinction of data capture and form processing</a:t>
+            </a:r>
+          </a:p>
+          <a:p>
+            <a:pPr marL="731520" indent="-274320" defTabSz="457200" fontAlgn="base">
+              <a:lnSpc>
+                <a:spcPts val="2300"/>
+              </a:lnSpc>
+              <a:spcBef>
+                <a:spcPts val="1200"/>
+              </a:spcBef>
+              <a:spcAft>
+                <a:spcPts val="1200"/>
+              </a:spcAft>
+              <a:buClrTx/>
+              <a:buFont typeface="Wingdings" panose="05000000000000000000" pitchFamily="2" charset="2"/>
+              <a:buChar char="§"/>
+            </a:pPr>
+            <a:r>
+              <a:rPr lang="en-US" sz="2000" kern="1200" dirty="0">
+                <a:solidFill>
+                  <a:srgbClr val="472005"/>
+                </a:solidFill>
+                <a:latin typeface="+mn-lt"/>
+                <a:ea typeface="+mn-ea"/>
+                <a:cs typeface="+mn-cs"/>
+              </a:rPr>
+              <a:t>Native apps are embedded within EHR and provide complete control of DTR processing</a:t>
+            </a:r>
+          </a:p>
+          <a:p>
+            <a:pPr marL="731520" indent="-274320" defTabSz="457200" fontAlgn="base">
+              <a:lnSpc>
+                <a:spcPts val="2300"/>
+              </a:lnSpc>
+              <a:spcBef>
+                <a:spcPts val="1200"/>
+              </a:spcBef>
+              <a:spcAft>
+                <a:spcPts val="1200"/>
+              </a:spcAft>
+              <a:buClrTx/>
+              <a:buFont typeface="Wingdings" panose="05000000000000000000" pitchFamily="2" charset="2"/>
+              <a:buChar char="§"/>
+            </a:pPr>
+            <a:r>
+              <a:rPr lang="en-US" sz="2000" kern="1200" dirty="0">
+                <a:solidFill>
+                  <a:srgbClr val="472005"/>
+                </a:solidFill>
+                <a:latin typeface="+mn-lt"/>
+                <a:ea typeface="+mn-ea"/>
+                <a:cs typeface="+mn-cs"/>
+              </a:rPr>
+              <a:t>EHR determines which to support (and possibly multiple)</a:t>
+            </a:r>
+          </a:p>
+          <a:p>
+            <a:pPr marL="731520" indent="-274320" defTabSz="457200" fontAlgn="base">
+              <a:lnSpc>
+                <a:spcPts val="2300"/>
+              </a:lnSpc>
+              <a:spcBef>
+                <a:spcPts val="1200"/>
+              </a:spcBef>
+              <a:spcAft>
+                <a:spcPts val="1200"/>
+              </a:spcAft>
+              <a:buClrTx/>
+              <a:buFont typeface="Wingdings" panose="05000000000000000000" pitchFamily="2" charset="2"/>
+              <a:buChar char="§"/>
+            </a:pPr>
+            <a:r>
+              <a:rPr lang="en-US" sz="2000" kern="1200" dirty="0">
+                <a:solidFill>
+                  <a:srgbClr val="472005"/>
+                </a:solidFill>
+                <a:latin typeface="+mn-lt"/>
+                <a:ea typeface="+mn-ea"/>
+                <a:cs typeface="+mn-cs"/>
+              </a:rPr>
+              <a:t>Benefits and Disadvantages?</a:t>
+            </a:r>
+            <a:endParaRPr lang="en-CA" dirty="0"/>
+          </a:p>
+        </p:txBody>
+      </p:sp>
+    </p:spTree>
+    <p:extLst>
+      <p:ext uri="{BB962C8B-B14F-4D97-AF65-F5344CB8AC3E}">
+        <p14:creationId xmlns:p14="http://schemas.microsoft.com/office/powerpoint/2010/main" val="3064601761"/>
+      </p:ext>
+    </p:extLst>
+  </p:cSld>
+  <p:clrMapOvr>
+    <a:masterClrMapping/>
+  </p:clrMapOvr>
+</p:sld>
+</file>
+
+<file path=ppt/slides/slide15.xml><?xml version="1.0" encoding="utf-8"?>
+<p:sld xmlns:a="http://schemas.openxmlformats.org/drawingml/2006/main" xmlns:r="http://schemas.openxmlformats.org/officeDocument/2006/relationships" xmlns:p="http://schemas.openxmlformats.org/presentationml/2006/main">
+  <p:cSld>
+    <p:spTree>
+      <p:nvGrpSpPr>
+        <p:cNvPr id="1" name="">
+          <a:extLst>
+            <a:ext uri="{FF2B5EF4-FFF2-40B4-BE49-F238E27FC236}">
+              <a16:creationId xmlns:a16="http://schemas.microsoft.com/office/drawing/2014/main" id="{F5A52B53-ACD0-FD75-C351-02E46308F040}"/>
+            </a:ext>
+          </a:extLst>
+        </p:cNvPr>
+        <p:cNvGrpSpPr/>
+        <p:nvPr/>
+      </p:nvGrpSpPr>
+      <p:grpSpPr>
+        <a:xfrm>
+          <a:off x="0" y="0"/>
+          <a:ext cx="0" cy="0"/>
+          <a:chOff x="0" y="0"/>
+          <a:chExt cx="0" cy="0"/>
+        </a:xfrm>
+      </p:grpSpPr>
+      <p:sp>
+        <p:nvSpPr>
+          <p:cNvPr id="5" name="Title 3">
+            <a:extLst>
+              <a:ext uri="{FF2B5EF4-FFF2-40B4-BE49-F238E27FC236}">
+                <a16:creationId xmlns:a16="http://schemas.microsoft.com/office/drawing/2014/main" id="{A289F3A2-CA29-E467-B898-36DF97B1A2F8}"/>
+              </a:ext>
+            </a:extLst>
+          </p:cNvPr>
+          <p:cNvSpPr>
+            <a:spLocks noGrp="1"/>
+          </p:cNvSpPr>
+          <p:nvPr>
+            <p:ph type="title"/>
+          </p:nvPr>
+        </p:nvSpPr>
+        <p:spPr>
+          <a:xfrm>
+            <a:off x="3374796" y="197346"/>
+            <a:ext cx="8231062" cy="775778"/>
+          </a:xfrm>
+        </p:spPr>
+        <p:txBody>
+          <a:bodyPr/>
+          <a:lstStyle/>
+          <a:p>
+            <a:r>
+              <a:rPr lang="en-CA" dirty="0"/>
+              <a:t>DTR Questionnaire Support</a:t>
+            </a:r>
+          </a:p>
+        </p:txBody>
+      </p:sp>
+      <p:sp>
+        <p:nvSpPr>
+          <p:cNvPr id="2" name="Text Placeholder 4">
+            <a:extLst>
+              <a:ext uri="{FF2B5EF4-FFF2-40B4-BE49-F238E27FC236}">
+                <a16:creationId xmlns:a16="http://schemas.microsoft.com/office/drawing/2014/main" id="{B1E46401-8CEE-081E-2F4F-2392619C2870}"/>
+              </a:ext>
+            </a:extLst>
+          </p:cNvPr>
+          <p:cNvSpPr>
+            <a:spLocks noGrp="1"/>
+          </p:cNvSpPr>
+          <p:nvPr>
+            <p:ph type="body" sz="quarter" idx="14"/>
+          </p:nvPr>
+        </p:nvSpPr>
+        <p:spPr>
+          <a:xfrm>
+            <a:off x="3974739" y="1452134"/>
+            <a:ext cx="8016155" cy="4854398"/>
+          </a:xfrm>
+        </p:spPr>
+        <p:txBody>
+          <a:bodyPr/>
+          <a:lstStyle/>
+          <a:p>
+            <a:pPr>
+              <a:lnSpc>
+                <a:spcPct val="100000"/>
+              </a:lnSpc>
+              <a:spcAft>
+                <a:spcPts val="600"/>
+              </a:spcAft>
+            </a:pPr>
+            <a:r>
+              <a:rPr lang="en-US" b="1" dirty="0"/>
+              <a:t>Standard </a:t>
+            </a:r>
+            <a:r>
+              <a:rPr lang="en-US" dirty="0"/>
+              <a:t>or</a:t>
+            </a:r>
+            <a:r>
+              <a:rPr lang="en-US" b="1" dirty="0"/>
+              <a:t> Adaptive Questionnaires</a:t>
+            </a:r>
+            <a:endParaRPr lang="en-CA" b="1" dirty="0"/>
+          </a:p>
+          <a:p>
+            <a:pPr marL="731520" indent="-274320" defTabSz="457200" fontAlgn="base">
+              <a:lnSpc>
+                <a:spcPts val="2300"/>
+              </a:lnSpc>
+              <a:spcBef>
+                <a:spcPts val="1200"/>
+              </a:spcBef>
+              <a:spcAft>
+                <a:spcPts val="1200"/>
+              </a:spcAft>
+              <a:buFont typeface="Wingdings" panose="05000000000000000000" pitchFamily="2" charset="2"/>
+              <a:buChar char="§"/>
+            </a:pPr>
+            <a:r>
+              <a:rPr lang="en-US" sz="2000" dirty="0"/>
+              <a:t>Benefits and Disadvantages?</a:t>
+            </a:r>
+          </a:p>
+          <a:p>
+            <a:pPr marL="731520" indent="-274320" defTabSz="457200" fontAlgn="base">
+              <a:lnSpc>
+                <a:spcPts val="2300"/>
+              </a:lnSpc>
+              <a:spcBef>
+                <a:spcPts val="1200"/>
+              </a:spcBef>
+              <a:spcAft>
+                <a:spcPts val="1200"/>
+              </a:spcAft>
+              <a:buClrTx/>
+              <a:buFont typeface="Wingdings" panose="05000000000000000000" pitchFamily="2" charset="2"/>
+              <a:buChar char="§"/>
+            </a:pPr>
+            <a:r>
+              <a:rPr lang="en-US" sz="2000" kern="1200" dirty="0">
+                <a:solidFill>
+                  <a:srgbClr val="472005"/>
+                </a:solidFill>
+                <a:latin typeface="+mn-lt"/>
+                <a:ea typeface="+mn-ea"/>
+                <a:cs typeface="+mn-cs"/>
+              </a:rPr>
+              <a:t>Payer decides which they want to use - and when!</a:t>
+            </a:r>
+          </a:p>
+          <a:p>
+            <a:pPr marL="731520" indent="-274320" defTabSz="457200" fontAlgn="base">
+              <a:lnSpc>
+                <a:spcPts val="2300"/>
+              </a:lnSpc>
+              <a:spcBef>
+                <a:spcPts val="1200"/>
+              </a:spcBef>
+              <a:spcAft>
+                <a:spcPts val="1200"/>
+              </a:spcAft>
+              <a:buClrTx/>
+              <a:buFont typeface="Wingdings" panose="05000000000000000000" pitchFamily="2" charset="2"/>
+              <a:buChar char="§"/>
+            </a:pPr>
+            <a:r>
+              <a:rPr lang="en-US" sz="2000" kern="1200" dirty="0">
+                <a:solidFill>
+                  <a:srgbClr val="472005"/>
+                </a:solidFill>
+                <a:latin typeface="+mn-lt"/>
+                <a:ea typeface="+mn-ea"/>
+                <a:cs typeface="+mn-cs"/>
+              </a:rPr>
+              <a:t>Clients must support both - dynamic determination</a:t>
+            </a:r>
+          </a:p>
+          <a:p>
+            <a:pPr marL="731520" indent="-274320" defTabSz="457200" fontAlgn="base">
+              <a:lnSpc>
+                <a:spcPts val="2300"/>
+              </a:lnSpc>
+              <a:spcBef>
+                <a:spcPts val="600"/>
+              </a:spcBef>
+              <a:spcAft>
+                <a:spcPts val="600"/>
+              </a:spcAft>
+              <a:buClrTx/>
+              <a:buFont typeface="Wingdings" panose="05000000000000000000" pitchFamily="2" charset="2"/>
+              <a:buChar char="§"/>
+            </a:pPr>
+            <a:r>
+              <a:rPr lang="en-US" sz="2000" kern="1200" dirty="0">
+                <a:solidFill>
+                  <a:srgbClr val="472005"/>
+                </a:solidFill>
+                <a:latin typeface="+mn-lt"/>
+                <a:ea typeface="+mn-ea"/>
+                <a:cs typeface="+mn-cs"/>
+              </a:rPr>
+              <a:t>Payer </a:t>
+            </a:r>
+            <a:r>
+              <a:rPr lang="en-US" sz="2000" dirty="0"/>
+              <a:t>should consider…</a:t>
+            </a:r>
+          </a:p>
+          <a:p>
+            <a:pPr marL="1097280" lvl="1" indent="-342900" defTabSz="457200" fontAlgn="base">
+              <a:lnSpc>
+                <a:spcPts val="2300"/>
+              </a:lnSpc>
+              <a:spcBef>
+                <a:spcPts val="0"/>
+              </a:spcBef>
+              <a:spcAft>
+                <a:spcPts val="300"/>
+              </a:spcAft>
+            </a:pPr>
+            <a:r>
+              <a:rPr lang="en-US" sz="1600" kern="1200" dirty="0">
+                <a:solidFill>
+                  <a:srgbClr val="472005"/>
+                </a:solidFill>
+                <a:latin typeface="+mn-lt"/>
+                <a:ea typeface="+mn-ea"/>
+                <a:cs typeface="+mn-cs"/>
+              </a:rPr>
+              <a:t>Current internal </a:t>
+            </a:r>
+            <a:r>
+              <a:rPr lang="en-US" sz="1600" dirty="0"/>
+              <a:t>design – initial lift?</a:t>
+            </a:r>
+          </a:p>
+          <a:p>
+            <a:pPr marL="1097280" lvl="1" indent="-342900" defTabSz="457200" fontAlgn="base">
+              <a:lnSpc>
+                <a:spcPts val="2300"/>
+              </a:lnSpc>
+              <a:spcBef>
+                <a:spcPts val="0"/>
+              </a:spcBef>
+              <a:spcAft>
+                <a:spcPts val="300"/>
+              </a:spcAft>
+            </a:pPr>
+            <a:r>
+              <a:rPr lang="en-US" sz="1600" dirty="0"/>
+              <a:t>Able and/or willing to make Prior Auth determination early?</a:t>
+            </a:r>
+          </a:p>
+          <a:p>
+            <a:pPr marL="731520" indent="-274320" defTabSz="457200" fontAlgn="base">
+              <a:lnSpc>
+                <a:spcPts val="2300"/>
+              </a:lnSpc>
+              <a:spcBef>
+                <a:spcPts val="1200"/>
+              </a:spcBef>
+              <a:spcAft>
+                <a:spcPts val="600"/>
+              </a:spcAft>
+              <a:buClrTx/>
+              <a:buFont typeface="Wingdings" panose="05000000000000000000" pitchFamily="2" charset="2"/>
+              <a:buChar char="§"/>
+            </a:pPr>
+            <a:r>
+              <a:rPr lang="en-US" sz="2000" kern="1200" dirty="0">
+                <a:solidFill>
+                  <a:srgbClr val="472005"/>
+                </a:solidFill>
+                <a:latin typeface="+mn-lt"/>
+                <a:ea typeface="+mn-ea"/>
+                <a:cs typeface="+mn-cs"/>
+              </a:rPr>
+              <a:t>Client </a:t>
+            </a:r>
+            <a:r>
+              <a:rPr lang="en-US" sz="2000" dirty="0"/>
+              <a:t>should consider…</a:t>
+            </a:r>
+          </a:p>
+          <a:p>
+            <a:pPr marL="1097280" lvl="1" indent="-342900" defTabSz="457200" fontAlgn="base">
+              <a:lnSpc>
+                <a:spcPts val="2300"/>
+              </a:lnSpc>
+              <a:spcBef>
+                <a:spcPts val="0"/>
+              </a:spcBef>
+              <a:spcAft>
+                <a:spcPts val="300"/>
+              </a:spcAft>
+            </a:pPr>
+            <a:r>
+              <a:rPr lang="en-US" sz="1600" dirty="0"/>
+              <a:t>Current Payers’ preferences known?</a:t>
+            </a:r>
+          </a:p>
+          <a:p>
+            <a:pPr marL="1097280" lvl="1" indent="-342900" defTabSz="457200" fontAlgn="base">
+              <a:lnSpc>
+                <a:spcPts val="2300"/>
+              </a:lnSpc>
+              <a:spcBef>
+                <a:spcPts val="0"/>
+              </a:spcBef>
+              <a:spcAft>
+                <a:spcPts val="300"/>
+              </a:spcAft>
+            </a:pPr>
+            <a:r>
+              <a:rPr lang="en-US" sz="1600" kern="1200" dirty="0">
+                <a:solidFill>
+                  <a:srgbClr val="472005"/>
+                </a:solidFill>
+                <a:latin typeface="+mn-lt"/>
+                <a:ea typeface="+mn-ea"/>
+                <a:cs typeface="+mn-cs"/>
+              </a:rPr>
+              <a:t>Otherwise, likely best </a:t>
+            </a:r>
+            <a:r>
+              <a:rPr lang="en-US" sz="1600" dirty="0"/>
+              <a:t>to start with Standard – knock the hard one out first</a:t>
+            </a:r>
+          </a:p>
+        </p:txBody>
+      </p:sp>
+    </p:spTree>
+    <p:extLst>
+      <p:ext uri="{BB962C8B-B14F-4D97-AF65-F5344CB8AC3E}">
+        <p14:creationId xmlns:p14="http://schemas.microsoft.com/office/powerpoint/2010/main" val="92974112"/>
+      </p:ext>
+    </p:extLst>
+  </p:cSld>
+  <p:clrMapOvr>
+    <a:masterClrMapping/>
+  </p:clrMapOvr>
+</p:sld>
+</file>
+
+<file path=ppt/slides/slide16.xml><?xml version="1.0" encoding="utf-8"?>
 <p:sld xmlns:a="http://schemas.openxmlformats.org/drawingml/2006/main" xmlns:r="http://schemas.openxmlformats.org/officeDocument/2006/relationships" xmlns:p="http://schemas.openxmlformats.org/presentationml/2006/main">
   <p:cSld>
     <p:spTree>
@@ -5970,7 +6530,7 @@
         <p:spPr>
           <a:xfrm>
             <a:off x="3858014" y="1427678"/>
-            <a:ext cx="7925491" cy="2985433"/>
+            <a:ext cx="7925491" cy="2323713"/>
           </a:xfrm>
           <a:prstGeom prst="rect">
             <a:avLst/>
@@ -6008,29 +6568,7 @@
                 <a:ea typeface="+mn-ea"/>
                 <a:cs typeface="+mn-cs"/>
               </a:rPr>
-              <a:t>Retrieves “package” of necessary Questionnaires, </a:t>
-            </a:r>
-            <a:r>
-              <a:rPr lang="en-US" sz="2000" kern="1200" dirty="0" err="1">
-                <a:solidFill>
-                  <a:srgbClr val="472005"/>
-                </a:solidFill>
-                <a:latin typeface="+mn-lt"/>
-                <a:ea typeface="+mn-ea"/>
-                <a:cs typeface="+mn-cs"/>
-              </a:rPr>
-              <a:t>QuestionnaireResponses</a:t>
-            </a:r>
-            <a:r>
-              <a:rPr lang="en-US" sz="2000" kern="1200" dirty="0">
-                <a:solidFill>
-                  <a:srgbClr val="472005"/>
-                </a:solidFill>
-                <a:latin typeface="+mn-lt"/>
-                <a:ea typeface="+mn-ea"/>
-                <a:cs typeface="+mn-cs"/>
-              </a:rPr>
-              <a:t>, CQL libraries, and Value sets</a:t>
+              <a:t>Central (required) functionality between DTR client and Payer</a:t>
             </a:r>
           </a:p>
           <a:p>
@@ -6059,33 +6597,29 @@
                 <a:ea typeface="+mn-ea"/>
                 <a:cs typeface="+mn-cs"/>
               </a:rPr>
-              <a:t>Invoked with a 'POST' using the base endpoint associated with the coverages provided.</a:t>
-            </a:r>
-          </a:p>
-          <a:p>
-            <a:pPr marL="640080" lvl="2" indent="-228600">
-              <a:spcAft>
-                <a:spcPts val="600"/>
-              </a:spcAft>
-              <a:buClr>
-                <a:schemeClr val="accent1">
-                  <a:lumMod val="50000"/>
-                </a:schemeClr>
-              </a:buClr>
-              <a:buFont typeface="Arial" panose="020B0604020202020204" pitchFamily="34" charset="0"/>
-              <a:buChar char="−"/>
-              <a:defRPr/>
-            </a:pPr>
-            <a:r>
-              <a:rPr lang="en-US" sz="1800" kern="1200" dirty="0">
-                <a:solidFill>
-                  <a:schemeClr val="tx2"/>
-                </a:solidFill>
-                <a:latin typeface="Consolas" panose="020B0609020204030204" pitchFamily="49" charset="0"/>
+              <a:t>Retrieves “package” of necessary Questionnaires, </a:t>
+            </a:r>
+            <a:r>
+              <a:rPr lang="en-US" sz="2000" kern="1200" dirty="0" err="1">
+                <a:solidFill>
+                  <a:srgbClr val="472005"/>
+                </a:solidFill>
+                <a:latin typeface="+mn-lt"/>
                 <a:ea typeface="+mn-ea"/>
                 <a:cs typeface="+mn-cs"/>
               </a:rPr>
-              <a:t>POST [base]/$questionnaire-package</a:t>
+              <a:t>QuestionnaireResponses</a:t>
+            </a:r>
+            <a:r>
+              <a:rPr lang="en-US" sz="2000" kern="1200" dirty="0">
+                <a:solidFill>
+                  <a:srgbClr val="472005"/>
+                </a:solidFill>
+                <a:latin typeface="+mn-lt"/>
+                <a:ea typeface="+mn-ea"/>
+                <a:cs typeface="+mn-cs"/>
+              </a:rPr>
+              <a:t>, CQL libraries, and Value sets</a:t>
             </a:r>
           </a:p>
           <a:p>
@@ -6114,7 +6648,7 @@
                 <a:ea typeface="+mn-ea"/>
                 <a:cs typeface="+mn-cs"/>
               </a:rPr>
-              <a:t>Input parameters:</a:t>
+              <a:t>Input parameters required should be the focus:</a:t>
             </a:r>
           </a:p>
           <a:p>
@@ -6157,7 +6691,7 @@
         </p:nvSpPr>
         <p:spPr>
           <a:xfrm>
-            <a:off x="4263272" y="3939347"/>
+            <a:off x="4216139" y="3245672"/>
             <a:ext cx="6094428" cy="1769715"/>
           </a:xfrm>
           <a:prstGeom prst="rect">
@@ -6363,7 +6897,7 @@
 </p:sld>
 </file>
 
-<file path=ppt/slides/slide15.xml><?xml version="1.0" encoding="utf-8"?>
+<file path=ppt/slides/slide17.xml><?xml version="1.0" encoding="utf-8"?>
 <p:sld xmlns:a="http://schemas.openxmlformats.org/drawingml/2006/main" xmlns:r="http://schemas.openxmlformats.org/officeDocument/2006/relationships" xmlns:p="http://schemas.openxmlformats.org/presentationml/2006/main">
   <p:cSld>
     <p:spTree>
@@ -6371,7 +6905,7 @@
         <p:cNvPr id="1" name="">
           <a:extLst>
             <a:ext uri="{FF2B5EF4-FFF2-40B4-BE49-F238E27FC236}">
-              <a16:creationId xmlns:a16="http://schemas.microsoft.com/office/drawing/2014/main" id="{A71DDF0D-BED7-D3BA-751B-AB65FCEE72E6}"/>
+              <a16:creationId xmlns:a16="http://schemas.microsoft.com/office/drawing/2014/main" id="{AA24A9B0-517E-F56D-4F89-BD424527CFC0}"/>
             </a:ext>
           </a:extLst>
         </p:cNvPr>
@@ -6388,10 +6922,10 @@
       </p:grpSpPr>
       <p:sp>
         <p:nvSpPr>
-          <p:cNvPr id="33" name="Title 3">
+          <p:cNvPr id="5" name="Title 3">
             <a:extLst>
               <a:ext uri="{FF2B5EF4-FFF2-40B4-BE49-F238E27FC236}">
-                <a16:creationId xmlns:a16="http://schemas.microsoft.com/office/drawing/2014/main" id="{6FC2EAD8-0037-3890-477D-5FB93424411A}"/>
+                <a16:creationId xmlns:a16="http://schemas.microsoft.com/office/drawing/2014/main" id="{D12C70DE-5399-2A5C-D2F8-0DA17272E965}"/>
               </a:ext>
             </a:extLst>
           </p:cNvPr>
@@ -6414,1747 +6948,17 @@
           <a:p>
             <a:r>
               <a:rPr lang="en-CA" dirty="0"/>
-              <a:t>DTR Questionnaire Support</a:t>
-            </a:r>
-          </a:p>
-        </p:txBody>
-      </p:sp>
-      <p:grpSp>
-        <p:nvGrpSpPr>
-          <p:cNvPr id="2" name="Group 1">
-            <a:extLst>
-              <a:ext uri="{FF2B5EF4-FFF2-40B4-BE49-F238E27FC236}">
-                <a16:creationId xmlns:a16="http://schemas.microsoft.com/office/drawing/2014/main" id="{F8F3EB89-56EE-E6FD-F6E5-4E57BBF1082D}"/>
-              </a:ext>
-            </a:extLst>
-          </p:cNvPr>
-          <p:cNvGrpSpPr/>
-          <p:nvPr/>
-        </p:nvGrpSpPr>
-        <p:grpSpPr>
-          <a:xfrm>
-            <a:off x="6018001" y="2933528"/>
-            <a:ext cx="1642629" cy="2528475"/>
-            <a:chOff x="4521995" y="2200146"/>
-            <a:chExt cx="1231971" cy="1896357"/>
-          </a:xfrm>
-        </p:grpSpPr>
-        <p:cxnSp>
-          <p:nvCxnSpPr>
-            <p:cNvPr id="3" name="Straight Arrow Connector 2">
-              <a:extLst>
-                <a:ext uri="{FF2B5EF4-FFF2-40B4-BE49-F238E27FC236}">
-                  <a16:creationId xmlns:a16="http://schemas.microsoft.com/office/drawing/2014/main" id="{E6FDCC30-07D6-07A1-2AD9-52F06F4201BF}"/>
-                </a:ext>
-              </a:extLst>
-            </p:cNvPr>
-            <p:cNvCxnSpPr>
-              <a:cxnSpLocks/>
-              <a:stCxn id="9" idx="1"/>
-            </p:cNvCxnSpPr>
-            <p:nvPr/>
-          </p:nvCxnSpPr>
-          <p:spPr>
-            <a:xfrm flipH="1" flipV="1">
-              <a:off x="4521995" y="2200146"/>
-              <a:ext cx="1231971" cy="321847"/>
-            </a:xfrm>
-            <a:prstGeom prst="straightConnector1">
-              <a:avLst/>
-            </a:prstGeom>
-            <a:noFill/>
-            <a:ln w="6350" cap="flat" cmpd="sng" algn="ctr">
-              <a:solidFill>
-                <a:schemeClr val="bg1">
-                  <a:lumMod val="85000"/>
-                </a:schemeClr>
-              </a:solidFill>
-              <a:prstDash val="dash"/>
-              <a:miter lim="800000"/>
-              <a:tailEnd type="none" w="lg" len="lg"/>
-            </a:ln>
-            <a:effectLst/>
-          </p:spPr>
-        </p:cxnSp>
-        <p:cxnSp>
-          <p:nvCxnSpPr>
-            <p:cNvPr id="4" name="Straight Arrow Connector 3">
-              <a:extLst>
-                <a:ext uri="{FF2B5EF4-FFF2-40B4-BE49-F238E27FC236}">
-                  <a16:creationId xmlns:a16="http://schemas.microsoft.com/office/drawing/2014/main" id="{4F6C4B19-11E7-7CC2-D519-C04D094D796C}"/>
-                </a:ext>
-              </a:extLst>
-            </p:cNvPr>
-            <p:cNvCxnSpPr>
-              <a:cxnSpLocks/>
-              <a:stCxn id="9" idx="1"/>
-            </p:cNvCxnSpPr>
-            <p:nvPr/>
-          </p:nvCxnSpPr>
-          <p:spPr>
-            <a:xfrm flipH="1">
-              <a:off x="4533893" y="2521994"/>
-              <a:ext cx="1220073" cy="1574509"/>
-            </a:xfrm>
-            <a:prstGeom prst="straightConnector1">
-              <a:avLst/>
-            </a:prstGeom>
-            <a:noFill/>
-            <a:ln w="6350" cap="flat" cmpd="sng" algn="ctr">
-              <a:solidFill>
-                <a:schemeClr val="bg1">
-                  <a:lumMod val="85000"/>
-                </a:schemeClr>
-              </a:solidFill>
-              <a:prstDash val="dash"/>
-              <a:miter lim="800000"/>
-              <a:tailEnd type="none" w="lg" len="lg"/>
-            </a:ln>
-            <a:effectLst/>
-          </p:spPr>
-        </p:cxnSp>
-      </p:grpSp>
-      <p:grpSp>
-        <p:nvGrpSpPr>
-          <p:cNvPr id="5" name="Group 4">
-            <a:extLst>
-              <a:ext uri="{FF2B5EF4-FFF2-40B4-BE49-F238E27FC236}">
-                <a16:creationId xmlns:a16="http://schemas.microsoft.com/office/drawing/2014/main" id="{C1664EB3-DC31-43A3-A7E8-30BF1CE8571F}"/>
-              </a:ext>
-            </a:extLst>
-          </p:cNvPr>
-          <p:cNvGrpSpPr/>
-          <p:nvPr/>
-        </p:nvGrpSpPr>
-        <p:grpSpPr>
-          <a:xfrm>
-            <a:off x="2070623" y="2634811"/>
-            <a:ext cx="3954028" cy="2827192"/>
-            <a:chOff x="1009452" y="1894533"/>
-            <a:chExt cx="2965521" cy="2120394"/>
-          </a:xfrm>
-        </p:grpSpPr>
-        <p:pic>
-          <p:nvPicPr>
-            <p:cNvPr id="6" name="Picture 5">
-              <a:extLst>
-                <a:ext uri="{FF2B5EF4-FFF2-40B4-BE49-F238E27FC236}">
-                  <a16:creationId xmlns:a16="http://schemas.microsoft.com/office/drawing/2014/main" id="{E9B2D7B2-F829-13B4-8287-E9F6BEFE2563}"/>
-                </a:ext>
-              </a:extLst>
-            </p:cNvPr>
-            <p:cNvPicPr>
-              <a:picLocks noChangeAspect="1"/>
-            </p:cNvPicPr>
-            <p:nvPr/>
-          </p:nvPicPr>
-          <p:blipFill>
-            <a:blip r:embed="rId2"/>
-            <a:stretch>
-              <a:fillRect/>
-            </a:stretch>
-          </p:blipFill>
-          <p:spPr>
-            <a:xfrm>
-              <a:off x="1009452" y="2119544"/>
-              <a:ext cx="2964780" cy="1895383"/>
-            </a:xfrm>
-            <a:prstGeom prst="rect">
-              <a:avLst/>
-            </a:prstGeom>
-            <a:ln w="6350">
-              <a:solidFill>
-                <a:schemeClr val="bg1">
-                  <a:lumMod val="85000"/>
-                </a:schemeClr>
-              </a:solidFill>
-            </a:ln>
-          </p:spPr>
-        </p:pic>
-        <p:sp>
-          <p:nvSpPr>
-            <p:cNvPr id="7" name="TextBox 6">
-              <a:extLst>
-                <a:ext uri="{FF2B5EF4-FFF2-40B4-BE49-F238E27FC236}">
-                  <a16:creationId xmlns:a16="http://schemas.microsoft.com/office/drawing/2014/main" id="{380AEC37-155A-4D36-1F48-AE6A02A837F2}"/>
-                </a:ext>
-              </a:extLst>
-            </p:cNvPr>
-            <p:cNvSpPr txBox="1"/>
-            <p:nvPr/>
-          </p:nvSpPr>
-          <p:spPr>
-            <a:xfrm>
-              <a:off x="1009452" y="1894533"/>
-              <a:ext cx="2965521" cy="223091"/>
-            </a:xfrm>
-            <a:prstGeom prst="rect">
-              <a:avLst/>
-            </a:prstGeom>
-            <a:noFill/>
-          </p:spPr>
-          <p:txBody>
-            <a:bodyPr wrap="square" lIns="60960" rIns="60960">
-              <a:spAutoFit/>
-            </a:bodyPr>
-            <a:lstStyle/>
-            <a:p>
-              <a:pPr algn="ctr" defTabSz="609585" fontAlgn="base">
-                <a:spcBef>
-                  <a:spcPct val="0"/>
-                </a:spcBef>
-                <a:spcAft>
-                  <a:spcPct val="0"/>
-                </a:spcAft>
-                <a:buClrTx/>
-                <a:defRPr/>
-              </a:pPr>
-              <a:r>
-                <a:rPr lang="fr-FR" sz="1333" b="1" kern="1200" dirty="0">
-                  <a:solidFill>
-                    <a:prstClr val="black"/>
-                  </a:solidFill>
-                  <a:latin typeface="Calibri" panose="020F0502020204030204" pitchFamily="34" charset="0"/>
-                  <a:ea typeface="Calibri" panose="020F0502020204030204" pitchFamily="34" charset="0"/>
-                  <a:cs typeface="Calibri" panose="020F0502020204030204" pitchFamily="34" charset="0"/>
-                </a:rPr>
-                <a:t> </a:t>
-              </a:r>
-              <a:r>
-                <a:rPr lang="fr-FR" sz="1067" b="1" kern="1200" dirty="0">
-                  <a:solidFill>
-                    <a:prstClr val="black"/>
-                  </a:solidFill>
-                  <a:latin typeface="Calibri" panose="020F0502020204030204" pitchFamily="34" charset="0"/>
-                  <a:ea typeface="Calibri" panose="020F0502020204030204" pitchFamily="34" charset="0"/>
-                  <a:cs typeface="Calibri" panose="020F0502020204030204" pitchFamily="34" charset="0"/>
-                </a:rPr>
-                <a:t>DTR Questionnaire Package Bundle</a:t>
-              </a:r>
-              <a:endParaRPr lang="fr-FR" sz="1333" b="1" kern="1200" dirty="0">
-                <a:solidFill>
-                  <a:prstClr val="black"/>
-                </a:solidFill>
-                <a:latin typeface="Calibri" panose="020F0502020204030204" pitchFamily="34" charset="0"/>
-                <a:ea typeface="Calibri" panose="020F0502020204030204" pitchFamily="34" charset="0"/>
-                <a:cs typeface="Calibri" panose="020F0502020204030204" pitchFamily="34" charset="0"/>
-              </a:endParaRPr>
-            </a:p>
-          </p:txBody>
-        </p:sp>
-      </p:grpSp>
-      <p:sp>
-        <p:nvSpPr>
-          <p:cNvPr id="8" name="Flowchart: Process 7">
-            <a:extLst>
-              <a:ext uri="{FF2B5EF4-FFF2-40B4-BE49-F238E27FC236}">
-                <a16:creationId xmlns:a16="http://schemas.microsoft.com/office/drawing/2014/main" id="{07745F4C-2D65-80F2-65B7-8914A0466AD2}"/>
-              </a:ext>
-            </a:extLst>
-          </p:cNvPr>
-          <p:cNvSpPr/>
-          <p:nvPr/>
-        </p:nvSpPr>
-        <p:spPr>
-          <a:xfrm>
-            <a:off x="7487411" y="2044789"/>
-            <a:ext cx="1560945" cy="454276"/>
-          </a:xfrm>
-          <a:prstGeom prst="flowChartProcess">
-            <a:avLst/>
-          </a:prstGeom>
-          <a:solidFill>
-            <a:schemeClr val="bg1"/>
-          </a:solidFill>
-          <a:ln>
-            <a:solidFill>
-              <a:schemeClr val="tx1">
-                <a:lumMod val="50000"/>
-                <a:lumOff val="50000"/>
-              </a:schemeClr>
-            </a:solidFill>
-          </a:ln>
-        </p:spPr>
-        <p:style>
-          <a:lnRef idx="1">
-            <a:schemeClr val="accent1"/>
-          </a:lnRef>
-          <a:fillRef idx="3">
-            <a:schemeClr val="accent1"/>
-          </a:fillRef>
-          <a:effectRef idx="2">
-            <a:schemeClr val="accent1"/>
-          </a:effectRef>
-          <a:fontRef idx="minor">
-            <a:schemeClr val="lt1"/>
-          </a:fontRef>
-        </p:style>
-        <p:txBody>
-          <a:bodyPr lIns="36576" tIns="36576" rIns="36576" bIns="36576" rtlCol="0" anchor="ctr"/>
-          <a:lstStyle/>
-          <a:p>
-            <a:pPr algn="ctr" defTabSz="609585" fontAlgn="base">
-              <a:spcBef>
-                <a:spcPct val="0"/>
-              </a:spcBef>
-              <a:spcAft>
-                <a:spcPct val="0"/>
-              </a:spcAft>
-              <a:buClrTx/>
-            </a:pPr>
-            <a:r>
-              <a:rPr lang="en-US" sz="867" kern="1200" dirty="0">
-                <a:solidFill>
-                  <a:srgbClr val="4F81BD">
-                    <a:lumMod val="75000"/>
-                  </a:srgbClr>
-                </a:solidFill>
-                <a:latin typeface="Consolas" panose="020B0609020204030204" pitchFamily="49" charset="0"/>
-              </a:rPr>
-              <a:t>$questionnaire-package</a:t>
-            </a:r>
-            <a:r>
-              <a:rPr lang="en-US" sz="867" kern="1200" dirty="0">
-                <a:solidFill>
-                  <a:prstClr val="black"/>
-                </a:solidFill>
-                <a:latin typeface="Arial"/>
-              </a:rPr>
-              <a:t> </a:t>
-            </a:r>
-            <a:r>
-              <a:rPr lang="en-US" sz="933" kern="1200" dirty="0">
-                <a:solidFill>
-                  <a:prstClr val="black"/>
-                </a:solidFill>
-                <a:latin typeface="Arial"/>
-              </a:rPr>
-              <a:t>operation</a:t>
-            </a:r>
-            <a:endParaRPr lang="en-US" kern="1200" dirty="0">
-              <a:solidFill>
-                <a:prstClr val="black"/>
-              </a:solidFill>
-              <a:latin typeface="Arial"/>
-            </a:endParaRPr>
+              <a:t>DTR Internals</a:t>
+            </a:r>
           </a:p>
         </p:txBody>
       </p:sp>
       <p:sp>
         <p:nvSpPr>
-          <p:cNvPr id="9" name="Flowchart: Multidocument 8">
+          <p:cNvPr id="2" name="Text Placeholder 4">
             <a:extLst>
               <a:ext uri="{FF2B5EF4-FFF2-40B4-BE49-F238E27FC236}">
-                <a16:creationId xmlns:a16="http://schemas.microsoft.com/office/drawing/2014/main" id="{D86AE51B-0753-9552-0061-7A81DB5415C9}"/>
-              </a:ext>
-            </a:extLst>
-          </p:cNvPr>
-          <p:cNvSpPr/>
-          <p:nvPr/>
-        </p:nvSpPr>
-        <p:spPr>
-          <a:xfrm>
-            <a:off x="7660628" y="2941202"/>
-            <a:ext cx="1214513" cy="842911"/>
-          </a:xfrm>
-          <a:prstGeom prst="flowChartMultidocument">
-            <a:avLst/>
-          </a:prstGeom>
-          <a:solidFill>
-            <a:schemeClr val="bg1"/>
-          </a:solidFill>
-          <a:ln>
-            <a:solidFill>
-              <a:schemeClr val="tx1">
-                <a:lumMod val="50000"/>
-                <a:lumOff val="50000"/>
-              </a:schemeClr>
-            </a:solidFill>
-          </a:ln>
-        </p:spPr>
-        <p:style>
-          <a:lnRef idx="1">
-            <a:schemeClr val="accent1"/>
-          </a:lnRef>
-          <a:fillRef idx="3">
-            <a:schemeClr val="accent1"/>
-          </a:fillRef>
-          <a:effectRef idx="2">
-            <a:schemeClr val="accent1"/>
-          </a:effectRef>
-          <a:fontRef idx="minor">
-            <a:schemeClr val="lt1"/>
-          </a:fontRef>
-        </p:style>
-        <p:txBody>
-          <a:bodyPr rtlCol="0" anchor="ctr"/>
-          <a:lstStyle/>
-          <a:p>
-            <a:pPr algn="ctr" defTabSz="609585" fontAlgn="base">
-              <a:spcBef>
-                <a:spcPct val="0"/>
-              </a:spcBef>
-              <a:spcAft>
-                <a:spcPct val="0"/>
-              </a:spcAft>
-              <a:buClrTx/>
-            </a:pPr>
-            <a:r>
-              <a:rPr lang="en-US" sz="933" kern="1200" dirty="0">
-                <a:solidFill>
-                  <a:prstClr val="black"/>
-                </a:solidFill>
-                <a:latin typeface="Arial"/>
-              </a:rPr>
-              <a:t>Questionnaire Package Bundle</a:t>
-            </a:r>
-            <a:endParaRPr lang="en-US" sz="2133" kern="1200" dirty="0">
-              <a:solidFill>
-                <a:prstClr val="white"/>
-              </a:solidFill>
-              <a:latin typeface="Arial"/>
-            </a:endParaRPr>
-          </a:p>
-        </p:txBody>
-      </p:sp>
-      <p:cxnSp>
-        <p:nvCxnSpPr>
-          <p:cNvPr id="10" name="Straight Arrow Connector 9">
-            <a:extLst>
-              <a:ext uri="{FF2B5EF4-FFF2-40B4-BE49-F238E27FC236}">
-                <a16:creationId xmlns:a16="http://schemas.microsoft.com/office/drawing/2014/main" id="{00D47E13-9D07-FDF3-4242-E47B5802F36D}"/>
-              </a:ext>
-            </a:extLst>
-          </p:cNvPr>
-          <p:cNvCxnSpPr>
-            <a:cxnSpLocks/>
-          </p:cNvCxnSpPr>
-          <p:nvPr/>
-        </p:nvCxnSpPr>
-        <p:spPr>
-          <a:xfrm>
-            <a:off x="8236893" y="3732961"/>
-            <a:ext cx="0" cy="330005"/>
-          </a:xfrm>
-          <a:prstGeom prst="straightConnector1">
-            <a:avLst/>
-          </a:prstGeom>
-          <a:noFill/>
-          <a:ln w="22225" cap="flat" cmpd="sng" algn="ctr">
-            <a:solidFill>
-              <a:schemeClr val="tx1">
-                <a:lumMod val="85000"/>
-                <a:lumOff val="15000"/>
-              </a:schemeClr>
-            </a:solidFill>
-            <a:prstDash val="solid"/>
-            <a:miter lim="800000"/>
-            <a:tailEnd type="stealth" w="lg" len="lg"/>
-          </a:ln>
-          <a:effectLst/>
-        </p:spPr>
-      </p:cxnSp>
-      <p:cxnSp>
-        <p:nvCxnSpPr>
-          <p:cNvPr id="11" name="Straight Arrow Connector 10">
-            <a:extLst>
-              <a:ext uri="{FF2B5EF4-FFF2-40B4-BE49-F238E27FC236}">
-                <a16:creationId xmlns:a16="http://schemas.microsoft.com/office/drawing/2014/main" id="{31D698E0-4A4F-D2F4-DCEC-3ED99135ECC4}"/>
-              </a:ext>
-            </a:extLst>
-          </p:cNvPr>
-          <p:cNvCxnSpPr>
-            <a:cxnSpLocks/>
-            <a:stCxn id="14" idx="1"/>
-            <a:endCxn id="25" idx="3"/>
-          </p:cNvCxnSpPr>
-          <p:nvPr/>
-        </p:nvCxnSpPr>
-        <p:spPr>
-          <a:xfrm flipH="1" flipV="1">
-            <a:off x="5596840" y="4177913"/>
-            <a:ext cx="1807593" cy="434777"/>
-          </a:xfrm>
-          <a:prstGeom prst="straightConnector1">
-            <a:avLst/>
-          </a:prstGeom>
-          <a:ln w="38100" cmpd="dbl">
-            <a:solidFill>
-              <a:schemeClr val="accent5">
-                <a:lumMod val="60000"/>
-                <a:lumOff val="40000"/>
-              </a:schemeClr>
-            </a:solidFill>
-            <a:prstDash val="sysDot"/>
-            <a:tailEnd type="none"/>
-          </a:ln>
-          <a:effectLst/>
-        </p:spPr>
-        <p:style>
-          <a:lnRef idx="2">
-            <a:schemeClr val="accent1"/>
-          </a:lnRef>
-          <a:fillRef idx="0">
-            <a:schemeClr val="accent1"/>
-          </a:fillRef>
-          <a:effectRef idx="1">
-            <a:schemeClr val="accent1"/>
-          </a:effectRef>
-          <a:fontRef idx="minor">
-            <a:schemeClr val="tx1"/>
-          </a:fontRef>
-        </p:style>
-      </p:cxnSp>
-      <p:grpSp>
-        <p:nvGrpSpPr>
-          <p:cNvPr id="12" name="Group 11">
-            <a:extLst>
-              <a:ext uri="{FF2B5EF4-FFF2-40B4-BE49-F238E27FC236}">
-                <a16:creationId xmlns:a16="http://schemas.microsoft.com/office/drawing/2014/main" id="{D9C711D9-8554-0ED4-40C2-5104785D7C28}"/>
-              </a:ext>
-            </a:extLst>
-          </p:cNvPr>
-          <p:cNvGrpSpPr/>
-          <p:nvPr/>
-        </p:nvGrpSpPr>
-        <p:grpSpPr>
-          <a:xfrm>
-            <a:off x="7404433" y="4068275"/>
-            <a:ext cx="1669083" cy="1096920"/>
-            <a:chOff x="5223052" y="3129458"/>
-            <a:chExt cx="1251812" cy="822690"/>
-          </a:xfrm>
-        </p:grpSpPr>
-        <p:sp>
-          <p:nvSpPr>
-            <p:cNvPr id="13" name="Flowchart: Decision 12">
-              <a:extLst>
-                <a:ext uri="{FF2B5EF4-FFF2-40B4-BE49-F238E27FC236}">
-                  <a16:creationId xmlns:a16="http://schemas.microsoft.com/office/drawing/2014/main" id="{E05AC738-F4E8-F523-FE05-9E23FAD8725F}"/>
-                </a:ext>
-              </a:extLst>
-            </p:cNvPr>
-            <p:cNvSpPr/>
-            <p:nvPr/>
-          </p:nvSpPr>
-          <p:spPr>
-            <a:xfrm>
-              <a:off x="5246116" y="3129458"/>
-              <a:ext cx="1201074" cy="822690"/>
-            </a:xfrm>
-            <a:prstGeom prst="flowChartDecision">
-              <a:avLst/>
-            </a:prstGeom>
-            <a:solidFill>
-              <a:schemeClr val="bg1"/>
-            </a:solidFill>
-            <a:ln>
-              <a:solidFill>
-                <a:schemeClr val="tx1">
-                  <a:lumMod val="50000"/>
-                  <a:lumOff val="50000"/>
-                </a:schemeClr>
-              </a:solidFill>
-            </a:ln>
-          </p:spPr>
-          <p:style>
-            <a:lnRef idx="1">
-              <a:schemeClr val="accent1"/>
-            </a:lnRef>
-            <a:fillRef idx="3">
-              <a:schemeClr val="accent1"/>
-            </a:fillRef>
-            <a:effectRef idx="2">
-              <a:schemeClr val="accent1"/>
-            </a:effectRef>
-            <a:fontRef idx="minor">
-              <a:schemeClr val="lt1"/>
-            </a:fontRef>
-          </p:style>
-          <p:txBody>
-            <a:bodyPr lIns="0" tIns="0" rIns="0" bIns="0" rtlCol="0" anchor="ctr"/>
-            <a:lstStyle/>
-            <a:p>
-              <a:pPr algn="ctr" defTabSz="609585" fontAlgn="base">
-                <a:spcBef>
-                  <a:spcPct val="0"/>
-                </a:spcBef>
-                <a:spcAft>
-                  <a:spcPct val="0"/>
-                </a:spcAft>
-                <a:buClrTx/>
-                <a:defRPr/>
-              </a:pPr>
-              <a:endParaRPr lang="en-US" sz="2400" kern="1200" dirty="0">
-                <a:solidFill>
-                  <a:prstClr val="white"/>
-                </a:solidFill>
-                <a:latin typeface="Arial"/>
-              </a:endParaRPr>
-            </a:p>
-          </p:txBody>
-        </p:sp>
-        <p:sp>
-          <p:nvSpPr>
-            <p:cNvPr id="14" name="TextBox 13">
-              <a:extLst>
-                <a:ext uri="{FF2B5EF4-FFF2-40B4-BE49-F238E27FC236}">
-                  <a16:creationId xmlns:a16="http://schemas.microsoft.com/office/drawing/2014/main" id="{BFA4AC84-A49B-D3D6-511D-CDE08457507E}"/>
-                </a:ext>
-              </a:extLst>
-            </p:cNvPr>
-            <p:cNvSpPr txBox="1"/>
-            <p:nvPr/>
-          </p:nvSpPr>
-          <p:spPr>
-            <a:xfrm>
-              <a:off x="5223052" y="3277120"/>
-              <a:ext cx="1251812" cy="521297"/>
-            </a:xfrm>
-            <a:prstGeom prst="rect">
-              <a:avLst/>
-            </a:prstGeom>
-            <a:noFill/>
-          </p:spPr>
-          <p:txBody>
-            <a:bodyPr wrap="square">
-              <a:spAutoFit/>
-            </a:bodyPr>
-            <a:lstStyle/>
-            <a:p>
-              <a:pPr algn="ctr" defTabSz="609585" fontAlgn="base">
-                <a:lnSpc>
-                  <a:spcPts val="1067"/>
-                </a:lnSpc>
-                <a:spcBef>
-                  <a:spcPct val="0"/>
-                </a:spcBef>
-                <a:spcAft>
-                  <a:spcPct val="0"/>
-                </a:spcAft>
-                <a:buClrTx/>
-                <a:defRPr/>
-              </a:pPr>
-              <a:r>
-                <a:rPr lang="en-US" sz="933" kern="1200" dirty="0">
-                  <a:solidFill>
-                    <a:prstClr val="black"/>
-                  </a:solidFill>
-                  <a:ea typeface="ヒラギノ角ゴ Pro W3" pitchFamily="-126" charset="-128"/>
-                  <a:cs typeface="+mn-cs"/>
-                </a:rPr>
-                <a:t>Questionnaire </a:t>
-              </a:r>
-            </a:p>
-            <a:p>
-              <a:pPr algn="ctr" defTabSz="609585" fontAlgn="base">
-                <a:lnSpc>
-                  <a:spcPts val="1067"/>
-                </a:lnSpc>
-                <a:spcBef>
-                  <a:spcPct val="0"/>
-                </a:spcBef>
-                <a:spcAft>
-                  <a:spcPct val="0"/>
-                </a:spcAft>
-                <a:buClrTx/>
-                <a:defRPr/>
-              </a:pPr>
-              <a:r>
-                <a:rPr lang="en-US" sz="933" kern="1200" dirty="0">
-                  <a:solidFill>
-                    <a:prstClr val="black"/>
-                  </a:solidFill>
-                  <a:ea typeface="ヒラギノ角ゴ Pro W3" pitchFamily="-126" charset="-128"/>
-                  <a:cs typeface="+mn-cs"/>
-                </a:rPr>
-                <a:t>Contains</a:t>
-              </a:r>
-            </a:p>
-            <a:p>
-              <a:pPr algn="ctr" defTabSz="609585" fontAlgn="base">
-                <a:lnSpc>
-                  <a:spcPts val="1067"/>
-                </a:lnSpc>
-                <a:spcBef>
-                  <a:spcPct val="0"/>
-                </a:spcBef>
-                <a:spcAft>
-                  <a:spcPct val="0"/>
-                </a:spcAft>
-                <a:buClrTx/>
-                <a:defRPr/>
-              </a:pPr>
-              <a:r>
-                <a:rPr lang="en-US" sz="800" kern="1200" dirty="0" err="1">
-                  <a:solidFill>
-                    <a:srgbClr val="4F81BD">
-                      <a:lumMod val="75000"/>
-                    </a:srgbClr>
-                  </a:solidFill>
-                  <a:latin typeface="Consolas" panose="020B0609020204030204" pitchFamily="49" charset="0"/>
-                  <a:ea typeface="ヒラギノ角ゴ Pro W3" pitchFamily="-126" charset="-128"/>
-                  <a:cs typeface="+mn-cs"/>
-                </a:rPr>
-                <a:t>questionnaireAdaptive</a:t>
-              </a:r>
-              <a:endParaRPr lang="en-US" sz="867" kern="1200" dirty="0">
-                <a:solidFill>
-                  <a:srgbClr val="4F81BD">
-                    <a:lumMod val="75000"/>
-                  </a:srgbClr>
-                </a:solidFill>
-                <a:latin typeface="Consolas" panose="020B0609020204030204" pitchFamily="49" charset="0"/>
-                <a:ea typeface="ヒラギノ角ゴ Pro W3" pitchFamily="-126" charset="-128"/>
-                <a:cs typeface="+mn-cs"/>
-              </a:endParaRPr>
-            </a:p>
-            <a:p>
-              <a:pPr algn="ctr" defTabSz="609585" fontAlgn="base">
-                <a:lnSpc>
-                  <a:spcPts val="1067"/>
-                </a:lnSpc>
-                <a:spcBef>
-                  <a:spcPts val="267"/>
-                </a:spcBef>
-                <a:spcAft>
-                  <a:spcPct val="0"/>
-                </a:spcAft>
-                <a:buClrTx/>
-                <a:defRPr/>
-              </a:pPr>
-              <a:r>
-                <a:rPr lang="en-US" sz="933" kern="1200" dirty="0">
-                  <a:solidFill>
-                    <a:prstClr val="black"/>
-                  </a:solidFill>
-                  <a:ea typeface="ヒラギノ角ゴ Pro W3" pitchFamily="-126" charset="-128"/>
-                  <a:cs typeface="+mn-cs"/>
-                </a:rPr>
-                <a:t>Extension?</a:t>
-              </a:r>
-            </a:p>
-          </p:txBody>
-        </p:sp>
-      </p:grpSp>
-      <p:cxnSp>
-        <p:nvCxnSpPr>
-          <p:cNvPr id="15" name="Straight Arrow Connector 14">
-            <a:extLst>
-              <a:ext uri="{FF2B5EF4-FFF2-40B4-BE49-F238E27FC236}">
-                <a16:creationId xmlns:a16="http://schemas.microsoft.com/office/drawing/2014/main" id="{767EF9D7-5F31-D59D-6E7D-04515A685FC1}"/>
-              </a:ext>
-            </a:extLst>
-          </p:cNvPr>
-          <p:cNvCxnSpPr>
-            <a:cxnSpLocks/>
-            <a:stCxn id="13" idx="2"/>
-          </p:cNvCxnSpPr>
-          <p:nvPr/>
-        </p:nvCxnSpPr>
-        <p:spPr>
-          <a:xfrm>
-            <a:off x="8235901" y="5165194"/>
-            <a:ext cx="992" cy="365760"/>
-          </a:xfrm>
-          <a:prstGeom prst="straightConnector1">
-            <a:avLst/>
-          </a:prstGeom>
-          <a:noFill/>
-          <a:ln w="22225" cap="flat" cmpd="sng" algn="ctr">
-            <a:solidFill>
-              <a:schemeClr val="tx1">
-                <a:lumMod val="85000"/>
-                <a:lumOff val="15000"/>
-              </a:schemeClr>
-            </a:solidFill>
-            <a:prstDash val="solid"/>
-            <a:miter lim="800000"/>
-            <a:tailEnd type="stealth" w="lg" len="lg"/>
-          </a:ln>
-          <a:effectLst/>
-        </p:spPr>
-      </p:cxnSp>
-      <p:cxnSp>
-        <p:nvCxnSpPr>
-          <p:cNvPr id="16" name="Straight Arrow Connector 15">
-            <a:extLst>
-              <a:ext uri="{FF2B5EF4-FFF2-40B4-BE49-F238E27FC236}">
-                <a16:creationId xmlns:a16="http://schemas.microsoft.com/office/drawing/2014/main" id="{4CDE56BA-3CA7-108C-CB80-7AC480E40C32}"/>
-              </a:ext>
-            </a:extLst>
-          </p:cNvPr>
-          <p:cNvCxnSpPr>
-            <a:cxnSpLocks/>
-          </p:cNvCxnSpPr>
-          <p:nvPr/>
-        </p:nvCxnSpPr>
-        <p:spPr>
-          <a:xfrm>
-            <a:off x="10699153" y="4605388"/>
-            <a:ext cx="0" cy="925745"/>
-          </a:xfrm>
-          <a:prstGeom prst="straightConnector1">
-            <a:avLst/>
-          </a:prstGeom>
-          <a:noFill/>
-          <a:ln w="22225" cap="flat" cmpd="sng" algn="ctr">
-            <a:solidFill>
-              <a:schemeClr val="tx1">
-                <a:lumMod val="85000"/>
-                <a:lumOff val="15000"/>
-              </a:schemeClr>
-            </a:solidFill>
-            <a:prstDash val="solid"/>
-            <a:miter lim="800000"/>
-            <a:tailEnd type="stealth" w="lg" len="lg"/>
-          </a:ln>
-          <a:effectLst/>
-        </p:spPr>
-      </p:cxnSp>
-      <p:cxnSp>
-        <p:nvCxnSpPr>
-          <p:cNvPr id="17" name="Straight Arrow Connector 16">
-            <a:extLst>
-              <a:ext uri="{FF2B5EF4-FFF2-40B4-BE49-F238E27FC236}">
-                <a16:creationId xmlns:a16="http://schemas.microsoft.com/office/drawing/2014/main" id="{9DB035BE-047A-C84E-B759-28B9307AD2FD}"/>
-              </a:ext>
-            </a:extLst>
-          </p:cNvPr>
-          <p:cNvCxnSpPr>
-            <a:cxnSpLocks/>
-          </p:cNvCxnSpPr>
-          <p:nvPr/>
-        </p:nvCxnSpPr>
-        <p:spPr>
-          <a:xfrm>
-            <a:off x="9024010" y="4605387"/>
-            <a:ext cx="1682496" cy="0"/>
-          </a:xfrm>
-          <a:prstGeom prst="straightConnector1">
-            <a:avLst/>
-          </a:prstGeom>
-          <a:noFill/>
-          <a:ln w="22225" cap="flat" cmpd="sng" algn="ctr">
-            <a:solidFill>
-              <a:schemeClr val="tx1">
-                <a:lumMod val="85000"/>
-                <a:lumOff val="15000"/>
-              </a:schemeClr>
-            </a:solidFill>
-            <a:prstDash val="solid"/>
-            <a:miter lim="800000"/>
-            <a:tailEnd type="none" w="lg" len="lg"/>
-          </a:ln>
-          <a:effectLst/>
-        </p:spPr>
-      </p:cxnSp>
-      <p:sp>
-        <p:nvSpPr>
-          <p:cNvPr id="18" name="TextBox 17">
-            <a:extLst>
-              <a:ext uri="{FF2B5EF4-FFF2-40B4-BE49-F238E27FC236}">
-                <a16:creationId xmlns:a16="http://schemas.microsoft.com/office/drawing/2014/main" id="{4BA823C3-1E41-A9D1-AB29-8ACBAF1F990C}"/>
-              </a:ext>
-            </a:extLst>
-          </p:cNvPr>
-          <p:cNvSpPr txBox="1"/>
-          <p:nvPr/>
-        </p:nvSpPr>
-        <p:spPr>
-          <a:xfrm>
-            <a:off x="8985282" y="4402126"/>
-            <a:ext cx="459544" cy="235898"/>
-          </a:xfrm>
-          <a:prstGeom prst="rect">
-            <a:avLst/>
-          </a:prstGeom>
-          <a:noFill/>
-        </p:spPr>
-        <p:txBody>
-          <a:bodyPr wrap="square">
-            <a:spAutoFit/>
-          </a:bodyPr>
-          <a:lstStyle/>
-          <a:p>
-            <a:pPr defTabSz="609585" fontAlgn="base">
-              <a:spcBef>
-                <a:spcPct val="0"/>
-              </a:spcBef>
-              <a:spcAft>
-                <a:spcPct val="0"/>
-              </a:spcAft>
-              <a:buClrTx/>
-            </a:pPr>
-            <a:r>
-              <a:rPr lang="en-US" sz="933" kern="1200" dirty="0">
-                <a:solidFill>
-                  <a:prstClr val="black"/>
-                </a:solidFill>
-                <a:ea typeface="ヒラギノ角ゴ Pro W3" pitchFamily="-126" charset="-128"/>
-                <a:cs typeface="+mn-cs"/>
-              </a:rPr>
-              <a:t>Yes</a:t>
-            </a:r>
-            <a:endParaRPr lang="en-US" sz="2400" kern="1200" dirty="0">
-              <a:solidFill>
-                <a:prstClr val="black"/>
-              </a:solidFill>
-              <a:latin typeface="Arial" panose="020B0604020202020204" pitchFamily="34" charset="0"/>
-              <a:ea typeface="ヒラギノ角ゴ Pro W3" pitchFamily="-126" charset="-128"/>
-              <a:cs typeface="+mn-cs"/>
-            </a:endParaRPr>
-          </a:p>
-        </p:txBody>
-      </p:sp>
-      <p:sp>
-        <p:nvSpPr>
-          <p:cNvPr id="19" name="TextBox 18">
-            <a:extLst>
-              <a:ext uri="{FF2B5EF4-FFF2-40B4-BE49-F238E27FC236}">
-                <a16:creationId xmlns:a16="http://schemas.microsoft.com/office/drawing/2014/main" id="{015732F1-764B-28D5-ED18-318328743919}"/>
-              </a:ext>
-            </a:extLst>
-          </p:cNvPr>
-          <p:cNvSpPr txBox="1"/>
-          <p:nvPr/>
-        </p:nvSpPr>
-        <p:spPr>
-          <a:xfrm>
-            <a:off x="8170250" y="5146264"/>
-            <a:ext cx="459544" cy="235898"/>
-          </a:xfrm>
-          <a:prstGeom prst="rect">
-            <a:avLst/>
-          </a:prstGeom>
-          <a:noFill/>
-        </p:spPr>
-        <p:txBody>
-          <a:bodyPr wrap="square">
-            <a:spAutoFit/>
-          </a:bodyPr>
-          <a:lstStyle/>
-          <a:p>
-            <a:pPr defTabSz="609585" fontAlgn="base">
-              <a:spcBef>
-                <a:spcPct val="0"/>
-              </a:spcBef>
-              <a:spcAft>
-                <a:spcPct val="0"/>
-              </a:spcAft>
-              <a:buClrTx/>
-            </a:pPr>
-            <a:r>
-              <a:rPr lang="en-US" sz="933" kern="1200" dirty="0">
-                <a:solidFill>
-                  <a:prstClr val="black"/>
-                </a:solidFill>
-                <a:ea typeface="ヒラギノ角ゴ Pro W3" pitchFamily="-126" charset="-128"/>
-                <a:cs typeface="+mn-cs"/>
-              </a:rPr>
-              <a:t>No</a:t>
-            </a:r>
-            <a:endParaRPr lang="en-US" sz="2400" kern="1200" dirty="0">
-              <a:solidFill>
-                <a:prstClr val="black"/>
-              </a:solidFill>
-              <a:latin typeface="Arial" panose="020B0604020202020204" pitchFamily="34" charset="0"/>
-              <a:ea typeface="ヒラギノ角ゴ Pro W3" pitchFamily="-126" charset="-128"/>
-              <a:cs typeface="+mn-cs"/>
-            </a:endParaRPr>
-          </a:p>
-        </p:txBody>
-      </p:sp>
-      <p:grpSp>
-        <p:nvGrpSpPr>
-          <p:cNvPr id="20" name="Group 19">
-            <a:extLst>
-              <a:ext uri="{FF2B5EF4-FFF2-40B4-BE49-F238E27FC236}">
-                <a16:creationId xmlns:a16="http://schemas.microsoft.com/office/drawing/2014/main" id="{F47E64BF-8773-D25C-347B-BCAAEF56052A}"/>
-              </a:ext>
-            </a:extLst>
-          </p:cNvPr>
-          <p:cNvGrpSpPr/>
-          <p:nvPr/>
-        </p:nvGrpSpPr>
-        <p:grpSpPr>
-          <a:xfrm>
-            <a:off x="8045213" y="2500303"/>
-            <a:ext cx="399848" cy="426720"/>
-            <a:chOff x="5540286" y="1485354"/>
-            <a:chExt cx="299886" cy="320040"/>
-          </a:xfrm>
-        </p:grpSpPr>
-        <p:cxnSp>
-          <p:nvCxnSpPr>
-            <p:cNvPr id="21" name="Straight Arrow Connector 20">
-              <a:extLst>
-                <a:ext uri="{FF2B5EF4-FFF2-40B4-BE49-F238E27FC236}">
-                  <a16:creationId xmlns:a16="http://schemas.microsoft.com/office/drawing/2014/main" id="{4BF116F0-31FE-8913-5E98-F2E19C2F2E65}"/>
-                </a:ext>
-              </a:extLst>
-            </p:cNvPr>
-            <p:cNvCxnSpPr>
-              <a:cxnSpLocks/>
-            </p:cNvCxnSpPr>
-            <p:nvPr/>
-          </p:nvCxnSpPr>
-          <p:spPr>
-            <a:xfrm flipH="1">
-              <a:off x="5686618" y="1485354"/>
-              <a:ext cx="2724" cy="320040"/>
-            </a:xfrm>
-            <a:prstGeom prst="straightConnector1">
-              <a:avLst/>
-            </a:prstGeom>
-            <a:noFill/>
-            <a:ln w="22225" cap="flat" cmpd="sng" algn="ctr">
-              <a:solidFill>
-                <a:schemeClr val="tx1">
-                  <a:lumMod val="85000"/>
-                  <a:lumOff val="15000"/>
-                </a:schemeClr>
-              </a:solidFill>
-              <a:prstDash val="solid"/>
-              <a:miter lim="800000"/>
-              <a:tailEnd type="stealth" w="lg" len="lg"/>
-            </a:ln>
-            <a:effectLst/>
-          </p:spPr>
-        </p:cxnSp>
-        <p:sp>
-          <p:nvSpPr>
-            <p:cNvPr id="22" name="TextBox 21">
-              <a:extLst>
-                <a:ext uri="{FF2B5EF4-FFF2-40B4-BE49-F238E27FC236}">
-                  <a16:creationId xmlns:a16="http://schemas.microsoft.com/office/drawing/2014/main" id="{53068FF5-4430-4DDC-696C-FB80E4B24806}"/>
-                </a:ext>
-              </a:extLst>
-            </p:cNvPr>
-            <p:cNvSpPr txBox="1"/>
-            <p:nvPr/>
-          </p:nvSpPr>
-          <p:spPr>
-            <a:xfrm>
-              <a:off x="5540286" y="1533513"/>
-              <a:ext cx="299886" cy="92333"/>
-            </a:xfrm>
-            <a:prstGeom prst="rect">
-              <a:avLst/>
-            </a:prstGeom>
-            <a:solidFill>
-              <a:schemeClr val="bg1"/>
-            </a:solidFill>
-          </p:spPr>
-          <p:txBody>
-            <a:bodyPr wrap="square" lIns="0" tIns="0" rIns="0" bIns="0">
-              <a:spAutoFit/>
-            </a:bodyPr>
-            <a:lstStyle/>
-            <a:p>
-              <a:pPr algn="ctr" defTabSz="609585" fontAlgn="base">
-                <a:spcBef>
-                  <a:spcPct val="0"/>
-                </a:spcBef>
-                <a:spcAft>
-                  <a:spcPct val="0"/>
-                </a:spcAft>
-                <a:buClrTx/>
-              </a:pPr>
-              <a:r>
-                <a:rPr lang="en-US" sz="800" i="1" kern="1200" dirty="0">
-                  <a:solidFill>
-                    <a:prstClr val="white">
-                      <a:lumMod val="50000"/>
-                    </a:prstClr>
-                  </a:solidFill>
-                  <a:ea typeface="ヒラギノ角ゴ Pro W3" pitchFamily="-126" charset="-128"/>
-                  <a:cs typeface="+mn-cs"/>
-                </a:rPr>
-                <a:t>Returns</a:t>
-              </a:r>
-              <a:endParaRPr lang="en-US" sz="2400" i="1" kern="1200" dirty="0">
-                <a:solidFill>
-                  <a:prstClr val="white">
-                    <a:lumMod val="50000"/>
-                  </a:prstClr>
-                </a:solidFill>
-                <a:latin typeface="Arial" panose="020B0604020202020204" pitchFamily="34" charset="0"/>
-                <a:ea typeface="ヒラギノ角ゴ Pro W3" pitchFamily="-126" charset="-128"/>
-                <a:cs typeface="+mn-cs"/>
-              </a:endParaRPr>
-            </a:p>
-          </p:txBody>
-        </p:sp>
-      </p:grpSp>
-      <p:sp>
-        <p:nvSpPr>
-          <p:cNvPr id="23" name="Flowchart: Document 22">
-            <a:extLst>
-              <a:ext uri="{FF2B5EF4-FFF2-40B4-BE49-F238E27FC236}">
-                <a16:creationId xmlns:a16="http://schemas.microsoft.com/office/drawing/2014/main" id="{D48BAD26-2932-EDDB-5005-9B8C16B28C70}"/>
-              </a:ext>
-            </a:extLst>
-          </p:cNvPr>
-          <p:cNvSpPr/>
-          <p:nvPr/>
-        </p:nvSpPr>
-        <p:spPr>
-          <a:xfrm>
-            <a:off x="7207178" y="5549690"/>
-            <a:ext cx="2121409" cy="780288"/>
-          </a:xfrm>
-          <a:prstGeom prst="flowChartDocument">
-            <a:avLst/>
-          </a:prstGeom>
-          <a:solidFill>
-            <a:schemeClr val="bg1"/>
-          </a:solidFill>
-          <a:ln>
-            <a:solidFill>
-              <a:schemeClr val="tx1">
-                <a:lumMod val="50000"/>
-                <a:lumOff val="50000"/>
-              </a:schemeClr>
-            </a:solidFill>
-          </a:ln>
-        </p:spPr>
-        <p:style>
-          <a:lnRef idx="1">
-            <a:schemeClr val="accent1"/>
-          </a:lnRef>
-          <a:fillRef idx="3">
-            <a:schemeClr val="accent1"/>
-          </a:fillRef>
-          <a:effectRef idx="2">
-            <a:schemeClr val="accent1"/>
-          </a:effectRef>
-          <a:fontRef idx="minor">
-            <a:schemeClr val="lt1"/>
-          </a:fontRef>
-        </p:style>
-        <p:txBody>
-          <a:bodyPr lIns="36576" tIns="36576" rIns="36576" bIns="36576" rtlCol="0" anchor="ctr"/>
-          <a:lstStyle/>
-          <a:p>
-            <a:pPr algn="ctr" defTabSz="609585" fontAlgn="base">
-              <a:spcBef>
-                <a:spcPct val="0"/>
-              </a:spcBef>
-              <a:spcAft>
-                <a:spcPts val="267"/>
-              </a:spcAft>
-              <a:buClrTx/>
-              <a:defRPr/>
-            </a:pPr>
-            <a:r>
-              <a:rPr lang="fr-FR" sz="1200" kern="1200" dirty="0">
-                <a:solidFill>
-                  <a:prstClr val="black"/>
-                </a:solidFill>
-                <a:latin typeface="Calibri" panose="020F0502020204030204" pitchFamily="34" charset="0"/>
-                <a:ea typeface="Calibri" panose="020F0502020204030204" pitchFamily="34" charset="0"/>
-                <a:cs typeface="Calibri" panose="020F0502020204030204" pitchFamily="34" charset="0"/>
-              </a:rPr>
-              <a:t>DTR Standard Questionnaire  </a:t>
-            </a:r>
-          </a:p>
-          <a:p>
-            <a:pPr algn="ctr" defTabSz="609585" fontAlgn="base">
-              <a:spcBef>
-                <a:spcPct val="0"/>
-              </a:spcBef>
-              <a:spcAft>
-                <a:spcPct val="0"/>
-              </a:spcAft>
-              <a:buClrTx/>
-              <a:defRPr/>
-            </a:pPr>
-            <a:r>
-              <a:rPr lang="en-US" sz="1067" kern="1200" dirty="0">
-                <a:solidFill>
-                  <a:prstClr val="black"/>
-                </a:solidFill>
-                <a:latin typeface="Calibri" panose="020F0502020204030204" pitchFamily="34" charset="0"/>
-                <a:ea typeface="Calibri" panose="020F0502020204030204" pitchFamily="34" charset="0"/>
-                <a:cs typeface="Calibri" panose="020F0502020204030204" pitchFamily="34" charset="0"/>
-              </a:rPr>
-              <a:t>(</a:t>
-            </a:r>
-            <a:r>
-              <a:rPr lang="en-US" sz="867" kern="1200" dirty="0" err="1">
-                <a:solidFill>
-                  <a:srgbClr val="4BACC6">
-                    <a:lumMod val="50000"/>
-                  </a:srgbClr>
-                </a:solidFill>
-                <a:latin typeface="Consolas" panose="020B0609020204030204" pitchFamily="49" charset="0"/>
-                <a:ea typeface="Calibri" panose="020F0502020204030204" pitchFamily="34" charset="0"/>
-                <a:cs typeface="Calibri" panose="020F0502020204030204" pitchFamily="34" charset="0"/>
-              </a:rPr>
-              <a:t>dtr</a:t>
-            </a:r>
-            <a:r>
-              <a:rPr lang="en-US" sz="867" kern="1200" dirty="0">
-                <a:solidFill>
-                  <a:srgbClr val="4BACC6">
-                    <a:lumMod val="50000"/>
-                  </a:srgbClr>
-                </a:solidFill>
-                <a:latin typeface="Consolas" panose="020B0609020204030204" pitchFamily="49" charset="0"/>
-                <a:ea typeface="Calibri" panose="020F0502020204030204" pitchFamily="34" charset="0"/>
-                <a:cs typeface="Calibri" panose="020F0502020204030204" pitchFamily="34" charset="0"/>
-              </a:rPr>
-              <a:t>-std-questionnaire</a:t>
-            </a:r>
-            <a:r>
-              <a:rPr lang="en-US" sz="1067" kern="1200" dirty="0">
-                <a:solidFill>
-                  <a:prstClr val="black"/>
-                </a:solidFill>
-                <a:latin typeface="Arial" panose="020B0604020202020204" pitchFamily="34" charset="0"/>
-                <a:ea typeface="ヒラギノ角ゴ Pro W3" pitchFamily="-126" charset="-128"/>
-              </a:rPr>
-              <a:t>)</a:t>
-            </a:r>
-          </a:p>
-        </p:txBody>
-      </p:sp>
-      <p:sp>
-        <p:nvSpPr>
-          <p:cNvPr id="24" name="Flowchart: Document 23">
-            <a:extLst>
-              <a:ext uri="{FF2B5EF4-FFF2-40B4-BE49-F238E27FC236}">
-                <a16:creationId xmlns:a16="http://schemas.microsoft.com/office/drawing/2014/main" id="{8CB51089-4776-4F09-4925-6F9459BCBE68}"/>
-              </a:ext>
-            </a:extLst>
-          </p:cNvPr>
-          <p:cNvSpPr/>
-          <p:nvPr/>
-        </p:nvSpPr>
-        <p:spPr>
-          <a:xfrm>
-            <a:off x="9645802" y="5549690"/>
-            <a:ext cx="2121409" cy="777597"/>
-          </a:xfrm>
-          <a:prstGeom prst="flowChartDocument">
-            <a:avLst/>
-          </a:prstGeom>
-          <a:solidFill>
-            <a:schemeClr val="bg1"/>
-          </a:solidFill>
-          <a:ln>
-            <a:solidFill>
-              <a:schemeClr val="tx1">
-                <a:lumMod val="50000"/>
-                <a:lumOff val="50000"/>
-              </a:schemeClr>
-            </a:solidFill>
-          </a:ln>
-        </p:spPr>
-        <p:style>
-          <a:lnRef idx="1">
-            <a:schemeClr val="accent1"/>
-          </a:lnRef>
-          <a:fillRef idx="3">
-            <a:schemeClr val="accent1"/>
-          </a:fillRef>
-          <a:effectRef idx="2">
-            <a:schemeClr val="accent1"/>
-          </a:effectRef>
-          <a:fontRef idx="minor">
-            <a:schemeClr val="lt1"/>
-          </a:fontRef>
-        </p:style>
-        <p:txBody>
-          <a:bodyPr lIns="36576" tIns="36576" rIns="36576" bIns="36576" rtlCol="0" anchor="ctr"/>
-          <a:lstStyle/>
-          <a:p>
-            <a:pPr algn="ctr" defTabSz="609585" fontAlgn="base">
-              <a:spcBef>
-                <a:spcPct val="0"/>
-              </a:spcBef>
-              <a:spcAft>
-                <a:spcPct val="0"/>
-              </a:spcAft>
-              <a:buClrTx/>
-              <a:defRPr/>
-            </a:pPr>
-            <a:r>
-              <a:rPr lang="fr-FR" sz="1200" kern="1200" dirty="0">
-                <a:solidFill>
-                  <a:prstClr val="black"/>
-                </a:solidFill>
-                <a:latin typeface="Calibri" panose="020F0502020204030204" pitchFamily="34" charset="0"/>
-                <a:ea typeface="Calibri" panose="020F0502020204030204" pitchFamily="34" charset="0"/>
-                <a:cs typeface="Calibri" panose="020F0502020204030204" pitchFamily="34" charset="0"/>
-              </a:rPr>
-              <a:t>DTR Questionnaire for </a:t>
-            </a:r>
-          </a:p>
-          <a:p>
-            <a:pPr algn="ctr" defTabSz="609585" fontAlgn="base">
-              <a:spcBef>
-                <a:spcPct val="0"/>
-              </a:spcBef>
-              <a:spcAft>
-                <a:spcPct val="0"/>
-              </a:spcAft>
-              <a:buClrTx/>
-              <a:defRPr/>
-            </a:pPr>
-            <a:r>
-              <a:rPr lang="fr-FR" sz="1200" kern="1200" dirty="0">
-                <a:solidFill>
-                  <a:prstClr val="black"/>
-                </a:solidFill>
-                <a:latin typeface="Calibri" panose="020F0502020204030204" pitchFamily="34" charset="0"/>
-                <a:ea typeface="Calibri" panose="020F0502020204030204" pitchFamily="34" charset="0"/>
-                <a:cs typeface="Calibri" panose="020F0502020204030204" pitchFamily="34" charset="0"/>
-              </a:rPr>
-              <a:t>adaptive </a:t>
-            </a:r>
-            <a:r>
-              <a:rPr lang="fr-FR" sz="1200" kern="1200" dirty="0" err="1">
-                <a:solidFill>
-                  <a:prstClr val="black"/>
-                </a:solidFill>
-                <a:latin typeface="Calibri" panose="020F0502020204030204" pitchFamily="34" charset="0"/>
-                <a:ea typeface="Calibri" panose="020F0502020204030204" pitchFamily="34" charset="0"/>
-                <a:cs typeface="Calibri" panose="020F0502020204030204" pitchFamily="34" charset="0"/>
-              </a:rPr>
-              <a:t>form</a:t>
-            </a:r>
-            <a:r>
-              <a:rPr lang="fr-FR" sz="1200" kern="1200" dirty="0">
-                <a:solidFill>
-                  <a:prstClr val="black"/>
-                </a:solidFill>
-                <a:latin typeface="Calibri" panose="020F0502020204030204" pitchFamily="34" charset="0"/>
-                <a:ea typeface="Calibri" panose="020F0502020204030204" pitchFamily="34" charset="0"/>
-                <a:cs typeface="Calibri" panose="020F0502020204030204" pitchFamily="34" charset="0"/>
-              </a:rPr>
-              <a:t> </a:t>
-            </a:r>
-            <a:r>
-              <a:rPr lang="fr-FR" sz="1200" kern="1200" dirty="0" err="1">
-                <a:solidFill>
-                  <a:prstClr val="black"/>
-                </a:solidFill>
-                <a:latin typeface="Calibri" panose="020F0502020204030204" pitchFamily="34" charset="0"/>
-                <a:ea typeface="Calibri" panose="020F0502020204030204" pitchFamily="34" charset="0"/>
-                <a:cs typeface="Calibri" panose="020F0502020204030204" pitchFamily="34" charset="0"/>
-              </a:rPr>
-              <a:t>Search</a:t>
-            </a:r>
-            <a:endParaRPr lang="fr-FR" sz="1200" kern="1200" dirty="0">
-              <a:solidFill>
-                <a:prstClr val="black"/>
-              </a:solidFill>
-              <a:latin typeface="Calibri" panose="020F0502020204030204" pitchFamily="34" charset="0"/>
-              <a:ea typeface="Calibri" panose="020F0502020204030204" pitchFamily="34" charset="0"/>
-              <a:cs typeface="Calibri" panose="020F0502020204030204" pitchFamily="34" charset="0"/>
-            </a:endParaRPr>
-          </a:p>
-          <a:p>
-            <a:pPr algn="ctr" defTabSz="609585" fontAlgn="base">
-              <a:spcBef>
-                <a:spcPct val="0"/>
-              </a:spcBef>
-              <a:spcAft>
-                <a:spcPct val="0"/>
-              </a:spcAft>
-              <a:buClrTx/>
-              <a:defRPr/>
-            </a:pPr>
-            <a:r>
-              <a:rPr lang="en-US" sz="1067" kern="1200" dirty="0">
-                <a:solidFill>
-                  <a:prstClr val="black"/>
-                </a:solidFill>
-                <a:latin typeface="Calibri" panose="020F0502020204030204" pitchFamily="34" charset="0"/>
-                <a:ea typeface="Calibri" panose="020F0502020204030204" pitchFamily="34" charset="0"/>
-                <a:cs typeface="Calibri" panose="020F0502020204030204" pitchFamily="34" charset="0"/>
-              </a:rPr>
-              <a:t>(</a:t>
-            </a:r>
-            <a:r>
-              <a:rPr lang="en-US" sz="867" kern="1200" dirty="0" err="1">
-                <a:solidFill>
-                  <a:srgbClr val="4BACC6">
-                    <a:lumMod val="50000"/>
-                  </a:srgbClr>
-                </a:solidFill>
-                <a:latin typeface="Consolas" panose="020B0609020204030204" pitchFamily="49" charset="0"/>
-                <a:ea typeface="Calibri" panose="020F0502020204030204" pitchFamily="34" charset="0"/>
-                <a:cs typeface="Calibri" panose="020F0502020204030204" pitchFamily="34" charset="0"/>
-              </a:rPr>
-              <a:t>dtr</a:t>
-            </a:r>
-            <a:r>
-              <a:rPr lang="en-US" sz="867" kern="1200" dirty="0">
-                <a:solidFill>
-                  <a:srgbClr val="4BACC6">
-                    <a:lumMod val="50000"/>
-                  </a:srgbClr>
-                </a:solidFill>
-                <a:latin typeface="Consolas" panose="020B0609020204030204" pitchFamily="49" charset="0"/>
-                <a:ea typeface="Calibri" panose="020F0502020204030204" pitchFamily="34" charset="0"/>
-                <a:cs typeface="Calibri" panose="020F0502020204030204" pitchFamily="34" charset="0"/>
-              </a:rPr>
-              <a:t>-questionnaire-adapt-search</a:t>
-            </a:r>
-            <a:r>
-              <a:rPr lang="en-US" sz="1067" kern="1200" dirty="0">
-                <a:solidFill>
-                  <a:prstClr val="black"/>
-                </a:solidFill>
-                <a:latin typeface="Arial" panose="020B0604020202020204" pitchFamily="34" charset="0"/>
-                <a:ea typeface="ヒラギノ角ゴ Pro W3" pitchFamily="-126" charset="-128"/>
-              </a:rPr>
-              <a:t>)</a:t>
-            </a:r>
-            <a:endParaRPr lang="en-US" sz="1067" kern="1200" dirty="0">
-              <a:solidFill>
-                <a:prstClr val="black"/>
-              </a:solidFill>
-              <a:latin typeface="Calibri" panose="020F0502020204030204" pitchFamily="34" charset="0"/>
-              <a:ea typeface="Calibri" panose="020F0502020204030204" pitchFamily="34" charset="0"/>
-              <a:cs typeface="Calibri" panose="020F0502020204030204" pitchFamily="34" charset="0"/>
-            </a:endParaRPr>
-          </a:p>
-        </p:txBody>
-      </p:sp>
-      <p:sp>
-        <p:nvSpPr>
-          <p:cNvPr id="25" name="Rectangle: Rounded Corners 24">
-            <a:extLst>
-              <a:ext uri="{FF2B5EF4-FFF2-40B4-BE49-F238E27FC236}">
-                <a16:creationId xmlns:a16="http://schemas.microsoft.com/office/drawing/2014/main" id="{F2DF93E2-5842-34C6-8DB2-4206F1A32676}"/>
-              </a:ext>
-            </a:extLst>
-          </p:cNvPr>
-          <p:cNvSpPr/>
-          <p:nvPr/>
-        </p:nvSpPr>
-        <p:spPr>
-          <a:xfrm>
-            <a:off x="4802076" y="4093903"/>
-            <a:ext cx="794764" cy="168019"/>
-          </a:xfrm>
-          <a:prstGeom prst="roundRect">
-            <a:avLst>
-              <a:gd name="adj" fmla="val 6294"/>
-            </a:avLst>
-          </a:prstGeom>
-          <a:noFill/>
-          <a:ln w="15875" cap="flat" cmpd="sng" algn="ctr">
-            <a:solidFill>
-              <a:srgbClr val="C00000"/>
-            </a:solidFill>
-            <a:prstDash val="solid"/>
-          </a:ln>
-          <a:effectLst/>
-        </p:spPr>
-        <p:txBody>
-          <a:bodyPr rtlCol="0" anchor="ctr"/>
-          <a:lstStyle/>
-          <a:p>
-            <a:pPr algn="ctr" defTabSz="914377">
-              <a:buClrTx/>
-              <a:defRPr/>
-            </a:pPr>
-            <a:endParaRPr lang="en-US" sz="1800">
-              <a:solidFill>
-                <a:prstClr val="white"/>
-              </a:solidFill>
-              <a:ea typeface="ヒラギノ角ゴ Pro W3" pitchFamily="-126" charset="-128"/>
-              <a:cs typeface="+mn-cs"/>
-            </a:endParaRPr>
-          </a:p>
-        </p:txBody>
-      </p:sp>
-      <p:sp>
-        <p:nvSpPr>
-          <p:cNvPr id="28" name="Text Placeholder 4">
-            <a:extLst>
-              <a:ext uri="{FF2B5EF4-FFF2-40B4-BE49-F238E27FC236}">
-                <a16:creationId xmlns:a16="http://schemas.microsoft.com/office/drawing/2014/main" id="{46E3D7FE-795A-7204-2743-01A674BD9387}"/>
-              </a:ext>
-            </a:extLst>
-          </p:cNvPr>
-          <p:cNvSpPr txBox="1">
-            <a:spLocks/>
-          </p:cNvSpPr>
-          <p:nvPr/>
-        </p:nvSpPr>
-        <p:spPr>
-          <a:xfrm>
-            <a:off x="3779194" y="1278428"/>
-            <a:ext cx="7422266" cy="477169"/>
-          </a:xfrm>
-          <a:prstGeom prst="rect">
-            <a:avLst/>
-          </a:prstGeom>
-        </p:spPr>
-        <p:txBody>
-          <a:bodyPr/>
-          <a:lstStyle>
-            <a:lvl1pPr marL="228600" indent="-228600" algn="l" defTabSz="914400" rtl="0" eaLnBrk="1" latinLnBrk="0" hangingPunct="1">
-              <a:lnSpc>
-                <a:spcPct val="90000"/>
-              </a:lnSpc>
-              <a:spcBef>
-                <a:spcPts val="1000"/>
-              </a:spcBef>
-              <a:buFont typeface="Arial" panose="020B0604020202020204" pitchFamily="34" charset="0"/>
-              <a:buChar char="•"/>
-              <a:defRPr sz="2400" kern="1200">
-                <a:solidFill>
-                  <a:srgbClr val="472005"/>
-                </a:solidFill>
-                <a:latin typeface="+mn-lt"/>
-                <a:ea typeface="+mn-ea"/>
-                <a:cs typeface="+mn-cs"/>
-              </a:defRPr>
-            </a:lvl1pPr>
-            <a:lvl2pPr marL="685800" indent="-228600" algn="l" defTabSz="914400" rtl="0" eaLnBrk="1" latinLnBrk="0" hangingPunct="1">
-              <a:lnSpc>
-                <a:spcPct val="90000"/>
-              </a:lnSpc>
-              <a:spcBef>
-                <a:spcPts val="500"/>
-              </a:spcBef>
-              <a:buFont typeface="Arial" panose="020B0604020202020204" pitchFamily="34" charset="0"/>
-              <a:buChar char="•"/>
-              <a:defRPr sz="2000" kern="1200">
-                <a:solidFill>
-                  <a:srgbClr val="472005"/>
-                </a:solidFill>
-                <a:latin typeface="+mn-lt"/>
-                <a:ea typeface="+mn-ea"/>
-                <a:cs typeface="+mn-cs"/>
-              </a:defRPr>
-            </a:lvl2pPr>
-            <a:lvl3pPr marL="1143000" indent="-228600" algn="l" defTabSz="914400" rtl="0" eaLnBrk="1" latinLnBrk="0" hangingPunct="1">
-              <a:lnSpc>
-                <a:spcPct val="90000"/>
-              </a:lnSpc>
-              <a:spcBef>
-                <a:spcPts val="500"/>
-              </a:spcBef>
-              <a:buFont typeface="Arial" panose="020B0604020202020204" pitchFamily="34" charset="0"/>
-              <a:buChar char="•"/>
-              <a:defRPr sz="1800" kern="1200">
-                <a:solidFill>
-                  <a:srgbClr val="472005"/>
-                </a:solidFill>
-                <a:latin typeface="+mn-lt"/>
-                <a:ea typeface="+mn-ea"/>
-                <a:cs typeface="+mn-cs"/>
-              </a:defRPr>
-            </a:lvl3pPr>
-            <a:lvl4pPr marL="1600200" indent="-228600" algn="l" defTabSz="914400" rtl="0" eaLnBrk="1" latinLnBrk="0" hangingPunct="1">
-              <a:lnSpc>
-                <a:spcPct val="90000"/>
-              </a:lnSpc>
-              <a:spcBef>
-                <a:spcPts val="500"/>
-              </a:spcBef>
-              <a:buFont typeface="Arial" panose="020B0604020202020204" pitchFamily="34" charset="0"/>
-              <a:buChar char="•"/>
-              <a:defRPr sz="1600" kern="1200">
-                <a:solidFill>
-                  <a:srgbClr val="472005"/>
-                </a:solidFill>
-                <a:latin typeface="+mn-lt"/>
-                <a:ea typeface="+mn-ea"/>
-                <a:cs typeface="+mn-cs"/>
-              </a:defRPr>
-            </a:lvl4pPr>
-            <a:lvl5pPr marL="2057400" indent="-228600" algn="l" defTabSz="914400" rtl="0" eaLnBrk="1" latinLnBrk="0" hangingPunct="1">
-              <a:lnSpc>
-                <a:spcPct val="90000"/>
-              </a:lnSpc>
-              <a:spcBef>
-                <a:spcPts val="500"/>
-              </a:spcBef>
-              <a:buFont typeface="Arial" panose="020B0604020202020204" pitchFamily="34" charset="0"/>
-              <a:buChar char="•"/>
-              <a:defRPr sz="1600" kern="1200">
-                <a:solidFill>
-                  <a:srgbClr val="472005"/>
-                </a:solidFill>
-                <a:latin typeface="+mn-lt"/>
-                <a:ea typeface="+mn-ea"/>
-                <a:cs typeface="+mn-cs"/>
-              </a:defRPr>
-            </a:lvl5pPr>
-            <a:lvl6pPr marL="2514600" indent="-228600" algn="l" defTabSz="914400" rtl="0" eaLnBrk="1" latinLnBrk="0" hangingPunct="1">
-              <a:lnSpc>
-                <a:spcPct val="90000"/>
-              </a:lnSpc>
-              <a:spcBef>
-                <a:spcPts val="500"/>
-              </a:spcBef>
-              <a:buFont typeface="Arial" panose="020B0604020202020204" pitchFamily="34" charset="0"/>
-              <a:buChar char="•"/>
-              <a:defRPr sz="1800" kern="1200">
-                <a:solidFill>
-                  <a:schemeClr val="tx1"/>
-                </a:solidFill>
-                <a:latin typeface="+mn-lt"/>
-                <a:ea typeface="+mn-ea"/>
-                <a:cs typeface="+mn-cs"/>
-              </a:defRPr>
-            </a:lvl6pPr>
-            <a:lvl7pPr marL="2971800" indent="-228600" algn="l" defTabSz="914400" rtl="0" eaLnBrk="1" latinLnBrk="0" hangingPunct="1">
-              <a:lnSpc>
-                <a:spcPct val="90000"/>
-              </a:lnSpc>
-              <a:spcBef>
-                <a:spcPts val="500"/>
-              </a:spcBef>
-              <a:buFont typeface="Arial" panose="020B0604020202020204" pitchFamily="34" charset="0"/>
-              <a:buChar char="•"/>
-              <a:defRPr sz="1800" kern="1200">
-                <a:solidFill>
-                  <a:schemeClr val="tx1"/>
-                </a:solidFill>
-                <a:latin typeface="+mn-lt"/>
-                <a:ea typeface="+mn-ea"/>
-                <a:cs typeface="+mn-cs"/>
-              </a:defRPr>
-            </a:lvl7pPr>
-            <a:lvl8pPr marL="3429000" indent="-228600" algn="l" defTabSz="914400" rtl="0" eaLnBrk="1" latinLnBrk="0" hangingPunct="1">
-              <a:lnSpc>
-                <a:spcPct val="90000"/>
-              </a:lnSpc>
-              <a:spcBef>
-                <a:spcPts val="500"/>
-              </a:spcBef>
-              <a:buFont typeface="Arial" panose="020B0604020202020204" pitchFamily="34" charset="0"/>
-              <a:buChar char="•"/>
-              <a:defRPr sz="1800" kern="1200">
-                <a:solidFill>
-                  <a:schemeClr val="tx1"/>
-                </a:solidFill>
-                <a:latin typeface="+mn-lt"/>
-                <a:ea typeface="+mn-ea"/>
-                <a:cs typeface="+mn-cs"/>
-              </a:defRPr>
-            </a:lvl8pPr>
-            <a:lvl9pPr marL="3886200" indent="-228600" algn="l" defTabSz="914400" rtl="0" eaLnBrk="1" latinLnBrk="0" hangingPunct="1">
-              <a:lnSpc>
-                <a:spcPct val="90000"/>
-              </a:lnSpc>
-              <a:spcBef>
-                <a:spcPts val="500"/>
-              </a:spcBef>
-              <a:buFont typeface="Arial" panose="020B0604020202020204" pitchFamily="34" charset="0"/>
-              <a:buChar char="•"/>
-              <a:defRPr sz="1800" kern="1200">
-                <a:solidFill>
-                  <a:schemeClr val="tx1"/>
-                </a:solidFill>
-                <a:latin typeface="+mn-lt"/>
-                <a:ea typeface="+mn-ea"/>
-                <a:cs typeface="+mn-cs"/>
-              </a:defRPr>
-            </a:lvl9pPr>
-          </a:lstStyle>
-          <a:p>
-            <a:pPr>
-              <a:lnSpc>
-                <a:spcPct val="100000"/>
-              </a:lnSpc>
-              <a:spcAft>
-                <a:spcPts val="600"/>
-              </a:spcAft>
-              <a:buClrTx/>
-            </a:pPr>
-            <a:r>
-              <a:rPr lang="en-CA" b="1" dirty="0"/>
-              <a:t>Determining ‘Standard’ or ‘Adaptive’ Paradigm</a:t>
-            </a:r>
-          </a:p>
-        </p:txBody>
-      </p:sp>
-    </p:spTree>
-    <p:extLst>
-      <p:ext uri="{BB962C8B-B14F-4D97-AF65-F5344CB8AC3E}">
-        <p14:creationId xmlns:p14="http://schemas.microsoft.com/office/powerpoint/2010/main" val="2366808443"/>
-      </p:ext>
-    </p:extLst>
-  </p:cSld>
-  <p:clrMapOvr>
-    <a:masterClrMapping/>
-  </p:clrMapOvr>
-</p:sld>
-</file>
-
-<file path=ppt/slides/slide16.xml><?xml version="1.0" encoding="utf-8"?>
-<p:sld xmlns:a="http://schemas.openxmlformats.org/drawingml/2006/main" xmlns:r="http://schemas.openxmlformats.org/officeDocument/2006/relationships" xmlns:p="http://schemas.openxmlformats.org/presentationml/2006/main">
-  <p:cSld>
-    <p:spTree>
-      <p:nvGrpSpPr>
-        <p:cNvPr id="1" name="">
-          <a:extLst>
-            <a:ext uri="{FF2B5EF4-FFF2-40B4-BE49-F238E27FC236}">
-              <a16:creationId xmlns:a16="http://schemas.microsoft.com/office/drawing/2014/main" id="{5B8882B4-6535-2163-687E-BF28A27EFE85}"/>
-            </a:ext>
-          </a:extLst>
-        </p:cNvPr>
-        <p:cNvGrpSpPr/>
-        <p:nvPr/>
-      </p:nvGrpSpPr>
-      <p:grpSpPr>
-        <a:xfrm>
-          <a:off x="0" y="0"/>
-          <a:ext cx="0" cy="0"/>
-          <a:chOff x="0" y="0"/>
-          <a:chExt cx="0" cy="0"/>
-        </a:xfrm>
-      </p:grpSpPr>
-      <p:sp>
-        <p:nvSpPr>
-          <p:cNvPr id="33" name="Title 3">
-            <a:extLst>
-              <a:ext uri="{FF2B5EF4-FFF2-40B4-BE49-F238E27FC236}">
-                <a16:creationId xmlns:a16="http://schemas.microsoft.com/office/drawing/2014/main" id="{8235B59A-A200-CADF-FF56-0375E2FFE5B0}"/>
-              </a:ext>
-            </a:extLst>
-          </p:cNvPr>
-          <p:cNvSpPr>
-            <a:spLocks noGrp="1"/>
-          </p:cNvSpPr>
-          <p:nvPr>
-            <p:ph type="title"/>
-          </p:nvPr>
-        </p:nvSpPr>
-        <p:spPr>
-          <a:xfrm>
-            <a:off x="3374796" y="197346"/>
-            <a:ext cx="8231062" cy="775778"/>
-          </a:xfrm>
-        </p:spPr>
-        <p:txBody>
-          <a:bodyPr/>
-          <a:lstStyle/>
-          <a:p>
-            <a:r>
-              <a:rPr lang="en-CA" dirty="0"/>
-              <a:t>DTR Adaptive Processing</a:t>
-            </a:r>
-          </a:p>
-        </p:txBody>
-      </p:sp>
-      <p:sp>
-        <p:nvSpPr>
-          <p:cNvPr id="34" name="Text Placeholder 4">
-            <a:extLst>
-              <a:ext uri="{FF2B5EF4-FFF2-40B4-BE49-F238E27FC236}">
-                <a16:creationId xmlns:a16="http://schemas.microsoft.com/office/drawing/2014/main" id="{02E935FF-6FB6-90CD-42F6-64FA40974500}"/>
+                <a16:creationId xmlns:a16="http://schemas.microsoft.com/office/drawing/2014/main" id="{B632E1EF-84BD-B9A5-55A1-FBFAD70B82FE}"/>
               </a:ext>
             </a:extLst>
           </p:cNvPr>
@@ -8167,8 +6971,8 @@
         </p:nvSpPr>
         <p:spPr>
           <a:xfrm>
-            <a:off x="3779194" y="1278428"/>
-            <a:ext cx="7826664" cy="477169"/>
+            <a:off x="3974740" y="1452134"/>
+            <a:ext cx="7849086" cy="5090068"/>
           </a:xfrm>
         </p:spPr>
         <p:txBody>
@@ -8184,1796 +6988,355 @@
               </a:spcAft>
             </a:pPr>
             <a:r>
-              <a:rPr lang="en-CA" b="1" dirty="0"/>
-              <a:t>Process Flow for Adaptive Forms </a:t>
-            </a:r>
-            <a:r>
-              <a:rPr lang="en-CA" dirty="0"/>
-              <a:t>(Questionnaires) </a:t>
-            </a:r>
-          </a:p>
-        </p:txBody>
-      </p:sp>
-      <p:sp>
-        <p:nvSpPr>
-          <p:cNvPr id="26" name="Flowchart: Process 25">
-            <a:extLst>
-              <a:ext uri="{FF2B5EF4-FFF2-40B4-BE49-F238E27FC236}">
-                <a16:creationId xmlns:a16="http://schemas.microsoft.com/office/drawing/2014/main" id="{7E4B56ED-E25C-8053-7F46-07D683E12FD2}"/>
-              </a:ext>
-            </a:extLst>
-          </p:cNvPr>
-          <p:cNvSpPr/>
-          <p:nvPr/>
-        </p:nvSpPr>
-        <p:spPr>
-          <a:xfrm>
-            <a:off x="6856609" y="2869739"/>
-            <a:ext cx="1560945" cy="454276"/>
-          </a:xfrm>
-          <a:prstGeom prst="flowChartProcess">
-            <a:avLst/>
-          </a:prstGeom>
-          <a:solidFill>
-            <a:schemeClr val="bg1"/>
-          </a:solidFill>
-          <a:ln>
-            <a:solidFill>
-              <a:schemeClr val="tx1">
-                <a:lumMod val="50000"/>
-                <a:lumOff val="50000"/>
-              </a:schemeClr>
-            </a:solidFill>
-          </a:ln>
-        </p:spPr>
-        <p:style>
-          <a:lnRef idx="1">
-            <a:schemeClr val="accent1"/>
-          </a:lnRef>
-          <a:fillRef idx="3">
-            <a:schemeClr val="accent1"/>
-          </a:fillRef>
-          <a:effectRef idx="2">
-            <a:schemeClr val="accent1"/>
-          </a:effectRef>
-          <a:fontRef idx="minor">
-            <a:schemeClr val="lt1"/>
-          </a:fontRef>
-        </p:style>
-        <p:txBody>
-          <a:bodyPr lIns="36576" tIns="36576" rIns="36576" bIns="36576" rtlCol="0" anchor="ctr"/>
-          <a:lstStyle/>
-          <a:p>
-            <a:pPr algn="ctr" defTabSz="609585" fontAlgn="base">
-              <a:spcBef>
-                <a:spcPct val="0"/>
+              <a:rPr lang="en-US" b="1" dirty="0"/>
+              <a:t>CQL is fundamental</a:t>
+            </a:r>
+            <a:endParaRPr lang="en-CA" b="1" dirty="0"/>
+          </a:p>
+          <a:p>
+            <a:pPr marL="731520" indent="-274320" defTabSz="457200" fontAlgn="base">
+              <a:lnSpc>
+                <a:spcPts val="2300"/>
+              </a:lnSpc>
+              <a:spcBef>
+                <a:spcPts val="300"/>
               </a:spcBef>
               <a:spcAft>
-                <a:spcPct val="0"/>
+                <a:spcPts val="600"/>
+              </a:spcAft>
+              <a:buFont typeface="Wingdings" panose="05000000000000000000" pitchFamily="2" charset="2"/>
+              <a:buChar char="§"/>
+            </a:pPr>
+            <a:r>
+              <a:rPr lang="en-US" sz="2000" dirty="0"/>
+              <a:t>Not called out in regulation – required by DTR</a:t>
+            </a:r>
+          </a:p>
+          <a:p>
+            <a:pPr marL="731520" indent="-274320" defTabSz="457200" fontAlgn="base">
+              <a:lnSpc>
+                <a:spcPts val="2300"/>
+              </a:lnSpc>
+              <a:spcBef>
+                <a:spcPts val="300"/>
+              </a:spcBef>
+              <a:spcAft>
+                <a:spcPts val="600"/>
               </a:spcAft>
               <a:buClrTx/>
+              <a:buFont typeface="Wingdings" panose="05000000000000000000" pitchFamily="2" charset="2"/>
+              <a:buChar char="§"/>
             </a:pPr>
             <a:r>
-              <a:rPr lang="en-US" sz="867" kern="1200" dirty="0">
-                <a:solidFill>
-                  <a:srgbClr val="4F81BD">
-                    <a:lumMod val="75000"/>
-                  </a:srgbClr>
-                </a:solidFill>
-                <a:latin typeface="Consolas" panose="020B0609020204030204" pitchFamily="49" charset="0"/>
-              </a:rPr>
-              <a:t>$next-question</a:t>
-            </a:r>
-            <a:r>
-              <a:rPr lang="en-US" sz="867" kern="1200" dirty="0">
-                <a:solidFill>
-                  <a:prstClr val="black"/>
-                </a:solidFill>
-                <a:latin typeface="Arial"/>
-              </a:rPr>
-              <a:t> </a:t>
-            </a:r>
-            <a:r>
-              <a:rPr lang="en-US" sz="933" kern="1200" dirty="0">
-                <a:solidFill>
-                  <a:prstClr val="black"/>
-                </a:solidFill>
-                <a:latin typeface="Arial"/>
-              </a:rPr>
-              <a:t>operation</a:t>
-            </a:r>
-            <a:endParaRPr lang="en-US" kern="1200" dirty="0">
+              <a:rPr lang="en-US" sz="2000" dirty="0"/>
+              <a:t>Leveraged for both Standard and Adaptive forms</a:t>
+            </a:r>
+            <a:endParaRPr lang="en-US" sz="2000" kern="1200" dirty="0">
               <a:solidFill>
-                <a:prstClr val="black"/>
+                <a:srgbClr val="472005"/>
               </a:solidFill>
-              <a:latin typeface="Arial"/>
+              <a:latin typeface="+mn-lt"/>
+              <a:ea typeface="+mn-ea"/>
+              <a:cs typeface="+mn-cs"/>
             </a:endParaRPr>
           </a:p>
-        </p:txBody>
-      </p:sp>
-      <p:cxnSp>
-        <p:nvCxnSpPr>
-          <p:cNvPr id="27" name="Straight Arrow Connector 26">
-            <a:extLst>
-              <a:ext uri="{FF2B5EF4-FFF2-40B4-BE49-F238E27FC236}">
-                <a16:creationId xmlns:a16="http://schemas.microsoft.com/office/drawing/2014/main" id="{96004292-FD23-8FF0-0C9D-CAF165492E22}"/>
-              </a:ext>
-            </a:extLst>
-          </p:cNvPr>
-          <p:cNvCxnSpPr>
-            <a:cxnSpLocks/>
-          </p:cNvCxnSpPr>
-          <p:nvPr/>
-        </p:nvCxnSpPr>
-        <p:spPr>
-          <a:xfrm>
-            <a:off x="7637081" y="2533494"/>
-            <a:ext cx="1" cy="336245"/>
-          </a:xfrm>
-          <a:prstGeom prst="straightConnector1">
-            <a:avLst/>
-          </a:prstGeom>
-          <a:noFill/>
-          <a:ln w="22225" cap="flat" cmpd="sng" algn="ctr">
-            <a:solidFill>
-              <a:schemeClr val="tx1">
-                <a:lumMod val="85000"/>
-                <a:lumOff val="15000"/>
-              </a:schemeClr>
-            </a:solidFill>
-            <a:prstDash val="solid"/>
-            <a:miter lim="800000"/>
-            <a:tailEnd type="stealth" w="lg" len="lg"/>
-          </a:ln>
-          <a:effectLst/>
-        </p:spPr>
-      </p:cxnSp>
-      <p:cxnSp>
-        <p:nvCxnSpPr>
-          <p:cNvPr id="28" name="Straight Arrow Connector 27">
-            <a:extLst>
-              <a:ext uri="{FF2B5EF4-FFF2-40B4-BE49-F238E27FC236}">
-                <a16:creationId xmlns:a16="http://schemas.microsoft.com/office/drawing/2014/main" id="{2D5C67B3-B8CE-CAA8-90AC-A04BFCA2EA33}"/>
-              </a:ext>
-            </a:extLst>
-          </p:cNvPr>
-          <p:cNvCxnSpPr>
-            <a:cxnSpLocks/>
-          </p:cNvCxnSpPr>
-          <p:nvPr/>
-        </p:nvCxnSpPr>
-        <p:spPr>
-          <a:xfrm flipH="1">
-            <a:off x="8427885" y="3152608"/>
-            <a:ext cx="1073341" cy="0"/>
-          </a:xfrm>
-          <a:prstGeom prst="straightConnector1">
-            <a:avLst/>
-          </a:prstGeom>
-          <a:noFill/>
-          <a:ln w="22225" cap="flat" cmpd="sng" algn="ctr">
-            <a:solidFill>
-              <a:schemeClr val="tx1">
-                <a:lumMod val="85000"/>
-                <a:lumOff val="15000"/>
-              </a:schemeClr>
-            </a:solidFill>
-            <a:prstDash val="solid"/>
-            <a:miter lim="800000"/>
-            <a:tailEnd type="stealth" w="lg" len="lg"/>
-          </a:ln>
-          <a:effectLst/>
-        </p:spPr>
-      </p:cxnSp>
-      <p:cxnSp>
-        <p:nvCxnSpPr>
-          <p:cNvPr id="29" name="Straight Arrow Connector 28">
-            <a:extLst>
-              <a:ext uri="{FF2B5EF4-FFF2-40B4-BE49-F238E27FC236}">
-                <a16:creationId xmlns:a16="http://schemas.microsoft.com/office/drawing/2014/main" id="{A1E4DDEF-E7FC-A74A-CAF5-FB53E91E437F}"/>
-              </a:ext>
-            </a:extLst>
-          </p:cNvPr>
-          <p:cNvCxnSpPr>
-            <a:cxnSpLocks/>
-            <a:stCxn id="44" idx="0"/>
-          </p:cNvCxnSpPr>
-          <p:nvPr/>
-        </p:nvCxnSpPr>
-        <p:spPr>
-          <a:xfrm flipH="1" flipV="1">
-            <a:off x="9501226" y="3135729"/>
-            <a:ext cx="1" cy="2347892"/>
-          </a:xfrm>
-          <a:prstGeom prst="straightConnector1">
-            <a:avLst/>
-          </a:prstGeom>
-          <a:noFill/>
-          <a:ln w="22225" cap="flat" cmpd="sng" algn="ctr">
-            <a:solidFill>
-              <a:schemeClr val="tx1">
-                <a:lumMod val="85000"/>
-                <a:lumOff val="15000"/>
-              </a:schemeClr>
-            </a:solidFill>
-            <a:prstDash val="solid"/>
-            <a:miter lim="800000"/>
-            <a:tailEnd type="none" w="lg" len="lg"/>
-          </a:ln>
-          <a:effectLst/>
-        </p:spPr>
-      </p:cxnSp>
-      <p:sp>
-        <p:nvSpPr>
-          <p:cNvPr id="30" name="TextBox 29">
-            <a:extLst>
-              <a:ext uri="{FF2B5EF4-FFF2-40B4-BE49-F238E27FC236}">
-                <a16:creationId xmlns:a16="http://schemas.microsoft.com/office/drawing/2014/main" id="{5BB1C53B-5119-DB48-EB15-31A3263A39AC}"/>
-              </a:ext>
-            </a:extLst>
-          </p:cNvPr>
-          <p:cNvSpPr txBox="1"/>
-          <p:nvPr/>
-        </p:nvSpPr>
-        <p:spPr>
-          <a:xfrm>
-            <a:off x="8619191" y="1945477"/>
-            <a:ext cx="2083853" cy="235898"/>
-          </a:xfrm>
-          <a:prstGeom prst="rect">
-            <a:avLst/>
-          </a:prstGeom>
-          <a:noFill/>
-        </p:spPr>
-        <p:txBody>
-          <a:bodyPr wrap="square" lIns="0" rIns="0">
-            <a:spAutoFit/>
-          </a:bodyPr>
-          <a:lstStyle/>
-          <a:p>
-            <a:pPr defTabSz="609585" fontAlgn="base">
-              <a:spcBef>
-                <a:spcPct val="0"/>
+          <a:p>
+            <a:pPr marL="731520" indent="-274320" defTabSz="457200" fontAlgn="base">
+              <a:lnSpc>
+                <a:spcPts val="2300"/>
+              </a:lnSpc>
+              <a:spcBef>
+                <a:spcPts val="300"/>
               </a:spcBef>
               <a:spcAft>
-                <a:spcPct val="0"/>
+                <a:spcPts val="600"/>
               </a:spcAft>
               <a:buClrTx/>
+              <a:buFont typeface="Wingdings" panose="05000000000000000000" pitchFamily="2" charset="2"/>
+              <a:buChar char="§"/>
             </a:pPr>
             <a:r>
-              <a:rPr lang="en-US" sz="933" kern="1200" dirty="0">
-                <a:solidFill>
-                  <a:prstClr val="black"/>
-                </a:solidFill>
-                <a:ea typeface="ヒラギノ角ゴ Pro W3" pitchFamily="-126" charset="-128"/>
+              <a:rPr lang="en-US" sz="2000" kern="1200" dirty="0">
+                <a:solidFill>
+                  <a:srgbClr val="472005"/>
+                </a:solidFill>
+                <a:latin typeface="+mn-lt"/>
+                <a:ea typeface="+mn-ea"/>
                 <a:cs typeface="+mn-cs"/>
               </a:rPr>
-              <a:t>(Supplies base url for </a:t>
-            </a:r>
-            <a:r>
-              <a:rPr lang="en-US" sz="867" kern="1200" dirty="0">
-                <a:solidFill>
-                  <a:srgbClr val="4F81BD">
-                    <a:lumMod val="75000"/>
+              <a:t>Can drive logic within Standard forms</a:t>
+            </a:r>
+            <a:endParaRPr lang="en-US" sz="2000" dirty="0"/>
+          </a:p>
+          <a:p>
+            <a:pPr>
+              <a:lnSpc>
+                <a:spcPct val="100000"/>
+              </a:lnSpc>
+              <a:spcBef>
+                <a:spcPts val="2400"/>
+              </a:spcBef>
+              <a:spcAft>
+                <a:spcPts val="600"/>
+              </a:spcAft>
+            </a:pPr>
+            <a:r>
+              <a:rPr lang="en-US" sz="2000" b="1" dirty="0"/>
+              <a:t>Necessary Extensions </a:t>
+            </a:r>
+            <a:endParaRPr lang="en-CA" sz="2000" b="1" dirty="0"/>
+          </a:p>
+          <a:p>
+            <a:pPr marL="800100" indent="-342900" defTabSz="457200" fontAlgn="base">
+              <a:lnSpc>
+                <a:spcPts val="2300"/>
+              </a:lnSpc>
+              <a:spcBef>
+                <a:spcPts val="300"/>
+              </a:spcBef>
+              <a:spcAft>
+                <a:spcPts val="600"/>
+              </a:spcAft>
+              <a:buFont typeface="Arial" panose="020B0604020202020204" pitchFamily="34" charset="0"/>
+              <a:buChar char="↑"/>
+            </a:pPr>
+            <a:r>
+              <a:rPr lang="en-US" sz="2000" dirty="0"/>
+              <a:t>Coverage Information (</a:t>
+            </a:r>
+            <a:r>
+              <a:rPr lang="en-US" sz="1800" dirty="0">
+                <a:solidFill>
+                  <a:srgbClr val="4BACC6">
+                    <a:lumMod val="50000"/>
                   </a:srgbClr>
                 </a:solidFill>
                 <a:latin typeface="Consolas" panose="020B0609020204030204" pitchFamily="49" charset="0"/>
-                <a:ea typeface="ヒラギノ角ゴ Pro W3" pitchFamily="-126" charset="-128"/>
-                <a:cs typeface="+mn-cs"/>
-              </a:rPr>
-              <a:t>$next-question</a:t>
-            </a:r>
-            <a:r>
-              <a:rPr lang="en-US" sz="933" kern="1200" dirty="0">
-                <a:solidFill>
-                  <a:prstClr val="black"/>
-                </a:solidFill>
-                <a:ea typeface="ヒラギノ角ゴ Pro W3" pitchFamily="-126" charset="-128"/>
-                <a:cs typeface="+mn-cs"/>
-              </a:rPr>
-              <a:t>)</a:t>
-            </a:r>
-            <a:endParaRPr lang="en-US" sz="2400" kern="1200" dirty="0">
-              <a:solidFill>
-                <a:prstClr val="black"/>
-              </a:solidFill>
-              <a:latin typeface="Arial" panose="020B0604020202020204" pitchFamily="34" charset="0"/>
-              <a:ea typeface="ヒラギノ角ゴ Pro W3" pitchFamily="-126" charset="-128"/>
-              <a:cs typeface="+mn-cs"/>
-            </a:endParaRPr>
-          </a:p>
-        </p:txBody>
-      </p:sp>
-      <p:sp>
-        <p:nvSpPr>
-          <p:cNvPr id="31" name="TextBox 30">
-            <a:extLst>
-              <a:ext uri="{FF2B5EF4-FFF2-40B4-BE49-F238E27FC236}">
-                <a16:creationId xmlns:a16="http://schemas.microsoft.com/office/drawing/2014/main" id="{9C049379-CB21-A99A-EC27-13A8966244E2}"/>
-              </a:ext>
-            </a:extLst>
-          </p:cNvPr>
-          <p:cNvSpPr txBox="1"/>
-          <p:nvPr/>
-        </p:nvSpPr>
-        <p:spPr>
-          <a:xfrm>
-            <a:off x="8477531" y="2836550"/>
-            <a:ext cx="2367173" cy="247375"/>
-          </a:xfrm>
-          <a:prstGeom prst="rect">
-            <a:avLst/>
-          </a:prstGeom>
-          <a:noFill/>
-        </p:spPr>
-        <p:txBody>
-          <a:bodyPr wrap="square" lIns="0" rIns="0">
-            <a:spAutoFit/>
-          </a:bodyPr>
-          <a:lstStyle/>
-          <a:p>
-            <a:pPr defTabSz="609585" fontAlgn="base">
-              <a:lnSpc>
-                <a:spcPts val="1333"/>
-              </a:lnSpc>
-              <a:spcBef>
-                <a:spcPct val="0"/>
-              </a:spcBef>
-              <a:spcAft>
-                <a:spcPct val="0"/>
-              </a:spcAft>
-              <a:buClrTx/>
-            </a:pPr>
-            <a:r>
-              <a:rPr lang="en-US" sz="933" kern="1200" dirty="0">
-                <a:solidFill>
-                  <a:prstClr val="black"/>
-                </a:solidFill>
-                <a:ea typeface="ヒラギノ角ゴ Pro W3" pitchFamily="-126" charset="-128"/>
-                <a:cs typeface="+mn-cs"/>
-              </a:rPr>
-              <a:t>(</a:t>
-            </a:r>
-            <a:r>
-              <a:rPr lang="en-US" sz="933" b="1" kern="1200" dirty="0">
-                <a:solidFill>
-                  <a:prstClr val="black"/>
-                </a:solidFill>
-                <a:ea typeface="ヒラギノ角ゴ Pro W3" pitchFamily="-126" charset="-128"/>
-                <a:cs typeface="+mn-cs"/>
-              </a:rPr>
-              <a:t>Input: </a:t>
-            </a:r>
-            <a:r>
-              <a:rPr lang="en-US" sz="867" kern="1200" dirty="0">
-                <a:solidFill>
-                  <a:srgbClr val="4F81BD">
-                    <a:lumMod val="75000"/>
-                  </a:srgbClr>
-                </a:solidFill>
-                <a:latin typeface="Consolas" panose="020B0609020204030204" pitchFamily="49" charset="0"/>
-                <a:ea typeface="ヒラギノ角ゴ Pro W3" pitchFamily="-126" charset="-128"/>
-                <a:cs typeface="+mn-cs"/>
-              </a:rPr>
-              <a:t>QuestionnaireResponse</a:t>
-            </a:r>
-            <a:r>
-              <a:rPr lang="en-US" sz="933" kern="1200" dirty="0">
-                <a:solidFill>
-                  <a:prstClr val="black"/>
-                </a:solidFill>
-                <a:ea typeface="ヒラギノ角ゴ Pro W3" pitchFamily="-126" charset="-128"/>
-                <a:cs typeface="+mn-cs"/>
-              </a:rPr>
-              <a:t> resource)</a:t>
-            </a:r>
-            <a:endParaRPr lang="en-US" sz="867" kern="1200" dirty="0">
-              <a:solidFill>
-                <a:prstClr val="black"/>
-              </a:solidFill>
-              <a:latin typeface="Consolas" panose="020B0609020204030204" pitchFamily="49" charset="0"/>
-              <a:ea typeface="ヒラギノ角ゴ Pro W3" pitchFamily="-126" charset="-128"/>
-              <a:cs typeface="+mn-cs"/>
-            </a:endParaRPr>
-          </a:p>
-        </p:txBody>
-      </p:sp>
-      <p:sp>
-        <p:nvSpPr>
-          <p:cNvPr id="32" name="Flowchart: Document 31">
-            <a:extLst>
-              <a:ext uri="{FF2B5EF4-FFF2-40B4-BE49-F238E27FC236}">
-                <a16:creationId xmlns:a16="http://schemas.microsoft.com/office/drawing/2014/main" id="{4C697F50-02C9-BC30-8021-32C2D0E03AA4}"/>
-              </a:ext>
-            </a:extLst>
-          </p:cNvPr>
-          <p:cNvSpPr/>
-          <p:nvPr/>
-        </p:nvSpPr>
-        <p:spPr>
-          <a:xfrm>
-            <a:off x="6713194" y="1897998"/>
-            <a:ext cx="1847771" cy="680484"/>
-          </a:xfrm>
-          <a:prstGeom prst="flowChartDocument">
-            <a:avLst/>
-          </a:prstGeom>
-          <a:solidFill>
-            <a:schemeClr val="bg1"/>
-          </a:solidFill>
-          <a:ln>
-            <a:solidFill>
-              <a:schemeClr val="tx1">
-                <a:lumMod val="50000"/>
-                <a:lumOff val="50000"/>
-              </a:schemeClr>
-            </a:solidFill>
-          </a:ln>
-        </p:spPr>
-        <p:style>
-          <a:lnRef idx="1">
-            <a:schemeClr val="accent1"/>
-          </a:lnRef>
-          <a:fillRef idx="3">
-            <a:schemeClr val="accent1"/>
-          </a:fillRef>
-          <a:effectRef idx="2">
-            <a:schemeClr val="accent1"/>
-          </a:effectRef>
-          <a:fontRef idx="minor">
-            <a:schemeClr val="lt1"/>
-          </a:fontRef>
-        </p:style>
-        <p:txBody>
-          <a:bodyPr lIns="36576" tIns="36576" rIns="36576" bIns="36576" rtlCol="0" anchor="ctr"/>
-          <a:lstStyle/>
-          <a:p>
-            <a:pPr algn="ctr" defTabSz="609585" fontAlgn="base">
-              <a:lnSpc>
-                <a:spcPts val="1333"/>
-              </a:lnSpc>
-              <a:spcAft>
-                <a:spcPct val="0"/>
-              </a:spcAft>
-              <a:buClrTx/>
-              <a:defRPr/>
-            </a:pPr>
-            <a:r>
-              <a:rPr lang="en-US" sz="933" kern="1200" dirty="0">
-                <a:solidFill>
-                  <a:prstClr val="black"/>
-                </a:solidFill>
-                <a:latin typeface="Arial"/>
-              </a:rPr>
-              <a:t>Questionnaire conformant to </a:t>
-            </a:r>
-            <a:r>
-              <a:rPr lang="en-US" sz="867" kern="1200" dirty="0" err="1">
-                <a:solidFill>
-                  <a:srgbClr val="4F81BD">
-                    <a:lumMod val="75000"/>
-                  </a:srgbClr>
-                </a:solidFill>
-                <a:latin typeface="Consolas" panose="020B0609020204030204" pitchFamily="49" charset="0"/>
-              </a:rPr>
-              <a:t>AdaptiveQuestionnaire</a:t>
-            </a:r>
-            <a:r>
-              <a:rPr lang="en-US" sz="867" kern="1200" dirty="0">
-                <a:solidFill>
-                  <a:srgbClr val="4F81BD">
-                    <a:lumMod val="75000"/>
-                  </a:srgbClr>
-                </a:solidFill>
-                <a:latin typeface="Consolas" panose="020B0609020204030204" pitchFamily="49" charset="0"/>
-              </a:rPr>
-              <a:t>-Search</a:t>
-            </a:r>
-          </a:p>
-          <a:p>
-            <a:pPr algn="ctr" defTabSz="609585" fontAlgn="base">
-              <a:lnSpc>
-                <a:spcPts val="1333"/>
-              </a:lnSpc>
-              <a:spcBef>
-                <a:spcPct val="0"/>
-              </a:spcBef>
-              <a:spcAft>
-                <a:spcPct val="0"/>
-              </a:spcAft>
-              <a:buClrTx/>
-              <a:defRPr/>
-            </a:pPr>
-            <a:r>
-              <a:rPr lang="en-US" sz="933" kern="1200" dirty="0">
-                <a:solidFill>
-                  <a:prstClr val="black"/>
-                </a:solidFill>
-                <a:latin typeface="Arial"/>
-              </a:rPr>
-              <a:t>profile</a:t>
-            </a:r>
-            <a:endParaRPr lang="en-US" sz="867" kern="1200" dirty="0">
-              <a:solidFill>
-                <a:srgbClr val="4F81BD">
-                  <a:lumMod val="75000"/>
-                </a:srgbClr>
-              </a:solidFill>
-              <a:latin typeface="Consolas" panose="020B0609020204030204" pitchFamily="49" charset="0"/>
-            </a:endParaRPr>
-          </a:p>
-        </p:txBody>
-      </p:sp>
-      <p:grpSp>
-        <p:nvGrpSpPr>
-          <p:cNvPr id="35" name="Group 34">
-            <a:extLst>
-              <a:ext uri="{FF2B5EF4-FFF2-40B4-BE49-F238E27FC236}">
-                <a16:creationId xmlns:a16="http://schemas.microsoft.com/office/drawing/2014/main" id="{FDA4FE2B-9D75-261E-4C27-6E70DDF360C0}"/>
-              </a:ext>
-            </a:extLst>
-          </p:cNvPr>
-          <p:cNvGrpSpPr/>
-          <p:nvPr/>
-        </p:nvGrpSpPr>
-        <p:grpSpPr>
-          <a:xfrm>
-            <a:off x="5981679" y="2960237"/>
-            <a:ext cx="874933" cy="2551735"/>
-            <a:chOff x="4501271" y="2070415"/>
-            <a:chExt cx="656200" cy="1913801"/>
-          </a:xfrm>
-        </p:grpSpPr>
-        <p:cxnSp>
-          <p:nvCxnSpPr>
-            <p:cNvPr id="36" name="Straight Arrow Connector 35">
-              <a:extLst>
-                <a:ext uri="{FF2B5EF4-FFF2-40B4-BE49-F238E27FC236}">
-                  <a16:creationId xmlns:a16="http://schemas.microsoft.com/office/drawing/2014/main" id="{D960B743-01A2-F135-6F08-843E51022826}"/>
-                </a:ext>
-              </a:extLst>
-            </p:cNvPr>
-            <p:cNvCxnSpPr>
-              <a:cxnSpLocks/>
-              <a:stCxn id="60" idx="1"/>
-            </p:cNvCxnSpPr>
-            <p:nvPr/>
-          </p:nvCxnSpPr>
-          <p:spPr>
-            <a:xfrm flipH="1" flipV="1">
-              <a:off x="4524664" y="2070415"/>
-              <a:ext cx="632804" cy="775840"/>
-            </a:xfrm>
-            <a:prstGeom prst="straightConnector1">
-              <a:avLst/>
-            </a:prstGeom>
-            <a:noFill/>
-            <a:ln w="6350" cap="flat" cmpd="sng" algn="ctr">
-              <a:solidFill>
-                <a:schemeClr val="bg1">
-                  <a:lumMod val="85000"/>
-                </a:schemeClr>
-              </a:solidFill>
-              <a:prstDash val="dash"/>
-              <a:miter lim="800000"/>
-              <a:tailEnd type="none" w="lg" len="lg"/>
-            </a:ln>
-            <a:effectLst/>
-          </p:spPr>
-        </p:cxnSp>
-        <p:cxnSp>
-          <p:nvCxnSpPr>
-            <p:cNvPr id="37" name="Straight Arrow Connector 36">
-              <a:extLst>
-                <a:ext uri="{FF2B5EF4-FFF2-40B4-BE49-F238E27FC236}">
-                  <a16:creationId xmlns:a16="http://schemas.microsoft.com/office/drawing/2014/main" id="{454E3834-81A5-4781-73BA-5C69F879846F}"/>
-                </a:ext>
-              </a:extLst>
-            </p:cNvPr>
-            <p:cNvCxnSpPr>
-              <a:cxnSpLocks/>
-              <a:stCxn id="60" idx="1"/>
-            </p:cNvCxnSpPr>
-            <p:nvPr/>
-          </p:nvCxnSpPr>
-          <p:spPr>
-            <a:xfrm flipH="1">
-              <a:off x="4501271" y="2846255"/>
-              <a:ext cx="656200" cy="1137961"/>
-            </a:xfrm>
-            <a:prstGeom prst="straightConnector1">
-              <a:avLst/>
-            </a:prstGeom>
-            <a:noFill/>
-            <a:ln w="6350" cap="flat" cmpd="sng" algn="ctr">
-              <a:solidFill>
-                <a:schemeClr val="bg1">
-                  <a:lumMod val="85000"/>
-                </a:schemeClr>
-              </a:solidFill>
-              <a:prstDash val="dash"/>
-              <a:miter lim="800000"/>
-              <a:tailEnd type="none" w="lg" len="lg"/>
-            </a:ln>
-            <a:effectLst/>
-          </p:spPr>
-        </p:cxnSp>
-      </p:grpSp>
-      <p:grpSp>
-        <p:nvGrpSpPr>
-          <p:cNvPr id="38" name="Group 37">
-            <a:extLst>
-              <a:ext uri="{FF2B5EF4-FFF2-40B4-BE49-F238E27FC236}">
-                <a16:creationId xmlns:a16="http://schemas.microsoft.com/office/drawing/2014/main" id="{9FD1BB6A-A42F-6713-BB78-3F3BC1681D35}"/>
-              </a:ext>
-            </a:extLst>
-          </p:cNvPr>
-          <p:cNvGrpSpPr/>
-          <p:nvPr/>
-        </p:nvGrpSpPr>
-        <p:grpSpPr>
-          <a:xfrm>
-            <a:off x="1778191" y="2644636"/>
-            <a:ext cx="4224441" cy="2867336"/>
-            <a:chOff x="561643" y="1958504"/>
-            <a:chExt cx="3168331" cy="2150502"/>
-          </a:xfrm>
-        </p:grpSpPr>
-        <p:sp>
-          <p:nvSpPr>
-            <p:cNvPr id="39" name="TextBox 38">
-              <a:extLst>
-                <a:ext uri="{FF2B5EF4-FFF2-40B4-BE49-F238E27FC236}">
-                  <a16:creationId xmlns:a16="http://schemas.microsoft.com/office/drawing/2014/main" id="{01A2AECD-2F58-853F-50A0-0A8814A018C1}"/>
-                </a:ext>
-              </a:extLst>
-            </p:cNvPr>
-            <p:cNvSpPr txBox="1"/>
-            <p:nvPr/>
-          </p:nvSpPr>
-          <p:spPr>
-            <a:xfrm>
-              <a:off x="561643" y="1958504"/>
-              <a:ext cx="3168329" cy="223091"/>
-            </a:xfrm>
-            <a:prstGeom prst="rect">
-              <a:avLst/>
-            </a:prstGeom>
-            <a:noFill/>
-          </p:spPr>
-          <p:txBody>
-            <a:bodyPr wrap="square" lIns="60960" rIns="60960">
-              <a:spAutoFit/>
-            </a:bodyPr>
-            <a:lstStyle/>
-            <a:p>
-              <a:pPr algn="ctr" defTabSz="609585" fontAlgn="base">
-                <a:spcBef>
-                  <a:spcPct val="0"/>
-                </a:spcBef>
-                <a:spcAft>
-                  <a:spcPct val="0"/>
-                </a:spcAft>
-                <a:buClrTx/>
-                <a:defRPr/>
-              </a:pPr>
-              <a:r>
-                <a:rPr lang="fr-FR" sz="1333" b="1" kern="1200" dirty="0">
-                  <a:solidFill>
-                    <a:prstClr val="black"/>
-                  </a:solidFill>
-                  <a:latin typeface="Calibri" panose="020F0502020204030204" pitchFamily="34" charset="0"/>
-                  <a:ea typeface="Calibri" panose="020F0502020204030204" pitchFamily="34" charset="0"/>
-                  <a:cs typeface="Calibri" panose="020F0502020204030204" pitchFamily="34" charset="0"/>
-                </a:rPr>
-                <a:t> </a:t>
-              </a:r>
-              <a:r>
-                <a:rPr lang="fr-FR" sz="1067" b="1" kern="1200" dirty="0">
-                  <a:solidFill>
-                    <a:prstClr val="black"/>
-                  </a:solidFill>
-                  <a:latin typeface="Calibri" panose="020F0502020204030204" pitchFamily="34" charset="0"/>
-                  <a:ea typeface="Calibri" panose="020F0502020204030204" pitchFamily="34" charset="0"/>
-                  <a:cs typeface="Calibri" panose="020F0502020204030204" pitchFamily="34" charset="0"/>
-                </a:rPr>
-                <a:t>DTR QuestionnaireResponse</a:t>
-              </a:r>
-              <a:endParaRPr lang="fr-FR" sz="1333" b="1" kern="1200" dirty="0">
-                <a:solidFill>
-                  <a:prstClr val="black"/>
-                </a:solidFill>
-                <a:latin typeface="Calibri" panose="020F0502020204030204" pitchFamily="34" charset="0"/>
                 <a:ea typeface="Calibri" panose="020F0502020204030204" pitchFamily="34" charset="0"/>
                 <a:cs typeface="Calibri" panose="020F0502020204030204" pitchFamily="34" charset="0"/>
-              </a:endParaRPr>
-            </a:p>
-          </p:txBody>
-        </p:sp>
-        <p:pic>
-          <p:nvPicPr>
-            <p:cNvPr id="40" name="Picture 39">
-              <a:extLst>
-                <a:ext uri="{FF2B5EF4-FFF2-40B4-BE49-F238E27FC236}">
-                  <a16:creationId xmlns:a16="http://schemas.microsoft.com/office/drawing/2014/main" id="{6147907D-EDF4-2CAA-6456-15AE3875705E}"/>
-                </a:ext>
-              </a:extLst>
-            </p:cNvPr>
-            <p:cNvPicPr>
-              <a:picLocks noChangeAspect="1"/>
-            </p:cNvPicPr>
-            <p:nvPr/>
-          </p:nvPicPr>
-          <p:blipFill>
-            <a:blip r:embed="rId2"/>
-            <a:stretch>
-              <a:fillRect/>
-            </a:stretch>
-          </p:blipFill>
-          <p:spPr>
-            <a:xfrm>
-              <a:off x="561643" y="2176373"/>
-              <a:ext cx="3168331" cy="1932633"/>
-            </a:xfrm>
-            <a:prstGeom prst="rect">
-              <a:avLst/>
-            </a:prstGeom>
-            <a:ln>
-              <a:solidFill>
-                <a:schemeClr val="bg1">
-                  <a:lumMod val="85000"/>
-                </a:schemeClr>
-              </a:solidFill>
-            </a:ln>
-          </p:spPr>
-        </p:pic>
-      </p:grpSp>
-      <p:cxnSp>
-        <p:nvCxnSpPr>
-          <p:cNvPr id="41" name="Straight Arrow Connector 40">
-            <a:extLst>
-              <a:ext uri="{FF2B5EF4-FFF2-40B4-BE49-F238E27FC236}">
-                <a16:creationId xmlns:a16="http://schemas.microsoft.com/office/drawing/2014/main" id="{54AC225B-F42E-22A9-6911-6C5DF91EA757}"/>
-              </a:ext>
-            </a:extLst>
-          </p:cNvPr>
-          <p:cNvCxnSpPr>
-            <a:cxnSpLocks/>
-          </p:cNvCxnSpPr>
-          <p:nvPr/>
-        </p:nvCxnSpPr>
-        <p:spPr>
-          <a:xfrm flipH="1">
-            <a:off x="7637081" y="4225529"/>
-            <a:ext cx="1" cy="345331"/>
-          </a:xfrm>
-          <a:prstGeom prst="straightConnector1">
-            <a:avLst/>
-          </a:prstGeom>
-          <a:noFill/>
-          <a:ln w="22225" cap="flat" cmpd="sng" algn="ctr">
-            <a:solidFill>
-              <a:schemeClr val="tx1">
-                <a:lumMod val="85000"/>
-                <a:lumOff val="15000"/>
-              </a:schemeClr>
-            </a:solidFill>
-            <a:prstDash val="solid"/>
-            <a:miter lim="800000"/>
-            <a:tailEnd type="stealth" w="lg" len="lg"/>
-          </a:ln>
-          <a:effectLst/>
-        </p:spPr>
-      </p:cxnSp>
-      <p:cxnSp>
-        <p:nvCxnSpPr>
-          <p:cNvPr id="42" name="Straight Arrow Connector 41">
-            <a:extLst>
-              <a:ext uri="{FF2B5EF4-FFF2-40B4-BE49-F238E27FC236}">
-                <a16:creationId xmlns:a16="http://schemas.microsoft.com/office/drawing/2014/main" id="{1A5E404E-3BAA-8F93-38C0-5F13CCF23CD0}"/>
-              </a:ext>
-            </a:extLst>
-          </p:cNvPr>
-          <p:cNvCxnSpPr>
-            <a:cxnSpLocks/>
-          </p:cNvCxnSpPr>
-          <p:nvPr/>
-        </p:nvCxnSpPr>
-        <p:spPr>
-          <a:xfrm flipH="1" flipV="1">
-            <a:off x="4817749" y="3295879"/>
-            <a:ext cx="2038859" cy="1473984"/>
-          </a:xfrm>
-          <a:prstGeom prst="straightConnector1">
-            <a:avLst/>
-          </a:prstGeom>
-          <a:ln w="38100" cmpd="dbl">
-            <a:solidFill>
-              <a:schemeClr val="accent1">
-                <a:lumMod val="60000"/>
-                <a:lumOff val="40000"/>
-              </a:schemeClr>
-            </a:solidFill>
-            <a:prstDash val="sysDot"/>
-            <a:tailEnd type="none"/>
-          </a:ln>
-          <a:effectLst/>
-        </p:spPr>
-        <p:style>
-          <a:lnRef idx="2">
-            <a:schemeClr val="accent1"/>
-          </a:lnRef>
-          <a:fillRef idx="0">
-            <a:schemeClr val="accent1"/>
-          </a:fillRef>
-          <a:effectRef idx="1">
-            <a:schemeClr val="accent1"/>
-          </a:effectRef>
-          <a:fontRef idx="minor">
-            <a:schemeClr val="tx1"/>
-          </a:fontRef>
-        </p:style>
-      </p:cxnSp>
-      <p:sp>
-        <p:nvSpPr>
-          <p:cNvPr id="43" name="Rectangle: Rounded Corners 42">
-            <a:extLst>
-              <a:ext uri="{FF2B5EF4-FFF2-40B4-BE49-F238E27FC236}">
-                <a16:creationId xmlns:a16="http://schemas.microsoft.com/office/drawing/2014/main" id="{5BB8C46F-607A-9E95-AE08-E625856407F0}"/>
-              </a:ext>
-            </a:extLst>
-          </p:cNvPr>
-          <p:cNvSpPr/>
-          <p:nvPr/>
-        </p:nvSpPr>
-        <p:spPr>
-          <a:xfrm>
-            <a:off x="4276770" y="3135728"/>
-            <a:ext cx="540980" cy="168019"/>
-          </a:xfrm>
-          <a:prstGeom prst="roundRect">
-            <a:avLst>
-              <a:gd name="adj" fmla="val 6294"/>
-            </a:avLst>
-          </a:prstGeom>
-          <a:noFill/>
-          <a:ln w="15875" cap="flat" cmpd="sng" algn="ctr">
-            <a:solidFill>
-              <a:srgbClr val="C00000"/>
-            </a:solidFill>
-            <a:prstDash val="solid"/>
-          </a:ln>
-          <a:effectLst/>
-        </p:spPr>
-        <p:txBody>
-          <a:bodyPr rtlCol="0" anchor="ctr"/>
-          <a:lstStyle/>
-          <a:p>
-            <a:pPr algn="ctr" defTabSz="914377">
-              <a:buClrTx/>
-              <a:defRPr/>
+              </a:rPr>
+              <a:t>coverage-information</a:t>
+            </a:r>
+            <a:r>
+              <a:rPr lang="en-US" sz="2000" dirty="0"/>
+              <a:t>)</a:t>
+            </a:r>
+          </a:p>
+          <a:p>
+            <a:pPr marL="800100" indent="-342900" defTabSz="457200" fontAlgn="base">
+              <a:lnSpc>
+                <a:spcPts val="2300"/>
+              </a:lnSpc>
+              <a:spcBef>
+                <a:spcPts val="300"/>
+              </a:spcBef>
+              <a:spcAft>
+                <a:spcPts val="600"/>
+              </a:spcAft>
+              <a:buFont typeface="Arial" panose="020B0604020202020204" pitchFamily="34" charset="0"/>
+              <a:buChar char="↑"/>
             </a:pPr>
-            <a:endParaRPr lang="en-US" sz="1800">
-              <a:solidFill>
-                <a:prstClr val="white"/>
-              </a:solidFill>
-              <a:ea typeface="ヒラギノ角ゴ Pro W3" pitchFamily="-126" charset="-128"/>
-              <a:cs typeface="+mn-cs"/>
-            </a:endParaRPr>
-          </a:p>
-        </p:txBody>
-      </p:sp>
-      <p:sp>
-        <p:nvSpPr>
-          <p:cNvPr id="44" name="Flowchart: Process 43">
-            <a:extLst>
-              <a:ext uri="{FF2B5EF4-FFF2-40B4-BE49-F238E27FC236}">
-                <a16:creationId xmlns:a16="http://schemas.microsoft.com/office/drawing/2014/main" id="{886CDD1F-FF2B-42AB-D5F7-4953497A8E84}"/>
-              </a:ext>
-            </a:extLst>
-          </p:cNvPr>
-          <p:cNvSpPr/>
-          <p:nvPr/>
-        </p:nvSpPr>
-        <p:spPr>
-          <a:xfrm>
-            <a:off x="8720754" y="5483621"/>
-            <a:ext cx="1560945" cy="454276"/>
-          </a:xfrm>
-          <a:prstGeom prst="flowChartProcess">
-            <a:avLst/>
-          </a:prstGeom>
-          <a:solidFill>
-            <a:schemeClr val="bg1"/>
-          </a:solidFill>
-          <a:ln>
-            <a:solidFill>
-              <a:schemeClr val="tx1">
-                <a:lumMod val="50000"/>
-                <a:lumOff val="50000"/>
-              </a:schemeClr>
-            </a:solidFill>
-          </a:ln>
-        </p:spPr>
-        <p:style>
-          <a:lnRef idx="1">
-            <a:schemeClr val="accent1"/>
-          </a:lnRef>
-          <a:fillRef idx="3">
-            <a:schemeClr val="accent1"/>
-          </a:fillRef>
-          <a:effectRef idx="2">
-            <a:schemeClr val="accent1"/>
-          </a:effectRef>
-          <a:fontRef idx="minor">
-            <a:schemeClr val="lt1"/>
-          </a:fontRef>
-        </p:style>
-        <p:txBody>
-          <a:bodyPr lIns="36576" tIns="36576" rIns="36576" bIns="36576" rtlCol="0" anchor="ctr"/>
-          <a:lstStyle/>
-          <a:p>
-            <a:pPr algn="ctr" defTabSz="609585" fontAlgn="base">
-              <a:spcBef>
-                <a:spcPct val="0"/>
-              </a:spcBef>
-              <a:spcAft>
-                <a:spcPct val="0"/>
-              </a:spcAft>
-              <a:buClrTx/>
-            </a:pPr>
-            <a:r>
-              <a:rPr lang="en-US" sz="933" kern="1200" dirty="0">
-                <a:solidFill>
-                  <a:prstClr val="black"/>
-                </a:solidFill>
-                <a:latin typeface="Arial"/>
-              </a:rPr>
-              <a:t>Render and process </a:t>
-            </a:r>
-          </a:p>
-          <a:p>
-            <a:pPr algn="ctr" defTabSz="609585" fontAlgn="base">
-              <a:spcBef>
-                <a:spcPct val="0"/>
-              </a:spcBef>
-              <a:spcAft>
-                <a:spcPct val="0"/>
-              </a:spcAft>
-              <a:buClrTx/>
-            </a:pPr>
-            <a:r>
-              <a:rPr lang="en-US" sz="933" kern="1200" dirty="0">
-                <a:solidFill>
-                  <a:prstClr val="black"/>
-                </a:solidFill>
-                <a:latin typeface="Arial"/>
-              </a:rPr>
-              <a:t>question(s)</a:t>
-            </a:r>
-            <a:endParaRPr lang="en-US" kern="1200" dirty="0">
-              <a:solidFill>
-                <a:prstClr val="black"/>
-              </a:solidFill>
-              <a:latin typeface="Arial"/>
-            </a:endParaRPr>
-          </a:p>
-        </p:txBody>
-      </p:sp>
-      <p:sp>
-        <p:nvSpPr>
-          <p:cNvPr id="45" name="Flowchart: Process 44">
-            <a:extLst>
-              <a:ext uri="{FF2B5EF4-FFF2-40B4-BE49-F238E27FC236}">
-                <a16:creationId xmlns:a16="http://schemas.microsoft.com/office/drawing/2014/main" id="{8D87A80C-2CC6-4476-AFEA-38001D3B9D0D}"/>
-              </a:ext>
-            </a:extLst>
-          </p:cNvPr>
-          <p:cNvSpPr/>
-          <p:nvPr/>
-        </p:nvSpPr>
-        <p:spPr>
-          <a:xfrm>
-            <a:off x="6856609" y="4570861"/>
-            <a:ext cx="1560945" cy="454276"/>
-          </a:xfrm>
-          <a:prstGeom prst="flowChartProcess">
-            <a:avLst/>
-          </a:prstGeom>
-          <a:solidFill>
-            <a:schemeClr val="bg1"/>
-          </a:solidFill>
-          <a:ln>
-            <a:solidFill>
-              <a:schemeClr val="tx1">
-                <a:lumMod val="50000"/>
-                <a:lumOff val="50000"/>
-              </a:schemeClr>
-            </a:solidFill>
-          </a:ln>
-        </p:spPr>
-        <p:style>
-          <a:lnRef idx="1">
-            <a:schemeClr val="accent1"/>
-          </a:lnRef>
-          <a:fillRef idx="3">
-            <a:schemeClr val="accent1"/>
-          </a:fillRef>
-          <a:effectRef idx="2">
-            <a:schemeClr val="accent1"/>
-          </a:effectRef>
-          <a:fontRef idx="minor">
-            <a:schemeClr val="lt1"/>
-          </a:fontRef>
-        </p:style>
-        <p:txBody>
-          <a:bodyPr lIns="36576" tIns="36576" rIns="36576" bIns="36576" rtlCol="0" anchor="ctr"/>
-          <a:lstStyle/>
-          <a:p>
-            <a:pPr algn="ctr" defTabSz="609585" fontAlgn="base">
-              <a:spcBef>
-                <a:spcPct val="0"/>
-              </a:spcBef>
-              <a:spcAft>
-                <a:spcPct val="0"/>
-              </a:spcAft>
-              <a:buClrTx/>
-            </a:pPr>
-            <a:r>
-              <a:rPr lang="en-US" sz="933" kern="1200" dirty="0">
-                <a:solidFill>
-                  <a:prstClr val="black"/>
-                </a:solidFill>
-                <a:latin typeface="Arial"/>
-              </a:rPr>
-              <a:t>Extract Questionnaire as contained resource</a:t>
-            </a:r>
-            <a:endParaRPr lang="en-US" kern="1200" dirty="0">
-              <a:solidFill>
-                <a:prstClr val="black"/>
-              </a:solidFill>
-              <a:latin typeface="Arial"/>
-            </a:endParaRPr>
-          </a:p>
-        </p:txBody>
-      </p:sp>
-      <p:cxnSp>
-        <p:nvCxnSpPr>
-          <p:cNvPr id="46" name="Straight Arrow Connector 45">
-            <a:extLst>
-              <a:ext uri="{FF2B5EF4-FFF2-40B4-BE49-F238E27FC236}">
-                <a16:creationId xmlns:a16="http://schemas.microsoft.com/office/drawing/2014/main" id="{2E3C4DE8-F587-383C-00BD-CAA87DF7AC29}"/>
-              </a:ext>
-            </a:extLst>
-          </p:cNvPr>
-          <p:cNvCxnSpPr>
-            <a:cxnSpLocks/>
-            <a:stCxn id="45" idx="2"/>
-            <a:endCxn id="51" idx="0"/>
-          </p:cNvCxnSpPr>
-          <p:nvPr/>
-        </p:nvCxnSpPr>
-        <p:spPr>
-          <a:xfrm>
-            <a:off x="7637082" y="5025136"/>
-            <a:ext cx="2452" cy="336987"/>
-          </a:xfrm>
-          <a:prstGeom prst="straightConnector1">
-            <a:avLst/>
-          </a:prstGeom>
-          <a:noFill/>
-          <a:ln w="22225" cap="flat" cmpd="sng" algn="ctr">
-            <a:solidFill>
-              <a:schemeClr val="tx1">
-                <a:lumMod val="85000"/>
-                <a:lumOff val="15000"/>
-              </a:schemeClr>
-            </a:solidFill>
-            <a:prstDash val="solid"/>
-            <a:miter lim="800000"/>
-            <a:tailEnd type="stealth" w="lg" len="lg"/>
-          </a:ln>
-          <a:effectLst/>
-        </p:spPr>
-      </p:cxnSp>
-      <p:grpSp>
-        <p:nvGrpSpPr>
-          <p:cNvPr id="47" name="Group 46">
-            <a:extLst>
-              <a:ext uri="{FF2B5EF4-FFF2-40B4-BE49-F238E27FC236}">
-                <a16:creationId xmlns:a16="http://schemas.microsoft.com/office/drawing/2014/main" id="{644E5640-9C8C-1D23-30F2-0460C9DBE757}"/>
-              </a:ext>
-            </a:extLst>
-          </p:cNvPr>
-          <p:cNvGrpSpPr/>
-          <p:nvPr/>
-        </p:nvGrpSpPr>
-        <p:grpSpPr>
-          <a:xfrm>
-            <a:off x="7968342" y="5478030"/>
-            <a:ext cx="752412" cy="235897"/>
-            <a:chOff x="5454762" y="3822780"/>
-            <a:chExt cx="564309" cy="176923"/>
-          </a:xfrm>
-        </p:grpSpPr>
-        <p:sp>
-          <p:nvSpPr>
-            <p:cNvPr id="48" name="TextBox 47">
-              <a:extLst>
-                <a:ext uri="{FF2B5EF4-FFF2-40B4-BE49-F238E27FC236}">
-                  <a16:creationId xmlns:a16="http://schemas.microsoft.com/office/drawing/2014/main" id="{E80A58E4-C91A-4F5C-C14F-1A93FFC9387D}"/>
-                </a:ext>
-              </a:extLst>
-            </p:cNvPr>
-            <p:cNvSpPr txBox="1"/>
-            <p:nvPr/>
-          </p:nvSpPr>
-          <p:spPr>
-            <a:xfrm>
-              <a:off x="5454762" y="3822780"/>
-              <a:ext cx="344658" cy="176923"/>
-            </a:xfrm>
-            <a:prstGeom prst="rect">
-              <a:avLst/>
-            </a:prstGeom>
-            <a:noFill/>
-          </p:spPr>
-          <p:txBody>
-            <a:bodyPr wrap="square">
-              <a:spAutoFit/>
-            </a:bodyPr>
-            <a:lstStyle/>
-            <a:p>
-              <a:pPr defTabSz="609585" fontAlgn="base">
-                <a:spcBef>
-                  <a:spcPct val="0"/>
-                </a:spcBef>
-                <a:spcAft>
-                  <a:spcPct val="0"/>
-                </a:spcAft>
-                <a:buClrTx/>
-              </a:pPr>
-              <a:r>
-                <a:rPr lang="en-US" sz="933" kern="1200" dirty="0">
-                  <a:solidFill>
-                    <a:prstClr val="black"/>
-                  </a:solidFill>
-                  <a:ea typeface="ヒラギノ角ゴ Pro W3" pitchFamily="-126" charset="-128"/>
-                  <a:cs typeface="+mn-cs"/>
-                </a:rPr>
-                <a:t>Yes</a:t>
-              </a:r>
-              <a:endParaRPr lang="en-US" sz="2400" kern="1200" dirty="0">
-                <a:solidFill>
-                  <a:prstClr val="black"/>
-                </a:solidFill>
-                <a:latin typeface="Arial" panose="020B0604020202020204" pitchFamily="34" charset="0"/>
-                <a:ea typeface="ヒラギノ角ゴ Pro W3" pitchFamily="-126" charset="-128"/>
-                <a:cs typeface="+mn-cs"/>
-              </a:endParaRPr>
-            </a:p>
-          </p:txBody>
-        </p:sp>
-        <p:cxnSp>
-          <p:nvCxnSpPr>
-            <p:cNvPr id="49" name="Straight Arrow Connector 48">
-              <a:extLst>
-                <a:ext uri="{FF2B5EF4-FFF2-40B4-BE49-F238E27FC236}">
-                  <a16:creationId xmlns:a16="http://schemas.microsoft.com/office/drawing/2014/main" id="{BCF5A260-C5CF-2DC9-4F80-DCC4BC0FE645}"/>
-                </a:ext>
-              </a:extLst>
-            </p:cNvPr>
-            <p:cNvCxnSpPr>
-              <a:cxnSpLocks/>
-            </p:cNvCxnSpPr>
-            <p:nvPr/>
-          </p:nvCxnSpPr>
-          <p:spPr>
-            <a:xfrm>
-              <a:off x="5527892" y="3988197"/>
-              <a:ext cx="491179" cy="0"/>
-            </a:xfrm>
-            <a:prstGeom prst="straightConnector1">
-              <a:avLst/>
-            </a:prstGeom>
-            <a:noFill/>
-            <a:ln w="22225" cap="flat" cmpd="sng" algn="ctr">
-              <a:solidFill>
-                <a:schemeClr val="tx1">
-                  <a:lumMod val="85000"/>
-                  <a:lumOff val="15000"/>
-                </a:schemeClr>
-              </a:solidFill>
-              <a:prstDash val="solid"/>
-              <a:miter lim="800000"/>
-              <a:tailEnd type="stealth" w="lg" len="lg"/>
-            </a:ln>
-            <a:effectLst/>
-          </p:spPr>
-        </p:cxnSp>
-      </p:grpSp>
-      <p:grpSp>
-        <p:nvGrpSpPr>
-          <p:cNvPr id="50" name="Group 49">
-            <a:extLst>
-              <a:ext uri="{FF2B5EF4-FFF2-40B4-BE49-F238E27FC236}">
-                <a16:creationId xmlns:a16="http://schemas.microsoft.com/office/drawing/2014/main" id="{405DFBFD-2092-FA4C-A842-AF2F233ED664}"/>
-              </a:ext>
-            </a:extLst>
-          </p:cNvPr>
-          <p:cNvGrpSpPr/>
-          <p:nvPr/>
-        </p:nvGrpSpPr>
-        <p:grpSpPr>
-          <a:xfrm>
-            <a:off x="7213217" y="5362121"/>
-            <a:ext cx="862083" cy="672946"/>
-            <a:chOff x="5684343" y="4266689"/>
-            <a:chExt cx="646562" cy="504710"/>
-          </a:xfrm>
-        </p:grpSpPr>
-        <p:sp>
-          <p:nvSpPr>
-            <p:cNvPr id="51" name="Flowchart: Decision 50">
-              <a:extLst>
-                <a:ext uri="{FF2B5EF4-FFF2-40B4-BE49-F238E27FC236}">
-                  <a16:creationId xmlns:a16="http://schemas.microsoft.com/office/drawing/2014/main" id="{6A8DBCE8-5253-4FDA-A052-3668EABA2416}"/>
-                </a:ext>
-              </a:extLst>
-            </p:cNvPr>
-            <p:cNvSpPr/>
-            <p:nvPr/>
-          </p:nvSpPr>
-          <p:spPr>
-            <a:xfrm>
-              <a:off x="5684343" y="4266689"/>
-              <a:ext cx="639473" cy="504710"/>
-            </a:xfrm>
-            <a:prstGeom prst="flowChartDecision">
-              <a:avLst/>
-            </a:prstGeom>
-            <a:solidFill>
-              <a:schemeClr val="bg1"/>
-            </a:solidFill>
-            <a:ln>
-              <a:solidFill>
-                <a:schemeClr val="tx1">
-                  <a:lumMod val="50000"/>
-                  <a:lumOff val="50000"/>
-                </a:schemeClr>
-              </a:solidFill>
-            </a:ln>
-          </p:spPr>
-          <p:style>
-            <a:lnRef idx="1">
-              <a:schemeClr val="accent1"/>
-            </a:lnRef>
-            <a:fillRef idx="3">
-              <a:schemeClr val="accent1"/>
-            </a:fillRef>
-            <a:effectRef idx="2">
-              <a:schemeClr val="accent1"/>
-            </a:effectRef>
-            <a:fontRef idx="minor">
-              <a:schemeClr val="lt1"/>
-            </a:fontRef>
-          </p:style>
-          <p:txBody>
-            <a:bodyPr lIns="0" tIns="0" rIns="0" bIns="0" rtlCol="0" anchor="ctr"/>
-            <a:lstStyle/>
-            <a:p>
-              <a:pPr algn="ctr" defTabSz="609585" fontAlgn="base">
-                <a:spcBef>
-                  <a:spcPct val="0"/>
-                </a:spcBef>
-                <a:spcAft>
-                  <a:spcPct val="0"/>
-                </a:spcAft>
-                <a:buClrTx/>
-                <a:defRPr/>
-              </a:pPr>
-              <a:endParaRPr lang="en-US" sz="2400" kern="1200" dirty="0">
-                <a:solidFill>
-                  <a:prstClr val="white"/>
-                </a:solidFill>
-                <a:latin typeface="Arial"/>
-              </a:endParaRPr>
-            </a:p>
-          </p:txBody>
-        </p:sp>
-        <p:sp>
-          <p:nvSpPr>
-            <p:cNvPr id="52" name="TextBox 51">
-              <a:extLst>
-                <a:ext uri="{FF2B5EF4-FFF2-40B4-BE49-F238E27FC236}">
-                  <a16:creationId xmlns:a16="http://schemas.microsoft.com/office/drawing/2014/main" id="{EE7E4B60-D037-C369-6DFC-F836DCA0695B}"/>
-                </a:ext>
-              </a:extLst>
-            </p:cNvPr>
-            <p:cNvSpPr txBox="1"/>
-            <p:nvPr/>
-          </p:nvSpPr>
-          <p:spPr>
-            <a:xfrm>
-              <a:off x="5691432" y="4392108"/>
-              <a:ext cx="639473" cy="280846"/>
-            </a:xfrm>
-            <a:prstGeom prst="rect">
-              <a:avLst/>
-            </a:prstGeom>
-            <a:noFill/>
-          </p:spPr>
-          <p:txBody>
-            <a:bodyPr wrap="square">
-              <a:spAutoFit/>
-            </a:bodyPr>
-            <a:lstStyle/>
-            <a:p>
-              <a:pPr algn="ctr" defTabSz="609585" fontAlgn="base">
-                <a:lnSpc>
-                  <a:spcPts val="1067"/>
-                </a:lnSpc>
-                <a:spcBef>
-                  <a:spcPct val="0"/>
-                </a:spcBef>
-                <a:spcAft>
-                  <a:spcPct val="0"/>
-                </a:spcAft>
-                <a:buClrTx/>
-                <a:defRPr/>
-              </a:pPr>
-              <a:r>
-                <a:rPr lang="en-US" sz="933" kern="1200" dirty="0">
-                  <a:solidFill>
-                    <a:prstClr val="black"/>
-                  </a:solidFill>
-                  <a:ea typeface="ヒラギノ角ゴ Pro W3" pitchFamily="-126" charset="-128"/>
-                  <a:cs typeface="+mn-cs"/>
-                </a:rPr>
-                <a:t>Questions</a:t>
-              </a:r>
-            </a:p>
-            <a:p>
-              <a:pPr algn="ctr" defTabSz="609585" fontAlgn="base">
-                <a:lnSpc>
-                  <a:spcPts val="1067"/>
-                </a:lnSpc>
-                <a:spcBef>
-                  <a:spcPct val="0"/>
-                </a:spcBef>
-                <a:spcAft>
-                  <a:spcPct val="0"/>
-                </a:spcAft>
-                <a:buClrTx/>
-                <a:defRPr/>
-              </a:pPr>
-              <a:r>
-                <a:rPr lang="en-US" sz="933" kern="1200" dirty="0">
-                  <a:solidFill>
-                    <a:prstClr val="black"/>
-                  </a:solidFill>
-                  <a:ea typeface="ヒラギノ角ゴ Pro W3" pitchFamily="-126" charset="-128"/>
-                  <a:cs typeface="+mn-cs"/>
-                </a:rPr>
-                <a:t>exist?</a:t>
-              </a:r>
-            </a:p>
-          </p:txBody>
-        </p:sp>
-      </p:grpSp>
-      <p:grpSp>
-        <p:nvGrpSpPr>
-          <p:cNvPr id="53" name="Group 52">
-            <a:extLst>
-              <a:ext uri="{FF2B5EF4-FFF2-40B4-BE49-F238E27FC236}">
-                <a16:creationId xmlns:a16="http://schemas.microsoft.com/office/drawing/2014/main" id="{BAD2983C-4315-6E4F-027E-FE9C29F4ACB3}"/>
-              </a:ext>
-            </a:extLst>
-          </p:cNvPr>
-          <p:cNvGrpSpPr/>
-          <p:nvPr/>
-        </p:nvGrpSpPr>
-        <p:grpSpPr>
-          <a:xfrm>
-            <a:off x="7569690" y="6010731"/>
-            <a:ext cx="459544" cy="357204"/>
-            <a:chOff x="5155776" y="4222298"/>
-            <a:chExt cx="344658" cy="267903"/>
-          </a:xfrm>
-        </p:grpSpPr>
-        <p:cxnSp>
-          <p:nvCxnSpPr>
-            <p:cNvPr id="54" name="Straight Arrow Connector 53">
-              <a:extLst>
-                <a:ext uri="{FF2B5EF4-FFF2-40B4-BE49-F238E27FC236}">
-                  <a16:creationId xmlns:a16="http://schemas.microsoft.com/office/drawing/2014/main" id="{B0EE80D9-246B-957C-8FDF-CC7A57338ACF}"/>
-                </a:ext>
-              </a:extLst>
-            </p:cNvPr>
-            <p:cNvCxnSpPr>
-              <a:cxnSpLocks/>
-            </p:cNvCxnSpPr>
-            <p:nvPr/>
-          </p:nvCxnSpPr>
-          <p:spPr>
-            <a:xfrm flipH="1">
-              <a:off x="5206315" y="4237461"/>
-              <a:ext cx="1841" cy="252740"/>
-            </a:xfrm>
-            <a:prstGeom prst="straightConnector1">
-              <a:avLst/>
-            </a:prstGeom>
-            <a:noFill/>
-            <a:ln w="22225" cap="flat" cmpd="sng" algn="ctr">
-              <a:solidFill>
-                <a:schemeClr val="tx1">
-                  <a:lumMod val="85000"/>
-                  <a:lumOff val="15000"/>
-                </a:schemeClr>
-              </a:solidFill>
-              <a:prstDash val="solid"/>
-              <a:miter lim="800000"/>
-              <a:tailEnd type="stealth" w="lg" len="lg"/>
-            </a:ln>
-            <a:effectLst/>
-          </p:spPr>
-        </p:cxnSp>
-        <p:sp>
-          <p:nvSpPr>
-            <p:cNvPr id="55" name="TextBox 54">
-              <a:extLst>
-                <a:ext uri="{FF2B5EF4-FFF2-40B4-BE49-F238E27FC236}">
-                  <a16:creationId xmlns:a16="http://schemas.microsoft.com/office/drawing/2014/main" id="{0BD5097E-5C28-6D42-4A62-A2BA466A4D91}"/>
-                </a:ext>
-              </a:extLst>
-            </p:cNvPr>
-            <p:cNvSpPr txBox="1"/>
-            <p:nvPr/>
-          </p:nvSpPr>
-          <p:spPr>
-            <a:xfrm>
-              <a:off x="5155776" y="4222298"/>
-              <a:ext cx="344658" cy="176924"/>
-            </a:xfrm>
-            <a:prstGeom prst="rect">
-              <a:avLst/>
-            </a:prstGeom>
-            <a:noFill/>
-          </p:spPr>
-          <p:txBody>
-            <a:bodyPr wrap="square">
-              <a:spAutoFit/>
-            </a:bodyPr>
-            <a:lstStyle/>
-            <a:p>
-              <a:pPr defTabSz="609585" fontAlgn="base">
-                <a:spcBef>
-                  <a:spcPct val="0"/>
-                </a:spcBef>
-                <a:spcAft>
-                  <a:spcPct val="0"/>
-                </a:spcAft>
-                <a:buClrTx/>
-              </a:pPr>
-              <a:r>
-                <a:rPr lang="en-US" sz="933" kern="1200" dirty="0">
-                  <a:solidFill>
-                    <a:prstClr val="black"/>
-                  </a:solidFill>
-                  <a:ea typeface="ヒラギノ角ゴ Pro W3" pitchFamily="-126" charset="-128"/>
-                  <a:cs typeface="+mn-cs"/>
-                </a:rPr>
-                <a:t>No</a:t>
-              </a:r>
-              <a:endParaRPr lang="en-US" sz="2400" kern="1200" dirty="0">
-                <a:solidFill>
-                  <a:prstClr val="black"/>
-                </a:solidFill>
-                <a:latin typeface="Arial" panose="020B0604020202020204" pitchFamily="34" charset="0"/>
-                <a:ea typeface="ヒラギノ角ゴ Pro W3" pitchFamily="-126" charset="-128"/>
-                <a:cs typeface="+mn-cs"/>
-              </a:endParaRPr>
-            </a:p>
-          </p:txBody>
-        </p:sp>
-      </p:grpSp>
-      <p:sp>
-        <p:nvSpPr>
-          <p:cNvPr id="56" name="TextBox 55">
-            <a:extLst>
-              <a:ext uri="{FF2B5EF4-FFF2-40B4-BE49-F238E27FC236}">
-                <a16:creationId xmlns:a16="http://schemas.microsoft.com/office/drawing/2014/main" id="{D2CE2D29-F1A6-CDFD-3BA9-32D46FA5D193}"/>
-              </a:ext>
-            </a:extLst>
-          </p:cNvPr>
-          <p:cNvSpPr txBox="1"/>
-          <p:nvPr/>
-        </p:nvSpPr>
-        <p:spPr>
-          <a:xfrm>
-            <a:off x="7132917" y="6290486"/>
-            <a:ext cx="1033889" cy="276999"/>
-          </a:xfrm>
-          <a:prstGeom prst="rect">
-            <a:avLst/>
-          </a:prstGeom>
-          <a:noFill/>
-        </p:spPr>
-        <p:txBody>
-          <a:bodyPr wrap="square">
-            <a:spAutoFit/>
-          </a:bodyPr>
-          <a:lstStyle/>
-          <a:p>
-            <a:pPr algn="ctr" defTabSz="609585" fontAlgn="base">
-              <a:spcBef>
-                <a:spcPct val="0"/>
-              </a:spcBef>
-              <a:spcAft>
-                <a:spcPct val="0"/>
-              </a:spcAft>
-              <a:buClrTx/>
-            </a:pPr>
-            <a:r>
-              <a:rPr lang="en-US" sz="1200" b="1" kern="1200" dirty="0">
-                <a:solidFill>
-                  <a:srgbClr val="4F81BD">
+            <a:r>
+              <a:rPr lang="en-US" sz="2000" dirty="0"/>
+              <a:t>Information Origin (</a:t>
+            </a:r>
+            <a:r>
+              <a:rPr lang="en-US" sz="1800" dirty="0">
+                <a:solidFill>
+                  <a:srgbClr val="4BACC6">
                     <a:lumMod val="50000"/>
                   </a:srgbClr>
                 </a:solidFill>
-                <a:ea typeface="ヒラギノ角ゴ Pro W3" pitchFamily="-126" charset="-128"/>
-                <a:cs typeface="+mn-cs"/>
+                <a:latin typeface="Consolas" panose="020B0609020204030204" pitchFamily="49" charset="0"/>
+                <a:ea typeface="Calibri" panose="020F0502020204030204" pitchFamily="34" charset="0"/>
+                <a:cs typeface="Calibri" panose="020F0502020204030204" pitchFamily="34" charset="0"/>
               </a:rPr>
-              <a:t>Complete</a:t>
-            </a:r>
-            <a:endParaRPr lang="en-US" sz="2400" b="1" kern="1200" dirty="0">
-              <a:solidFill>
-                <a:srgbClr val="4F81BD">
-                  <a:lumMod val="50000"/>
-                </a:srgbClr>
-              </a:solidFill>
-              <a:latin typeface="Arial" panose="020B0604020202020204" pitchFamily="34" charset="0"/>
-              <a:ea typeface="ヒラギノ角ゴ Pro W3" pitchFamily="-126" charset="-128"/>
-              <a:cs typeface="+mn-cs"/>
-            </a:endParaRPr>
-          </a:p>
-        </p:txBody>
-      </p:sp>
-      <p:grpSp>
-        <p:nvGrpSpPr>
-          <p:cNvPr id="57" name="Group 56">
-            <a:extLst>
-              <a:ext uri="{FF2B5EF4-FFF2-40B4-BE49-F238E27FC236}">
-                <a16:creationId xmlns:a16="http://schemas.microsoft.com/office/drawing/2014/main" id="{2D6EB8CA-6581-B716-4D3D-51DCE5EB08FF}"/>
-              </a:ext>
-            </a:extLst>
-          </p:cNvPr>
-          <p:cNvGrpSpPr/>
-          <p:nvPr/>
-        </p:nvGrpSpPr>
-        <p:grpSpPr>
-          <a:xfrm>
-            <a:off x="7437152" y="3334600"/>
-            <a:ext cx="399848" cy="404663"/>
-            <a:chOff x="5056368" y="2262254"/>
-            <a:chExt cx="299886" cy="303498"/>
-          </a:xfrm>
-        </p:grpSpPr>
-        <p:cxnSp>
-          <p:nvCxnSpPr>
-            <p:cNvPr id="58" name="Straight Arrow Connector 57">
-              <a:extLst>
-                <a:ext uri="{FF2B5EF4-FFF2-40B4-BE49-F238E27FC236}">
-                  <a16:creationId xmlns:a16="http://schemas.microsoft.com/office/drawing/2014/main" id="{AB2DAA6F-75F0-5331-6F65-CB830DDDDAC3}"/>
-                </a:ext>
-              </a:extLst>
-            </p:cNvPr>
-            <p:cNvCxnSpPr>
-              <a:cxnSpLocks/>
-            </p:cNvCxnSpPr>
-            <p:nvPr/>
-          </p:nvCxnSpPr>
-          <p:spPr>
-            <a:xfrm flipH="1">
-              <a:off x="5206313" y="2262254"/>
-              <a:ext cx="1" cy="303498"/>
-            </a:xfrm>
-            <a:prstGeom prst="straightConnector1">
-              <a:avLst/>
-            </a:prstGeom>
-            <a:noFill/>
-            <a:ln w="22225" cap="flat" cmpd="sng" algn="ctr">
-              <a:solidFill>
-                <a:schemeClr val="tx1">
-                  <a:lumMod val="85000"/>
-                  <a:lumOff val="15000"/>
-                </a:schemeClr>
-              </a:solidFill>
-              <a:prstDash val="solid"/>
-              <a:miter lim="800000"/>
-              <a:tailEnd type="stealth" w="lg" len="lg"/>
-            </a:ln>
-            <a:effectLst/>
-          </p:spPr>
-        </p:cxnSp>
-        <p:sp>
-          <p:nvSpPr>
-            <p:cNvPr id="59" name="TextBox 58">
-              <a:extLst>
-                <a:ext uri="{FF2B5EF4-FFF2-40B4-BE49-F238E27FC236}">
-                  <a16:creationId xmlns:a16="http://schemas.microsoft.com/office/drawing/2014/main" id="{3F0FF4DC-8F22-E193-2E54-92DFC69D190F}"/>
-                </a:ext>
-              </a:extLst>
-            </p:cNvPr>
-            <p:cNvSpPr txBox="1"/>
-            <p:nvPr/>
-          </p:nvSpPr>
-          <p:spPr>
-            <a:xfrm>
-              <a:off x="5056368" y="2303929"/>
-              <a:ext cx="299886" cy="92333"/>
-            </a:xfrm>
-            <a:prstGeom prst="rect">
-              <a:avLst/>
-            </a:prstGeom>
-            <a:solidFill>
-              <a:schemeClr val="bg1"/>
-            </a:solidFill>
-          </p:spPr>
-          <p:txBody>
-            <a:bodyPr wrap="square" lIns="0" tIns="0" rIns="0" bIns="0">
-              <a:spAutoFit/>
-            </a:bodyPr>
-            <a:lstStyle/>
-            <a:p>
-              <a:pPr algn="ctr" defTabSz="609585" fontAlgn="base">
-                <a:spcBef>
-                  <a:spcPct val="0"/>
-                </a:spcBef>
-                <a:spcAft>
-                  <a:spcPct val="0"/>
-                </a:spcAft>
-                <a:buClrTx/>
-              </a:pPr>
-              <a:r>
-                <a:rPr lang="en-US" sz="800" i="1" kern="1200" dirty="0">
-                  <a:solidFill>
-                    <a:prstClr val="white">
-                      <a:lumMod val="50000"/>
-                    </a:prstClr>
-                  </a:solidFill>
-                  <a:ea typeface="ヒラギノ角ゴ Pro W3" pitchFamily="-126" charset="-128"/>
-                  <a:cs typeface="+mn-cs"/>
-                </a:rPr>
-                <a:t>Returns</a:t>
-              </a:r>
-              <a:endParaRPr lang="en-US" sz="2400" i="1" kern="1200" dirty="0">
-                <a:solidFill>
-                  <a:prstClr val="white">
+              <a:t>Information-origin</a:t>
+            </a:r>
+            <a:r>
+              <a:rPr lang="en-US" sz="2000" dirty="0"/>
+              <a:t>)</a:t>
+            </a:r>
+          </a:p>
+          <a:p>
+            <a:pPr marL="800100" indent="-342900" defTabSz="457200" fontAlgn="base">
+              <a:lnSpc>
+                <a:spcPts val="2300"/>
+              </a:lnSpc>
+              <a:spcBef>
+                <a:spcPts val="300"/>
+              </a:spcBef>
+              <a:spcAft>
+                <a:spcPts val="600"/>
+              </a:spcAft>
+              <a:buFont typeface="Arial" panose="020B0604020202020204" pitchFamily="34" charset="0"/>
+              <a:buChar char="↑"/>
+            </a:pPr>
+            <a:r>
+              <a:rPr lang="en-US" sz="2000" dirty="0"/>
+              <a:t>Intended Use (</a:t>
+            </a:r>
+            <a:r>
+              <a:rPr lang="en-US" sz="1800" dirty="0" err="1">
+                <a:solidFill>
+                  <a:srgbClr val="4BACC6">
                     <a:lumMod val="50000"/>
-                  </a:prstClr>
-                </a:solidFill>
-                <a:latin typeface="Arial" panose="020B0604020202020204" pitchFamily="34" charset="0"/>
-                <a:ea typeface="ヒラギノ角ゴ Pro W3" pitchFamily="-126" charset="-128"/>
-                <a:cs typeface="+mn-cs"/>
-              </a:endParaRPr>
-            </a:p>
-          </p:txBody>
-        </p:sp>
-      </p:grpSp>
-      <p:sp>
-        <p:nvSpPr>
-          <p:cNvPr id="60" name="Flowchart: Document 59">
-            <a:extLst>
-              <a:ext uri="{FF2B5EF4-FFF2-40B4-BE49-F238E27FC236}">
-                <a16:creationId xmlns:a16="http://schemas.microsoft.com/office/drawing/2014/main" id="{7EF73773-40A3-7B2A-14FA-9A4AC427D64D}"/>
-              </a:ext>
-            </a:extLst>
-          </p:cNvPr>
-          <p:cNvSpPr/>
-          <p:nvPr/>
-        </p:nvSpPr>
-        <p:spPr>
-          <a:xfrm>
-            <a:off x="6856609" y="3728679"/>
-            <a:ext cx="1560945" cy="532024"/>
-          </a:xfrm>
-          <a:prstGeom prst="flowChartDocument">
-            <a:avLst/>
-          </a:prstGeom>
-          <a:solidFill>
-            <a:schemeClr val="bg1"/>
-          </a:solidFill>
-          <a:ln>
-            <a:solidFill>
-              <a:schemeClr val="tx1">
-                <a:lumMod val="50000"/>
-                <a:lumOff val="50000"/>
-              </a:schemeClr>
-            </a:solidFill>
-          </a:ln>
-        </p:spPr>
-        <p:style>
-          <a:lnRef idx="1">
-            <a:schemeClr val="accent1"/>
-          </a:lnRef>
-          <a:fillRef idx="3">
-            <a:schemeClr val="accent1"/>
-          </a:fillRef>
-          <a:effectRef idx="2">
-            <a:schemeClr val="accent1"/>
-          </a:effectRef>
-          <a:fontRef idx="minor">
-            <a:schemeClr val="lt1"/>
-          </a:fontRef>
-        </p:style>
-        <p:txBody>
-          <a:bodyPr lIns="36576" tIns="36576" rIns="36576" bIns="36576" rtlCol="0" anchor="ctr"/>
-          <a:lstStyle/>
-          <a:p>
-            <a:pPr algn="ctr" defTabSz="609585" fontAlgn="base">
-              <a:lnSpc>
-                <a:spcPts val="1467"/>
-              </a:lnSpc>
-              <a:spcBef>
-                <a:spcPct val="0"/>
+                  </a:srgbClr>
+                </a:solidFill>
+                <a:latin typeface="Consolas" panose="020B0609020204030204" pitchFamily="49" charset="0"/>
+                <a:ea typeface="Calibri" panose="020F0502020204030204" pitchFamily="34" charset="0"/>
+                <a:cs typeface="Calibri" panose="020F0502020204030204" pitchFamily="34" charset="0"/>
+              </a:rPr>
+              <a:t>intendedUse</a:t>
+            </a:r>
+            <a:r>
+              <a:rPr lang="en-US" sz="2000" dirty="0"/>
+              <a:t>)</a:t>
+            </a:r>
+          </a:p>
+          <a:p>
+            <a:pPr marL="800100" indent="-342900" defTabSz="457200" fontAlgn="base">
+              <a:lnSpc>
+                <a:spcPts val="2300"/>
+              </a:lnSpc>
+              <a:spcBef>
+                <a:spcPts val="300"/>
               </a:spcBef>
               <a:spcAft>
-                <a:spcPct val="0"/>
+                <a:spcPts val="600"/>
               </a:spcAft>
-              <a:buClrTx/>
-              <a:defRPr/>
+              <a:buFont typeface="Arial" panose="020B0604020202020204" pitchFamily="34" charset="0"/>
+              <a:buChar char="↑"/>
             </a:pPr>
             <a:r>
-              <a:rPr lang="en-US" sz="867" kern="1200" dirty="0">
-                <a:solidFill>
-                  <a:srgbClr val="4F81BD">
-                    <a:lumMod val="75000"/>
+              <a:rPr lang="en-US" sz="2000" dirty="0"/>
+              <a:t>Questionnaire Response Context (</a:t>
+            </a:r>
+            <a:r>
+              <a:rPr lang="en-US" sz="1800" dirty="0" err="1">
+                <a:solidFill>
+                  <a:srgbClr val="4BACC6">
+                    <a:lumMod val="50000"/>
                   </a:srgbClr>
                 </a:solidFill>
                 <a:latin typeface="Consolas" panose="020B0609020204030204" pitchFamily="49" charset="0"/>
+                <a:ea typeface="Calibri" panose="020F0502020204030204" pitchFamily="34" charset="0"/>
+                <a:cs typeface="Calibri" panose="020F0502020204030204" pitchFamily="34" charset="0"/>
               </a:rPr>
-              <a:t>QuestionnaireResponse</a:t>
-            </a:r>
-          </a:p>
-          <a:p>
-            <a:pPr algn="ctr" defTabSz="609585" fontAlgn="base">
-              <a:lnSpc>
-                <a:spcPts val="1467"/>
-              </a:lnSpc>
-              <a:spcBef>
-                <a:spcPct val="0"/>
+              <a:t>qr</a:t>
+            </a:r>
+            <a:r>
+              <a:rPr lang="en-US" sz="1800" dirty="0">
+                <a:solidFill>
+                  <a:srgbClr val="4BACC6">
+                    <a:lumMod val="50000"/>
+                  </a:srgbClr>
+                </a:solidFill>
+                <a:latin typeface="Consolas" panose="020B0609020204030204" pitchFamily="49" charset="0"/>
+                <a:ea typeface="Calibri" panose="020F0502020204030204" pitchFamily="34" charset="0"/>
+                <a:cs typeface="Calibri" panose="020F0502020204030204" pitchFamily="34" charset="0"/>
+              </a:rPr>
+              <a:t>-context</a:t>
+            </a:r>
+            <a:r>
+              <a:rPr lang="en-US" sz="2000" dirty="0"/>
+              <a:t>)</a:t>
+            </a:r>
+          </a:p>
+          <a:p>
+            <a:pPr marL="731520" indent="-274320" defTabSz="457200" fontAlgn="base">
+              <a:lnSpc>
+                <a:spcPts val="2300"/>
+              </a:lnSpc>
+              <a:spcBef>
+                <a:spcPts val="300"/>
               </a:spcBef>
               <a:spcAft>
-                <a:spcPct val="0"/>
+                <a:spcPts val="600"/>
               </a:spcAft>
-              <a:buClrTx/>
-              <a:defRPr/>
+              <a:buFont typeface="Wingdings" panose="05000000000000000000" pitchFamily="2" charset="2"/>
+              <a:buChar char="§"/>
             </a:pPr>
             <a:r>
-              <a:rPr lang="en-US" sz="933" kern="1200" dirty="0">
-                <a:solidFill>
-                  <a:prstClr val="black"/>
-                </a:solidFill>
-                <a:latin typeface="Arial"/>
+              <a:rPr lang="en-US" sz="2000" dirty="0"/>
+              <a:t>Active Role (</a:t>
+            </a:r>
+            <a:r>
+              <a:rPr lang="en-US" sz="1800" dirty="0">
+                <a:solidFill>
+                  <a:srgbClr val="4BACC6">
+                    <a:lumMod val="50000"/>
+                  </a:srgbClr>
+                </a:solidFill>
+                <a:latin typeface="Consolas" panose="020B0609020204030204" pitchFamily="49" charset="0"/>
+                <a:ea typeface="Calibri" panose="020F0502020204030204" pitchFamily="34" charset="0"/>
+                <a:cs typeface="Calibri" panose="020F0502020204030204" pitchFamily="34" charset="0"/>
               </a:rPr>
-              <a:t>resource</a:t>
-            </a:r>
-            <a:endParaRPr lang="en-US" sz="867" kern="1200" dirty="0">
-              <a:solidFill>
-                <a:srgbClr val="4F81BD">
-                  <a:lumMod val="75000"/>
-                </a:srgbClr>
-              </a:solidFill>
-              <a:latin typeface="Consolas" panose="020B0609020204030204" pitchFamily="49" charset="0"/>
-            </a:endParaRPr>
+              <a:t>activeRole</a:t>
+            </a:r>
+            <a:r>
+              <a:rPr lang="en-US" sz="2000" dirty="0"/>
+              <a:t>)</a:t>
+            </a:r>
+          </a:p>
+          <a:p>
+            <a:pPr marL="731520" indent="-274320" defTabSz="457200" fontAlgn="base">
+              <a:lnSpc>
+                <a:spcPts val="2300"/>
+              </a:lnSpc>
+              <a:spcBef>
+                <a:spcPts val="300"/>
+              </a:spcBef>
+              <a:spcAft>
+                <a:spcPts val="600"/>
+              </a:spcAft>
+              <a:buFont typeface="Wingdings" panose="05000000000000000000" pitchFamily="2" charset="2"/>
+              <a:buChar char="§"/>
+            </a:pPr>
+            <a:r>
+              <a:rPr lang="en-US" sz="2000" dirty="0"/>
+              <a:t>Alternative Expression (</a:t>
+            </a:r>
+            <a:r>
+              <a:rPr lang="en-US" sz="1800" dirty="0" err="1">
+                <a:solidFill>
+                  <a:srgbClr val="4BACC6">
+                    <a:lumMod val="50000"/>
+                  </a:srgbClr>
+                </a:solidFill>
+                <a:latin typeface="Consolas" panose="020B0609020204030204" pitchFamily="49" charset="0"/>
+                <a:ea typeface="Calibri" panose="020F0502020204030204" pitchFamily="34" charset="0"/>
+                <a:cs typeface="Calibri" panose="020F0502020204030204" pitchFamily="34" charset="0"/>
+              </a:rPr>
+              <a:t>alternativeExpression</a:t>
+            </a:r>
+            <a:r>
+              <a:rPr lang="en-US" sz="2000" dirty="0"/>
+              <a:t>)</a:t>
+            </a:r>
+          </a:p>
+          <a:p>
+            <a:pPr marL="731520" indent="-274320" defTabSz="457200" fontAlgn="base">
+              <a:lnSpc>
+                <a:spcPts val="2300"/>
+              </a:lnSpc>
+              <a:spcBef>
+                <a:spcPts val="600"/>
+              </a:spcBef>
+              <a:spcAft>
+                <a:spcPts val="600"/>
+              </a:spcAft>
+              <a:buFont typeface="Wingdings" panose="05000000000000000000" pitchFamily="2" charset="2"/>
+              <a:buChar char="§"/>
+            </a:pPr>
+            <a:endParaRPr lang="en-US" sz="2000" dirty="0"/>
           </a:p>
         </p:txBody>
       </p:sp>
     </p:spTree>
     <p:extLst>
       <p:ext uri="{BB962C8B-B14F-4D97-AF65-F5344CB8AC3E}">
-        <p14:creationId xmlns:p14="http://schemas.microsoft.com/office/powerpoint/2010/main" val="793292588"/>
+        <p14:creationId xmlns:p14="http://schemas.microsoft.com/office/powerpoint/2010/main" val="2715188196"/>
       </p:ext>
     </p:extLst>
   </p:cSld>
@@ -9983,7 +7346,7 @@
 </p:sld>
 </file>
 
-<file path=ppt/slides/slide17.xml><?xml version="1.0" encoding="utf-8"?>
+<file path=ppt/slides/slide18.xml><?xml version="1.0" encoding="utf-8"?>
 <p:sld xmlns:a="http://schemas.openxmlformats.org/drawingml/2006/main" xmlns:r="http://schemas.openxmlformats.org/officeDocument/2006/relationships" xmlns:p="http://schemas.openxmlformats.org/presentationml/2006/main">
   <p:cSld>
     <p:spTree>
@@ -10054,7 +7417,7 @@
         <p:spPr>
           <a:xfrm>
             <a:off x="3895722" y="1426464"/>
-            <a:ext cx="7925491" cy="3888244"/>
+            <a:ext cx="8066892" cy="2677656"/>
           </a:xfrm>
           <a:prstGeom prst="rect">
             <a:avLst/>
@@ -10121,8 +7484,52 @@
                 <a:ea typeface="+mn-ea"/>
                 <a:cs typeface="+mn-cs"/>
               </a:rPr>
-              <a:t>An EHR using a DTR Native App can use its own process for this</a:t>
-            </a:r>
+              <a:t>Note that DTR Clients must be able, at any point, to save a QuestionnaireResponse as ‘in-progress’ for resuming later</a:t>
+            </a:r>
+          </a:p>
+          <a:p>
+            <a:pPr marL="548640" lvl="2" indent="-228600">
+              <a:spcBef>
+                <a:spcPts val="600"/>
+              </a:spcBef>
+              <a:spcAft>
+                <a:spcPts val="600"/>
+              </a:spcAft>
+              <a:buClr>
+                <a:srgbClr val="A91F24">
+                  <a:lumMod val="50000"/>
+                </a:srgbClr>
+              </a:buClr>
+              <a:buFont typeface="Arial" panose="020B0604020202020204" pitchFamily="34" charset="0"/>
+              <a:buChar char="‒"/>
+              <a:defRPr/>
+            </a:pPr>
+            <a:r>
+              <a:rPr kumimoji="0" lang="en-US" sz="1800" b="0" i="0" u="none" strike="noStrike" kern="1200" cap="none" spc="0" normalizeH="0" baseline="0" noProof="0" dirty="0">
+                <a:ln>
+                  <a:noFill/>
+                </a:ln>
+                <a:solidFill>
+                  <a:srgbClr val="472005"/>
+                </a:solidFill>
+                <a:effectLst/>
+                <a:uLnTx/>
+                <a:uFillTx/>
+                <a:latin typeface="Arial" panose="020B0604020202020204"/>
+                <a:ea typeface="+mn-ea"/>
+                <a:cs typeface="Arial"/>
+                <a:sym typeface="Arial"/>
+              </a:rPr>
+              <a:t>Important but not ‘primary path’</a:t>
+            </a:r>
+            <a:endParaRPr lang="en-US" sz="2000" kern="1200" dirty="0">
+              <a:solidFill>
+                <a:srgbClr val="472005"/>
+              </a:solidFill>
+              <a:latin typeface="+mn-lt"/>
+              <a:ea typeface="+mn-ea"/>
+              <a:cs typeface="+mn-cs"/>
+            </a:endParaRPr>
           </a:p>
           <a:p>
             <a:pPr marL="342900" lvl="1" indent="-342900" defTabSz="1219170">
@@ -10150,19 +7557,14 @@
                 <a:ea typeface="+mn-ea"/>
                 <a:cs typeface="+mn-cs"/>
               </a:rPr>
-              <a:t>In the case of a DTR client SMART App, this is done RESTfully</a:t>
-            </a:r>
-            <a:endParaRPr lang="en-US" sz="1800" kern="1200" dirty="0">
-              <a:solidFill>
-                <a:srgbClr val="472005"/>
-              </a:solidFill>
-              <a:latin typeface="+mn-lt"/>
-              <a:ea typeface="+mn-ea"/>
-              <a:cs typeface="+mn-cs"/>
-            </a:endParaRPr>
-          </a:p>
-          <a:p>
-            <a:pPr marL="342900" lvl="1" indent="-342900" defTabSz="1219170">
+              <a:t>Focus on expectations for Prior Authorization use case</a:t>
+            </a:r>
+          </a:p>
+          <a:p>
+            <a:pPr marL="342900" marR="0" lvl="1" indent="-342900" algn="l" defTabSz="1219170" rtl="0" eaLnBrk="1" fontAlgn="auto" latinLnBrk="0" hangingPunct="1">
+              <a:lnSpc>
+                <a:spcPct val="100000"/>
+              </a:lnSpc>
               <a:spcBef>
                 <a:spcPts val="1200"/>
               </a:spcBef>
@@ -10170,12 +7572,14 @@
                 <a:spcPts val="400"/>
               </a:spcAft>
               <a:buClr>
-                <a:schemeClr val="accent1">
+                <a:srgbClr val="A91F24">
                   <a:lumMod val="50000"/>
-                </a:schemeClr>
+                </a:srgbClr>
               </a:buClr>
+              <a:buSzTx/>
               <a:buFont typeface="Wingdings" panose="05000000000000000000" pitchFamily="2" charset="2"/>
               <a:buChar char="§"/>
+              <a:tabLst/>
               <a:defRPr/>
             </a:pPr>
             <a:r>
@@ -10187,26 +7591,44 @@
                 <a:ea typeface="+mn-ea"/>
                 <a:cs typeface="+mn-cs"/>
               </a:rPr>
-              <a:t>Note that DTR Clients must be able, at any point, to save a QuestionnaireResponse as ‘in-progress’ for resuming later</a:t>
-            </a:r>
-          </a:p>
-          <a:p>
-            <a:pPr marL="342900" lvl="1" indent="-342900" defTabSz="1219170">
-              <a:spcBef>
-                <a:spcPts val="1200"/>
-              </a:spcBef>
-              <a:spcAft>
-                <a:spcPts val="400"/>
-              </a:spcAft>
-              <a:buClr>
-                <a:schemeClr val="accent1">
-                  <a:lumMod val="50000"/>
-                </a:schemeClr>
-              </a:buClr>
-              <a:buFont typeface="Wingdings" panose="05000000000000000000" pitchFamily="2" charset="2"/>
-              <a:buChar char="§"/>
-              <a:defRPr/>
-            </a:pPr>
+              <a:t>Needs of PAS are focus (the </a:t>
+            </a:r>
+            <a:r>
+              <a:rPr kumimoji="0" lang="en-US" sz="1800" b="0" i="0" u="none" strike="noStrike" kern="1200" cap="none" spc="0" normalizeH="0" baseline="0" noProof="0" dirty="0" err="1">
+                <a:ln>
+                  <a:noFill/>
+                </a:ln>
+                <a:solidFill>
+                  <a:srgbClr val="2A323A"/>
+                </a:solidFill>
+                <a:effectLst/>
+                <a:uLnTx/>
+                <a:uFillTx/>
+                <a:latin typeface="Consolas" panose="020B0609020204030204" pitchFamily="49" charset="0"/>
+                <a:ea typeface="+mn-ea"/>
+                <a:cs typeface="Arial"/>
+                <a:sym typeface="Arial"/>
+              </a:rPr>
+              <a:t>questionnaireResponseBundle</a:t>
+            </a:r>
+            <a:r>
+              <a:rPr kumimoji="0" lang="en-US" sz="2000" b="0" i="0" u="none" strike="noStrike" kern="1200" cap="none" spc="0" normalizeH="0" baseline="0" noProof="0" dirty="0">
+                <a:ln>
+                  <a:noFill/>
+                </a:ln>
+                <a:solidFill>
+                  <a:srgbClr val="472005"/>
+                </a:solidFill>
+                <a:effectLst/>
+                <a:uLnTx/>
+                <a:uFillTx/>
+                <a:latin typeface="Arial" panose="020B0604020202020204"/>
+                <a:ea typeface="+mn-ea"/>
+                <a:cs typeface="Arial"/>
+                <a:sym typeface="Arial"/>
+              </a:rPr>
+              <a:t> </a:t>
+            </a:r>
             <a:r>
               <a:rPr lang="en-US" sz="2000" kern="1200" dirty="0">
                 <a:solidFill>
@@ -10216,283 +7638,11 @@
                 <a:ea typeface="+mn-ea"/>
                 <a:cs typeface="+mn-cs"/>
               </a:rPr>
-              <a:t>A completed QuestionnaireResponse that is sent ‘downstream must be bundled in a Bundle of type ‘collection’ which conforms to the </a:t>
-            </a:r>
-            <a:r>
-              <a:rPr lang="en-US" sz="1800" kern="1200" dirty="0" err="1">
-                <a:solidFill>
-                  <a:schemeClr val="tx2"/>
-                </a:solidFill>
-                <a:latin typeface="Consolas" panose="020B0609020204030204" pitchFamily="49" charset="0"/>
-                <a:ea typeface="+mn-ea"/>
-                <a:cs typeface="+mn-cs"/>
-              </a:rPr>
-              <a:t>questionnaireResponseBundle</a:t>
-            </a:r>
-            <a:r>
-              <a:rPr lang="en-US" sz="2000" kern="1200" dirty="0">
-                <a:solidFill>
-                  <a:srgbClr val="472005"/>
-                </a:solidFill>
-                <a:latin typeface="+mn-lt"/>
-                <a:ea typeface="+mn-ea"/>
-                <a:cs typeface="+mn-cs"/>
-              </a:rPr>
-              <a:t> profile</a:t>
-            </a:r>
-          </a:p>
-          <a:p>
-            <a:pPr marL="342900" lvl="1" indent="-342900" defTabSz="1219170">
-              <a:spcBef>
-                <a:spcPts val="1200"/>
-              </a:spcBef>
-              <a:spcAft>
-                <a:spcPts val="400"/>
-              </a:spcAft>
-              <a:buClr>
-                <a:schemeClr val="accent1">
-                  <a:lumMod val="50000"/>
-                </a:schemeClr>
-              </a:buClr>
-              <a:buFont typeface="Wingdings" panose="05000000000000000000" pitchFamily="2" charset="2"/>
-              <a:buChar char="§"/>
-              <a:defRPr/>
-            </a:pPr>
-            <a:endParaRPr lang="en-US" sz="2000" kern="1200" dirty="0">
-              <a:solidFill>
-                <a:srgbClr val="472005"/>
-              </a:solidFill>
-              <a:latin typeface="+mn-lt"/>
-              <a:ea typeface="+mn-ea"/>
-              <a:cs typeface="+mn-cs"/>
-            </a:endParaRPr>
+              <a:t>profile)</a:t>
+            </a:r>
           </a:p>
         </p:txBody>
       </p:sp>
-      <p:grpSp>
-        <p:nvGrpSpPr>
-          <p:cNvPr id="6" name="Group 5">
-            <a:extLst>
-              <a:ext uri="{FF2B5EF4-FFF2-40B4-BE49-F238E27FC236}">
-                <a16:creationId xmlns:a16="http://schemas.microsoft.com/office/drawing/2014/main" id="{F2266E0A-3CE6-D323-73A4-4ABD54FACFF5}"/>
-              </a:ext>
-            </a:extLst>
-          </p:cNvPr>
-          <p:cNvGrpSpPr/>
-          <p:nvPr/>
-        </p:nvGrpSpPr>
-        <p:grpSpPr>
-          <a:xfrm>
-            <a:off x="4381576" y="5017045"/>
-            <a:ext cx="6793919" cy="1202390"/>
-            <a:chOff x="2185876" y="3208589"/>
-            <a:chExt cx="5095439" cy="901792"/>
-          </a:xfrm>
-        </p:grpSpPr>
-        <p:sp>
-          <p:nvSpPr>
-            <p:cNvPr id="8" name="Rectangle 7">
-              <a:extLst>
-                <a:ext uri="{FF2B5EF4-FFF2-40B4-BE49-F238E27FC236}">
-                  <a16:creationId xmlns:a16="http://schemas.microsoft.com/office/drawing/2014/main" id="{E8F623E3-8C0F-F841-134E-33B920EEC94C}"/>
-                </a:ext>
-              </a:extLst>
-            </p:cNvPr>
-            <p:cNvSpPr/>
-            <p:nvPr/>
-          </p:nvSpPr>
-          <p:spPr>
-            <a:xfrm>
-              <a:off x="2185876" y="3208589"/>
-              <a:ext cx="5095439" cy="901792"/>
-            </a:xfrm>
-            <a:prstGeom prst="rect">
-              <a:avLst/>
-            </a:prstGeom>
-            <a:solidFill>
-              <a:schemeClr val="bg1"/>
-            </a:solidFill>
-          </p:spPr>
-          <p:style>
-            <a:lnRef idx="1">
-              <a:schemeClr val="accent1"/>
-            </a:lnRef>
-            <a:fillRef idx="3">
-              <a:schemeClr val="accent1"/>
-            </a:fillRef>
-            <a:effectRef idx="2">
-              <a:schemeClr val="accent1"/>
-            </a:effectRef>
-            <a:fontRef idx="minor">
-              <a:schemeClr val="lt1"/>
-            </a:fontRef>
-          </p:style>
-          <p:txBody>
-            <a:bodyPr rtlCol="0" anchor="ctr"/>
-            <a:lstStyle/>
-            <a:p>
-              <a:pPr algn="ctr" defTabSz="609585" fontAlgn="base">
-                <a:spcBef>
-                  <a:spcPct val="0"/>
-                </a:spcBef>
-                <a:spcAft>
-                  <a:spcPct val="0"/>
-                </a:spcAft>
-                <a:buClrTx/>
-              </a:pPr>
-              <a:endParaRPr lang="en-US" sz="2400" kern="1200">
-                <a:solidFill>
-                  <a:prstClr val="white"/>
-                </a:solidFill>
-                <a:latin typeface="Arial"/>
-              </a:endParaRPr>
-            </a:p>
-          </p:txBody>
-        </p:sp>
-        <p:sp>
-          <p:nvSpPr>
-            <p:cNvPr id="10" name="TextBox 9">
-              <a:extLst>
-                <a:ext uri="{FF2B5EF4-FFF2-40B4-BE49-F238E27FC236}">
-                  <a16:creationId xmlns:a16="http://schemas.microsoft.com/office/drawing/2014/main" id="{C35F5CD8-EB2B-7D9F-FCA3-2A8463DE8444}"/>
-                </a:ext>
-              </a:extLst>
-            </p:cNvPr>
-            <p:cNvSpPr txBox="1"/>
-            <p:nvPr/>
-          </p:nvSpPr>
-          <p:spPr>
-            <a:xfrm>
-              <a:off x="2310423" y="3265658"/>
-              <a:ext cx="4647701" cy="184666"/>
-            </a:xfrm>
-            <a:prstGeom prst="rect">
-              <a:avLst/>
-            </a:prstGeom>
-            <a:solidFill>
-              <a:schemeClr val="bg1">
-                <a:alpha val="45000"/>
-              </a:schemeClr>
-            </a:solidFill>
-          </p:spPr>
-          <p:txBody>
-            <a:bodyPr wrap="square" lIns="0" tIns="0" rIns="0" bIns="0">
-              <a:spAutoFit/>
-            </a:bodyPr>
-            <a:lstStyle/>
-            <a:p>
-              <a:pPr defTabSz="609585" fontAlgn="base">
-                <a:spcBef>
-                  <a:spcPct val="0"/>
-                </a:spcBef>
-                <a:spcAft>
-                  <a:spcPct val="0"/>
-                </a:spcAft>
-                <a:buClrTx/>
-              </a:pPr>
-              <a:r>
-                <a:rPr lang="en-US" kern="1200" dirty="0">
-                  <a:solidFill>
-                    <a:srgbClr val="4BACC6">
-                      <a:lumMod val="50000"/>
-                    </a:srgbClr>
-                  </a:solidFill>
-                  <a:latin typeface="Consolas" panose="020B0609020204030204" pitchFamily="49" charset="0"/>
-                  <a:ea typeface="Calibri" panose="020F0502020204030204" pitchFamily="34" charset="0"/>
-                  <a:cs typeface="Calibri" panose="020F0502020204030204" pitchFamily="34" charset="0"/>
-                </a:rPr>
-                <a:t>QuestionnaireResponse.status</a:t>
-              </a:r>
-              <a:r>
-                <a:rPr lang="en-US" kern="1200" dirty="0">
-                  <a:solidFill>
-                    <a:prstClr val="black"/>
-                  </a:solidFill>
-                  <a:latin typeface="Calibri" panose="020F0502020204030204" pitchFamily="34" charset="0"/>
-                  <a:ea typeface="Calibri" panose="020F0502020204030204" pitchFamily="34" charset="0"/>
-                  <a:cs typeface="Calibri" panose="020F0502020204030204" pitchFamily="34" charset="0"/>
-                </a:rPr>
-                <a:t> </a:t>
-              </a:r>
-              <a:r>
-                <a:rPr lang="en-US" sz="1600" kern="1200" dirty="0">
-                  <a:solidFill>
-                    <a:prstClr val="black"/>
-                  </a:solidFill>
-                  <a:latin typeface="Calibri" panose="020F0502020204030204" pitchFamily="34" charset="0"/>
-                  <a:ea typeface="Calibri" panose="020F0502020204030204" pitchFamily="34" charset="0"/>
-                  <a:cs typeface="Calibri" panose="020F0502020204030204" pitchFamily="34" charset="0"/>
-                </a:rPr>
-                <a:t>= ‘</a:t>
-              </a:r>
-              <a:r>
-                <a:rPr lang="en-US" kern="1200" dirty="0">
-                  <a:solidFill>
-                    <a:srgbClr val="EEECE1">
-                      <a:lumMod val="25000"/>
-                    </a:srgbClr>
-                  </a:solidFill>
-                  <a:latin typeface="Consolas" panose="020B0609020204030204" pitchFamily="49" charset="0"/>
-                  <a:ea typeface="Calibri" panose="020F0502020204030204" pitchFamily="34" charset="0"/>
-                  <a:cs typeface="Calibri" panose="020F0502020204030204" pitchFamily="34" charset="0"/>
-                </a:rPr>
-                <a:t>completed</a:t>
-              </a:r>
-              <a:r>
-                <a:rPr lang="en-US" sz="1600" kern="1200" dirty="0">
-                  <a:solidFill>
-                    <a:prstClr val="black"/>
-                  </a:solidFill>
-                  <a:latin typeface="Calibri" panose="020F0502020204030204" pitchFamily="34" charset="0"/>
-                  <a:ea typeface="Calibri" panose="020F0502020204030204" pitchFamily="34" charset="0"/>
-                  <a:cs typeface="Calibri" panose="020F0502020204030204" pitchFamily="34" charset="0"/>
-                </a:rPr>
-                <a:t>’</a:t>
-              </a:r>
-              <a:endParaRPr lang="en-US" kern="1200" dirty="0">
-                <a:solidFill>
-                  <a:srgbClr val="4BACC6">
-                    <a:lumMod val="50000"/>
-                  </a:srgbClr>
-                </a:solidFill>
-                <a:latin typeface="Consolas" panose="020B0609020204030204" pitchFamily="49" charset="0"/>
-                <a:ea typeface="Calibri" panose="020F0502020204030204" pitchFamily="34" charset="0"/>
-                <a:cs typeface="Calibri" panose="020F0502020204030204" pitchFamily="34" charset="0"/>
-              </a:endParaRPr>
-            </a:p>
-          </p:txBody>
-        </p:sp>
-        <p:pic>
-          <p:nvPicPr>
-            <p:cNvPr id="11" name="Picture 10">
-              <a:extLst>
-                <a:ext uri="{FF2B5EF4-FFF2-40B4-BE49-F238E27FC236}">
-                  <a16:creationId xmlns:a16="http://schemas.microsoft.com/office/drawing/2014/main" id="{0E784CB6-B3A0-82EA-9416-44E817001100}"/>
-                </a:ext>
-              </a:extLst>
-            </p:cNvPr>
-            <p:cNvPicPr>
-              <a:picLocks noChangeAspect="1"/>
-            </p:cNvPicPr>
-            <p:nvPr/>
-          </p:nvPicPr>
-          <p:blipFill>
-            <a:blip r:embed="rId2"/>
-            <a:stretch>
-              <a:fillRect/>
-            </a:stretch>
-          </p:blipFill>
-          <p:spPr>
-            <a:xfrm>
-              <a:off x="2204983" y="3507393"/>
-              <a:ext cx="4858581" cy="508359"/>
-            </a:xfrm>
-            <a:prstGeom prst="rect">
-              <a:avLst/>
-            </a:prstGeom>
-          </p:spPr>
-        </p:pic>
-      </p:grpSp>
     </p:spTree>
     <p:extLst>
       <p:ext uri="{BB962C8B-B14F-4D97-AF65-F5344CB8AC3E}">
@@ -10506,7 +7656,7 @@
 </p:sld>
 </file>
 
-<file path=ppt/slides/slide18.xml><?xml version="1.0" encoding="utf-8"?>
+<file path=ppt/slides/slide19.xml><?xml version="1.0" encoding="utf-8"?>
 <p:sld xmlns:a="http://schemas.openxmlformats.org/drawingml/2006/main" xmlns:r="http://schemas.openxmlformats.org/officeDocument/2006/relationships" xmlns:p="http://schemas.openxmlformats.org/presentationml/2006/main">
   <p:cSld>
     <p:spTree>
@@ -10580,7 +7730,7 @@
           <a:p>
             <a:fld id="{B6F15528-21DE-4FAA-801E-634DDDAF4B2B}" type="slidenum">
               <a:rPr lang="en-CA" smtClean="0"/>
-              <a:t>18</a:t>
+              <a:t>19</a:t>
             </a:fld>
             <a:endParaRPr lang="en-CA"/>
           </a:p>
@@ -10603,7 +7753,7 @@
         <p:spPr>
           <a:xfrm>
             <a:off x="3974740" y="1452134"/>
-            <a:ext cx="7849086" cy="3883437"/>
+            <a:ext cx="7849086" cy="4910959"/>
           </a:xfrm>
           <a:prstGeom prst="rect">
             <a:avLst/>
@@ -10865,7 +8015,7 @@
             </a:pPr>
             <a:r>
               <a:rPr lang="en-CA" dirty="0"/>
-              <a:t>Required in regulations</a:t>
+              <a:t>Required in regulations (so start now)</a:t>
             </a:r>
           </a:p>
           <a:p>
@@ -10888,6 +8038,38 @@
             <a:r>
               <a:rPr lang="en-CA" dirty="0"/>
               <a:t> logical model</a:t>
+            </a:r>
+          </a:p>
+          <a:p>
+            <a:pPr>
+              <a:lnSpc>
+                <a:spcPct val="100000"/>
+              </a:lnSpc>
+              <a:spcBef>
+                <a:spcPts val="1800"/>
+              </a:spcBef>
+              <a:spcAft>
+                <a:spcPts val="600"/>
+              </a:spcAft>
+              <a:buClrTx/>
+            </a:pPr>
+            <a:r>
+              <a:rPr lang="en-CA" b="1" dirty="0"/>
+              <a:t>Receiving Prior Authorization approval</a:t>
+            </a:r>
+          </a:p>
+          <a:p>
+            <a:pPr marL="548640" lvl="1" indent="-274320">
+              <a:lnSpc>
+                <a:spcPct val="100000"/>
+              </a:lnSpc>
+              <a:buClrTx/>
+              <a:buFont typeface="Wingdings" panose="05000000000000000000" pitchFamily="2" charset="2"/>
+              <a:buChar char="§"/>
+            </a:pPr>
+            <a:r>
+              <a:rPr lang="en-CA" dirty="0"/>
+              <a:t>Great to have – Not required.</a:t>
             </a:r>
           </a:p>
           <a:p>
@@ -10913,137 +8095,6 @@
     <p:extLst>
       <p:ext uri="{BB962C8B-B14F-4D97-AF65-F5344CB8AC3E}">
         <p14:creationId xmlns:p14="http://schemas.microsoft.com/office/powerpoint/2010/main" val="2809177335"/>
-      </p:ext>
-    </p:extLst>
-  </p:cSld>
-  <p:clrMapOvr>
-    <a:masterClrMapping/>
-  </p:clrMapOvr>
-</p:sld>
-</file>
-
-<file path=ppt/slides/slide19.xml><?xml version="1.0" encoding="utf-8"?>
-<p:sld xmlns:a="http://schemas.openxmlformats.org/drawingml/2006/main" xmlns:r="http://schemas.openxmlformats.org/officeDocument/2006/relationships" xmlns:p="http://schemas.openxmlformats.org/presentationml/2006/main">
-  <p:cSld>
-    <p:spTree>
-      <p:nvGrpSpPr>
-        <p:cNvPr id="1" name="">
-          <a:extLst>
-            <a:ext uri="{FF2B5EF4-FFF2-40B4-BE49-F238E27FC236}">
-              <a16:creationId xmlns:a16="http://schemas.microsoft.com/office/drawing/2014/main" id="{B903C43F-3B91-5AC6-3394-6DA0AD8472CD}"/>
-            </a:ext>
-          </a:extLst>
-        </p:cNvPr>
-        <p:cNvGrpSpPr/>
-        <p:nvPr/>
-      </p:nvGrpSpPr>
-      <p:grpSpPr>
-        <a:xfrm>
-          <a:off x="0" y="0"/>
-          <a:ext cx="0" cy="0"/>
-          <a:chOff x="0" y="0"/>
-          <a:chExt cx="0" cy="0"/>
-        </a:xfrm>
-      </p:grpSpPr>
-      <p:sp>
-        <p:nvSpPr>
-          <p:cNvPr id="6" name="Text Placeholder 5">
-            <a:extLst>
-              <a:ext uri="{FF2B5EF4-FFF2-40B4-BE49-F238E27FC236}">
-                <a16:creationId xmlns:a16="http://schemas.microsoft.com/office/drawing/2014/main" id="{20A90658-6583-DCD1-0ACF-E2DF2148E510}"/>
-              </a:ext>
-            </a:extLst>
-          </p:cNvPr>
-          <p:cNvSpPr>
-            <a:spLocks noGrp="1"/>
-          </p:cNvSpPr>
-          <p:nvPr>
-            <p:ph type="body" sz="quarter" idx="16"/>
-          </p:nvPr>
-        </p:nvSpPr>
-        <p:spPr>
-          <a:xfrm>
-            <a:off x="1941529" y="3348989"/>
-            <a:ext cx="6324777" cy="978729"/>
-          </a:xfrm>
-        </p:spPr>
-        <p:txBody>
-          <a:bodyPr/>
-          <a:lstStyle/>
-          <a:p>
-            <a:r>
-              <a:rPr lang="en-CA" dirty="0"/>
-              <a:t>Approach to Achieving Conformance</a:t>
-            </a:r>
-          </a:p>
-        </p:txBody>
-      </p:sp>
-      <p:sp>
-        <p:nvSpPr>
-          <p:cNvPr id="5" name="Title 4">
-            <a:extLst>
-              <a:ext uri="{FF2B5EF4-FFF2-40B4-BE49-F238E27FC236}">
-                <a16:creationId xmlns:a16="http://schemas.microsoft.com/office/drawing/2014/main" id="{D0DBBBB3-B6B1-7B32-CC7A-251F50BE2857}"/>
-              </a:ext>
-            </a:extLst>
-          </p:cNvPr>
-          <p:cNvSpPr>
-            <a:spLocks noGrp="1"/>
-          </p:cNvSpPr>
-          <p:nvPr>
-            <p:ph type="title"/>
-          </p:nvPr>
-        </p:nvSpPr>
-        <p:spPr/>
-        <p:txBody>
-          <a:bodyPr/>
-          <a:lstStyle/>
-          <a:p>
-            <a:r>
-              <a:rPr lang="en-CA" dirty="0"/>
-              <a:t>PAS</a:t>
-            </a:r>
-          </a:p>
-        </p:txBody>
-      </p:sp>
-      <p:sp>
-        <p:nvSpPr>
-          <p:cNvPr id="4" name="Slide Number Placeholder 3">
-            <a:extLst>
-              <a:ext uri="{FF2B5EF4-FFF2-40B4-BE49-F238E27FC236}">
-                <a16:creationId xmlns:a16="http://schemas.microsoft.com/office/drawing/2014/main" id="{4B114077-93B4-8311-1F39-4270D4D419C5}"/>
-              </a:ext>
-            </a:extLst>
-          </p:cNvPr>
-          <p:cNvSpPr>
-            <a:spLocks noGrp="1"/>
-          </p:cNvSpPr>
-          <p:nvPr>
-            <p:ph type="sldNum" sz="quarter" idx="4294967295"/>
-          </p:nvPr>
-        </p:nvSpPr>
-        <p:spPr>
-          <a:xfrm>
-            <a:off x="11610975" y="6489700"/>
-            <a:ext cx="581025" cy="365125"/>
-          </a:xfrm>
-        </p:spPr>
-        <p:txBody>
-          <a:bodyPr/>
-          <a:lstStyle/>
-          <a:p>
-            <a:fld id="{B6F15528-21DE-4FAA-801E-634DDDAF4B2B}" type="slidenum">
-              <a:rPr lang="en-CA" smtClean="0"/>
-              <a:t>19</a:t>
-            </a:fld>
-            <a:endParaRPr lang="en-CA"/>
-          </a:p>
-        </p:txBody>
-      </p:sp>
-    </p:spTree>
-    <p:extLst>
-      <p:ext uri="{BB962C8B-B14F-4D97-AF65-F5344CB8AC3E}">
-        <p14:creationId xmlns:p14="http://schemas.microsoft.com/office/powerpoint/2010/main" val="896552519"/>
       </p:ext>
     </p:extLst>
   </p:cSld>
@@ -11144,6 +8195,137 @@
         <p:cNvPr id="1" name="">
           <a:extLst>
             <a:ext uri="{FF2B5EF4-FFF2-40B4-BE49-F238E27FC236}">
+              <a16:creationId xmlns:a16="http://schemas.microsoft.com/office/drawing/2014/main" id="{B903C43F-3B91-5AC6-3394-6DA0AD8472CD}"/>
+            </a:ext>
+          </a:extLst>
+        </p:cNvPr>
+        <p:cNvGrpSpPr/>
+        <p:nvPr/>
+      </p:nvGrpSpPr>
+      <p:grpSpPr>
+        <a:xfrm>
+          <a:off x="0" y="0"/>
+          <a:ext cx="0" cy="0"/>
+          <a:chOff x="0" y="0"/>
+          <a:chExt cx="0" cy="0"/>
+        </a:xfrm>
+      </p:grpSpPr>
+      <p:sp>
+        <p:nvSpPr>
+          <p:cNvPr id="6" name="Text Placeholder 5">
+            <a:extLst>
+              <a:ext uri="{FF2B5EF4-FFF2-40B4-BE49-F238E27FC236}">
+                <a16:creationId xmlns:a16="http://schemas.microsoft.com/office/drawing/2014/main" id="{20A90658-6583-DCD1-0ACF-E2DF2148E510}"/>
+              </a:ext>
+            </a:extLst>
+          </p:cNvPr>
+          <p:cNvSpPr>
+            <a:spLocks noGrp="1"/>
+          </p:cNvSpPr>
+          <p:nvPr>
+            <p:ph type="body" sz="quarter" idx="16"/>
+          </p:nvPr>
+        </p:nvSpPr>
+        <p:spPr>
+          <a:xfrm>
+            <a:off x="1941529" y="3348989"/>
+            <a:ext cx="6324777" cy="978729"/>
+          </a:xfrm>
+        </p:spPr>
+        <p:txBody>
+          <a:bodyPr/>
+          <a:lstStyle/>
+          <a:p>
+            <a:r>
+              <a:rPr lang="en-CA" dirty="0"/>
+              <a:t>Approach to Achieving Conformance</a:t>
+            </a:r>
+          </a:p>
+        </p:txBody>
+      </p:sp>
+      <p:sp>
+        <p:nvSpPr>
+          <p:cNvPr id="5" name="Title 4">
+            <a:extLst>
+              <a:ext uri="{FF2B5EF4-FFF2-40B4-BE49-F238E27FC236}">
+                <a16:creationId xmlns:a16="http://schemas.microsoft.com/office/drawing/2014/main" id="{D0DBBBB3-B6B1-7B32-CC7A-251F50BE2857}"/>
+              </a:ext>
+            </a:extLst>
+          </p:cNvPr>
+          <p:cNvSpPr>
+            <a:spLocks noGrp="1"/>
+          </p:cNvSpPr>
+          <p:nvPr>
+            <p:ph type="title"/>
+          </p:nvPr>
+        </p:nvSpPr>
+        <p:spPr/>
+        <p:txBody>
+          <a:bodyPr/>
+          <a:lstStyle/>
+          <a:p>
+            <a:r>
+              <a:rPr lang="en-CA" dirty="0"/>
+              <a:t>PAS</a:t>
+            </a:r>
+          </a:p>
+        </p:txBody>
+      </p:sp>
+      <p:sp>
+        <p:nvSpPr>
+          <p:cNvPr id="4" name="Slide Number Placeholder 3">
+            <a:extLst>
+              <a:ext uri="{FF2B5EF4-FFF2-40B4-BE49-F238E27FC236}">
+                <a16:creationId xmlns:a16="http://schemas.microsoft.com/office/drawing/2014/main" id="{4B114077-93B4-8311-1F39-4270D4D419C5}"/>
+              </a:ext>
+            </a:extLst>
+          </p:cNvPr>
+          <p:cNvSpPr>
+            <a:spLocks noGrp="1"/>
+          </p:cNvSpPr>
+          <p:nvPr>
+            <p:ph type="sldNum" sz="quarter" idx="4294967295"/>
+          </p:nvPr>
+        </p:nvSpPr>
+        <p:spPr>
+          <a:xfrm>
+            <a:off x="11610975" y="6489700"/>
+            <a:ext cx="581025" cy="365125"/>
+          </a:xfrm>
+        </p:spPr>
+        <p:txBody>
+          <a:bodyPr/>
+          <a:lstStyle/>
+          <a:p>
+            <a:fld id="{B6F15528-21DE-4FAA-801E-634DDDAF4B2B}" type="slidenum">
+              <a:rPr lang="en-CA" smtClean="0"/>
+              <a:t>20</a:t>
+            </a:fld>
+            <a:endParaRPr lang="en-CA"/>
+          </a:p>
+        </p:txBody>
+      </p:sp>
+    </p:spTree>
+    <p:extLst>
+      <p:ext uri="{BB962C8B-B14F-4D97-AF65-F5344CB8AC3E}">
+        <p14:creationId xmlns:p14="http://schemas.microsoft.com/office/powerpoint/2010/main" val="896552519"/>
+      </p:ext>
+    </p:extLst>
+  </p:cSld>
+  <p:clrMapOvr>
+    <a:masterClrMapping/>
+  </p:clrMapOvr>
+</p:sld>
+</file>
+
+<file path=ppt/slides/slide21.xml><?xml version="1.0" encoding="utf-8"?>
+<p:sld xmlns:a="http://schemas.openxmlformats.org/drawingml/2006/main" xmlns:r="http://schemas.openxmlformats.org/officeDocument/2006/relationships" xmlns:p="http://schemas.openxmlformats.org/presentationml/2006/main">
+  <p:cSld>
+    <p:spTree>
+      <p:nvGrpSpPr>
+        <p:cNvPr id="1" name="">
+          <a:extLst>
+            <a:ext uri="{FF2B5EF4-FFF2-40B4-BE49-F238E27FC236}">
               <a16:creationId xmlns:a16="http://schemas.microsoft.com/office/drawing/2014/main" id="{93EFAD09-4B3F-80FC-8AD2-183C1B660BC9}"/>
             </a:ext>
           </a:extLst>
@@ -11247,164 +8429,6 @@
     <p:extLst>
       <p:ext uri="{BB962C8B-B14F-4D97-AF65-F5344CB8AC3E}">
         <p14:creationId xmlns:p14="http://schemas.microsoft.com/office/powerpoint/2010/main" val="2759280901"/>
-      </p:ext>
-    </p:extLst>
-  </p:cSld>
-  <p:clrMapOvr>
-    <a:masterClrMapping/>
-  </p:clrMapOvr>
-</p:sld>
-</file>
-
-<file path=ppt/slides/slide21.xml><?xml version="1.0" encoding="utf-8"?>
-<p:sld xmlns:a="http://schemas.openxmlformats.org/drawingml/2006/main" xmlns:r="http://schemas.openxmlformats.org/officeDocument/2006/relationships" xmlns:p="http://schemas.openxmlformats.org/presentationml/2006/main">
-  <p:cSld>
-    <p:spTree>
-      <p:nvGrpSpPr>
-        <p:cNvPr id="1" name=""/>
-        <p:cNvGrpSpPr/>
-        <p:nvPr/>
-      </p:nvGrpSpPr>
-      <p:grpSpPr>
-        <a:xfrm>
-          <a:off x="0" y="0"/>
-          <a:ext cx="0" cy="0"/>
-          <a:chOff x="0" y="0"/>
-          <a:chExt cx="0" cy="0"/>
-        </a:xfrm>
-      </p:grpSpPr>
-      <p:sp>
-        <p:nvSpPr>
-          <p:cNvPr id="2" name="Text Placeholder 1">
-            <a:extLst>
-              <a:ext uri="{FF2B5EF4-FFF2-40B4-BE49-F238E27FC236}">
-                <a16:creationId xmlns:a16="http://schemas.microsoft.com/office/drawing/2014/main" id="{5379705A-88B6-581D-1475-D9D2D2E7B8DF}"/>
-              </a:ext>
-            </a:extLst>
-          </p:cNvPr>
-          <p:cNvSpPr>
-            <a:spLocks noGrp="1"/>
-          </p:cNvSpPr>
-          <p:nvPr>
-            <p:ph type="body" sz="quarter" idx="14"/>
-          </p:nvPr>
-        </p:nvSpPr>
-        <p:spPr/>
-        <p:txBody>
-          <a:bodyPr/>
-          <a:lstStyle/>
-          <a:p>
-            <a:pPr marL="457200" indent="-457200">
-              <a:buFont typeface="+mj-lt"/>
-              <a:buAutoNum type="arabicPeriod"/>
-            </a:pPr>
-            <a:r>
-              <a:rPr lang="en-US" dirty="0"/>
-              <a:t>Support the $submit for the initial request</a:t>
-            </a:r>
-          </a:p>
-          <a:p>
-            <a:pPr marL="457200" indent="-457200">
-              <a:buFont typeface="+mj-lt"/>
-              <a:buAutoNum type="arabicPeriod"/>
-            </a:pPr>
-            <a:r>
-              <a:rPr lang="en-US" dirty="0"/>
-              <a:t>Support Subscriptions to return update notifications to existing requests</a:t>
-            </a:r>
-          </a:p>
-          <a:p>
-            <a:pPr marL="457200" indent="-457200">
-              <a:buFont typeface="+mj-lt"/>
-              <a:buAutoNum type="arabicPeriod"/>
-            </a:pPr>
-            <a:r>
-              <a:rPr lang="en-US" dirty="0"/>
-              <a:t>Support the $submit for updated requests</a:t>
-            </a:r>
-          </a:p>
-          <a:p>
-            <a:pPr marL="457200" indent="-457200">
-              <a:buFont typeface="+mj-lt"/>
-              <a:buAutoNum type="arabicPeriod"/>
-            </a:pPr>
-            <a:r>
-              <a:rPr lang="en-US" dirty="0"/>
-              <a:t>Support $inquire to search for requests</a:t>
-            </a:r>
-          </a:p>
-          <a:p>
-            <a:endParaRPr lang="en-US" dirty="0"/>
-          </a:p>
-          <a:p>
-            <a:r>
-              <a:rPr lang="en-US" dirty="0"/>
-              <a:t>All four elements are required to support PAS.  The order given is priority hints for implementers.</a:t>
-            </a:r>
-          </a:p>
-        </p:txBody>
-      </p:sp>
-      <p:sp>
-        <p:nvSpPr>
-          <p:cNvPr id="3" name="Title 2">
-            <a:extLst>
-              <a:ext uri="{FF2B5EF4-FFF2-40B4-BE49-F238E27FC236}">
-                <a16:creationId xmlns:a16="http://schemas.microsoft.com/office/drawing/2014/main" id="{56B285F3-3ECC-6033-A510-F53D22991FCA}"/>
-              </a:ext>
-            </a:extLst>
-          </p:cNvPr>
-          <p:cNvSpPr>
-            <a:spLocks noGrp="1"/>
-          </p:cNvSpPr>
-          <p:nvPr>
-            <p:ph type="title"/>
-          </p:nvPr>
-        </p:nvSpPr>
-        <p:spPr/>
-        <p:txBody>
-          <a:bodyPr/>
-          <a:lstStyle/>
-          <a:p>
-            <a:r>
-              <a:rPr lang="en-US" dirty="0"/>
-              <a:t>PAS Requirements</a:t>
-            </a:r>
-          </a:p>
-        </p:txBody>
-      </p:sp>
-      <p:sp>
-        <p:nvSpPr>
-          <p:cNvPr id="4" name="Slide Number Placeholder 3">
-            <a:extLst>
-              <a:ext uri="{FF2B5EF4-FFF2-40B4-BE49-F238E27FC236}">
-                <a16:creationId xmlns:a16="http://schemas.microsoft.com/office/drawing/2014/main" id="{40577094-CF81-A734-5772-693B7750ABC3}"/>
-              </a:ext>
-            </a:extLst>
-          </p:cNvPr>
-          <p:cNvSpPr>
-            <a:spLocks noGrp="1"/>
-          </p:cNvSpPr>
-          <p:nvPr>
-            <p:ph type="sldNum" sz="quarter" idx="7"/>
-          </p:nvPr>
-        </p:nvSpPr>
-        <p:spPr/>
-        <p:txBody>
-          <a:bodyPr/>
-          <a:lstStyle/>
-          <a:p>
-            <a:fld id="{B6F15528-21DE-4FAA-801E-634DDDAF4B2B}" type="slidenum">
-              <a:rPr lang="en-CA" smtClean="0"/>
-              <a:t>21</a:t>
-            </a:fld>
-            <a:endParaRPr lang="en-CA"/>
-          </a:p>
-        </p:txBody>
-      </p:sp>
-    </p:spTree>
-    <p:extLst>
-      <p:ext uri="{BB962C8B-B14F-4D97-AF65-F5344CB8AC3E}">
-        <p14:creationId xmlns:p14="http://schemas.microsoft.com/office/powerpoint/2010/main" val="1821740333"/>
       </p:ext>
     </p:extLst>
   </p:cSld>
@@ -11436,7 +8460,7 @@
           <p:cNvPr id="2" name="Text Placeholder 1">
             <a:extLst>
               <a:ext uri="{FF2B5EF4-FFF2-40B4-BE49-F238E27FC236}">
-                <a16:creationId xmlns:a16="http://schemas.microsoft.com/office/drawing/2014/main" id="{A737E6A7-152A-B93C-085A-75F9581F8144}"/>
+                <a16:creationId xmlns:a16="http://schemas.microsoft.com/office/drawing/2014/main" id="{5379705A-88B6-581D-1475-D9D2D2E7B8DF}"/>
               </a:ext>
             </a:extLst>
           </p:cNvPr>
@@ -11452,56 +8476,52 @@
           <a:bodyPr/>
           <a:lstStyle/>
           <a:p>
+            <a:pPr marL="457200" indent="-457200">
+              <a:buFont typeface="+mj-lt"/>
+              <a:buAutoNum type="arabicPeriod"/>
+            </a:pPr>
             <a:r>
               <a:rPr lang="en-US" dirty="0"/>
-              <a:t>The $submit operation is used to send a Prior Authorization request bundle that includes the Claim Request and any referenced resources for processing.</a:t>
-            </a:r>
-          </a:p>
-          <a:p>
+              <a:t>Support the $submit for the initial request</a:t>
+            </a:r>
+          </a:p>
+          <a:p>
+            <a:pPr marL="457200" indent="-457200">
+              <a:buFont typeface="+mj-lt"/>
+              <a:buAutoNum type="arabicPeriod"/>
+            </a:pPr>
             <a:r>
               <a:rPr lang="en-US" dirty="0"/>
-              <a:t>The input is a PAS Claim Request Bundle and the output is a PAS Claim Response Bundle or an </a:t>
-            </a:r>
-            <a:r>
-              <a:rPr lang="en-US" dirty="0" err="1"/>
-              <a:t>OperationOutcome</a:t>
-            </a:r>
+              <a:t>Support Subscriptions to return update notifications to existing requests</a:t>
+            </a:r>
+          </a:p>
+          <a:p>
+            <a:pPr marL="457200" indent="-457200">
+              <a:buFont typeface="+mj-lt"/>
+              <a:buAutoNum type="arabicPeriod"/>
+            </a:pPr>
             <a:r>
               <a:rPr lang="en-US" dirty="0"/>
-              <a:t> resource.</a:t>
-            </a:r>
-          </a:p>
-          <a:p>
+              <a:t>Support the $submit for updated requests</a:t>
+            </a:r>
+          </a:p>
+          <a:p>
+            <a:pPr marL="457200" indent="-457200">
+              <a:buFont typeface="+mj-lt"/>
+              <a:buAutoNum type="arabicPeriod"/>
+            </a:pPr>
             <a:r>
               <a:rPr lang="en-US" dirty="0"/>
-              <a:t>The response will indicate the status of the authorization of each item:</a:t>
-            </a:r>
-          </a:p>
-          <a:p>
-            <a:pPr lvl="1"/>
+              <a:t>Support $inquire to search for requests</a:t>
+            </a:r>
+          </a:p>
+          <a:p>
+            <a:endParaRPr lang="en-US" dirty="0"/>
+          </a:p>
+          <a:p>
             <a:r>
               <a:rPr lang="en-US" dirty="0"/>
-              <a:t>Successful – the requested item has been approved</a:t>
-            </a:r>
-          </a:p>
-          <a:p>
-            <a:pPr lvl="1"/>
-            <a:r>
-              <a:rPr lang="en-US" dirty="0"/>
-              <a:t>Denied – the requested item has been denied</a:t>
-            </a:r>
-          </a:p>
-          <a:p>
-            <a:pPr lvl="1"/>
-            <a:r>
-              <a:rPr lang="en-US" dirty="0"/>
-              <a:t>Pended – the requested item is undergoing review</a:t>
-            </a:r>
-          </a:p>
-          <a:p>
-            <a:r>
-              <a:rPr lang="en-US" dirty="0"/>
-              <a:t>It is also possible for the response to return different items than what was requested.</a:t>
+              <a:t>All four elements are required to support PAS.  The order given is priority hints for implementers.</a:t>
             </a:r>
           </a:p>
         </p:txBody>
@@ -11511,7 +8531,7 @@
           <p:cNvPr id="3" name="Title 2">
             <a:extLst>
               <a:ext uri="{FF2B5EF4-FFF2-40B4-BE49-F238E27FC236}">
-                <a16:creationId xmlns:a16="http://schemas.microsoft.com/office/drawing/2014/main" id="{50998693-D4BE-18D9-8F1D-54EBD204758E}"/>
+                <a16:creationId xmlns:a16="http://schemas.microsoft.com/office/drawing/2014/main" id="{56B285F3-3ECC-6033-A510-F53D22991FCA}"/>
               </a:ext>
             </a:extLst>
           </p:cNvPr>
@@ -11529,7 +8549,7 @@
           <a:p>
             <a:r>
               <a:rPr lang="en-US" dirty="0"/>
-              <a:t>PAS Claim $submit</a:t>
+              <a:t>PAS Requirements</a:t>
             </a:r>
           </a:p>
         </p:txBody>
@@ -11539,7 +8559,7 @@
           <p:cNvPr id="4" name="Slide Number Placeholder 3">
             <a:extLst>
               <a:ext uri="{FF2B5EF4-FFF2-40B4-BE49-F238E27FC236}">
-                <a16:creationId xmlns:a16="http://schemas.microsoft.com/office/drawing/2014/main" id="{D9D1FA6A-5FB0-B083-7968-E4C4200C2F48}"/>
+                <a16:creationId xmlns:a16="http://schemas.microsoft.com/office/drawing/2014/main" id="{40577094-CF81-A734-5772-693B7750ABC3}"/>
               </a:ext>
             </a:extLst>
           </p:cNvPr>
@@ -11566,7 +8586,7 @@
     </p:spTree>
     <p:extLst>
       <p:ext uri="{BB962C8B-B14F-4D97-AF65-F5344CB8AC3E}">
-        <p14:creationId xmlns:p14="http://schemas.microsoft.com/office/powerpoint/2010/main" val="2017393717"/>
+        <p14:creationId xmlns:p14="http://schemas.microsoft.com/office/powerpoint/2010/main" val="1821740333"/>
       </p:ext>
     </p:extLst>
   </p:cSld>
@@ -11598,7 +8618,7 @@
           <p:cNvPr id="2" name="Text Placeholder 1">
             <a:extLst>
               <a:ext uri="{FF2B5EF4-FFF2-40B4-BE49-F238E27FC236}">
-                <a16:creationId xmlns:a16="http://schemas.microsoft.com/office/drawing/2014/main" id="{FDE9F2B3-633C-9640-EE41-BEC2DE4FAB60}"/>
+                <a16:creationId xmlns:a16="http://schemas.microsoft.com/office/drawing/2014/main" id="{A737E6A7-152A-B93C-085A-75F9581F8144}"/>
               </a:ext>
             </a:extLst>
           </p:cNvPr>
@@ -11616,23 +8636,55 @@
           <a:p>
             <a:r>
               <a:rPr lang="en-US" dirty="0"/>
-              <a:t>If the response returns a pended item, then the provider system is expected to use FHIR Subscriptions to find out when the decision has been made.</a:t>
+              <a:t>The $submit operation is used to send a Prior Authorization request bundle that includes the Claim Request and any referenced resources for processing.</a:t>
             </a:r>
           </a:p>
           <a:p>
             <a:r>
               <a:rPr lang="en-US" dirty="0"/>
-              <a:t>The subscription is created at the level of the requesting provider organization and thus handles all requests made by that organization.</a:t>
-            </a:r>
-          </a:p>
-          <a:p>
+              <a:t>The input is a PAS Claim Request Bundle and the output is a PAS Claim Response Bundle or an </a:t>
+            </a:r>
+            <a:r>
+              <a:rPr lang="en-US" dirty="0" err="1"/>
+              <a:t>OperationOutcome</a:t>
+            </a:r>
             <a:r>
               <a:rPr lang="en-US" dirty="0"/>
-              <a:t>When the Prior Authorization response has changed, either to be approved, to be denied, or to require more information, the notification will be sent to the provider organization.</a:t>
-            </a:r>
-          </a:p>
-          <a:p>
-            <a:endParaRPr lang="en-US" dirty="0"/>
+              <a:t> resource.</a:t>
+            </a:r>
+          </a:p>
+          <a:p>
+            <a:r>
+              <a:rPr lang="en-US" dirty="0"/>
+              <a:t>The response will indicate the status of the authorization of each item:</a:t>
+            </a:r>
+          </a:p>
+          <a:p>
+            <a:pPr lvl="1"/>
+            <a:r>
+              <a:rPr lang="en-US" dirty="0"/>
+              <a:t>Successful – the requested item has been approved</a:t>
+            </a:r>
+          </a:p>
+          <a:p>
+            <a:pPr lvl="1"/>
+            <a:r>
+              <a:rPr lang="en-US" dirty="0"/>
+              <a:t>Denied – the requested item has been denied</a:t>
+            </a:r>
+          </a:p>
+          <a:p>
+            <a:pPr lvl="1"/>
+            <a:r>
+              <a:rPr lang="en-US" dirty="0"/>
+              <a:t>Pended – the requested item is undergoing review</a:t>
+            </a:r>
+          </a:p>
+          <a:p>
+            <a:r>
+              <a:rPr lang="en-US" dirty="0"/>
+              <a:t>It is also possible for the response to return different items than what was requested.</a:t>
+            </a:r>
           </a:p>
         </p:txBody>
       </p:sp>
@@ -11641,7 +8693,7 @@
           <p:cNvPr id="3" name="Title 2">
             <a:extLst>
               <a:ext uri="{FF2B5EF4-FFF2-40B4-BE49-F238E27FC236}">
-                <a16:creationId xmlns:a16="http://schemas.microsoft.com/office/drawing/2014/main" id="{307E0247-6B50-B5ED-FD6B-E611CD6011A7}"/>
+                <a16:creationId xmlns:a16="http://schemas.microsoft.com/office/drawing/2014/main" id="{50998693-D4BE-18D9-8F1D-54EBD204758E}"/>
               </a:ext>
             </a:extLst>
           </p:cNvPr>
@@ -11659,7 +8711,7 @@
           <a:p>
             <a:r>
               <a:rPr lang="en-US" dirty="0"/>
-              <a:t>Subscriptions</a:t>
+              <a:t>PAS Claim $submit</a:t>
             </a:r>
           </a:p>
         </p:txBody>
@@ -11669,7 +8721,7 @@
           <p:cNvPr id="4" name="Slide Number Placeholder 3">
             <a:extLst>
               <a:ext uri="{FF2B5EF4-FFF2-40B4-BE49-F238E27FC236}">
-                <a16:creationId xmlns:a16="http://schemas.microsoft.com/office/drawing/2014/main" id="{8DFCABE2-88D7-1D2B-0CB8-AEEC89C895FB}"/>
+                <a16:creationId xmlns:a16="http://schemas.microsoft.com/office/drawing/2014/main" id="{D9D1FA6A-5FB0-B083-7968-E4C4200C2F48}"/>
               </a:ext>
             </a:extLst>
           </p:cNvPr>
@@ -11696,7 +8748,7 @@
     </p:spTree>
     <p:extLst>
       <p:ext uri="{BB962C8B-B14F-4D97-AF65-F5344CB8AC3E}">
-        <p14:creationId xmlns:p14="http://schemas.microsoft.com/office/powerpoint/2010/main" val="3487917906"/>
+        <p14:creationId xmlns:p14="http://schemas.microsoft.com/office/powerpoint/2010/main" val="2017393717"/>
       </p:ext>
     </p:extLst>
   </p:cSld>
@@ -11728,7 +8780,7 @@
           <p:cNvPr id="2" name="Text Placeholder 1">
             <a:extLst>
               <a:ext uri="{FF2B5EF4-FFF2-40B4-BE49-F238E27FC236}">
-                <a16:creationId xmlns:a16="http://schemas.microsoft.com/office/drawing/2014/main" id="{8ED0F328-2538-C84D-D533-D3566C5F7960}"/>
+                <a16:creationId xmlns:a16="http://schemas.microsoft.com/office/drawing/2014/main" id="{FDE9F2B3-633C-9640-EE41-BEC2DE4FAB60}"/>
               </a:ext>
             </a:extLst>
           </p:cNvPr>
@@ -11746,42 +8798,23 @@
           <a:p>
             <a:r>
               <a:rPr lang="en-US" dirty="0"/>
-              <a:t>In some cases, the prior authorization needs to be updated after the request was submitted:</a:t>
-            </a:r>
-          </a:p>
-          <a:p>
-            <a:pPr lvl="1"/>
+              <a:t>If the response returns a pended item, then the provider system is expected to use FHIR Subscriptions to find out when the decision has been made.</a:t>
+            </a:r>
+          </a:p>
+          <a:p>
             <a:r>
               <a:rPr lang="en-US" dirty="0"/>
-              <a:t>Change to the services needed</a:t>
-            </a:r>
-          </a:p>
-          <a:p>
-            <a:pPr lvl="1"/>
+              <a:t>The subscription is created at the level of the requesting provider organization and thus handles all requests made by that organization.</a:t>
+            </a:r>
+          </a:p>
+          <a:p>
             <a:r>
               <a:rPr lang="en-US" dirty="0"/>
-              <a:t>Timeframe over which the service is provided</a:t>
-            </a:r>
-          </a:p>
-          <a:p>
-            <a:pPr lvl="1"/>
-            <a:r>
-              <a:rPr lang="en-US" dirty="0"/>
-              <a:t>Quantity of service or product</a:t>
-            </a:r>
-          </a:p>
-          <a:p>
-            <a:pPr lvl="1"/>
-            <a:r>
-              <a:rPr lang="en-US" dirty="0"/>
-              <a:t>Elimination of the need for a given service</a:t>
-            </a:r>
-          </a:p>
-          <a:p>
-            <a:r>
-              <a:rPr lang="en-US" dirty="0"/>
-              <a:t>A FHIR Claim Update request bundle is submitted with the $submit operation.  This bundle is converted into an X12 278 update.</a:t>
-            </a:r>
+              <a:t>When the Prior Authorization response has changed, either to be approved, to be denied, or to require more information, the notification will be sent to the provider organization.</a:t>
+            </a:r>
+          </a:p>
+          <a:p>
+            <a:endParaRPr lang="en-US" dirty="0"/>
           </a:p>
         </p:txBody>
       </p:sp>
@@ -11790,7 +8823,7 @@
           <p:cNvPr id="3" name="Title 2">
             <a:extLst>
               <a:ext uri="{FF2B5EF4-FFF2-40B4-BE49-F238E27FC236}">
-                <a16:creationId xmlns:a16="http://schemas.microsoft.com/office/drawing/2014/main" id="{32742139-24DE-683D-2CF0-EC279DBFC8A2}"/>
+                <a16:creationId xmlns:a16="http://schemas.microsoft.com/office/drawing/2014/main" id="{307E0247-6B50-B5ED-FD6B-E611CD6011A7}"/>
               </a:ext>
             </a:extLst>
           </p:cNvPr>
@@ -11808,7 +8841,7 @@
           <a:p>
             <a:r>
               <a:rPr lang="en-US" dirty="0"/>
-              <a:t>Prior Authorization Updates</a:t>
+              <a:t>Subscriptions</a:t>
             </a:r>
           </a:p>
         </p:txBody>
@@ -11818,7 +8851,7 @@
           <p:cNvPr id="4" name="Slide Number Placeholder 3">
             <a:extLst>
               <a:ext uri="{FF2B5EF4-FFF2-40B4-BE49-F238E27FC236}">
-                <a16:creationId xmlns:a16="http://schemas.microsoft.com/office/drawing/2014/main" id="{9028E8F4-65EE-1C76-5345-B864EADA4AA2}"/>
+                <a16:creationId xmlns:a16="http://schemas.microsoft.com/office/drawing/2014/main" id="{8DFCABE2-88D7-1D2B-0CB8-AEEC89C895FB}"/>
               </a:ext>
             </a:extLst>
           </p:cNvPr>
@@ -11845,7 +8878,7 @@
     </p:spTree>
     <p:extLst>
       <p:ext uri="{BB962C8B-B14F-4D97-AF65-F5344CB8AC3E}">
-        <p14:creationId xmlns:p14="http://schemas.microsoft.com/office/powerpoint/2010/main" val="1155457930"/>
+        <p14:creationId xmlns:p14="http://schemas.microsoft.com/office/powerpoint/2010/main" val="3487917906"/>
       </p:ext>
     </p:extLst>
   </p:cSld>
@@ -11877,7 +8910,7 @@
           <p:cNvPr id="2" name="Text Placeholder 1">
             <a:extLst>
               <a:ext uri="{FF2B5EF4-FFF2-40B4-BE49-F238E27FC236}">
-                <a16:creationId xmlns:a16="http://schemas.microsoft.com/office/drawing/2014/main" id="{1C813303-BD95-B0C9-85FE-98B75F95E295}"/>
+                <a16:creationId xmlns:a16="http://schemas.microsoft.com/office/drawing/2014/main" id="{8ED0F328-2538-C84D-D533-D3566C5F7960}"/>
               </a:ext>
             </a:extLst>
           </p:cNvPr>
@@ -11895,53 +8928,41 @@
           <a:p>
             <a:r>
               <a:rPr lang="en-US" dirty="0"/>
-              <a:t>Non-Submitting systems are not able to subscribe to Prior Authorizations.</a:t>
-            </a:r>
-          </a:p>
-          <a:p>
+              <a:t>In some cases, the prior authorization needs to be updated after the request was submitted:</a:t>
+            </a:r>
+          </a:p>
+          <a:p>
+            <a:pPr lvl="1"/>
             <a:r>
               <a:rPr lang="en-US" dirty="0"/>
-              <a:t>There is a use case for non-submitting systems to find out about prior authorizations.</a:t>
-            </a:r>
-          </a:p>
-          <a:p>
+              <a:t>Change to the services needed</a:t>
+            </a:r>
+          </a:p>
+          <a:p>
+            <a:pPr lvl="1"/>
             <a:r>
               <a:rPr lang="en-US" dirty="0"/>
-              <a:t>The $inquire operation supports searching for authorizations by example.</a:t>
-            </a:r>
-          </a:p>
-          <a:p>
+              <a:t>Timeframe over which the service is provided</a:t>
+            </a:r>
+          </a:p>
+          <a:p>
+            <a:pPr lvl="1"/>
             <a:r>
               <a:rPr lang="en-US" dirty="0"/>
-              <a:t>The incoming parameter is a FHIR Claim Inquiry Bundle which provides the items intended to match existing authorization requests:</a:t>
+              <a:t>Quantity of service or product</a:t>
             </a:r>
           </a:p>
           <a:p>
             <a:pPr lvl="1"/>
             <a:r>
               <a:rPr lang="en-US" dirty="0"/>
-              <a:t>Requesting provider organization</a:t>
-            </a:r>
-          </a:p>
-          <a:p>
-            <a:pPr lvl="1"/>
+              <a:t>Elimination of the need for a given service</a:t>
+            </a:r>
+          </a:p>
+          <a:p>
             <a:r>
               <a:rPr lang="en-US" dirty="0"/>
-              <a:t>Payer organization</a:t>
-            </a:r>
-          </a:p>
-          <a:p>
-            <a:pPr lvl="1"/>
-            <a:r>
-              <a:rPr lang="en-US" dirty="0"/>
-              <a:t>Patient</a:t>
-            </a:r>
-          </a:p>
-          <a:p>
-            <a:pPr lvl="1"/>
-            <a:r>
-              <a:rPr lang="en-US" dirty="0"/>
-              <a:t>Other fields as needed</a:t>
+              <a:t>A FHIR Claim Update request bundle is submitted with the $submit operation.  This bundle is converted into an X12 278 update.</a:t>
             </a:r>
           </a:p>
         </p:txBody>
@@ -11951,7 +8972,7 @@
           <p:cNvPr id="3" name="Title 2">
             <a:extLst>
               <a:ext uri="{FF2B5EF4-FFF2-40B4-BE49-F238E27FC236}">
-                <a16:creationId xmlns:a16="http://schemas.microsoft.com/office/drawing/2014/main" id="{9EADEA4A-A7AB-45F9-B483-35B4F8224732}"/>
+                <a16:creationId xmlns:a16="http://schemas.microsoft.com/office/drawing/2014/main" id="{32742139-24DE-683D-2CF0-EC279DBFC8A2}"/>
               </a:ext>
             </a:extLst>
           </p:cNvPr>
@@ -11969,7 +8990,7 @@
           <a:p>
             <a:r>
               <a:rPr lang="en-US" dirty="0"/>
-              <a:t>Prior Authorization Inquiries</a:t>
+              <a:t>Prior Authorization Updates</a:t>
             </a:r>
           </a:p>
         </p:txBody>
@@ -11979,7 +9000,7 @@
           <p:cNvPr id="4" name="Slide Number Placeholder 3">
             <a:extLst>
               <a:ext uri="{FF2B5EF4-FFF2-40B4-BE49-F238E27FC236}">
-                <a16:creationId xmlns:a16="http://schemas.microsoft.com/office/drawing/2014/main" id="{3AEB1BB1-3A67-4C42-BBBB-019C7DD5CE37}"/>
+                <a16:creationId xmlns:a16="http://schemas.microsoft.com/office/drawing/2014/main" id="{9028E8F4-65EE-1C76-5345-B864EADA4AA2}"/>
               </a:ext>
             </a:extLst>
           </p:cNvPr>
@@ -11998,6 +9019,167 @@
             <a:fld id="{B6F15528-21DE-4FAA-801E-634DDDAF4B2B}" type="slidenum">
               <a:rPr lang="en-CA" smtClean="0"/>
               <a:t>25</a:t>
+            </a:fld>
+            <a:endParaRPr lang="en-CA"/>
+          </a:p>
+        </p:txBody>
+      </p:sp>
+    </p:spTree>
+    <p:extLst>
+      <p:ext uri="{BB962C8B-B14F-4D97-AF65-F5344CB8AC3E}">
+        <p14:creationId xmlns:p14="http://schemas.microsoft.com/office/powerpoint/2010/main" val="1155457930"/>
+      </p:ext>
+    </p:extLst>
+  </p:cSld>
+  <p:clrMapOvr>
+    <a:masterClrMapping/>
+  </p:clrMapOvr>
+</p:sld>
+</file>
+
+<file path=ppt/slides/slide26.xml><?xml version="1.0" encoding="utf-8"?>
+<p:sld xmlns:a="http://schemas.openxmlformats.org/drawingml/2006/main" xmlns:r="http://schemas.openxmlformats.org/officeDocument/2006/relationships" xmlns:p="http://schemas.openxmlformats.org/presentationml/2006/main">
+  <p:cSld>
+    <p:spTree>
+      <p:nvGrpSpPr>
+        <p:cNvPr id="1" name=""/>
+        <p:cNvGrpSpPr/>
+        <p:nvPr/>
+      </p:nvGrpSpPr>
+      <p:grpSpPr>
+        <a:xfrm>
+          <a:off x="0" y="0"/>
+          <a:ext cx="0" cy="0"/>
+          <a:chOff x="0" y="0"/>
+          <a:chExt cx="0" cy="0"/>
+        </a:xfrm>
+      </p:grpSpPr>
+      <p:sp>
+        <p:nvSpPr>
+          <p:cNvPr id="2" name="Text Placeholder 1">
+            <a:extLst>
+              <a:ext uri="{FF2B5EF4-FFF2-40B4-BE49-F238E27FC236}">
+                <a16:creationId xmlns:a16="http://schemas.microsoft.com/office/drawing/2014/main" id="{1C813303-BD95-B0C9-85FE-98B75F95E295}"/>
+              </a:ext>
+            </a:extLst>
+          </p:cNvPr>
+          <p:cNvSpPr>
+            <a:spLocks noGrp="1"/>
+          </p:cNvSpPr>
+          <p:nvPr>
+            <p:ph type="body" sz="quarter" idx="14"/>
+          </p:nvPr>
+        </p:nvSpPr>
+        <p:spPr/>
+        <p:txBody>
+          <a:bodyPr/>
+          <a:lstStyle/>
+          <a:p>
+            <a:r>
+              <a:rPr lang="en-US" dirty="0"/>
+              <a:t>Non-Submitting systems are not able to subscribe to Prior Authorizations.</a:t>
+            </a:r>
+          </a:p>
+          <a:p>
+            <a:r>
+              <a:rPr lang="en-US" dirty="0"/>
+              <a:t>There is a use case for non-submitting systems to find out about prior authorizations.</a:t>
+            </a:r>
+          </a:p>
+          <a:p>
+            <a:r>
+              <a:rPr lang="en-US" dirty="0"/>
+              <a:t>The $inquire operation supports searching for authorizations by example.</a:t>
+            </a:r>
+          </a:p>
+          <a:p>
+            <a:r>
+              <a:rPr lang="en-US" dirty="0"/>
+              <a:t>The incoming parameter is a FHIR Claim Inquiry Bundle which provides the items intended to match existing authorization requests:</a:t>
+            </a:r>
+          </a:p>
+          <a:p>
+            <a:pPr lvl="1"/>
+            <a:r>
+              <a:rPr lang="en-US" dirty="0"/>
+              <a:t>Requesting provider organization</a:t>
+            </a:r>
+          </a:p>
+          <a:p>
+            <a:pPr lvl="1"/>
+            <a:r>
+              <a:rPr lang="en-US" dirty="0"/>
+              <a:t>Payer organization</a:t>
+            </a:r>
+          </a:p>
+          <a:p>
+            <a:pPr lvl="1"/>
+            <a:r>
+              <a:rPr lang="en-US" dirty="0"/>
+              <a:t>Patient</a:t>
+            </a:r>
+          </a:p>
+          <a:p>
+            <a:pPr lvl="1"/>
+            <a:r>
+              <a:rPr lang="en-US" dirty="0"/>
+              <a:t>Other fields as needed</a:t>
+            </a:r>
+          </a:p>
+        </p:txBody>
+      </p:sp>
+      <p:sp>
+        <p:nvSpPr>
+          <p:cNvPr id="3" name="Title 2">
+            <a:extLst>
+              <a:ext uri="{FF2B5EF4-FFF2-40B4-BE49-F238E27FC236}">
+                <a16:creationId xmlns:a16="http://schemas.microsoft.com/office/drawing/2014/main" id="{9EADEA4A-A7AB-45F9-B483-35B4F8224732}"/>
+              </a:ext>
+            </a:extLst>
+          </p:cNvPr>
+          <p:cNvSpPr>
+            <a:spLocks noGrp="1"/>
+          </p:cNvSpPr>
+          <p:nvPr>
+            <p:ph type="title"/>
+          </p:nvPr>
+        </p:nvSpPr>
+        <p:spPr/>
+        <p:txBody>
+          <a:bodyPr/>
+          <a:lstStyle/>
+          <a:p>
+            <a:r>
+              <a:rPr lang="en-US" dirty="0"/>
+              <a:t>Prior Authorization Inquiries</a:t>
+            </a:r>
+          </a:p>
+        </p:txBody>
+      </p:sp>
+      <p:sp>
+        <p:nvSpPr>
+          <p:cNvPr id="4" name="Slide Number Placeholder 3">
+            <a:extLst>
+              <a:ext uri="{FF2B5EF4-FFF2-40B4-BE49-F238E27FC236}">
+                <a16:creationId xmlns:a16="http://schemas.microsoft.com/office/drawing/2014/main" id="{3AEB1BB1-3A67-4C42-BBBB-019C7DD5CE37}"/>
+              </a:ext>
+            </a:extLst>
+          </p:cNvPr>
+          <p:cNvSpPr>
+            <a:spLocks noGrp="1"/>
+          </p:cNvSpPr>
+          <p:nvPr>
+            <p:ph type="sldNum" sz="quarter" idx="7"/>
+          </p:nvPr>
+        </p:nvSpPr>
+        <p:spPr/>
+        <p:txBody>
+          <a:bodyPr/>
+          <a:lstStyle/>
+          <a:p>
+            <a:fld id="{B6F15528-21DE-4FAA-801E-634DDDAF4B2B}" type="slidenum">
+              <a:rPr lang="en-CA" smtClean="0"/>
+              <a:t>26</a:t>
             </a:fld>
             <a:endParaRPr lang="en-CA"/>
           </a:p>
@@ -12016,7 +9198,7 @@
 </p:sld>
 </file>
 
-<file path=ppt/slides/slide26.xml><?xml version="1.0" encoding="utf-8"?>
+<file path=ppt/slides/slide27.xml><?xml version="1.0" encoding="utf-8"?>
 <p:sld xmlns:a="http://schemas.openxmlformats.org/drawingml/2006/main" xmlns:r="http://schemas.openxmlformats.org/officeDocument/2006/relationships" xmlns:p="http://schemas.openxmlformats.org/presentationml/2006/main">
   <p:cSld>
     <p:spTree>
@@ -12095,7 +9277,7 @@
           <a:p>
             <a:fld id="{B6F15528-21DE-4FAA-801E-634DDDAF4B2B}" type="slidenum">
               <a:rPr lang="en-CA" smtClean="0"/>
-              <a:t>26</a:t>
+              <a:t>27</a:t>
             </a:fld>
             <a:endParaRPr lang="en-CA"/>
           </a:p>
@@ -12114,7 +9296,7 @@
 </p:sld>
 </file>
 
-<file path=ppt/slides/slide27.xml><?xml version="1.0" encoding="utf-8"?>
+<file path=ppt/slides/slide28.xml><?xml version="1.0" encoding="utf-8"?>
 <p:sld xmlns:a="http://schemas.openxmlformats.org/drawingml/2006/main" xmlns:r="http://schemas.openxmlformats.org/officeDocument/2006/relationships" xmlns:p="http://schemas.openxmlformats.org/presentationml/2006/main">
   <p:cSld>
     <p:spTree>
@@ -12224,7 +9406,7 @@
 </p:sld>
 </file>
 
-<file path=ppt/slides/slide28.xml><?xml version="1.0" encoding="utf-8"?>
+<file path=ppt/slides/slide29.xml><?xml version="1.0" encoding="utf-8"?>
 <p:sld xmlns:a="http://schemas.openxmlformats.org/drawingml/2006/main" xmlns:r="http://schemas.openxmlformats.org/officeDocument/2006/relationships" xmlns:p="http://schemas.openxmlformats.org/presentationml/2006/main">
   <p:cSld>
     <p:spTree>
@@ -12303,7 +9485,7 @@
           <a:p>
             <a:fld id="{B6F15528-21DE-4FAA-801E-634DDDAF4B2B}" type="slidenum">
               <a:rPr lang="en-CA" smtClean="0"/>
-              <a:t>28</a:t>
+              <a:t>29</a:t>
             </a:fld>
             <a:endParaRPr lang="en-CA"/>
           </a:p>
@@ -14012,6 +11194,64 @@
 </file>
 
 <file path=customXml/item2.xml><?xml version="1.0" encoding="utf-8"?>
+<p:properties xmlns:p="http://schemas.microsoft.com/office/2006/metadata/properties" xmlns:xsi="http://www.w3.org/2001/XMLSchema-instance" xmlns:pc="http://schemas.microsoft.com/office/infopath/2007/PartnerControls">
+  <documentManagement>
+    <SharedWithUsers xmlns="cf5a87e6-8225-499d-8aa7-664ff23f0528">
+      <UserInfo>
+        <DisplayName>Kathy Moncelsi</DisplayName>
+        <AccountId>117</AccountId>
+        <AccountType/>
+      </UserInfo>
+      <UserInfo>
+        <DisplayName>Vanessa Candelora</DisplayName>
+        <AccountId>7525</AccountId>
+        <AccountType/>
+      </UserInfo>
+      <UserInfo>
+        <DisplayName>Phung Matthews</DisplayName>
+        <AccountId>7256</AccountId>
+        <AccountType/>
+      </UserInfo>
+      <UserInfo>
+        <DisplayName>Jordyn King</DisplayName>
+        <AccountId>6166</AccountId>
+        <AccountType/>
+      </UserInfo>
+      <UserInfo>
+        <DisplayName>Pooja Babbrah</DisplayName>
+        <AccountId>63</AccountId>
+        <AccountType/>
+      </UserInfo>
+      <UserInfo>
+        <DisplayName>Frank McKinney</DisplayName>
+        <AccountId>6074</AccountId>
+        <AccountType/>
+      </UserInfo>
+      <UserInfo>
+        <DisplayName>Amy Johnson</DisplayName>
+        <AccountId>281</AccountId>
+        <AccountType/>
+      </UserInfo>
+      <UserInfo>
+        <DisplayName>Michael Solomon</DisplayName>
+        <AccountId>78</AccountId>
+        <AccountType/>
+      </UserInfo>
+      <UserInfo>
+        <DisplayName>Tony Schueth</DisplayName>
+        <AccountId>24</AccountId>
+        <AccountType/>
+      </UserInfo>
+    </SharedWithUsers>
+    <TaxCatchAll xmlns="cf5a87e6-8225-499d-8aa7-664ff23f0528" xsi:nil="true"/>
+    <lcf76f155ced4ddcb4097134ff3c332f xmlns="9f94fe76-4e69-4a06-93ce-361b54a8e543">
+      <Terms xmlns="http://schemas.microsoft.com/office/infopath/2007/PartnerControls"/>
+    </lcf76f155ced4ddcb4097134ff3c332f>
+  </documentManagement>
+</p:properties>
+</file>
+
+<file path=customXml/item3.xml><?xml version="1.0" encoding="utf-8"?>
 <ct:contentTypeSchema xmlns:ct="http://schemas.microsoft.com/office/2006/metadata/contentType" xmlns:ma="http://schemas.microsoft.com/office/2006/metadata/properties/metaAttributes" ct:_="" ma:_="" ma:contentTypeName="Document" ma:contentTypeID="0x0101002C8FC9818E7A2340A2B524F46111FD15" ma:contentTypeVersion="19" ma:contentTypeDescription="Create a new document." ma:contentTypeScope="" ma:versionID="7ef9a8bc46a14bfd553da3a3e6695c4d">
   <xsd:schema xmlns:xsd="http://www.w3.org/2001/XMLSchema" xmlns:xs="http://www.w3.org/2001/XMLSchema" xmlns:p="http://schemas.microsoft.com/office/2006/metadata/properties" xmlns:ns2="9f94fe76-4e69-4a06-93ce-361b54a8e543" xmlns:ns3="cf5a87e6-8225-499d-8aa7-664ff23f0528" targetNamespace="http://schemas.microsoft.com/office/2006/metadata/properties" ma:root="true" ma:fieldsID="580938c8cdc1ed620302479102261575" ns2:_="" ns3:_="">
     <xsd:import namespace="9f94fe76-4e69-4a06-93ce-361b54a8e543"/>
@@ -14266,64 +11506,6 @@
 </ct:contentTypeSchema>
 </file>
 
-<file path=customXml/item3.xml><?xml version="1.0" encoding="utf-8"?>
-<p:properties xmlns:p="http://schemas.microsoft.com/office/2006/metadata/properties" xmlns:xsi="http://www.w3.org/2001/XMLSchema-instance" xmlns:pc="http://schemas.microsoft.com/office/infopath/2007/PartnerControls">
-  <documentManagement>
-    <SharedWithUsers xmlns="cf5a87e6-8225-499d-8aa7-664ff23f0528">
-      <UserInfo>
-        <DisplayName>Kathy Moncelsi</DisplayName>
-        <AccountId>117</AccountId>
-        <AccountType/>
-      </UserInfo>
-      <UserInfo>
-        <DisplayName>Vanessa Candelora</DisplayName>
-        <AccountId>7525</AccountId>
-        <AccountType/>
-      </UserInfo>
-      <UserInfo>
-        <DisplayName>Phung Matthews</DisplayName>
-        <AccountId>7256</AccountId>
-        <AccountType/>
-      </UserInfo>
-      <UserInfo>
-        <DisplayName>Jordyn King</DisplayName>
-        <AccountId>6166</AccountId>
-        <AccountType/>
-      </UserInfo>
-      <UserInfo>
-        <DisplayName>Pooja Babbrah</DisplayName>
-        <AccountId>63</AccountId>
-        <AccountType/>
-      </UserInfo>
-      <UserInfo>
-        <DisplayName>Frank McKinney</DisplayName>
-        <AccountId>6074</AccountId>
-        <AccountType/>
-      </UserInfo>
-      <UserInfo>
-        <DisplayName>Amy Johnson</DisplayName>
-        <AccountId>281</AccountId>
-        <AccountType/>
-      </UserInfo>
-      <UserInfo>
-        <DisplayName>Michael Solomon</DisplayName>
-        <AccountId>78</AccountId>
-        <AccountType/>
-      </UserInfo>
-      <UserInfo>
-        <DisplayName>Tony Schueth</DisplayName>
-        <AccountId>24</AccountId>
-        <AccountType/>
-      </UserInfo>
-    </SharedWithUsers>
-    <TaxCatchAll xmlns="cf5a87e6-8225-499d-8aa7-664ff23f0528" xsi:nil="true"/>
-    <lcf76f155ced4ddcb4097134ff3c332f xmlns="9f94fe76-4e69-4a06-93ce-361b54a8e543">
-      <Terms xmlns="http://schemas.microsoft.com/office/infopath/2007/PartnerControls"/>
-    </lcf76f155ced4ddcb4097134ff3c332f>
-  </documentManagement>
-</p:properties>
-</file>
-
 <file path=customXml/itemProps1.xml><?xml version="1.0" encoding="utf-8"?>
 <ds:datastoreItem xmlns:ds="http://schemas.openxmlformats.org/officeDocument/2006/customXml" ds:itemID="{0BA6B2E7-CD55-478D-BEC8-4794A5943CF4}">
   <ds:schemaRefs>
@@ -14333,6 +11515,23 @@
 </file>
 
 <file path=customXml/itemProps2.xml><?xml version="1.0" encoding="utf-8"?>
+<ds:datastoreItem xmlns:ds="http://schemas.openxmlformats.org/officeDocument/2006/customXml" ds:itemID="{ABC3541C-51DD-43E3-8C9A-56AC6823A20C}">
+  <ds:schemaRefs>
+    <ds:schemaRef ds:uri="9f94fe76-4e69-4a06-93ce-361b54a8e543"/>
+    <ds:schemaRef ds:uri="cf5a87e6-8225-499d-8aa7-664ff23f0528"/>
+    <ds:schemaRef ds:uri="http://purl.org/dc/dcmitype/"/>
+    <ds:schemaRef ds:uri="http://purl.org/dc/elements/1.1/"/>
+    <ds:schemaRef ds:uri="http://purl.org/dc/terms/"/>
+    <ds:schemaRef ds:uri="http://schemas.microsoft.com/office/2006/documentManagement/types"/>
+    <ds:schemaRef ds:uri="http://schemas.microsoft.com/office/2006/metadata/properties"/>
+    <ds:schemaRef ds:uri="http://schemas.microsoft.com/office/infopath/2007/PartnerControls"/>
+    <ds:schemaRef ds:uri="http://schemas.openxmlformats.org/package/2006/metadata/core-properties"/>
+    <ds:schemaRef ds:uri="http://www.w3.org/XML/1998/namespace"/>
+  </ds:schemaRefs>
+</ds:datastoreItem>
+</file>
+
+<file path=customXml/itemProps3.xml><?xml version="1.0" encoding="utf-8"?>
 <ds:datastoreItem xmlns:ds="http://schemas.openxmlformats.org/officeDocument/2006/customXml" ds:itemID="{75D6C950-6891-4B9F-8042-EAAA803A1D70}">
   <ds:schemaRefs>
     <ds:schemaRef ds:uri="9f94fe76-4e69-4a06-93ce-361b54a8e543"/>
@@ -14349,21 +11548,4 @@
     <ds:schemaRef ds:uri="http://www.w3.org/2001/XMLSchema"/>
   </ds:schemaRefs>
 </ds:datastoreItem>
-</file>
-
-<file path=customXml/itemProps3.xml><?xml version="1.0" encoding="utf-8"?>
-<ds:datastoreItem xmlns:ds="http://schemas.openxmlformats.org/officeDocument/2006/customXml" ds:itemID="{ABC3541C-51DD-43E3-8C9A-56AC6823A20C}">
-  <ds:schemaRefs>
-    <ds:schemaRef ds:uri="9f94fe76-4e69-4a06-93ce-361b54a8e543"/>
-    <ds:schemaRef ds:uri="cf5a87e6-8225-499d-8aa7-664ff23f0528"/>
-    <ds:schemaRef ds:uri="http://purl.org/dc/dcmitype/"/>
-    <ds:schemaRef ds:uri="http://purl.org/dc/elements/1.1/"/>
-    <ds:schemaRef ds:uri="http://purl.org/dc/terms/"/>
-    <ds:schemaRef ds:uri="http://schemas.microsoft.com/office/2006/documentManagement/types"/>
-    <ds:schemaRef ds:uri="http://schemas.microsoft.com/office/2006/metadata/properties"/>
-    <ds:schemaRef ds:uri="http://schemas.microsoft.com/office/infopath/2007/PartnerControls"/>
-    <ds:schemaRef ds:uri="http://schemas.openxmlformats.org/package/2006/metadata/core-properties"/>
-    <ds:schemaRef ds:uri="http://www.w3.org/XML/1998/namespace"/>
-  </ds:schemaRefs>
-</ds:datastoreItem>
 </file>
--- a/presentations/2025-04-DaVinci/Event/Burden Reduction - Approach for Achieving Conformance.pptx
+++ b/presentations/2025-04-DaVinci/Event/Burden Reduction - Approach for Achieving Conformance.pptx
@@ -5150,6 +5150,299 @@
             <a:r>
               <a:rPr lang="en-CA" dirty="0"/>
               <a:t>Approach for Achieving Conformance</a:t>
+            </a:r>
+          </a:p>
+        </p:txBody>
+      </p:sp>
+      <p:sp>
+        <p:nvSpPr>
+          <p:cNvPr id="2" name="TextBox 1">
+            <a:extLst>
+              <a:ext uri="{FF2B5EF4-FFF2-40B4-BE49-F238E27FC236}">
+                <a16:creationId xmlns:a16="http://schemas.microsoft.com/office/drawing/2014/main" id="{20F93EE2-3908-EB8B-033B-FB1D49BC9A31}"/>
+              </a:ext>
+            </a:extLst>
+          </p:cNvPr>
+          <p:cNvSpPr txBox="1"/>
+          <p:nvPr/>
+        </p:nvSpPr>
+        <p:spPr>
+          <a:xfrm>
+            <a:off x="4585486" y="4378057"/>
+            <a:ext cx="6513689" cy="1815882"/>
+          </a:xfrm>
+          <a:prstGeom prst="rect">
+            <a:avLst/>
+          </a:prstGeom>
+          <a:noFill/>
+        </p:spPr>
+        <p:txBody>
+          <a:bodyPr wrap="square" rtlCol="0">
+            <a:spAutoFit/>
+          </a:bodyPr>
+          <a:lstStyle>
+            <a:defPPr marR="0" lvl="0" algn="l" rtl="0">
+              <a:lnSpc>
+                <a:spcPct val="100000"/>
+              </a:lnSpc>
+              <a:spcBef>
+                <a:spcPts val="0"/>
+              </a:spcBef>
+              <a:spcAft>
+                <a:spcPts val="0"/>
+              </a:spcAft>
+            </a:defPPr>
+            <a:lvl1pPr marR="0" lvl="0" algn="l" rtl="0">
+              <a:lnSpc>
+                <a:spcPct val="100000"/>
+              </a:lnSpc>
+              <a:spcBef>
+                <a:spcPts val="0"/>
+              </a:spcBef>
+              <a:spcAft>
+                <a:spcPts val="0"/>
+              </a:spcAft>
+              <a:buClr>
+                <a:srgbClr val="000000"/>
+              </a:buClr>
+              <a:buFont typeface="Arial"/>
+              <a:defRPr sz="1400" b="0" i="0" u="none" strike="noStrike" cap="none">
+                <a:solidFill>
+                  <a:srgbClr val="000000"/>
+                </a:solidFill>
+                <a:latin typeface="Arial"/>
+                <a:ea typeface="Arial"/>
+                <a:cs typeface="Arial"/>
+                <a:sym typeface="Arial"/>
+              </a:defRPr>
+            </a:lvl1pPr>
+            <a:lvl2pPr marR="0" lvl="1" algn="l" rtl="0">
+              <a:lnSpc>
+                <a:spcPct val="100000"/>
+              </a:lnSpc>
+              <a:spcBef>
+                <a:spcPts val="0"/>
+              </a:spcBef>
+              <a:spcAft>
+                <a:spcPts val="0"/>
+              </a:spcAft>
+              <a:buClr>
+                <a:srgbClr val="000000"/>
+              </a:buClr>
+              <a:buFont typeface="Arial"/>
+              <a:defRPr sz="1400" b="0" i="0" u="none" strike="noStrike" cap="none">
+                <a:solidFill>
+                  <a:srgbClr val="000000"/>
+                </a:solidFill>
+                <a:latin typeface="Arial"/>
+                <a:ea typeface="Arial"/>
+                <a:cs typeface="Arial"/>
+                <a:sym typeface="Arial"/>
+              </a:defRPr>
+            </a:lvl2pPr>
+            <a:lvl3pPr marR="0" lvl="2" algn="l" rtl="0">
+              <a:lnSpc>
+                <a:spcPct val="100000"/>
+              </a:lnSpc>
+              <a:spcBef>
+                <a:spcPts val="0"/>
+              </a:spcBef>
+              <a:spcAft>
+                <a:spcPts val="0"/>
+              </a:spcAft>
+              <a:buClr>
+                <a:srgbClr val="000000"/>
+              </a:buClr>
+              <a:buFont typeface="Arial"/>
+              <a:defRPr sz="1400" b="0" i="0" u="none" strike="noStrike" cap="none">
+                <a:solidFill>
+                  <a:srgbClr val="000000"/>
+                </a:solidFill>
+                <a:latin typeface="Arial"/>
+                <a:ea typeface="Arial"/>
+                <a:cs typeface="Arial"/>
+                <a:sym typeface="Arial"/>
+              </a:defRPr>
+            </a:lvl3pPr>
+            <a:lvl4pPr marR="0" lvl="3" algn="l" rtl="0">
+              <a:lnSpc>
+                <a:spcPct val="100000"/>
+              </a:lnSpc>
+              <a:spcBef>
+                <a:spcPts val="0"/>
+              </a:spcBef>
+              <a:spcAft>
+                <a:spcPts val="0"/>
+              </a:spcAft>
+              <a:buClr>
+                <a:srgbClr val="000000"/>
+              </a:buClr>
+              <a:buFont typeface="Arial"/>
+              <a:defRPr sz="1400" b="0" i="0" u="none" strike="noStrike" cap="none">
+                <a:solidFill>
+                  <a:srgbClr val="000000"/>
+                </a:solidFill>
+                <a:latin typeface="Arial"/>
+                <a:ea typeface="Arial"/>
+                <a:cs typeface="Arial"/>
+                <a:sym typeface="Arial"/>
+              </a:defRPr>
+            </a:lvl4pPr>
+            <a:lvl5pPr marR="0" lvl="4" algn="l" rtl="0">
+              <a:lnSpc>
+                <a:spcPct val="100000"/>
+              </a:lnSpc>
+              <a:spcBef>
+                <a:spcPts val="0"/>
+              </a:spcBef>
+              <a:spcAft>
+                <a:spcPts val="0"/>
+              </a:spcAft>
+              <a:buClr>
+                <a:srgbClr val="000000"/>
+              </a:buClr>
+              <a:buFont typeface="Arial"/>
+              <a:defRPr sz="1400" b="0" i="0" u="none" strike="noStrike" cap="none">
+                <a:solidFill>
+                  <a:srgbClr val="000000"/>
+                </a:solidFill>
+                <a:latin typeface="Arial"/>
+                <a:ea typeface="Arial"/>
+                <a:cs typeface="Arial"/>
+                <a:sym typeface="Arial"/>
+              </a:defRPr>
+            </a:lvl5pPr>
+            <a:lvl6pPr marR="0" lvl="5" algn="l" rtl="0">
+              <a:lnSpc>
+                <a:spcPct val="100000"/>
+              </a:lnSpc>
+              <a:spcBef>
+                <a:spcPts val="0"/>
+              </a:spcBef>
+              <a:spcAft>
+                <a:spcPts val="0"/>
+              </a:spcAft>
+              <a:buClr>
+                <a:srgbClr val="000000"/>
+              </a:buClr>
+              <a:buFont typeface="Arial"/>
+              <a:defRPr sz="1400" b="0" i="0" u="none" strike="noStrike" cap="none">
+                <a:solidFill>
+                  <a:srgbClr val="000000"/>
+                </a:solidFill>
+                <a:latin typeface="Arial"/>
+                <a:ea typeface="Arial"/>
+                <a:cs typeface="Arial"/>
+                <a:sym typeface="Arial"/>
+              </a:defRPr>
+            </a:lvl6pPr>
+            <a:lvl7pPr marR="0" lvl="6" algn="l" rtl="0">
+              <a:lnSpc>
+                <a:spcPct val="100000"/>
+              </a:lnSpc>
+              <a:spcBef>
+                <a:spcPts val="0"/>
+              </a:spcBef>
+              <a:spcAft>
+                <a:spcPts val="0"/>
+              </a:spcAft>
+              <a:buClr>
+                <a:srgbClr val="000000"/>
+              </a:buClr>
+              <a:buFont typeface="Arial"/>
+              <a:defRPr sz="1400" b="0" i="0" u="none" strike="noStrike" cap="none">
+                <a:solidFill>
+                  <a:srgbClr val="000000"/>
+                </a:solidFill>
+                <a:latin typeface="Arial"/>
+                <a:ea typeface="Arial"/>
+                <a:cs typeface="Arial"/>
+                <a:sym typeface="Arial"/>
+              </a:defRPr>
+            </a:lvl7pPr>
+            <a:lvl8pPr marR="0" lvl="7" algn="l" rtl="0">
+              <a:lnSpc>
+                <a:spcPct val="100000"/>
+              </a:lnSpc>
+              <a:spcBef>
+                <a:spcPts val="0"/>
+              </a:spcBef>
+              <a:spcAft>
+                <a:spcPts val="0"/>
+              </a:spcAft>
+              <a:buClr>
+                <a:srgbClr val="000000"/>
+              </a:buClr>
+              <a:buFont typeface="Arial"/>
+              <a:defRPr sz="1400" b="0" i="0" u="none" strike="noStrike" cap="none">
+                <a:solidFill>
+                  <a:srgbClr val="000000"/>
+                </a:solidFill>
+                <a:latin typeface="Arial"/>
+                <a:ea typeface="Arial"/>
+                <a:cs typeface="Arial"/>
+                <a:sym typeface="Arial"/>
+              </a:defRPr>
+            </a:lvl8pPr>
+            <a:lvl9pPr marR="0" lvl="8" algn="l" rtl="0">
+              <a:lnSpc>
+                <a:spcPct val="100000"/>
+              </a:lnSpc>
+              <a:spcBef>
+                <a:spcPts val="0"/>
+              </a:spcBef>
+              <a:spcAft>
+                <a:spcPts val="0"/>
+              </a:spcAft>
+              <a:buClr>
+                <a:srgbClr val="000000"/>
+              </a:buClr>
+              <a:buFont typeface="Arial"/>
+              <a:defRPr sz="1400" b="0" i="0" u="none" strike="noStrike" cap="none">
+                <a:solidFill>
+                  <a:srgbClr val="000000"/>
+                </a:solidFill>
+                <a:latin typeface="Arial"/>
+                <a:ea typeface="Arial"/>
+                <a:cs typeface="Arial"/>
+                <a:sym typeface="Arial"/>
+              </a:defRPr>
+            </a:lvl9pPr>
+          </a:lstStyle>
+          <a:p>
+            <a:r>
+              <a:rPr lang="en-US" b="1" u="sng" dirty="0"/>
+              <a:t>Lloyd McKenzie, P.Eng</a:t>
+            </a:r>
+            <a:r>
+              <a:rPr lang="en-US" dirty="0"/>
+              <a:t> HL7 Da Vinci Project Deputy Technical Director, CRD IG Lead, and Chief Standards Officer, Dogwood Health Consulting</a:t>
+            </a:r>
+          </a:p>
+          <a:p>
+            <a:endParaRPr lang="en-US" dirty="0"/>
+          </a:p>
+          <a:p>
+            <a:r>
+              <a:rPr lang="en-US" b="1" u="sng" dirty="0"/>
+              <a:t>Jeff Brown</a:t>
+            </a:r>
+            <a:r>
+              <a:rPr lang="en-US" dirty="0"/>
+              <a:t> HL7 Da Vinci DTR IG Lead and Principal Healthcare Standards Advisor, Lantana Consulting Group</a:t>
+            </a:r>
+          </a:p>
+          <a:p>
+            <a:endParaRPr lang="en-US" dirty="0"/>
+          </a:p>
+          <a:p>
+            <a:r>
+              <a:rPr lang="en-US" b="1" u="sng" dirty="0"/>
+              <a:t>Jean Duteau</a:t>
+            </a:r>
+            <a:r>
+              <a:rPr lang="en-US" dirty="0"/>
+              <a:t> HL7 Da Vinci PAS IG Lead and Chief Technical Officer, Dogwood Health Consulting</a:t>
             </a:r>
           </a:p>
         </p:txBody>
@@ -11185,15 +11478,6 @@
 </file>
 
 <file path=customXml/item1.xml><?xml version="1.0" encoding="utf-8"?>
-<?mso-contentType ?>
-<FormTemplates xmlns="http://schemas.microsoft.com/sharepoint/v3/contenttype/forms">
-  <Display>DocumentLibraryForm</Display>
-  <Edit>DocumentLibraryForm</Edit>
-  <New>DocumentLibraryForm</New>
-</FormTemplates>
-</file>
-
-<file path=customXml/item2.xml><?xml version="1.0" encoding="utf-8"?>
 <p:properties xmlns:p="http://schemas.microsoft.com/office/2006/metadata/properties" xmlns:xsi="http://www.w3.org/2001/XMLSchema-instance" xmlns:pc="http://schemas.microsoft.com/office/infopath/2007/PartnerControls">
   <documentManagement>
     <SharedWithUsers xmlns="cf5a87e6-8225-499d-8aa7-664ff23f0528">
@@ -11249,6 +11533,15 @@
     </lcf76f155ced4ddcb4097134ff3c332f>
   </documentManagement>
 </p:properties>
+</file>
+
+<file path=customXml/item2.xml><?xml version="1.0" encoding="utf-8"?>
+<?mso-contentType ?>
+<FormTemplates xmlns="http://schemas.microsoft.com/sharepoint/v3/contenttype/forms">
+  <Display>DocumentLibraryForm</Display>
+  <Edit>DocumentLibraryForm</Edit>
+  <New>DocumentLibraryForm</New>
+</FormTemplates>
 </file>
 
 <file path=customXml/item3.xml><?xml version="1.0" encoding="utf-8"?>
@@ -11507,14 +11800,6 @@
 </file>
 
 <file path=customXml/itemProps1.xml><?xml version="1.0" encoding="utf-8"?>
-<ds:datastoreItem xmlns:ds="http://schemas.openxmlformats.org/officeDocument/2006/customXml" ds:itemID="{0BA6B2E7-CD55-478D-BEC8-4794A5943CF4}">
-  <ds:schemaRefs>
-    <ds:schemaRef ds:uri="http://schemas.microsoft.com/sharepoint/v3/contenttype/forms"/>
-  </ds:schemaRefs>
-</ds:datastoreItem>
-</file>
-
-<file path=customXml/itemProps2.xml><?xml version="1.0" encoding="utf-8"?>
 <ds:datastoreItem xmlns:ds="http://schemas.openxmlformats.org/officeDocument/2006/customXml" ds:itemID="{ABC3541C-51DD-43E3-8C9A-56AC6823A20C}">
   <ds:schemaRefs>
     <ds:schemaRef ds:uri="9f94fe76-4e69-4a06-93ce-361b54a8e543"/>
@@ -11527,6 +11812,14 @@
     <ds:schemaRef ds:uri="http://schemas.microsoft.com/office/infopath/2007/PartnerControls"/>
     <ds:schemaRef ds:uri="http://schemas.openxmlformats.org/package/2006/metadata/core-properties"/>
     <ds:schemaRef ds:uri="http://www.w3.org/XML/1998/namespace"/>
+  </ds:schemaRefs>
+</ds:datastoreItem>
+</file>
+
+<file path=customXml/itemProps2.xml><?xml version="1.0" encoding="utf-8"?>
+<ds:datastoreItem xmlns:ds="http://schemas.openxmlformats.org/officeDocument/2006/customXml" ds:itemID="{0BA6B2E7-CD55-478D-BEC8-4794A5943CF4}">
+  <ds:schemaRefs>
+    <ds:schemaRef ds:uri="http://schemas.microsoft.com/sharepoint/v3/contenttype/forms"/>
   </ds:schemaRefs>
 </ds:datastoreItem>
 </file>
